--- a/第4章excel/图表/图表.pptx
+++ b/第4章excel/图表/图表.pptx
@@ -5141,11 +5141,15 @@
           </a:p>
           <a:p>
             <a:r>
-              <a:rPr lang="zh-CN" altLang="en-US" dirty="0"/>
+              <a:rPr lang="zh-CN" altLang="en-US" dirty="0">
+                <a:hlinkClick r:id="rId4" action="ppaction://hlinkpres?slideindex=1&amp;slidetitle="/>
+              </a:rPr>
               <a:t>迷你</a:t>
             </a:r>
             <a:r>
-              <a:rPr lang="zh-CN" altLang="en-US" dirty="0" smtClean="0"/>
+              <a:rPr lang="zh-CN" altLang="en-US" dirty="0" smtClean="0">
+                <a:hlinkClick r:id="rId4" action="ppaction://hlinkpres?slideindex=1&amp;slidetitle="/>
+              </a:rPr>
               <a:t>图颜色</a:t>
             </a:r>
             <a:endParaRPr lang="en-US" altLang="zh-CN" dirty="0" smtClean="0"/>

--- a/第4章excel/图表/图表.pptx
+++ b/第4章excel/图表/图表.pptx
@@ -10,6 +10,11 @@
     <p:sldId id="258" r:id="rId4"/>
     <p:sldId id="259" r:id="rId5"/>
     <p:sldId id="260" r:id="rId6"/>
+    <p:sldId id="261" r:id="rId7"/>
+    <p:sldId id="262" r:id="rId8"/>
+    <p:sldId id="263" r:id="rId9"/>
+    <p:sldId id="264" r:id="rId10"/>
+    <p:sldId id="265" r:id="rId11"/>
   </p:sldIdLst>
   <p:sldSz cx="9144000" cy="6858000" type="screen4x3"/>
   <p:notesSz cx="6858000" cy="9144000"/>
@@ -3213,6 +3218,1381 @@
 </p:sld>
 </file>
 
+<file path=ppt/slides/slide10.xml><?xml version="1.0" encoding="utf-8"?>
+<p:sld xmlns:a="http://schemas.openxmlformats.org/drawingml/2006/main" xmlns:r="http://schemas.openxmlformats.org/officeDocument/2006/relationships" xmlns:p="http://schemas.openxmlformats.org/presentationml/2006/main">
+  <p:cSld>
+    <p:spTree>
+      <p:nvGrpSpPr>
+        <p:cNvPr id="1" name=""/>
+        <p:cNvGrpSpPr/>
+        <p:nvPr/>
+      </p:nvGrpSpPr>
+      <p:grpSpPr>
+        <a:xfrm>
+          <a:off x="0" y="0"/>
+          <a:ext cx="0" cy="0"/>
+          <a:chOff x="0" y="0"/>
+          <a:chExt cx="0" cy="0"/>
+        </a:xfrm>
+      </p:grpSpPr>
+      <p:sp>
+        <p:nvSpPr>
+          <p:cNvPr id="2" name="标题 1"/>
+          <p:cNvSpPr>
+            <a:spLocks noGrp="1"/>
+          </p:cNvSpPr>
+          <p:nvPr>
+            <p:ph type="title"/>
+          </p:nvPr>
+        </p:nvSpPr>
+        <p:spPr/>
+        <p:txBody>
+          <a:bodyPr/>
+          <a:lstStyle/>
+          <a:p>
+            <a:r>
+              <a:rPr lang="zh-CN" altLang="en-US" dirty="0" smtClean="0"/>
+              <a:t>移动图表</a:t>
+            </a:r>
+            <a:endParaRPr lang="zh-CN" altLang="en-US" dirty="0"/>
+          </a:p>
+        </p:txBody>
+      </p:sp>
+      <p:pic>
+        <p:nvPicPr>
+          <p:cNvPr id="4" name="内容占位符 3"/>
+          <p:cNvPicPr>
+            <a:picLocks noGrp="1" noChangeAspect="1"/>
+          </p:cNvPicPr>
+          <p:nvPr>
+            <p:ph idx="1"/>
+          </p:nvPr>
+        </p:nvPicPr>
+        <p:blipFill>
+          <a:blip r:embed="rId2">
+            <a:extLst>
+              <a:ext uri="{28A0092B-C50C-407E-A947-70E740481C1C}">
+                <a14:useLocalDpi xmlns:a14="http://schemas.microsoft.com/office/drawing/2010/main" val="0"/>
+              </a:ext>
+            </a:extLst>
+          </a:blip>
+          <a:stretch>
+            <a:fillRect/>
+          </a:stretch>
+        </p:blipFill>
+        <p:spPr>
+          <a:xfrm>
+            <a:off x="467544" y="1484784"/>
+            <a:ext cx="8229600" cy="1259173"/>
+          </a:xfrm>
+        </p:spPr>
+      </p:pic>
+      <p:sp>
+        <p:nvSpPr>
+          <p:cNvPr id="5" name="TextBox 4"/>
+          <p:cNvSpPr txBox="1"/>
+          <p:nvPr/>
+        </p:nvSpPr>
+        <p:spPr>
+          <a:xfrm>
+            <a:off x="1187624" y="1628800"/>
+            <a:ext cx="360040" cy="252000"/>
+          </a:xfrm>
+          <a:prstGeom prst="rect">
+            <a:avLst/>
+          </a:prstGeom>
+          <a:noFill/>
+          <a:ln w="15875">
+            <a:solidFill>
+              <a:srgbClr val="FF0000"/>
+            </a:solidFill>
+          </a:ln>
+        </p:spPr>
+        <p:txBody>
+          <a:bodyPr wrap="square" rtlCol="0">
+            <a:spAutoFit/>
+          </a:bodyPr>
+          <a:lstStyle/>
+          <a:p>
+            <a:endParaRPr lang="zh-CN" altLang="en-US" dirty="0"/>
+          </a:p>
+        </p:txBody>
+      </p:sp>
+      <p:sp>
+        <p:nvSpPr>
+          <p:cNvPr id="7" name="TextBox 6"/>
+          <p:cNvSpPr txBox="1"/>
+          <p:nvPr/>
+        </p:nvSpPr>
+        <p:spPr>
+          <a:xfrm>
+            <a:off x="7956376" y="1880800"/>
+            <a:ext cx="536567" cy="432000"/>
+          </a:xfrm>
+          <a:prstGeom prst="rect">
+            <a:avLst/>
+          </a:prstGeom>
+          <a:noFill/>
+          <a:ln w="15875">
+            <a:solidFill>
+              <a:srgbClr val="FF0000"/>
+            </a:solidFill>
+          </a:ln>
+        </p:spPr>
+        <p:txBody>
+          <a:bodyPr wrap="square" rtlCol="0">
+            <a:spAutoFit/>
+          </a:bodyPr>
+          <a:lstStyle/>
+          <a:p>
+            <a:endParaRPr lang="zh-CN" altLang="en-US" dirty="0"/>
+          </a:p>
+        </p:txBody>
+      </p:sp>
+      <p:sp>
+        <p:nvSpPr>
+          <p:cNvPr id="8" name="TextBox 7"/>
+          <p:cNvSpPr txBox="1"/>
+          <p:nvPr/>
+        </p:nvSpPr>
+        <p:spPr>
+          <a:xfrm>
+            <a:off x="1043608" y="2924944"/>
+            <a:ext cx="1224136" cy="369332"/>
+          </a:xfrm>
+          <a:prstGeom prst="rect">
+            <a:avLst/>
+          </a:prstGeom>
+          <a:noFill/>
+        </p:spPr>
+        <p:txBody>
+          <a:bodyPr wrap="square" rtlCol="0">
+            <a:spAutoFit/>
+          </a:bodyPr>
+          <a:lstStyle/>
+          <a:p>
+            <a:r>
+              <a:rPr lang="zh-CN" altLang="en-US" dirty="0" smtClean="0"/>
+              <a:t>选中图表</a:t>
+            </a:r>
+            <a:endParaRPr lang="zh-CN" altLang="en-US" dirty="0"/>
+          </a:p>
+        </p:txBody>
+      </p:sp>
+      <p:sp>
+        <p:nvSpPr>
+          <p:cNvPr id="9" name="右箭头 8"/>
+          <p:cNvSpPr/>
+          <p:nvPr/>
+        </p:nvSpPr>
+        <p:spPr>
+          <a:xfrm>
+            <a:off x="2843808" y="3059668"/>
+            <a:ext cx="504056" cy="225316"/>
+          </a:xfrm>
+          <a:prstGeom prst="rightArrow">
+            <a:avLst/>
+          </a:prstGeom>
+        </p:spPr>
+        <p:style>
+          <a:lnRef idx="2">
+            <a:schemeClr val="accent1">
+              <a:shade val="50000"/>
+            </a:schemeClr>
+          </a:lnRef>
+          <a:fillRef idx="1">
+            <a:schemeClr val="accent1"/>
+          </a:fillRef>
+          <a:effectRef idx="0">
+            <a:schemeClr val="accent1"/>
+          </a:effectRef>
+          <a:fontRef idx="minor">
+            <a:schemeClr val="lt1"/>
+          </a:fontRef>
+        </p:style>
+        <p:txBody>
+          <a:bodyPr rtlCol="0" anchor="ctr"/>
+          <a:lstStyle/>
+          <a:p>
+            <a:pPr algn="ctr"/>
+            <a:endParaRPr lang="zh-CN" altLang="en-US"/>
+          </a:p>
+        </p:txBody>
+      </p:sp>
+      <p:sp>
+        <p:nvSpPr>
+          <p:cNvPr id="10" name="TextBox 9"/>
+          <p:cNvSpPr txBox="1"/>
+          <p:nvPr/>
+        </p:nvSpPr>
+        <p:spPr>
+          <a:xfrm>
+            <a:off x="4355976" y="3016242"/>
+            <a:ext cx="648072" cy="369332"/>
+          </a:xfrm>
+          <a:prstGeom prst="rect">
+            <a:avLst/>
+          </a:prstGeom>
+          <a:noFill/>
+        </p:spPr>
+        <p:txBody>
+          <a:bodyPr wrap="square" rtlCol="0">
+            <a:spAutoFit/>
+          </a:bodyPr>
+          <a:lstStyle/>
+          <a:p>
+            <a:r>
+              <a:rPr lang="zh-CN" altLang="en-US" dirty="0"/>
+              <a:t>设计</a:t>
+            </a:r>
+          </a:p>
+        </p:txBody>
+      </p:sp>
+      <p:sp>
+        <p:nvSpPr>
+          <p:cNvPr id="11" name="右箭头 10"/>
+          <p:cNvSpPr/>
+          <p:nvPr/>
+        </p:nvSpPr>
+        <p:spPr>
+          <a:xfrm>
+            <a:off x="5508104" y="3059668"/>
+            <a:ext cx="504056" cy="225316"/>
+          </a:xfrm>
+          <a:prstGeom prst="rightArrow">
+            <a:avLst/>
+          </a:prstGeom>
+        </p:spPr>
+        <p:style>
+          <a:lnRef idx="2">
+            <a:schemeClr val="accent1">
+              <a:shade val="50000"/>
+            </a:schemeClr>
+          </a:lnRef>
+          <a:fillRef idx="1">
+            <a:schemeClr val="accent1"/>
+          </a:fillRef>
+          <a:effectRef idx="0">
+            <a:schemeClr val="accent1"/>
+          </a:effectRef>
+          <a:fontRef idx="minor">
+            <a:schemeClr val="lt1"/>
+          </a:fontRef>
+        </p:style>
+        <p:txBody>
+          <a:bodyPr rtlCol="0" anchor="ctr"/>
+          <a:lstStyle/>
+          <a:p>
+            <a:pPr algn="ctr"/>
+            <a:endParaRPr lang="zh-CN" altLang="en-US"/>
+          </a:p>
+        </p:txBody>
+      </p:sp>
+      <p:sp>
+        <p:nvSpPr>
+          <p:cNvPr id="12" name="TextBox 11"/>
+          <p:cNvSpPr txBox="1"/>
+          <p:nvPr/>
+        </p:nvSpPr>
+        <p:spPr>
+          <a:xfrm>
+            <a:off x="6804248" y="2987660"/>
+            <a:ext cx="1152128" cy="369332"/>
+          </a:xfrm>
+          <a:prstGeom prst="rect">
+            <a:avLst/>
+          </a:prstGeom>
+          <a:noFill/>
+        </p:spPr>
+        <p:txBody>
+          <a:bodyPr wrap="square" rtlCol="0">
+            <a:spAutoFit/>
+          </a:bodyPr>
+          <a:lstStyle/>
+          <a:p>
+            <a:r>
+              <a:rPr lang="zh-CN" altLang="en-US" dirty="0" smtClean="0"/>
+              <a:t>移动图表</a:t>
+            </a:r>
+            <a:endParaRPr lang="zh-CN" altLang="en-US" dirty="0"/>
+          </a:p>
+        </p:txBody>
+      </p:sp>
+      <p:pic>
+        <p:nvPicPr>
+          <p:cNvPr id="13" name="图片 12"/>
+          <p:cNvPicPr>
+            <a:picLocks noChangeAspect="1"/>
+          </p:cNvPicPr>
+          <p:nvPr/>
+        </p:nvPicPr>
+        <p:blipFill>
+          <a:blip r:embed="rId3">
+            <a:extLst>
+              <a:ext uri="{28A0092B-C50C-407E-A947-70E740481C1C}">
+                <a14:useLocalDpi xmlns:a14="http://schemas.microsoft.com/office/drawing/2010/main" val="0"/>
+              </a:ext>
+            </a:extLst>
+          </a:blip>
+          <a:stretch>
+            <a:fillRect/>
+          </a:stretch>
+        </p:blipFill>
+        <p:spPr>
+          <a:xfrm>
+            <a:off x="530535" y="4077084"/>
+            <a:ext cx="3636000" cy="1403241"/>
+          </a:xfrm>
+          <a:prstGeom prst="rect">
+            <a:avLst/>
+          </a:prstGeom>
+        </p:spPr>
+      </p:pic>
+      <p:sp>
+        <p:nvSpPr>
+          <p:cNvPr id="14" name="TextBox 13"/>
+          <p:cNvSpPr txBox="1"/>
+          <p:nvPr/>
+        </p:nvSpPr>
+        <p:spPr>
+          <a:xfrm>
+            <a:off x="1979276" y="4869160"/>
+            <a:ext cx="2187258" cy="252000"/>
+          </a:xfrm>
+          <a:prstGeom prst="rect">
+            <a:avLst/>
+          </a:prstGeom>
+          <a:noFill/>
+          <a:ln w="15875">
+            <a:solidFill>
+              <a:srgbClr val="FF0000"/>
+            </a:solidFill>
+          </a:ln>
+        </p:spPr>
+        <p:txBody>
+          <a:bodyPr wrap="square" rtlCol="0">
+            <a:spAutoFit/>
+          </a:bodyPr>
+          <a:lstStyle/>
+          <a:p>
+            <a:endParaRPr lang="zh-CN" altLang="en-US" dirty="0"/>
+          </a:p>
+        </p:txBody>
+      </p:sp>
+      <p:sp>
+        <p:nvSpPr>
+          <p:cNvPr id="15" name="TextBox 14"/>
+          <p:cNvSpPr txBox="1"/>
+          <p:nvPr/>
+        </p:nvSpPr>
+        <p:spPr>
+          <a:xfrm>
+            <a:off x="1979275" y="4519064"/>
+            <a:ext cx="2187259" cy="252000"/>
+          </a:xfrm>
+          <a:prstGeom prst="rect">
+            <a:avLst/>
+          </a:prstGeom>
+          <a:noFill/>
+          <a:ln w="15875">
+            <a:solidFill>
+              <a:srgbClr val="FF0000"/>
+            </a:solidFill>
+          </a:ln>
+        </p:spPr>
+        <p:txBody>
+          <a:bodyPr wrap="square" rtlCol="0">
+            <a:spAutoFit/>
+          </a:bodyPr>
+          <a:lstStyle/>
+          <a:p>
+            <a:endParaRPr lang="zh-CN" altLang="en-US" dirty="0"/>
+          </a:p>
+        </p:txBody>
+      </p:sp>
+      <p:cxnSp>
+        <p:nvCxnSpPr>
+          <p:cNvPr id="17" name="直接箭头连接符 16"/>
+          <p:cNvCxnSpPr/>
+          <p:nvPr/>
+        </p:nvCxnSpPr>
+        <p:spPr>
+          <a:xfrm flipV="1">
+            <a:off x="4355976" y="4221088"/>
+            <a:ext cx="864096" cy="423976"/>
+          </a:xfrm>
+          <a:prstGeom prst="straightConnector1">
+            <a:avLst/>
+          </a:prstGeom>
+          <a:ln>
+            <a:solidFill>
+              <a:srgbClr val="FF0000"/>
+            </a:solidFill>
+            <a:tailEnd type="arrow"/>
+          </a:ln>
+        </p:spPr>
+        <p:style>
+          <a:lnRef idx="1">
+            <a:schemeClr val="accent1"/>
+          </a:lnRef>
+          <a:fillRef idx="0">
+            <a:schemeClr val="accent1"/>
+          </a:fillRef>
+          <a:effectRef idx="0">
+            <a:schemeClr val="accent1"/>
+          </a:effectRef>
+          <a:fontRef idx="minor">
+            <a:schemeClr val="tx1"/>
+          </a:fontRef>
+        </p:style>
+      </p:cxnSp>
+      <p:sp>
+        <p:nvSpPr>
+          <p:cNvPr id="18" name="TextBox 17"/>
+          <p:cNvSpPr txBox="1"/>
+          <p:nvPr/>
+        </p:nvSpPr>
+        <p:spPr>
+          <a:xfrm>
+            <a:off x="5436096" y="3790781"/>
+            <a:ext cx="3024336" cy="646331"/>
+          </a:xfrm>
+          <a:prstGeom prst="rect">
+            <a:avLst/>
+          </a:prstGeom>
+          <a:noFill/>
+        </p:spPr>
+        <p:txBody>
+          <a:bodyPr wrap="square" rtlCol="0">
+            <a:spAutoFit/>
+          </a:bodyPr>
+          <a:lstStyle/>
+          <a:p>
+            <a:r>
+              <a:rPr lang="zh-CN" altLang="en-US" dirty="0" smtClean="0"/>
+              <a:t>新建一个工作表，然后将图片移动此工作表</a:t>
+            </a:r>
+            <a:endParaRPr lang="zh-CN" altLang="en-US" dirty="0"/>
+          </a:p>
+        </p:txBody>
+      </p:sp>
+      <p:cxnSp>
+        <p:nvCxnSpPr>
+          <p:cNvPr id="20" name="直接箭头连接符 19"/>
+          <p:cNvCxnSpPr/>
+          <p:nvPr/>
+        </p:nvCxnSpPr>
+        <p:spPr>
+          <a:xfrm>
+            <a:off x="4355976" y="4995160"/>
+            <a:ext cx="864096" cy="594080"/>
+          </a:xfrm>
+          <a:prstGeom prst="straightConnector1">
+            <a:avLst/>
+          </a:prstGeom>
+          <a:ln>
+            <a:solidFill>
+              <a:srgbClr val="FF0000"/>
+            </a:solidFill>
+            <a:tailEnd type="arrow"/>
+          </a:ln>
+        </p:spPr>
+        <p:style>
+          <a:lnRef idx="1">
+            <a:schemeClr val="accent1"/>
+          </a:lnRef>
+          <a:fillRef idx="0">
+            <a:schemeClr val="accent1"/>
+          </a:fillRef>
+          <a:effectRef idx="0">
+            <a:schemeClr val="accent1"/>
+          </a:effectRef>
+          <a:fontRef idx="minor">
+            <a:schemeClr val="tx1"/>
+          </a:fontRef>
+        </p:style>
+      </p:cxnSp>
+      <p:sp>
+        <p:nvSpPr>
+          <p:cNvPr id="21" name="TextBox 20"/>
+          <p:cNvSpPr txBox="1"/>
+          <p:nvPr/>
+        </p:nvSpPr>
+        <p:spPr>
+          <a:xfrm>
+            <a:off x="5508104" y="5479556"/>
+            <a:ext cx="3024336" cy="646331"/>
+          </a:xfrm>
+          <a:prstGeom prst="rect">
+            <a:avLst/>
+          </a:prstGeom>
+          <a:noFill/>
+        </p:spPr>
+        <p:txBody>
+          <a:bodyPr wrap="square" rtlCol="0">
+            <a:spAutoFit/>
+          </a:bodyPr>
+          <a:lstStyle/>
+          <a:p>
+            <a:r>
+              <a:rPr lang="zh-CN" altLang="en-US" dirty="0" smtClean="0"/>
+              <a:t>选择现有工作表，将图片移动到现有的工作表</a:t>
+            </a:r>
+            <a:endParaRPr lang="zh-CN" altLang="en-US" dirty="0"/>
+          </a:p>
+        </p:txBody>
+      </p:sp>
+    </p:spTree>
+    <p:extLst>
+      <p:ext uri="{BB962C8B-B14F-4D97-AF65-F5344CB8AC3E}">
+        <p14:creationId xmlns:p14="http://schemas.microsoft.com/office/powerpoint/2010/main" val="2519107907"/>
+      </p:ext>
+    </p:extLst>
+  </p:cSld>
+  <p:clrMapOvr>
+    <a:masterClrMapping/>
+  </p:clrMapOvr>
+  <p:timing>
+    <p:tnLst>
+      <p:par>
+        <p:cTn id="1" dur="indefinite" restart="never" nodeType="tmRoot">
+          <p:childTnLst>
+            <p:seq concurrent="1" nextAc="seek">
+              <p:cTn id="2" dur="indefinite" nodeType="mainSeq">
+                <p:childTnLst>
+                  <p:par>
+                    <p:cTn id="3" fill="hold">
+                      <p:stCondLst>
+                        <p:cond delay="indefinite"/>
+                      </p:stCondLst>
+                      <p:childTnLst>
+                        <p:par>
+                          <p:cTn id="4" fill="hold">
+                            <p:stCondLst>
+                              <p:cond delay="0"/>
+                            </p:stCondLst>
+                            <p:childTnLst>
+                              <p:par>
+                                <p:cTn id="5" presetID="10" presetClass="entr" presetSubtype="0" fill="hold" nodeType="clickEffect">
+                                  <p:stCondLst>
+                                    <p:cond delay="0"/>
+                                  </p:stCondLst>
+                                  <p:childTnLst>
+                                    <p:set>
+                                      <p:cBhvr>
+                                        <p:cTn id="6" dur="1" fill="hold">
+                                          <p:stCondLst>
+                                            <p:cond delay="0"/>
+                                          </p:stCondLst>
+                                        </p:cTn>
+                                        <p:tgtEl>
+                                          <p:spTgt spid="4"/>
+                                        </p:tgtEl>
+                                        <p:attrNameLst>
+                                          <p:attrName>style.visibility</p:attrName>
+                                        </p:attrNameLst>
+                                      </p:cBhvr>
+                                      <p:to>
+                                        <p:strVal val="visible"/>
+                                      </p:to>
+                                    </p:set>
+                                    <p:animEffect transition="in" filter="fade">
+                                      <p:cBhvr>
+                                        <p:cTn id="7" dur="500"/>
+                                        <p:tgtEl>
+                                          <p:spTgt spid="4"/>
+                                        </p:tgtEl>
+                                      </p:cBhvr>
+                                    </p:animEffect>
+                                  </p:childTnLst>
+                                </p:cTn>
+                              </p:par>
+                            </p:childTnLst>
+                          </p:cTn>
+                        </p:par>
+                      </p:childTnLst>
+                    </p:cTn>
+                  </p:par>
+                  <p:par>
+                    <p:cTn id="8" fill="hold">
+                      <p:stCondLst>
+                        <p:cond delay="indefinite"/>
+                      </p:stCondLst>
+                      <p:childTnLst>
+                        <p:par>
+                          <p:cTn id="9" fill="hold">
+                            <p:stCondLst>
+                              <p:cond delay="0"/>
+                            </p:stCondLst>
+                            <p:childTnLst>
+                              <p:par>
+                                <p:cTn id="10" presetID="10" presetClass="entr" presetSubtype="0" fill="hold" grpId="0" nodeType="clickEffect">
+                                  <p:stCondLst>
+                                    <p:cond delay="0"/>
+                                  </p:stCondLst>
+                                  <p:childTnLst>
+                                    <p:set>
+                                      <p:cBhvr>
+                                        <p:cTn id="11" dur="1" fill="hold">
+                                          <p:stCondLst>
+                                            <p:cond delay="0"/>
+                                          </p:stCondLst>
+                                        </p:cTn>
+                                        <p:tgtEl>
+                                          <p:spTgt spid="8"/>
+                                        </p:tgtEl>
+                                        <p:attrNameLst>
+                                          <p:attrName>style.visibility</p:attrName>
+                                        </p:attrNameLst>
+                                      </p:cBhvr>
+                                      <p:to>
+                                        <p:strVal val="visible"/>
+                                      </p:to>
+                                    </p:set>
+                                    <p:animEffect transition="in" filter="fade">
+                                      <p:cBhvr>
+                                        <p:cTn id="12" dur="500"/>
+                                        <p:tgtEl>
+                                          <p:spTgt spid="8"/>
+                                        </p:tgtEl>
+                                      </p:cBhvr>
+                                    </p:animEffect>
+                                  </p:childTnLst>
+                                </p:cTn>
+                              </p:par>
+                            </p:childTnLst>
+                          </p:cTn>
+                        </p:par>
+                      </p:childTnLst>
+                    </p:cTn>
+                  </p:par>
+                  <p:par>
+                    <p:cTn id="13" fill="hold">
+                      <p:stCondLst>
+                        <p:cond delay="indefinite"/>
+                      </p:stCondLst>
+                      <p:childTnLst>
+                        <p:par>
+                          <p:cTn id="14" fill="hold">
+                            <p:stCondLst>
+                              <p:cond delay="0"/>
+                            </p:stCondLst>
+                            <p:childTnLst>
+                              <p:par>
+                                <p:cTn id="15" presetID="10" presetClass="entr" presetSubtype="0" fill="hold" grpId="0" nodeType="clickEffect">
+                                  <p:stCondLst>
+                                    <p:cond delay="0"/>
+                                  </p:stCondLst>
+                                  <p:childTnLst>
+                                    <p:set>
+                                      <p:cBhvr>
+                                        <p:cTn id="16" dur="1" fill="hold">
+                                          <p:stCondLst>
+                                            <p:cond delay="0"/>
+                                          </p:stCondLst>
+                                        </p:cTn>
+                                        <p:tgtEl>
+                                          <p:spTgt spid="9"/>
+                                        </p:tgtEl>
+                                        <p:attrNameLst>
+                                          <p:attrName>style.visibility</p:attrName>
+                                        </p:attrNameLst>
+                                      </p:cBhvr>
+                                      <p:to>
+                                        <p:strVal val="visible"/>
+                                      </p:to>
+                                    </p:set>
+                                    <p:animEffect transition="in" filter="fade">
+                                      <p:cBhvr>
+                                        <p:cTn id="17" dur="500"/>
+                                        <p:tgtEl>
+                                          <p:spTgt spid="9"/>
+                                        </p:tgtEl>
+                                      </p:cBhvr>
+                                    </p:animEffect>
+                                  </p:childTnLst>
+                                </p:cTn>
+                              </p:par>
+                            </p:childTnLst>
+                          </p:cTn>
+                        </p:par>
+                      </p:childTnLst>
+                    </p:cTn>
+                  </p:par>
+                  <p:par>
+                    <p:cTn id="18" fill="hold">
+                      <p:stCondLst>
+                        <p:cond delay="indefinite"/>
+                      </p:stCondLst>
+                      <p:childTnLst>
+                        <p:par>
+                          <p:cTn id="19" fill="hold">
+                            <p:stCondLst>
+                              <p:cond delay="0"/>
+                            </p:stCondLst>
+                            <p:childTnLst>
+                              <p:par>
+                                <p:cTn id="20" presetID="10" presetClass="entr" presetSubtype="0" fill="hold" grpId="0" nodeType="clickEffect">
+                                  <p:stCondLst>
+                                    <p:cond delay="0"/>
+                                  </p:stCondLst>
+                                  <p:childTnLst>
+                                    <p:set>
+                                      <p:cBhvr>
+                                        <p:cTn id="21" dur="1" fill="hold">
+                                          <p:stCondLst>
+                                            <p:cond delay="0"/>
+                                          </p:stCondLst>
+                                        </p:cTn>
+                                        <p:tgtEl>
+                                          <p:spTgt spid="10"/>
+                                        </p:tgtEl>
+                                        <p:attrNameLst>
+                                          <p:attrName>style.visibility</p:attrName>
+                                        </p:attrNameLst>
+                                      </p:cBhvr>
+                                      <p:to>
+                                        <p:strVal val="visible"/>
+                                      </p:to>
+                                    </p:set>
+                                    <p:animEffect transition="in" filter="fade">
+                                      <p:cBhvr>
+                                        <p:cTn id="22" dur="500"/>
+                                        <p:tgtEl>
+                                          <p:spTgt spid="10"/>
+                                        </p:tgtEl>
+                                      </p:cBhvr>
+                                    </p:animEffect>
+                                  </p:childTnLst>
+                                </p:cTn>
+                              </p:par>
+                            </p:childTnLst>
+                          </p:cTn>
+                        </p:par>
+                      </p:childTnLst>
+                    </p:cTn>
+                  </p:par>
+                  <p:par>
+                    <p:cTn id="23" fill="hold">
+                      <p:stCondLst>
+                        <p:cond delay="indefinite"/>
+                      </p:stCondLst>
+                      <p:childTnLst>
+                        <p:par>
+                          <p:cTn id="24" fill="hold">
+                            <p:stCondLst>
+                              <p:cond delay="0"/>
+                            </p:stCondLst>
+                            <p:childTnLst>
+                              <p:par>
+                                <p:cTn id="25" presetID="10" presetClass="entr" presetSubtype="0" fill="hold" grpId="0" nodeType="clickEffect">
+                                  <p:stCondLst>
+                                    <p:cond delay="0"/>
+                                  </p:stCondLst>
+                                  <p:childTnLst>
+                                    <p:set>
+                                      <p:cBhvr>
+                                        <p:cTn id="26" dur="1" fill="hold">
+                                          <p:stCondLst>
+                                            <p:cond delay="0"/>
+                                          </p:stCondLst>
+                                        </p:cTn>
+                                        <p:tgtEl>
+                                          <p:spTgt spid="5"/>
+                                        </p:tgtEl>
+                                        <p:attrNameLst>
+                                          <p:attrName>style.visibility</p:attrName>
+                                        </p:attrNameLst>
+                                      </p:cBhvr>
+                                      <p:to>
+                                        <p:strVal val="visible"/>
+                                      </p:to>
+                                    </p:set>
+                                    <p:animEffect transition="in" filter="fade">
+                                      <p:cBhvr>
+                                        <p:cTn id="27" dur="500"/>
+                                        <p:tgtEl>
+                                          <p:spTgt spid="5"/>
+                                        </p:tgtEl>
+                                      </p:cBhvr>
+                                    </p:animEffect>
+                                  </p:childTnLst>
+                                </p:cTn>
+                              </p:par>
+                            </p:childTnLst>
+                          </p:cTn>
+                        </p:par>
+                      </p:childTnLst>
+                    </p:cTn>
+                  </p:par>
+                  <p:par>
+                    <p:cTn id="28" fill="hold">
+                      <p:stCondLst>
+                        <p:cond delay="indefinite"/>
+                      </p:stCondLst>
+                      <p:childTnLst>
+                        <p:par>
+                          <p:cTn id="29" fill="hold">
+                            <p:stCondLst>
+                              <p:cond delay="0"/>
+                            </p:stCondLst>
+                            <p:childTnLst>
+                              <p:par>
+                                <p:cTn id="30" presetID="10" presetClass="entr" presetSubtype="0" fill="hold" grpId="0" nodeType="clickEffect">
+                                  <p:stCondLst>
+                                    <p:cond delay="0"/>
+                                  </p:stCondLst>
+                                  <p:childTnLst>
+                                    <p:set>
+                                      <p:cBhvr>
+                                        <p:cTn id="31" dur="1" fill="hold">
+                                          <p:stCondLst>
+                                            <p:cond delay="0"/>
+                                          </p:stCondLst>
+                                        </p:cTn>
+                                        <p:tgtEl>
+                                          <p:spTgt spid="11"/>
+                                        </p:tgtEl>
+                                        <p:attrNameLst>
+                                          <p:attrName>style.visibility</p:attrName>
+                                        </p:attrNameLst>
+                                      </p:cBhvr>
+                                      <p:to>
+                                        <p:strVal val="visible"/>
+                                      </p:to>
+                                    </p:set>
+                                    <p:animEffect transition="in" filter="fade">
+                                      <p:cBhvr>
+                                        <p:cTn id="32" dur="500"/>
+                                        <p:tgtEl>
+                                          <p:spTgt spid="11"/>
+                                        </p:tgtEl>
+                                      </p:cBhvr>
+                                    </p:animEffect>
+                                  </p:childTnLst>
+                                </p:cTn>
+                              </p:par>
+                            </p:childTnLst>
+                          </p:cTn>
+                        </p:par>
+                      </p:childTnLst>
+                    </p:cTn>
+                  </p:par>
+                  <p:par>
+                    <p:cTn id="33" fill="hold">
+                      <p:stCondLst>
+                        <p:cond delay="indefinite"/>
+                      </p:stCondLst>
+                      <p:childTnLst>
+                        <p:par>
+                          <p:cTn id="34" fill="hold">
+                            <p:stCondLst>
+                              <p:cond delay="0"/>
+                            </p:stCondLst>
+                            <p:childTnLst>
+                              <p:par>
+                                <p:cTn id="35" presetID="10" presetClass="entr" presetSubtype="0" fill="hold" grpId="0" nodeType="clickEffect">
+                                  <p:stCondLst>
+                                    <p:cond delay="0"/>
+                                  </p:stCondLst>
+                                  <p:childTnLst>
+                                    <p:set>
+                                      <p:cBhvr>
+                                        <p:cTn id="36" dur="1" fill="hold">
+                                          <p:stCondLst>
+                                            <p:cond delay="0"/>
+                                          </p:stCondLst>
+                                        </p:cTn>
+                                        <p:tgtEl>
+                                          <p:spTgt spid="12"/>
+                                        </p:tgtEl>
+                                        <p:attrNameLst>
+                                          <p:attrName>style.visibility</p:attrName>
+                                        </p:attrNameLst>
+                                      </p:cBhvr>
+                                      <p:to>
+                                        <p:strVal val="visible"/>
+                                      </p:to>
+                                    </p:set>
+                                    <p:animEffect transition="in" filter="fade">
+                                      <p:cBhvr>
+                                        <p:cTn id="37" dur="500"/>
+                                        <p:tgtEl>
+                                          <p:spTgt spid="12"/>
+                                        </p:tgtEl>
+                                      </p:cBhvr>
+                                    </p:animEffect>
+                                  </p:childTnLst>
+                                </p:cTn>
+                              </p:par>
+                            </p:childTnLst>
+                          </p:cTn>
+                        </p:par>
+                      </p:childTnLst>
+                    </p:cTn>
+                  </p:par>
+                  <p:par>
+                    <p:cTn id="38" fill="hold">
+                      <p:stCondLst>
+                        <p:cond delay="indefinite"/>
+                      </p:stCondLst>
+                      <p:childTnLst>
+                        <p:par>
+                          <p:cTn id="39" fill="hold">
+                            <p:stCondLst>
+                              <p:cond delay="0"/>
+                            </p:stCondLst>
+                            <p:childTnLst>
+                              <p:par>
+                                <p:cTn id="40" presetID="10" presetClass="entr" presetSubtype="0" fill="hold" grpId="0" nodeType="clickEffect">
+                                  <p:stCondLst>
+                                    <p:cond delay="0"/>
+                                  </p:stCondLst>
+                                  <p:childTnLst>
+                                    <p:set>
+                                      <p:cBhvr>
+                                        <p:cTn id="41" dur="1" fill="hold">
+                                          <p:stCondLst>
+                                            <p:cond delay="0"/>
+                                          </p:stCondLst>
+                                        </p:cTn>
+                                        <p:tgtEl>
+                                          <p:spTgt spid="7"/>
+                                        </p:tgtEl>
+                                        <p:attrNameLst>
+                                          <p:attrName>style.visibility</p:attrName>
+                                        </p:attrNameLst>
+                                      </p:cBhvr>
+                                      <p:to>
+                                        <p:strVal val="visible"/>
+                                      </p:to>
+                                    </p:set>
+                                    <p:animEffect transition="in" filter="fade">
+                                      <p:cBhvr>
+                                        <p:cTn id="42" dur="500"/>
+                                        <p:tgtEl>
+                                          <p:spTgt spid="7"/>
+                                        </p:tgtEl>
+                                      </p:cBhvr>
+                                    </p:animEffect>
+                                  </p:childTnLst>
+                                </p:cTn>
+                              </p:par>
+                            </p:childTnLst>
+                          </p:cTn>
+                        </p:par>
+                      </p:childTnLst>
+                    </p:cTn>
+                  </p:par>
+                  <p:par>
+                    <p:cTn id="43" fill="hold">
+                      <p:stCondLst>
+                        <p:cond delay="indefinite"/>
+                      </p:stCondLst>
+                      <p:childTnLst>
+                        <p:par>
+                          <p:cTn id="44" fill="hold">
+                            <p:stCondLst>
+                              <p:cond delay="0"/>
+                            </p:stCondLst>
+                            <p:childTnLst>
+                              <p:par>
+                                <p:cTn id="45" presetID="10" presetClass="entr" presetSubtype="0" fill="hold" nodeType="clickEffect">
+                                  <p:stCondLst>
+                                    <p:cond delay="0"/>
+                                  </p:stCondLst>
+                                  <p:childTnLst>
+                                    <p:set>
+                                      <p:cBhvr>
+                                        <p:cTn id="46" dur="1" fill="hold">
+                                          <p:stCondLst>
+                                            <p:cond delay="0"/>
+                                          </p:stCondLst>
+                                        </p:cTn>
+                                        <p:tgtEl>
+                                          <p:spTgt spid="13"/>
+                                        </p:tgtEl>
+                                        <p:attrNameLst>
+                                          <p:attrName>style.visibility</p:attrName>
+                                        </p:attrNameLst>
+                                      </p:cBhvr>
+                                      <p:to>
+                                        <p:strVal val="visible"/>
+                                      </p:to>
+                                    </p:set>
+                                    <p:animEffect transition="in" filter="fade">
+                                      <p:cBhvr>
+                                        <p:cTn id="47" dur="500"/>
+                                        <p:tgtEl>
+                                          <p:spTgt spid="13"/>
+                                        </p:tgtEl>
+                                      </p:cBhvr>
+                                    </p:animEffect>
+                                  </p:childTnLst>
+                                </p:cTn>
+                              </p:par>
+                            </p:childTnLst>
+                          </p:cTn>
+                        </p:par>
+                      </p:childTnLst>
+                    </p:cTn>
+                  </p:par>
+                  <p:par>
+                    <p:cTn id="48" fill="hold">
+                      <p:stCondLst>
+                        <p:cond delay="indefinite"/>
+                      </p:stCondLst>
+                      <p:childTnLst>
+                        <p:par>
+                          <p:cTn id="49" fill="hold">
+                            <p:stCondLst>
+                              <p:cond delay="0"/>
+                            </p:stCondLst>
+                            <p:childTnLst>
+                              <p:par>
+                                <p:cTn id="50" presetID="10" presetClass="entr" presetSubtype="0" fill="hold" grpId="0" nodeType="clickEffect">
+                                  <p:stCondLst>
+                                    <p:cond delay="0"/>
+                                  </p:stCondLst>
+                                  <p:childTnLst>
+                                    <p:set>
+                                      <p:cBhvr>
+                                        <p:cTn id="51" dur="1" fill="hold">
+                                          <p:stCondLst>
+                                            <p:cond delay="0"/>
+                                          </p:stCondLst>
+                                        </p:cTn>
+                                        <p:tgtEl>
+                                          <p:spTgt spid="14"/>
+                                        </p:tgtEl>
+                                        <p:attrNameLst>
+                                          <p:attrName>style.visibility</p:attrName>
+                                        </p:attrNameLst>
+                                      </p:cBhvr>
+                                      <p:to>
+                                        <p:strVal val="visible"/>
+                                      </p:to>
+                                    </p:set>
+                                    <p:animEffect transition="in" filter="fade">
+                                      <p:cBhvr>
+                                        <p:cTn id="52" dur="500"/>
+                                        <p:tgtEl>
+                                          <p:spTgt spid="14"/>
+                                        </p:tgtEl>
+                                      </p:cBhvr>
+                                    </p:animEffect>
+                                  </p:childTnLst>
+                                </p:cTn>
+                              </p:par>
+                            </p:childTnLst>
+                          </p:cTn>
+                        </p:par>
+                      </p:childTnLst>
+                    </p:cTn>
+                  </p:par>
+                  <p:par>
+                    <p:cTn id="53" fill="hold">
+                      <p:stCondLst>
+                        <p:cond delay="indefinite"/>
+                      </p:stCondLst>
+                      <p:childTnLst>
+                        <p:par>
+                          <p:cTn id="54" fill="hold">
+                            <p:stCondLst>
+                              <p:cond delay="0"/>
+                            </p:stCondLst>
+                            <p:childTnLst>
+                              <p:par>
+                                <p:cTn id="55" presetID="10" presetClass="entr" presetSubtype="0" fill="hold" nodeType="clickEffect">
+                                  <p:stCondLst>
+                                    <p:cond delay="0"/>
+                                  </p:stCondLst>
+                                  <p:childTnLst>
+                                    <p:set>
+                                      <p:cBhvr>
+                                        <p:cTn id="56" dur="1" fill="hold">
+                                          <p:stCondLst>
+                                            <p:cond delay="0"/>
+                                          </p:stCondLst>
+                                        </p:cTn>
+                                        <p:tgtEl>
+                                          <p:spTgt spid="20"/>
+                                        </p:tgtEl>
+                                        <p:attrNameLst>
+                                          <p:attrName>style.visibility</p:attrName>
+                                        </p:attrNameLst>
+                                      </p:cBhvr>
+                                      <p:to>
+                                        <p:strVal val="visible"/>
+                                      </p:to>
+                                    </p:set>
+                                    <p:animEffect transition="in" filter="fade">
+                                      <p:cBhvr>
+                                        <p:cTn id="57" dur="500"/>
+                                        <p:tgtEl>
+                                          <p:spTgt spid="20"/>
+                                        </p:tgtEl>
+                                      </p:cBhvr>
+                                    </p:animEffect>
+                                  </p:childTnLst>
+                                </p:cTn>
+                              </p:par>
+                            </p:childTnLst>
+                          </p:cTn>
+                        </p:par>
+                      </p:childTnLst>
+                    </p:cTn>
+                  </p:par>
+                  <p:par>
+                    <p:cTn id="58" fill="hold">
+                      <p:stCondLst>
+                        <p:cond delay="indefinite"/>
+                      </p:stCondLst>
+                      <p:childTnLst>
+                        <p:par>
+                          <p:cTn id="59" fill="hold">
+                            <p:stCondLst>
+                              <p:cond delay="0"/>
+                            </p:stCondLst>
+                            <p:childTnLst>
+                              <p:par>
+                                <p:cTn id="60" presetID="10" presetClass="entr" presetSubtype="0" fill="hold" grpId="0" nodeType="clickEffect">
+                                  <p:stCondLst>
+                                    <p:cond delay="0"/>
+                                  </p:stCondLst>
+                                  <p:childTnLst>
+                                    <p:set>
+                                      <p:cBhvr>
+                                        <p:cTn id="61" dur="1" fill="hold">
+                                          <p:stCondLst>
+                                            <p:cond delay="0"/>
+                                          </p:stCondLst>
+                                        </p:cTn>
+                                        <p:tgtEl>
+                                          <p:spTgt spid="21"/>
+                                        </p:tgtEl>
+                                        <p:attrNameLst>
+                                          <p:attrName>style.visibility</p:attrName>
+                                        </p:attrNameLst>
+                                      </p:cBhvr>
+                                      <p:to>
+                                        <p:strVal val="visible"/>
+                                      </p:to>
+                                    </p:set>
+                                    <p:animEffect transition="in" filter="fade">
+                                      <p:cBhvr>
+                                        <p:cTn id="62" dur="500"/>
+                                        <p:tgtEl>
+                                          <p:spTgt spid="21"/>
+                                        </p:tgtEl>
+                                      </p:cBhvr>
+                                    </p:animEffect>
+                                  </p:childTnLst>
+                                </p:cTn>
+                              </p:par>
+                            </p:childTnLst>
+                          </p:cTn>
+                        </p:par>
+                      </p:childTnLst>
+                    </p:cTn>
+                  </p:par>
+                  <p:par>
+                    <p:cTn id="63" fill="hold">
+                      <p:stCondLst>
+                        <p:cond delay="indefinite"/>
+                      </p:stCondLst>
+                      <p:childTnLst>
+                        <p:par>
+                          <p:cTn id="64" fill="hold">
+                            <p:stCondLst>
+                              <p:cond delay="0"/>
+                            </p:stCondLst>
+                            <p:childTnLst>
+                              <p:par>
+                                <p:cTn id="65" presetID="10" presetClass="entr" presetSubtype="0" fill="hold" grpId="0" nodeType="clickEffect">
+                                  <p:stCondLst>
+                                    <p:cond delay="0"/>
+                                  </p:stCondLst>
+                                  <p:childTnLst>
+                                    <p:set>
+                                      <p:cBhvr>
+                                        <p:cTn id="66" dur="1" fill="hold">
+                                          <p:stCondLst>
+                                            <p:cond delay="0"/>
+                                          </p:stCondLst>
+                                        </p:cTn>
+                                        <p:tgtEl>
+                                          <p:spTgt spid="15"/>
+                                        </p:tgtEl>
+                                        <p:attrNameLst>
+                                          <p:attrName>style.visibility</p:attrName>
+                                        </p:attrNameLst>
+                                      </p:cBhvr>
+                                      <p:to>
+                                        <p:strVal val="visible"/>
+                                      </p:to>
+                                    </p:set>
+                                    <p:animEffect transition="in" filter="fade">
+                                      <p:cBhvr>
+                                        <p:cTn id="67" dur="500"/>
+                                        <p:tgtEl>
+                                          <p:spTgt spid="15"/>
+                                        </p:tgtEl>
+                                      </p:cBhvr>
+                                    </p:animEffect>
+                                  </p:childTnLst>
+                                </p:cTn>
+                              </p:par>
+                            </p:childTnLst>
+                          </p:cTn>
+                        </p:par>
+                      </p:childTnLst>
+                    </p:cTn>
+                  </p:par>
+                  <p:par>
+                    <p:cTn id="68" fill="hold">
+                      <p:stCondLst>
+                        <p:cond delay="indefinite"/>
+                      </p:stCondLst>
+                      <p:childTnLst>
+                        <p:par>
+                          <p:cTn id="69" fill="hold">
+                            <p:stCondLst>
+                              <p:cond delay="0"/>
+                            </p:stCondLst>
+                            <p:childTnLst>
+                              <p:par>
+                                <p:cTn id="70" presetID="10" presetClass="entr" presetSubtype="0" fill="hold" nodeType="clickEffect">
+                                  <p:stCondLst>
+                                    <p:cond delay="0"/>
+                                  </p:stCondLst>
+                                  <p:childTnLst>
+                                    <p:set>
+                                      <p:cBhvr>
+                                        <p:cTn id="71" dur="1" fill="hold">
+                                          <p:stCondLst>
+                                            <p:cond delay="0"/>
+                                          </p:stCondLst>
+                                        </p:cTn>
+                                        <p:tgtEl>
+                                          <p:spTgt spid="17"/>
+                                        </p:tgtEl>
+                                        <p:attrNameLst>
+                                          <p:attrName>style.visibility</p:attrName>
+                                        </p:attrNameLst>
+                                      </p:cBhvr>
+                                      <p:to>
+                                        <p:strVal val="visible"/>
+                                      </p:to>
+                                    </p:set>
+                                    <p:animEffect transition="in" filter="fade">
+                                      <p:cBhvr>
+                                        <p:cTn id="72" dur="500"/>
+                                        <p:tgtEl>
+                                          <p:spTgt spid="17"/>
+                                        </p:tgtEl>
+                                      </p:cBhvr>
+                                    </p:animEffect>
+                                  </p:childTnLst>
+                                </p:cTn>
+                              </p:par>
+                            </p:childTnLst>
+                          </p:cTn>
+                        </p:par>
+                      </p:childTnLst>
+                    </p:cTn>
+                  </p:par>
+                  <p:par>
+                    <p:cTn id="73" fill="hold">
+                      <p:stCondLst>
+                        <p:cond delay="indefinite"/>
+                      </p:stCondLst>
+                      <p:childTnLst>
+                        <p:par>
+                          <p:cTn id="74" fill="hold">
+                            <p:stCondLst>
+                              <p:cond delay="0"/>
+                            </p:stCondLst>
+                            <p:childTnLst>
+                              <p:par>
+                                <p:cTn id="75" presetID="10" presetClass="entr" presetSubtype="0" fill="hold" grpId="0" nodeType="clickEffect">
+                                  <p:stCondLst>
+                                    <p:cond delay="0"/>
+                                  </p:stCondLst>
+                                  <p:childTnLst>
+                                    <p:set>
+                                      <p:cBhvr>
+                                        <p:cTn id="76" dur="1" fill="hold">
+                                          <p:stCondLst>
+                                            <p:cond delay="0"/>
+                                          </p:stCondLst>
+                                        </p:cTn>
+                                        <p:tgtEl>
+                                          <p:spTgt spid="18"/>
+                                        </p:tgtEl>
+                                        <p:attrNameLst>
+                                          <p:attrName>style.visibility</p:attrName>
+                                        </p:attrNameLst>
+                                      </p:cBhvr>
+                                      <p:to>
+                                        <p:strVal val="visible"/>
+                                      </p:to>
+                                    </p:set>
+                                    <p:animEffect transition="in" filter="fade">
+                                      <p:cBhvr>
+                                        <p:cTn id="77" dur="500"/>
+                                        <p:tgtEl>
+                                          <p:spTgt spid="18"/>
+                                        </p:tgtEl>
+                                      </p:cBhvr>
+                                    </p:animEffect>
+                                  </p:childTnLst>
+                                </p:cTn>
+                              </p:par>
+                            </p:childTnLst>
+                          </p:cTn>
+                        </p:par>
+                      </p:childTnLst>
+                    </p:cTn>
+                  </p:par>
+                </p:childTnLst>
+              </p:cTn>
+              <p:prevCondLst>
+                <p:cond evt="onPrev" delay="0">
+                  <p:tgtEl>
+                    <p:sldTgt/>
+                  </p:tgtEl>
+                </p:cond>
+              </p:prevCondLst>
+              <p:nextCondLst>
+                <p:cond evt="onNext" delay="0">
+                  <p:tgtEl>
+                    <p:sldTgt/>
+                  </p:tgtEl>
+                </p:cond>
+              </p:nextCondLst>
+            </p:seq>
+          </p:childTnLst>
+        </p:cTn>
+      </p:par>
+    </p:tnLst>
+    <p:bldLst>
+      <p:bldP spid="5" grpId="0" animBg="1"/>
+      <p:bldP spid="7" grpId="0" animBg="1"/>
+      <p:bldP spid="8" grpId="0"/>
+      <p:bldP spid="9" grpId="0" animBg="1"/>
+      <p:bldP spid="10" grpId="0"/>
+      <p:bldP spid="11" grpId="0" animBg="1"/>
+      <p:bldP spid="12" grpId="0"/>
+      <p:bldP spid="14" grpId="0" animBg="1"/>
+      <p:bldP spid="15" grpId="0" animBg="1"/>
+      <p:bldP spid="18" grpId="0"/>
+      <p:bldP spid="21" grpId="0"/>
+    </p:bldLst>
+  </p:timing>
+</p:sld>
+</file>
+
 <file path=ppt/slides/slide2.xml><?xml version="1.0" encoding="utf-8"?>
 <p:sld xmlns:a="http://schemas.openxmlformats.org/drawingml/2006/main" xmlns:r="http://schemas.openxmlformats.org/officeDocument/2006/relationships" xmlns:p="http://schemas.openxmlformats.org/presentationml/2006/main">
   <p:cSld>
@@ -5156,9 +6536,12 @@
           </a:p>
           <a:p>
             <a:r>
-              <a:rPr lang="zh-CN" altLang="en-US" dirty="0"/>
+              <a:rPr lang="zh-CN" altLang="en-US" dirty="0">
+                <a:hlinkClick r:id="rId5" action="ppaction://hlinkpres?slideindex=1&amp;slidetitle="/>
+              </a:rPr>
               <a:t>组合</a:t>
             </a:r>
+            <a:endParaRPr lang="zh-CN" altLang="en-US" dirty="0"/>
           </a:p>
         </p:txBody>
       </p:sp>
@@ -5166,6 +6549,1974 @@
     <p:extLst>
       <p:ext uri="{BB962C8B-B14F-4D97-AF65-F5344CB8AC3E}">
         <p14:creationId xmlns:p14="http://schemas.microsoft.com/office/powerpoint/2010/main" val="1651434148"/>
+      </p:ext>
+    </p:extLst>
+  </p:cSld>
+  <p:clrMapOvr>
+    <a:masterClrMapping/>
+  </p:clrMapOvr>
+  <p:timing>
+    <p:tnLst>
+      <p:par>
+        <p:cTn id="1" dur="indefinite" restart="never" nodeType="tmRoot"/>
+      </p:par>
+    </p:tnLst>
+  </p:timing>
+</p:sld>
+</file>
+
+<file path=ppt/slides/slide6.xml><?xml version="1.0" encoding="utf-8"?>
+<p:sld xmlns:a="http://schemas.openxmlformats.org/drawingml/2006/main" xmlns:r="http://schemas.openxmlformats.org/officeDocument/2006/relationships" xmlns:p="http://schemas.openxmlformats.org/presentationml/2006/main">
+  <p:cSld>
+    <p:spTree>
+      <p:nvGrpSpPr>
+        <p:cNvPr id="1" name=""/>
+        <p:cNvGrpSpPr/>
+        <p:nvPr/>
+      </p:nvGrpSpPr>
+      <p:grpSpPr>
+        <a:xfrm>
+          <a:off x="0" y="0"/>
+          <a:ext cx="0" cy="0"/>
+          <a:chOff x="0" y="0"/>
+          <a:chExt cx="0" cy="0"/>
+        </a:xfrm>
+      </p:grpSpPr>
+      <p:sp>
+        <p:nvSpPr>
+          <p:cNvPr id="2" name="标题 1"/>
+          <p:cNvSpPr>
+            <a:spLocks noGrp="1"/>
+          </p:cNvSpPr>
+          <p:nvPr>
+            <p:ph type="title"/>
+          </p:nvPr>
+        </p:nvSpPr>
+        <p:spPr>
+          <a:xfrm>
+            <a:off x="395536" y="2420888"/>
+            <a:ext cx="8229600" cy="1143000"/>
+          </a:xfrm>
+        </p:spPr>
+        <p:txBody>
+          <a:bodyPr>
+            <a:normAutofit/>
+          </a:bodyPr>
+          <a:lstStyle/>
+          <a:p>
+            <a:r>
+              <a:rPr lang="zh-CN" altLang="en-US" dirty="0" smtClean="0"/>
+              <a:t>图表</a:t>
+            </a:r>
+            <a:endParaRPr lang="zh-CN" altLang="en-US" dirty="0"/>
+          </a:p>
+        </p:txBody>
+      </p:sp>
+    </p:spTree>
+    <p:extLst>
+      <p:ext uri="{BB962C8B-B14F-4D97-AF65-F5344CB8AC3E}">
+        <p14:creationId xmlns:p14="http://schemas.microsoft.com/office/powerpoint/2010/main" val="174462014"/>
+      </p:ext>
+    </p:extLst>
+  </p:cSld>
+  <p:clrMapOvr>
+    <a:masterClrMapping/>
+  </p:clrMapOvr>
+  <p:timing>
+    <p:tnLst>
+      <p:par>
+        <p:cTn id="1" dur="indefinite" restart="never" nodeType="tmRoot"/>
+      </p:par>
+    </p:tnLst>
+  </p:timing>
+</p:sld>
+</file>
+
+<file path=ppt/slides/slide7.xml><?xml version="1.0" encoding="utf-8"?>
+<p:sld xmlns:a="http://schemas.openxmlformats.org/drawingml/2006/main" xmlns:r="http://schemas.openxmlformats.org/officeDocument/2006/relationships" xmlns:p="http://schemas.openxmlformats.org/presentationml/2006/main">
+  <p:cSld>
+    <p:spTree>
+      <p:nvGrpSpPr>
+        <p:cNvPr id="1" name=""/>
+        <p:cNvGrpSpPr/>
+        <p:nvPr/>
+      </p:nvGrpSpPr>
+      <p:grpSpPr>
+        <a:xfrm>
+          <a:off x="0" y="0"/>
+          <a:ext cx="0" cy="0"/>
+          <a:chOff x="0" y="0"/>
+          <a:chExt cx="0" cy="0"/>
+        </a:xfrm>
+      </p:grpSpPr>
+      <p:sp>
+        <p:nvSpPr>
+          <p:cNvPr id="2" name="标题 1"/>
+          <p:cNvSpPr>
+            <a:spLocks noGrp="1"/>
+          </p:cNvSpPr>
+          <p:nvPr>
+            <p:ph type="title"/>
+          </p:nvPr>
+        </p:nvSpPr>
+        <p:spPr/>
+        <p:txBody>
+          <a:bodyPr/>
+          <a:lstStyle/>
+          <a:p>
+            <a:r>
+              <a:rPr lang="zh-CN" altLang="en-US" dirty="0" smtClean="0"/>
+              <a:t>创建图表</a:t>
+            </a:r>
+            <a:endParaRPr lang="zh-CN" altLang="en-US" dirty="0"/>
+          </a:p>
+        </p:txBody>
+      </p:sp>
+      <p:pic>
+        <p:nvPicPr>
+          <p:cNvPr id="4" name="内容占位符 3"/>
+          <p:cNvPicPr>
+            <a:picLocks noGrp="1" noChangeAspect="1"/>
+          </p:cNvPicPr>
+          <p:nvPr>
+            <p:ph idx="1"/>
+          </p:nvPr>
+        </p:nvPicPr>
+        <p:blipFill>
+          <a:blip r:embed="rId2">
+            <a:extLst>
+              <a:ext uri="{28A0092B-C50C-407E-A947-70E740481C1C}">
+                <a14:useLocalDpi xmlns:a14="http://schemas.microsoft.com/office/drawing/2010/main" val="0"/>
+              </a:ext>
+            </a:extLst>
+          </a:blip>
+          <a:stretch>
+            <a:fillRect/>
+          </a:stretch>
+        </p:blipFill>
+        <p:spPr>
+          <a:xfrm>
+            <a:off x="689802" y="2014024"/>
+            <a:ext cx="4977350" cy="1682734"/>
+          </a:xfrm>
+        </p:spPr>
+      </p:pic>
+      <p:sp>
+        <p:nvSpPr>
+          <p:cNvPr id="5" name="TextBox 4"/>
+          <p:cNvSpPr txBox="1"/>
+          <p:nvPr/>
+        </p:nvSpPr>
+        <p:spPr>
+          <a:xfrm>
+            <a:off x="1259632" y="1418783"/>
+            <a:ext cx="3384376" cy="369332"/>
+          </a:xfrm>
+          <a:prstGeom prst="rect">
+            <a:avLst/>
+          </a:prstGeom>
+          <a:noFill/>
+        </p:spPr>
+        <p:txBody>
+          <a:bodyPr wrap="square" rtlCol="0">
+            <a:spAutoFit/>
+          </a:bodyPr>
+          <a:lstStyle/>
+          <a:p>
+            <a:r>
+              <a:rPr lang="zh-CN" altLang="en-US" dirty="0" smtClean="0"/>
+              <a:t>选择连续的数据</a:t>
+            </a:r>
+            <a:endParaRPr lang="zh-CN" altLang="en-US" dirty="0"/>
+          </a:p>
+        </p:txBody>
+      </p:sp>
+      <p:sp>
+        <p:nvSpPr>
+          <p:cNvPr id="6" name="TextBox 5"/>
+          <p:cNvSpPr txBox="1"/>
+          <p:nvPr/>
+        </p:nvSpPr>
+        <p:spPr>
+          <a:xfrm>
+            <a:off x="1187624" y="4005064"/>
+            <a:ext cx="3384376" cy="369332"/>
+          </a:xfrm>
+          <a:prstGeom prst="rect">
+            <a:avLst/>
+          </a:prstGeom>
+          <a:noFill/>
+        </p:spPr>
+        <p:txBody>
+          <a:bodyPr wrap="square" rtlCol="0">
+            <a:spAutoFit/>
+          </a:bodyPr>
+          <a:lstStyle/>
+          <a:p>
+            <a:r>
+              <a:rPr lang="zh-CN" altLang="en-US" dirty="0" smtClean="0"/>
+              <a:t>或者使用</a:t>
+            </a:r>
+            <a:r>
+              <a:rPr lang="en-US" altLang="zh-CN" dirty="0" smtClean="0"/>
+              <a:t>CTRL</a:t>
+            </a:r>
+            <a:r>
+              <a:rPr lang="zh-CN" altLang="en-US" dirty="0" smtClean="0"/>
+              <a:t>选择不连续的数据</a:t>
+            </a:r>
+            <a:endParaRPr lang="zh-CN" altLang="en-US" dirty="0"/>
+          </a:p>
+        </p:txBody>
+      </p:sp>
+      <p:pic>
+        <p:nvPicPr>
+          <p:cNvPr id="8" name="图片 7"/>
+          <p:cNvPicPr>
+            <a:picLocks noChangeAspect="1"/>
+          </p:cNvPicPr>
+          <p:nvPr/>
+        </p:nvPicPr>
+        <p:blipFill>
+          <a:blip r:embed="rId3">
+            <a:extLst>
+              <a:ext uri="{28A0092B-C50C-407E-A947-70E740481C1C}">
+                <a14:useLocalDpi xmlns:a14="http://schemas.microsoft.com/office/drawing/2010/main" val="0"/>
+              </a:ext>
+            </a:extLst>
+          </a:blip>
+          <a:stretch>
+            <a:fillRect/>
+          </a:stretch>
+        </p:blipFill>
+        <p:spPr>
+          <a:xfrm>
+            <a:off x="692469" y="4672159"/>
+            <a:ext cx="5657850" cy="1527331"/>
+          </a:xfrm>
+          <a:prstGeom prst="rect">
+            <a:avLst/>
+          </a:prstGeom>
+        </p:spPr>
+      </p:pic>
+      <p:sp>
+        <p:nvSpPr>
+          <p:cNvPr id="9" name="TextBox 8"/>
+          <p:cNvSpPr txBox="1"/>
+          <p:nvPr/>
+        </p:nvSpPr>
+        <p:spPr>
+          <a:xfrm>
+            <a:off x="611560" y="1973034"/>
+            <a:ext cx="4896544" cy="936000"/>
+          </a:xfrm>
+          <a:prstGeom prst="rect">
+            <a:avLst/>
+          </a:prstGeom>
+          <a:noFill/>
+          <a:ln w="22225">
+            <a:solidFill>
+              <a:srgbClr val="FF0000"/>
+            </a:solidFill>
+          </a:ln>
+        </p:spPr>
+        <p:txBody>
+          <a:bodyPr wrap="square" rtlCol="0">
+            <a:spAutoFit/>
+          </a:bodyPr>
+          <a:lstStyle/>
+          <a:p>
+            <a:endParaRPr lang="zh-CN" altLang="en-US" dirty="0"/>
+          </a:p>
+        </p:txBody>
+      </p:sp>
+      <p:sp>
+        <p:nvSpPr>
+          <p:cNvPr id="10" name="TextBox 9"/>
+          <p:cNvSpPr txBox="1"/>
+          <p:nvPr/>
+        </p:nvSpPr>
+        <p:spPr>
+          <a:xfrm>
+            <a:off x="626694" y="4473783"/>
+            <a:ext cx="5738759" cy="936000"/>
+          </a:xfrm>
+          <a:prstGeom prst="rect">
+            <a:avLst/>
+          </a:prstGeom>
+          <a:noFill/>
+          <a:ln w="22225">
+            <a:solidFill>
+              <a:srgbClr val="FF0000"/>
+            </a:solidFill>
+          </a:ln>
+        </p:spPr>
+        <p:txBody>
+          <a:bodyPr wrap="square" rtlCol="0">
+            <a:spAutoFit/>
+          </a:bodyPr>
+          <a:lstStyle/>
+          <a:p>
+            <a:endParaRPr lang="zh-CN" altLang="en-US" dirty="0"/>
+          </a:p>
+        </p:txBody>
+      </p:sp>
+      <p:sp>
+        <p:nvSpPr>
+          <p:cNvPr id="11" name="TextBox 10"/>
+          <p:cNvSpPr txBox="1"/>
+          <p:nvPr/>
+        </p:nvSpPr>
+        <p:spPr>
+          <a:xfrm>
+            <a:off x="683567" y="5517320"/>
+            <a:ext cx="5681885" cy="792000"/>
+          </a:xfrm>
+          <a:prstGeom prst="rect">
+            <a:avLst/>
+          </a:prstGeom>
+          <a:noFill/>
+          <a:ln w="22225">
+            <a:solidFill>
+              <a:srgbClr val="FF0000"/>
+            </a:solidFill>
+          </a:ln>
+        </p:spPr>
+        <p:txBody>
+          <a:bodyPr wrap="square" rtlCol="0">
+            <a:spAutoFit/>
+          </a:bodyPr>
+          <a:lstStyle/>
+          <a:p>
+            <a:endParaRPr lang="zh-CN" altLang="en-US" dirty="0"/>
+          </a:p>
+        </p:txBody>
+      </p:sp>
+    </p:spTree>
+    <p:extLst>
+      <p:ext uri="{BB962C8B-B14F-4D97-AF65-F5344CB8AC3E}">
+        <p14:creationId xmlns:p14="http://schemas.microsoft.com/office/powerpoint/2010/main" val="3766071360"/>
+      </p:ext>
+    </p:extLst>
+  </p:cSld>
+  <p:clrMapOvr>
+    <a:masterClrMapping/>
+  </p:clrMapOvr>
+  <p:timing>
+    <p:tnLst>
+      <p:par>
+        <p:cTn id="1" dur="indefinite" restart="never" nodeType="tmRoot">
+          <p:childTnLst>
+            <p:seq concurrent="1" nextAc="seek">
+              <p:cTn id="2" dur="indefinite" nodeType="mainSeq">
+                <p:childTnLst>
+                  <p:par>
+                    <p:cTn id="3" fill="hold">
+                      <p:stCondLst>
+                        <p:cond delay="indefinite"/>
+                      </p:stCondLst>
+                      <p:childTnLst>
+                        <p:par>
+                          <p:cTn id="4" fill="hold">
+                            <p:stCondLst>
+                              <p:cond delay="0"/>
+                            </p:stCondLst>
+                            <p:childTnLst>
+                              <p:par>
+                                <p:cTn id="5" presetID="10" presetClass="entr" presetSubtype="0" fill="hold" grpId="0" nodeType="clickEffect">
+                                  <p:stCondLst>
+                                    <p:cond delay="0"/>
+                                  </p:stCondLst>
+                                  <p:childTnLst>
+                                    <p:set>
+                                      <p:cBhvr>
+                                        <p:cTn id="6" dur="1" fill="hold">
+                                          <p:stCondLst>
+                                            <p:cond delay="0"/>
+                                          </p:stCondLst>
+                                        </p:cTn>
+                                        <p:tgtEl>
+                                          <p:spTgt spid="5"/>
+                                        </p:tgtEl>
+                                        <p:attrNameLst>
+                                          <p:attrName>style.visibility</p:attrName>
+                                        </p:attrNameLst>
+                                      </p:cBhvr>
+                                      <p:to>
+                                        <p:strVal val="visible"/>
+                                      </p:to>
+                                    </p:set>
+                                    <p:animEffect transition="in" filter="fade">
+                                      <p:cBhvr>
+                                        <p:cTn id="7" dur="500"/>
+                                        <p:tgtEl>
+                                          <p:spTgt spid="5"/>
+                                        </p:tgtEl>
+                                      </p:cBhvr>
+                                    </p:animEffect>
+                                  </p:childTnLst>
+                                </p:cTn>
+                              </p:par>
+                            </p:childTnLst>
+                          </p:cTn>
+                        </p:par>
+                      </p:childTnLst>
+                    </p:cTn>
+                  </p:par>
+                  <p:par>
+                    <p:cTn id="8" fill="hold">
+                      <p:stCondLst>
+                        <p:cond delay="indefinite"/>
+                      </p:stCondLst>
+                      <p:childTnLst>
+                        <p:par>
+                          <p:cTn id="9" fill="hold">
+                            <p:stCondLst>
+                              <p:cond delay="0"/>
+                            </p:stCondLst>
+                            <p:childTnLst>
+                              <p:par>
+                                <p:cTn id="10" presetID="10" presetClass="entr" presetSubtype="0" fill="hold" nodeType="clickEffect">
+                                  <p:stCondLst>
+                                    <p:cond delay="0"/>
+                                  </p:stCondLst>
+                                  <p:childTnLst>
+                                    <p:set>
+                                      <p:cBhvr>
+                                        <p:cTn id="11" dur="1" fill="hold">
+                                          <p:stCondLst>
+                                            <p:cond delay="0"/>
+                                          </p:stCondLst>
+                                        </p:cTn>
+                                        <p:tgtEl>
+                                          <p:spTgt spid="4"/>
+                                        </p:tgtEl>
+                                        <p:attrNameLst>
+                                          <p:attrName>style.visibility</p:attrName>
+                                        </p:attrNameLst>
+                                      </p:cBhvr>
+                                      <p:to>
+                                        <p:strVal val="visible"/>
+                                      </p:to>
+                                    </p:set>
+                                    <p:animEffect transition="in" filter="fade">
+                                      <p:cBhvr>
+                                        <p:cTn id="12" dur="500"/>
+                                        <p:tgtEl>
+                                          <p:spTgt spid="4"/>
+                                        </p:tgtEl>
+                                      </p:cBhvr>
+                                    </p:animEffect>
+                                  </p:childTnLst>
+                                </p:cTn>
+                              </p:par>
+                            </p:childTnLst>
+                          </p:cTn>
+                        </p:par>
+                      </p:childTnLst>
+                    </p:cTn>
+                  </p:par>
+                  <p:par>
+                    <p:cTn id="13" fill="hold">
+                      <p:stCondLst>
+                        <p:cond delay="indefinite"/>
+                      </p:stCondLst>
+                      <p:childTnLst>
+                        <p:par>
+                          <p:cTn id="14" fill="hold">
+                            <p:stCondLst>
+                              <p:cond delay="0"/>
+                            </p:stCondLst>
+                            <p:childTnLst>
+                              <p:par>
+                                <p:cTn id="15" presetID="10" presetClass="entr" presetSubtype="0" fill="hold" grpId="0" nodeType="clickEffect">
+                                  <p:stCondLst>
+                                    <p:cond delay="0"/>
+                                  </p:stCondLst>
+                                  <p:childTnLst>
+                                    <p:set>
+                                      <p:cBhvr>
+                                        <p:cTn id="16" dur="1" fill="hold">
+                                          <p:stCondLst>
+                                            <p:cond delay="0"/>
+                                          </p:stCondLst>
+                                        </p:cTn>
+                                        <p:tgtEl>
+                                          <p:spTgt spid="9"/>
+                                        </p:tgtEl>
+                                        <p:attrNameLst>
+                                          <p:attrName>style.visibility</p:attrName>
+                                        </p:attrNameLst>
+                                      </p:cBhvr>
+                                      <p:to>
+                                        <p:strVal val="visible"/>
+                                      </p:to>
+                                    </p:set>
+                                    <p:animEffect transition="in" filter="fade">
+                                      <p:cBhvr>
+                                        <p:cTn id="17" dur="500"/>
+                                        <p:tgtEl>
+                                          <p:spTgt spid="9"/>
+                                        </p:tgtEl>
+                                      </p:cBhvr>
+                                    </p:animEffect>
+                                  </p:childTnLst>
+                                </p:cTn>
+                              </p:par>
+                            </p:childTnLst>
+                          </p:cTn>
+                        </p:par>
+                      </p:childTnLst>
+                    </p:cTn>
+                  </p:par>
+                  <p:par>
+                    <p:cTn id="18" fill="hold">
+                      <p:stCondLst>
+                        <p:cond delay="indefinite"/>
+                      </p:stCondLst>
+                      <p:childTnLst>
+                        <p:par>
+                          <p:cTn id="19" fill="hold">
+                            <p:stCondLst>
+                              <p:cond delay="0"/>
+                            </p:stCondLst>
+                            <p:childTnLst>
+                              <p:par>
+                                <p:cTn id="20" presetID="10" presetClass="entr" presetSubtype="0" fill="hold" grpId="0" nodeType="clickEffect">
+                                  <p:stCondLst>
+                                    <p:cond delay="0"/>
+                                  </p:stCondLst>
+                                  <p:childTnLst>
+                                    <p:set>
+                                      <p:cBhvr>
+                                        <p:cTn id="21" dur="1" fill="hold">
+                                          <p:stCondLst>
+                                            <p:cond delay="0"/>
+                                          </p:stCondLst>
+                                        </p:cTn>
+                                        <p:tgtEl>
+                                          <p:spTgt spid="6"/>
+                                        </p:tgtEl>
+                                        <p:attrNameLst>
+                                          <p:attrName>style.visibility</p:attrName>
+                                        </p:attrNameLst>
+                                      </p:cBhvr>
+                                      <p:to>
+                                        <p:strVal val="visible"/>
+                                      </p:to>
+                                    </p:set>
+                                    <p:animEffect transition="in" filter="fade">
+                                      <p:cBhvr>
+                                        <p:cTn id="22" dur="500"/>
+                                        <p:tgtEl>
+                                          <p:spTgt spid="6"/>
+                                        </p:tgtEl>
+                                      </p:cBhvr>
+                                    </p:animEffect>
+                                  </p:childTnLst>
+                                </p:cTn>
+                              </p:par>
+                            </p:childTnLst>
+                          </p:cTn>
+                        </p:par>
+                      </p:childTnLst>
+                    </p:cTn>
+                  </p:par>
+                  <p:par>
+                    <p:cTn id="23" fill="hold">
+                      <p:stCondLst>
+                        <p:cond delay="indefinite"/>
+                      </p:stCondLst>
+                      <p:childTnLst>
+                        <p:par>
+                          <p:cTn id="24" fill="hold">
+                            <p:stCondLst>
+                              <p:cond delay="0"/>
+                            </p:stCondLst>
+                            <p:childTnLst>
+                              <p:par>
+                                <p:cTn id="25" presetID="10" presetClass="entr" presetSubtype="0" fill="hold" nodeType="clickEffect">
+                                  <p:stCondLst>
+                                    <p:cond delay="0"/>
+                                  </p:stCondLst>
+                                  <p:childTnLst>
+                                    <p:set>
+                                      <p:cBhvr>
+                                        <p:cTn id="26" dur="1" fill="hold">
+                                          <p:stCondLst>
+                                            <p:cond delay="0"/>
+                                          </p:stCondLst>
+                                        </p:cTn>
+                                        <p:tgtEl>
+                                          <p:spTgt spid="8"/>
+                                        </p:tgtEl>
+                                        <p:attrNameLst>
+                                          <p:attrName>style.visibility</p:attrName>
+                                        </p:attrNameLst>
+                                      </p:cBhvr>
+                                      <p:to>
+                                        <p:strVal val="visible"/>
+                                      </p:to>
+                                    </p:set>
+                                    <p:animEffect transition="in" filter="fade">
+                                      <p:cBhvr>
+                                        <p:cTn id="27" dur="500"/>
+                                        <p:tgtEl>
+                                          <p:spTgt spid="8"/>
+                                        </p:tgtEl>
+                                      </p:cBhvr>
+                                    </p:animEffect>
+                                  </p:childTnLst>
+                                </p:cTn>
+                              </p:par>
+                            </p:childTnLst>
+                          </p:cTn>
+                        </p:par>
+                      </p:childTnLst>
+                    </p:cTn>
+                  </p:par>
+                  <p:par>
+                    <p:cTn id="28" fill="hold">
+                      <p:stCondLst>
+                        <p:cond delay="indefinite"/>
+                      </p:stCondLst>
+                      <p:childTnLst>
+                        <p:par>
+                          <p:cTn id="29" fill="hold">
+                            <p:stCondLst>
+                              <p:cond delay="0"/>
+                            </p:stCondLst>
+                            <p:childTnLst>
+                              <p:par>
+                                <p:cTn id="30" presetID="10" presetClass="entr" presetSubtype="0" fill="hold" grpId="0" nodeType="clickEffect">
+                                  <p:stCondLst>
+                                    <p:cond delay="0"/>
+                                  </p:stCondLst>
+                                  <p:childTnLst>
+                                    <p:set>
+                                      <p:cBhvr>
+                                        <p:cTn id="31" dur="1" fill="hold">
+                                          <p:stCondLst>
+                                            <p:cond delay="0"/>
+                                          </p:stCondLst>
+                                        </p:cTn>
+                                        <p:tgtEl>
+                                          <p:spTgt spid="10"/>
+                                        </p:tgtEl>
+                                        <p:attrNameLst>
+                                          <p:attrName>style.visibility</p:attrName>
+                                        </p:attrNameLst>
+                                      </p:cBhvr>
+                                      <p:to>
+                                        <p:strVal val="visible"/>
+                                      </p:to>
+                                    </p:set>
+                                    <p:animEffect transition="in" filter="fade">
+                                      <p:cBhvr>
+                                        <p:cTn id="32" dur="500"/>
+                                        <p:tgtEl>
+                                          <p:spTgt spid="10"/>
+                                        </p:tgtEl>
+                                      </p:cBhvr>
+                                    </p:animEffect>
+                                  </p:childTnLst>
+                                </p:cTn>
+                              </p:par>
+                            </p:childTnLst>
+                          </p:cTn>
+                        </p:par>
+                      </p:childTnLst>
+                    </p:cTn>
+                  </p:par>
+                  <p:par>
+                    <p:cTn id="33" fill="hold">
+                      <p:stCondLst>
+                        <p:cond delay="indefinite"/>
+                      </p:stCondLst>
+                      <p:childTnLst>
+                        <p:par>
+                          <p:cTn id="34" fill="hold">
+                            <p:stCondLst>
+                              <p:cond delay="0"/>
+                            </p:stCondLst>
+                            <p:childTnLst>
+                              <p:par>
+                                <p:cTn id="35" presetID="10" presetClass="entr" presetSubtype="0" fill="hold" grpId="0" nodeType="clickEffect">
+                                  <p:stCondLst>
+                                    <p:cond delay="0"/>
+                                  </p:stCondLst>
+                                  <p:childTnLst>
+                                    <p:set>
+                                      <p:cBhvr>
+                                        <p:cTn id="36" dur="1" fill="hold">
+                                          <p:stCondLst>
+                                            <p:cond delay="0"/>
+                                          </p:stCondLst>
+                                        </p:cTn>
+                                        <p:tgtEl>
+                                          <p:spTgt spid="11"/>
+                                        </p:tgtEl>
+                                        <p:attrNameLst>
+                                          <p:attrName>style.visibility</p:attrName>
+                                        </p:attrNameLst>
+                                      </p:cBhvr>
+                                      <p:to>
+                                        <p:strVal val="visible"/>
+                                      </p:to>
+                                    </p:set>
+                                    <p:animEffect transition="in" filter="fade">
+                                      <p:cBhvr>
+                                        <p:cTn id="37" dur="500"/>
+                                        <p:tgtEl>
+                                          <p:spTgt spid="11"/>
+                                        </p:tgtEl>
+                                      </p:cBhvr>
+                                    </p:animEffect>
+                                  </p:childTnLst>
+                                </p:cTn>
+                              </p:par>
+                            </p:childTnLst>
+                          </p:cTn>
+                        </p:par>
+                      </p:childTnLst>
+                    </p:cTn>
+                  </p:par>
+                </p:childTnLst>
+              </p:cTn>
+              <p:prevCondLst>
+                <p:cond evt="onPrev" delay="0">
+                  <p:tgtEl>
+                    <p:sldTgt/>
+                  </p:tgtEl>
+                </p:cond>
+              </p:prevCondLst>
+              <p:nextCondLst>
+                <p:cond evt="onNext" delay="0">
+                  <p:tgtEl>
+                    <p:sldTgt/>
+                  </p:tgtEl>
+                </p:cond>
+              </p:nextCondLst>
+            </p:seq>
+          </p:childTnLst>
+        </p:cTn>
+      </p:par>
+    </p:tnLst>
+    <p:bldLst>
+      <p:bldP spid="5" grpId="0"/>
+      <p:bldP spid="6" grpId="0"/>
+      <p:bldP spid="9" grpId="0" animBg="1"/>
+      <p:bldP spid="10" grpId="0" animBg="1"/>
+      <p:bldP spid="11" grpId="0" animBg="1"/>
+    </p:bldLst>
+  </p:timing>
+</p:sld>
+</file>
+
+<file path=ppt/slides/slide8.xml><?xml version="1.0" encoding="utf-8"?>
+<p:sld xmlns:a="http://schemas.openxmlformats.org/drawingml/2006/main" xmlns:r="http://schemas.openxmlformats.org/officeDocument/2006/relationships" xmlns:p="http://schemas.openxmlformats.org/presentationml/2006/main">
+  <p:cSld>
+    <p:spTree>
+      <p:nvGrpSpPr>
+        <p:cNvPr id="1" name=""/>
+        <p:cNvGrpSpPr/>
+        <p:nvPr/>
+      </p:nvGrpSpPr>
+      <p:grpSpPr>
+        <a:xfrm>
+          <a:off x="0" y="0"/>
+          <a:ext cx="0" cy="0"/>
+          <a:chOff x="0" y="0"/>
+          <a:chExt cx="0" cy="0"/>
+        </a:xfrm>
+      </p:grpSpPr>
+      <p:pic>
+        <p:nvPicPr>
+          <p:cNvPr id="2" name="图片 1"/>
+          <p:cNvPicPr>
+            <a:picLocks noChangeAspect="1"/>
+          </p:cNvPicPr>
+          <p:nvPr/>
+        </p:nvPicPr>
+        <p:blipFill>
+          <a:blip r:embed="rId2">
+            <a:extLst>
+              <a:ext uri="{28A0092B-C50C-407E-A947-70E740481C1C}">
+                <a14:useLocalDpi xmlns:a14="http://schemas.microsoft.com/office/drawing/2010/main" val="0"/>
+              </a:ext>
+            </a:extLst>
+          </a:blip>
+          <a:stretch>
+            <a:fillRect/>
+          </a:stretch>
+        </p:blipFill>
+        <p:spPr>
+          <a:xfrm>
+            <a:off x="1633538" y="260648"/>
+            <a:ext cx="5876925" cy="1409700"/>
+          </a:xfrm>
+          <a:prstGeom prst="rect">
+            <a:avLst/>
+          </a:prstGeom>
+        </p:spPr>
+      </p:pic>
+      <p:sp>
+        <p:nvSpPr>
+          <p:cNvPr id="3" name="TextBox 2"/>
+          <p:cNvSpPr txBox="1"/>
+          <p:nvPr/>
+        </p:nvSpPr>
+        <p:spPr>
+          <a:xfrm>
+            <a:off x="2051720" y="260648"/>
+            <a:ext cx="648072" cy="369332"/>
+          </a:xfrm>
+          <a:prstGeom prst="rect">
+            <a:avLst/>
+          </a:prstGeom>
+          <a:noFill/>
+          <a:ln w="22225">
+            <a:solidFill>
+              <a:srgbClr val="FF0000"/>
+            </a:solidFill>
+          </a:ln>
+        </p:spPr>
+        <p:txBody>
+          <a:bodyPr wrap="square" rtlCol="0">
+            <a:spAutoFit/>
+          </a:bodyPr>
+          <a:lstStyle/>
+          <a:p>
+            <a:endParaRPr lang="zh-CN" altLang="en-US" dirty="0"/>
+          </a:p>
+        </p:txBody>
+      </p:sp>
+      <p:sp>
+        <p:nvSpPr>
+          <p:cNvPr id="4" name="TextBox 3"/>
+          <p:cNvSpPr txBox="1"/>
+          <p:nvPr/>
+        </p:nvSpPr>
+        <p:spPr>
+          <a:xfrm>
+            <a:off x="5448563" y="1274394"/>
+            <a:ext cx="648072" cy="369332"/>
+          </a:xfrm>
+          <a:prstGeom prst="rect">
+            <a:avLst/>
+          </a:prstGeom>
+          <a:noFill/>
+          <a:ln w="22225">
+            <a:solidFill>
+              <a:srgbClr val="FF0000"/>
+            </a:solidFill>
+          </a:ln>
+        </p:spPr>
+        <p:txBody>
+          <a:bodyPr wrap="square" rtlCol="0">
+            <a:spAutoFit/>
+          </a:bodyPr>
+          <a:lstStyle/>
+          <a:p>
+            <a:endParaRPr lang="zh-CN" altLang="en-US" dirty="0"/>
+          </a:p>
+        </p:txBody>
+      </p:sp>
+      <p:sp>
+        <p:nvSpPr>
+          <p:cNvPr id="5" name="TextBox 4"/>
+          <p:cNvSpPr txBox="1"/>
+          <p:nvPr/>
+        </p:nvSpPr>
+        <p:spPr>
+          <a:xfrm>
+            <a:off x="1751222" y="2181345"/>
+            <a:ext cx="720080" cy="369332"/>
+          </a:xfrm>
+          <a:prstGeom prst="rect">
+            <a:avLst/>
+          </a:prstGeom>
+          <a:noFill/>
+        </p:spPr>
+        <p:txBody>
+          <a:bodyPr wrap="square" rtlCol="0">
+            <a:spAutoFit/>
+          </a:bodyPr>
+          <a:lstStyle/>
+          <a:p>
+            <a:r>
+              <a:rPr lang="zh-CN" altLang="en-US" dirty="0" smtClean="0"/>
+              <a:t>插入</a:t>
+            </a:r>
+            <a:endParaRPr lang="zh-CN" altLang="en-US" dirty="0"/>
+          </a:p>
+        </p:txBody>
+      </p:sp>
+      <p:sp>
+        <p:nvSpPr>
+          <p:cNvPr id="6" name="右箭头 5"/>
+          <p:cNvSpPr/>
+          <p:nvPr/>
+        </p:nvSpPr>
+        <p:spPr>
+          <a:xfrm>
+            <a:off x="2903350" y="2204864"/>
+            <a:ext cx="432048" cy="288032"/>
+          </a:xfrm>
+          <a:prstGeom prst="rightArrow">
+            <a:avLst/>
+          </a:prstGeom>
+        </p:spPr>
+        <p:style>
+          <a:lnRef idx="2">
+            <a:schemeClr val="accent1">
+              <a:shade val="50000"/>
+            </a:schemeClr>
+          </a:lnRef>
+          <a:fillRef idx="1">
+            <a:schemeClr val="accent1"/>
+          </a:fillRef>
+          <a:effectRef idx="0">
+            <a:schemeClr val="accent1"/>
+          </a:effectRef>
+          <a:fontRef idx="minor">
+            <a:schemeClr val="lt1"/>
+          </a:fontRef>
+        </p:style>
+        <p:txBody>
+          <a:bodyPr rtlCol="0" anchor="ctr"/>
+          <a:lstStyle/>
+          <a:p>
+            <a:pPr algn="ctr"/>
+            <a:endParaRPr lang="zh-CN" altLang="en-US"/>
+          </a:p>
+        </p:txBody>
+      </p:sp>
+      <p:sp>
+        <p:nvSpPr>
+          <p:cNvPr id="7" name="TextBox 6"/>
+          <p:cNvSpPr txBox="1"/>
+          <p:nvPr/>
+        </p:nvSpPr>
+        <p:spPr>
+          <a:xfrm>
+            <a:off x="3767446" y="2172053"/>
+            <a:ext cx="720080" cy="369332"/>
+          </a:xfrm>
+          <a:prstGeom prst="rect">
+            <a:avLst/>
+          </a:prstGeom>
+          <a:noFill/>
+        </p:spPr>
+        <p:txBody>
+          <a:bodyPr wrap="square" rtlCol="0">
+            <a:spAutoFit/>
+          </a:bodyPr>
+          <a:lstStyle/>
+          <a:p>
+            <a:r>
+              <a:rPr lang="zh-CN" altLang="en-US" dirty="0" smtClean="0"/>
+              <a:t>图表</a:t>
+            </a:r>
+            <a:endParaRPr lang="zh-CN" altLang="en-US" dirty="0"/>
+          </a:p>
+        </p:txBody>
+      </p:sp>
+      <p:sp>
+        <p:nvSpPr>
+          <p:cNvPr id="8" name="右箭头 7"/>
+          <p:cNvSpPr/>
+          <p:nvPr/>
+        </p:nvSpPr>
+        <p:spPr>
+          <a:xfrm>
+            <a:off x="4775558" y="2221995"/>
+            <a:ext cx="432048" cy="288032"/>
+          </a:xfrm>
+          <a:prstGeom prst="rightArrow">
+            <a:avLst/>
+          </a:prstGeom>
+        </p:spPr>
+        <p:style>
+          <a:lnRef idx="2">
+            <a:schemeClr val="accent1">
+              <a:shade val="50000"/>
+            </a:schemeClr>
+          </a:lnRef>
+          <a:fillRef idx="1">
+            <a:schemeClr val="accent1"/>
+          </a:fillRef>
+          <a:effectRef idx="0">
+            <a:schemeClr val="accent1"/>
+          </a:effectRef>
+          <a:fontRef idx="minor">
+            <a:schemeClr val="lt1"/>
+          </a:fontRef>
+        </p:style>
+        <p:txBody>
+          <a:bodyPr rtlCol="0" anchor="ctr"/>
+          <a:lstStyle/>
+          <a:p>
+            <a:pPr algn="ctr"/>
+            <a:endParaRPr lang="zh-CN" altLang="en-US"/>
+          </a:p>
+        </p:txBody>
+      </p:sp>
+      <p:sp>
+        <p:nvSpPr>
+          <p:cNvPr id="9" name="TextBox 8"/>
+          <p:cNvSpPr txBox="1"/>
+          <p:nvPr/>
+        </p:nvSpPr>
+        <p:spPr>
+          <a:xfrm>
+            <a:off x="5495637" y="2195572"/>
+            <a:ext cx="1668651" cy="369332"/>
+          </a:xfrm>
+          <a:prstGeom prst="rect">
+            <a:avLst/>
+          </a:prstGeom>
+          <a:noFill/>
+        </p:spPr>
+        <p:txBody>
+          <a:bodyPr wrap="square" rtlCol="0">
+            <a:spAutoFit/>
+          </a:bodyPr>
+          <a:lstStyle/>
+          <a:p>
+            <a:r>
+              <a:rPr lang="zh-CN" altLang="en-US" dirty="0" smtClean="0"/>
+              <a:t>选择一中图表</a:t>
+            </a:r>
+            <a:endParaRPr lang="zh-CN" altLang="en-US" dirty="0"/>
+          </a:p>
+        </p:txBody>
+      </p:sp>
+      <p:sp>
+        <p:nvSpPr>
+          <p:cNvPr id="10" name="TextBox 9"/>
+          <p:cNvSpPr txBox="1"/>
+          <p:nvPr/>
+        </p:nvSpPr>
+        <p:spPr>
+          <a:xfrm>
+            <a:off x="1691679" y="3100318"/>
+            <a:ext cx="5544617" cy="369332"/>
+          </a:xfrm>
+          <a:prstGeom prst="rect">
+            <a:avLst/>
+          </a:prstGeom>
+          <a:noFill/>
+        </p:spPr>
+        <p:txBody>
+          <a:bodyPr wrap="square" rtlCol="0">
+            <a:spAutoFit/>
+          </a:bodyPr>
+          <a:lstStyle/>
+          <a:p>
+            <a:r>
+              <a:rPr lang="zh-CN" altLang="en-US" dirty="0" smtClean="0"/>
+              <a:t>如果没有找到需要的图表，可以点击所有图表</a:t>
+            </a:r>
+            <a:endParaRPr lang="zh-CN" altLang="en-US" dirty="0"/>
+          </a:p>
+        </p:txBody>
+      </p:sp>
+      <p:pic>
+        <p:nvPicPr>
+          <p:cNvPr id="11" name="图片 10"/>
+          <p:cNvPicPr>
+            <a:picLocks noChangeAspect="1"/>
+          </p:cNvPicPr>
+          <p:nvPr/>
+        </p:nvPicPr>
+        <p:blipFill>
+          <a:blip r:embed="rId3">
+            <a:extLst>
+              <a:ext uri="{28A0092B-C50C-407E-A947-70E740481C1C}">
+                <a14:useLocalDpi xmlns:a14="http://schemas.microsoft.com/office/drawing/2010/main" val="0"/>
+              </a:ext>
+            </a:extLst>
+          </a:blip>
+          <a:stretch>
+            <a:fillRect/>
+          </a:stretch>
+        </p:blipFill>
+        <p:spPr>
+          <a:xfrm>
+            <a:off x="911821" y="3579694"/>
+            <a:ext cx="1559715" cy="2880000"/>
+          </a:xfrm>
+          <a:prstGeom prst="rect">
+            <a:avLst/>
+          </a:prstGeom>
+        </p:spPr>
+      </p:pic>
+      <p:sp>
+        <p:nvSpPr>
+          <p:cNvPr id="12" name="TextBox 11"/>
+          <p:cNvSpPr txBox="1"/>
+          <p:nvPr/>
+        </p:nvSpPr>
+        <p:spPr>
+          <a:xfrm>
+            <a:off x="899592" y="6237312"/>
+            <a:ext cx="1355923" cy="216000"/>
+          </a:xfrm>
+          <a:prstGeom prst="rect">
+            <a:avLst/>
+          </a:prstGeom>
+          <a:noFill/>
+          <a:ln w="15875">
+            <a:solidFill>
+              <a:srgbClr val="FF0000"/>
+            </a:solidFill>
+          </a:ln>
+        </p:spPr>
+        <p:txBody>
+          <a:bodyPr wrap="square" rtlCol="0">
+            <a:spAutoFit/>
+          </a:bodyPr>
+          <a:lstStyle/>
+          <a:p>
+            <a:endParaRPr lang="zh-CN" altLang="en-US" dirty="0"/>
+          </a:p>
+        </p:txBody>
+      </p:sp>
+      <p:sp>
+        <p:nvSpPr>
+          <p:cNvPr id="13" name="右箭头 12"/>
+          <p:cNvSpPr/>
+          <p:nvPr/>
+        </p:nvSpPr>
+        <p:spPr>
+          <a:xfrm>
+            <a:off x="3419872" y="4646969"/>
+            <a:ext cx="792088" cy="360040"/>
+          </a:xfrm>
+          <a:prstGeom prst="rightArrow">
+            <a:avLst/>
+          </a:prstGeom>
+        </p:spPr>
+        <p:style>
+          <a:lnRef idx="2">
+            <a:schemeClr val="accent1">
+              <a:shade val="50000"/>
+            </a:schemeClr>
+          </a:lnRef>
+          <a:fillRef idx="1">
+            <a:schemeClr val="accent1"/>
+          </a:fillRef>
+          <a:effectRef idx="0">
+            <a:schemeClr val="accent1"/>
+          </a:effectRef>
+          <a:fontRef idx="minor">
+            <a:schemeClr val="lt1"/>
+          </a:fontRef>
+        </p:style>
+        <p:txBody>
+          <a:bodyPr rtlCol="0" anchor="ctr"/>
+          <a:lstStyle/>
+          <a:p>
+            <a:pPr algn="ctr"/>
+            <a:endParaRPr lang="zh-CN" altLang="en-US"/>
+          </a:p>
+        </p:txBody>
+      </p:sp>
+      <p:pic>
+        <p:nvPicPr>
+          <p:cNvPr id="14" name="图片 13"/>
+          <p:cNvPicPr>
+            <a:picLocks noChangeAspect="1"/>
+          </p:cNvPicPr>
+          <p:nvPr/>
+        </p:nvPicPr>
+        <p:blipFill>
+          <a:blip r:embed="rId4">
+            <a:extLst>
+              <a:ext uri="{28A0092B-C50C-407E-A947-70E740481C1C}">
+                <a14:useLocalDpi xmlns:a14="http://schemas.microsoft.com/office/drawing/2010/main" val="0"/>
+              </a:ext>
+            </a:extLst>
+          </a:blip>
+          <a:stretch>
+            <a:fillRect/>
+          </a:stretch>
+        </p:blipFill>
+        <p:spPr>
+          <a:xfrm>
+            <a:off x="5176665" y="3767369"/>
+            <a:ext cx="3600000" cy="2397935"/>
+          </a:xfrm>
+          <a:prstGeom prst="rect">
+            <a:avLst/>
+          </a:prstGeom>
+        </p:spPr>
+      </p:pic>
+    </p:spTree>
+    <p:extLst>
+      <p:ext uri="{BB962C8B-B14F-4D97-AF65-F5344CB8AC3E}">
+        <p14:creationId xmlns:p14="http://schemas.microsoft.com/office/powerpoint/2010/main" val="1747164251"/>
+      </p:ext>
+    </p:extLst>
+  </p:cSld>
+  <p:clrMapOvr>
+    <a:masterClrMapping/>
+  </p:clrMapOvr>
+  <p:timing>
+    <p:tnLst>
+      <p:par>
+        <p:cTn id="1" dur="indefinite" restart="never" nodeType="tmRoot">
+          <p:childTnLst>
+            <p:seq concurrent="1" nextAc="seek">
+              <p:cTn id="2" dur="indefinite" nodeType="mainSeq">
+                <p:childTnLst>
+                  <p:par>
+                    <p:cTn id="3" fill="hold">
+                      <p:stCondLst>
+                        <p:cond delay="indefinite"/>
+                      </p:stCondLst>
+                      <p:childTnLst>
+                        <p:par>
+                          <p:cTn id="4" fill="hold">
+                            <p:stCondLst>
+                              <p:cond delay="0"/>
+                            </p:stCondLst>
+                            <p:childTnLst>
+                              <p:par>
+                                <p:cTn id="5" presetID="10" presetClass="entr" presetSubtype="0" fill="hold" grpId="0" nodeType="clickEffect">
+                                  <p:stCondLst>
+                                    <p:cond delay="0"/>
+                                  </p:stCondLst>
+                                  <p:childTnLst>
+                                    <p:set>
+                                      <p:cBhvr>
+                                        <p:cTn id="6" dur="1" fill="hold">
+                                          <p:stCondLst>
+                                            <p:cond delay="0"/>
+                                          </p:stCondLst>
+                                        </p:cTn>
+                                        <p:tgtEl>
+                                          <p:spTgt spid="5"/>
+                                        </p:tgtEl>
+                                        <p:attrNameLst>
+                                          <p:attrName>style.visibility</p:attrName>
+                                        </p:attrNameLst>
+                                      </p:cBhvr>
+                                      <p:to>
+                                        <p:strVal val="visible"/>
+                                      </p:to>
+                                    </p:set>
+                                    <p:animEffect transition="in" filter="fade">
+                                      <p:cBhvr>
+                                        <p:cTn id="7" dur="500"/>
+                                        <p:tgtEl>
+                                          <p:spTgt spid="5"/>
+                                        </p:tgtEl>
+                                      </p:cBhvr>
+                                    </p:animEffect>
+                                  </p:childTnLst>
+                                </p:cTn>
+                              </p:par>
+                            </p:childTnLst>
+                          </p:cTn>
+                        </p:par>
+                      </p:childTnLst>
+                    </p:cTn>
+                  </p:par>
+                  <p:par>
+                    <p:cTn id="8" fill="hold">
+                      <p:stCondLst>
+                        <p:cond delay="indefinite"/>
+                      </p:stCondLst>
+                      <p:childTnLst>
+                        <p:par>
+                          <p:cTn id="9" fill="hold">
+                            <p:stCondLst>
+                              <p:cond delay="0"/>
+                            </p:stCondLst>
+                            <p:childTnLst>
+                              <p:par>
+                                <p:cTn id="10" presetID="10" presetClass="entr" presetSubtype="0" fill="hold" grpId="0" nodeType="clickEffect">
+                                  <p:stCondLst>
+                                    <p:cond delay="0"/>
+                                  </p:stCondLst>
+                                  <p:childTnLst>
+                                    <p:set>
+                                      <p:cBhvr>
+                                        <p:cTn id="11" dur="1" fill="hold">
+                                          <p:stCondLst>
+                                            <p:cond delay="0"/>
+                                          </p:stCondLst>
+                                        </p:cTn>
+                                        <p:tgtEl>
+                                          <p:spTgt spid="3"/>
+                                        </p:tgtEl>
+                                        <p:attrNameLst>
+                                          <p:attrName>style.visibility</p:attrName>
+                                        </p:attrNameLst>
+                                      </p:cBhvr>
+                                      <p:to>
+                                        <p:strVal val="visible"/>
+                                      </p:to>
+                                    </p:set>
+                                    <p:animEffect transition="in" filter="fade">
+                                      <p:cBhvr>
+                                        <p:cTn id="12" dur="500"/>
+                                        <p:tgtEl>
+                                          <p:spTgt spid="3"/>
+                                        </p:tgtEl>
+                                      </p:cBhvr>
+                                    </p:animEffect>
+                                  </p:childTnLst>
+                                </p:cTn>
+                              </p:par>
+                            </p:childTnLst>
+                          </p:cTn>
+                        </p:par>
+                      </p:childTnLst>
+                    </p:cTn>
+                  </p:par>
+                  <p:par>
+                    <p:cTn id="13" fill="hold">
+                      <p:stCondLst>
+                        <p:cond delay="indefinite"/>
+                      </p:stCondLst>
+                      <p:childTnLst>
+                        <p:par>
+                          <p:cTn id="14" fill="hold">
+                            <p:stCondLst>
+                              <p:cond delay="0"/>
+                            </p:stCondLst>
+                            <p:childTnLst>
+                              <p:par>
+                                <p:cTn id="15" presetID="10" presetClass="entr" presetSubtype="0" fill="hold" grpId="0" nodeType="clickEffect">
+                                  <p:stCondLst>
+                                    <p:cond delay="0"/>
+                                  </p:stCondLst>
+                                  <p:childTnLst>
+                                    <p:set>
+                                      <p:cBhvr>
+                                        <p:cTn id="16" dur="1" fill="hold">
+                                          <p:stCondLst>
+                                            <p:cond delay="0"/>
+                                          </p:stCondLst>
+                                        </p:cTn>
+                                        <p:tgtEl>
+                                          <p:spTgt spid="6"/>
+                                        </p:tgtEl>
+                                        <p:attrNameLst>
+                                          <p:attrName>style.visibility</p:attrName>
+                                        </p:attrNameLst>
+                                      </p:cBhvr>
+                                      <p:to>
+                                        <p:strVal val="visible"/>
+                                      </p:to>
+                                    </p:set>
+                                    <p:animEffect transition="in" filter="fade">
+                                      <p:cBhvr>
+                                        <p:cTn id="17" dur="500"/>
+                                        <p:tgtEl>
+                                          <p:spTgt spid="6"/>
+                                        </p:tgtEl>
+                                      </p:cBhvr>
+                                    </p:animEffect>
+                                  </p:childTnLst>
+                                </p:cTn>
+                              </p:par>
+                            </p:childTnLst>
+                          </p:cTn>
+                        </p:par>
+                      </p:childTnLst>
+                    </p:cTn>
+                  </p:par>
+                  <p:par>
+                    <p:cTn id="18" fill="hold">
+                      <p:stCondLst>
+                        <p:cond delay="indefinite"/>
+                      </p:stCondLst>
+                      <p:childTnLst>
+                        <p:par>
+                          <p:cTn id="19" fill="hold">
+                            <p:stCondLst>
+                              <p:cond delay="0"/>
+                            </p:stCondLst>
+                            <p:childTnLst>
+                              <p:par>
+                                <p:cTn id="20" presetID="10" presetClass="entr" presetSubtype="0" fill="hold" grpId="0" nodeType="clickEffect">
+                                  <p:stCondLst>
+                                    <p:cond delay="0"/>
+                                  </p:stCondLst>
+                                  <p:childTnLst>
+                                    <p:set>
+                                      <p:cBhvr>
+                                        <p:cTn id="21" dur="1" fill="hold">
+                                          <p:stCondLst>
+                                            <p:cond delay="0"/>
+                                          </p:stCondLst>
+                                        </p:cTn>
+                                        <p:tgtEl>
+                                          <p:spTgt spid="7"/>
+                                        </p:tgtEl>
+                                        <p:attrNameLst>
+                                          <p:attrName>style.visibility</p:attrName>
+                                        </p:attrNameLst>
+                                      </p:cBhvr>
+                                      <p:to>
+                                        <p:strVal val="visible"/>
+                                      </p:to>
+                                    </p:set>
+                                    <p:animEffect transition="in" filter="fade">
+                                      <p:cBhvr>
+                                        <p:cTn id="22" dur="500"/>
+                                        <p:tgtEl>
+                                          <p:spTgt spid="7"/>
+                                        </p:tgtEl>
+                                      </p:cBhvr>
+                                    </p:animEffect>
+                                  </p:childTnLst>
+                                </p:cTn>
+                              </p:par>
+                            </p:childTnLst>
+                          </p:cTn>
+                        </p:par>
+                      </p:childTnLst>
+                    </p:cTn>
+                  </p:par>
+                  <p:par>
+                    <p:cTn id="23" fill="hold">
+                      <p:stCondLst>
+                        <p:cond delay="indefinite"/>
+                      </p:stCondLst>
+                      <p:childTnLst>
+                        <p:par>
+                          <p:cTn id="24" fill="hold">
+                            <p:stCondLst>
+                              <p:cond delay="0"/>
+                            </p:stCondLst>
+                            <p:childTnLst>
+                              <p:par>
+                                <p:cTn id="25" presetID="10" presetClass="entr" presetSubtype="0" fill="hold" grpId="0" nodeType="clickEffect">
+                                  <p:stCondLst>
+                                    <p:cond delay="0"/>
+                                  </p:stCondLst>
+                                  <p:childTnLst>
+                                    <p:set>
+                                      <p:cBhvr>
+                                        <p:cTn id="26" dur="1" fill="hold">
+                                          <p:stCondLst>
+                                            <p:cond delay="0"/>
+                                          </p:stCondLst>
+                                        </p:cTn>
+                                        <p:tgtEl>
+                                          <p:spTgt spid="4"/>
+                                        </p:tgtEl>
+                                        <p:attrNameLst>
+                                          <p:attrName>style.visibility</p:attrName>
+                                        </p:attrNameLst>
+                                      </p:cBhvr>
+                                      <p:to>
+                                        <p:strVal val="visible"/>
+                                      </p:to>
+                                    </p:set>
+                                    <p:animEffect transition="in" filter="fade">
+                                      <p:cBhvr>
+                                        <p:cTn id="27" dur="500"/>
+                                        <p:tgtEl>
+                                          <p:spTgt spid="4"/>
+                                        </p:tgtEl>
+                                      </p:cBhvr>
+                                    </p:animEffect>
+                                  </p:childTnLst>
+                                </p:cTn>
+                              </p:par>
+                            </p:childTnLst>
+                          </p:cTn>
+                        </p:par>
+                      </p:childTnLst>
+                    </p:cTn>
+                  </p:par>
+                  <p:par>
+                    <p:cTn id="28" fill="hold">
+                      <p:stCondLst>
+                        <p:cond delay="indefinite"/>
+                      </p:stCondLst>
+                      <p:childTnLst>
+                        <p:par>
+                          <p:cTn id="29" fill="hold">
+                            <p:stCondLst>
+                              <p:cond delay="0"/>
+                            </p:stCondLst>
+                            <p:childTnLst>
+                              <p:par>
+                                <p:cTn id="30" presetID="10" presetClass="entr" presetSubtype="0" fill="hold" grpId="0" nodeType="clickEffect">
+                                  <p:stCondLst>
+                                    <p:cond delay="0"/>
+                                  </p:stCondLst>
+                                  <p:childTnLst>
+                                    <p:set>
+                                      <p:cBhvr>
+                                        <p:cTn id="31" dur="1" fill="hold">
+                                          <p:stCondLst>
+                                            <p:cond delay="0"/>
+                                          </p:stCondLst>
+                                        </p:cTn>
+                                        <p:tgtEl>
+                                          <p:spTgt spid="8"/>
+                                        </p:tgtEl>
+                                        <p:attrNameLst>
+                                          <p:attrName>style.visibility</p:attrName>
+                                        </p:attrNameLst>
+                                      </p:cBhvr>
+                                      <p:to>
+                                        <p:strVal val="visible"/>
+                                      </p:to>
+                                    </p:set>
+                                    <p:animEffect transition="in" filter="fade">
+                                      <p:cBhvr>
+                                        <p:cTn id="32" dur="500"/>
+                                        <p:tgtEl>
+                                          <p:spTgt spid="8"/>
+                                        </p:tgtEl>
+                                      </p:cBhvr>
+                                    </p:animEffect>
+                                  </p:childTnLst>
+                                </p:cTn>
+                              </p:par>
+                            </p:childTnLst>
+                          </p:cTn>
+                        </p:par>
+                      </p:childTnLst>
+                    </p:cTn>
+                  </p:par>
+                  <p:par>
+                    <p:cTn id="33" fill="hold">
+                      <p:stCondLst>
+                        <p:cond delay="indefinite"/>
+                      </p:stCondLst>
+                      <p:childTnLst>
+                        <p:par>
+                          <p:cTn id="34" fill="hold">
+                            <p:stCondLst>
+                              <p:cond delay="0"/>
+                            </p:stCondLst>
+                            <p:childTnLst>
+                              <p:par>
+                                <p:cTn id="35" presetID="10" presetClass="entr" presetSubtype="0" fill="hold" grpId="0" nodeType="clickEffect">
+                                  <p:stCondLst>
+                                    <p:cond delay="0"/>
+                                  </p:stCondLst>
+                                  <p:childTnLst>
+                                    <p:set>
+                                      <p:cBhvr>
+                                        <p:cTn id="36" dur="1" fill="hold">
+                                          <p:stCondLst>
+                                            <p:cond delay="0"/>
+                                          </p:stCondLst>
+                                        </p:cTn>
+                                        <p:tgtEl>
+                                          <p:spTgt spid="9"/>
+                                        </p:tgtEl>
+                                        <p:attrNameLst>
+                                          <p:attrName>style.visibility</p:attrName>
+                                        </p:attrNameLst>
+                                      </p:cBhvr>
+                                      <p:to>
+                                        <p:strVal val="visible"/>
+                                      </p:to>
+                                    </p:set>
+                                    <p:animEffect transition="in" filter="fade">
+                                      <p:cBhvr>
+                                        <p:cTn id="37" dur="500"/>
+                                        <p:tgtEl>
+                                          <p:spTgt spid="9"/>
+                                        </p:tgtEl>
+                                      </p:cBhvr>
+                                    </p:animEffect>
+                                  </p:childTnLst>
+                                </p:cTn>
+                              </p:par>
+                            </p:childTnLst>
+                          </p:cTn>
+                        </p:par>
+                      </p:childTnLst>
+                    </p:cTn>
+                  </p:par>
+                  <p:par>
+                    <p:cTn id="38" fill="hold">
+                      <p:stCondLst>
+                        <p:cond delay="indefinite"/>
+                      </p:stCondLst>
+                      <p:childTnLst>
+                        <p:par>
+                          <p:cTn id="39" fill="hold">
+                            <p:stCondLst>
+                              <p:cond delay="0"/>
+                            </p:stCondLst>
+                            <p:childTnLst>
+                              <p:par>
+                                <p:cTn id="40" presetID="10" presetClass="entr" presetSubtype="0" fill="hold" grpId="0" nodeType="clickEffect">
+                                  <p:stCondLst>
+                                    <p:cond delay="0"/>
+                                  </p:stCondLst>
+                                  <p:childTnLst>
+                                    <p:set>
+                                      <p:cBhvr>
+                                        <p:cTn id="41" dur="1" fill="hold">
+                                          <p:stCondLst>
+                                            <p:cond delay="0"/>
+                                          </p:stCondLst>
+                                        </p:cTn>
+                                        <p:tgtEl>
+                                          <p:spTgt spid="10"/>
+                                        </p:tgtEl>
+                                        <p:attrNameLst>
+                                          <p:attrName>style.visibility</p:attrName>
+                                        </p:attrNameLst>
+                                      </p:cBhvr>
+                                      <p:to>
+                                        <p:strVal val="visible"/>
+                                      </p:to>
+                                    </p:set>
+                                    <p:animEffect transition="in" filter="fade">
+                                      <p:cBhvr>
+                                        <p:cTn id="42" dur="500"/>
+                                        <p:tgtEl>
+                                          <p:spTgt spid="10"/>
+                                        </p:tgtEl>
+                                      </p:cBhvr>
+                                    </p:animEffect>
+                                  </p:childTnLst>
+                                </p:cTn>
+                              </p:par>
+                            </p:childTnLst>
+                          </p:cTn>
+                        </p:par>
+                      </p:childTnLst>
+                    </p:cTn>
+                  </p:par>
+                  <p:par>
+                    <p:cTn id="43" fill="hold">
+                      <p:stCondLst>
+                        <p:cond delay="indefinite"/>
+                      </p:stCondLst>
+                      <p:childTnLst>
+                        <p:par>
+                          <p:cTn id="44" fill="hold">
+                            <p:stCondLst>
+                              <p:cond delay="0"/>
+                            </p:stCondLst>
+                            <p:childTnLst>
+                              <p:par>
+                                <p:cTn id="45" presetID="10" presetClass="entr" presetSubtype="0" fill="hold" nodeType="clickEffect">
+                                  <p:stCondLst>
+                                    <p:cond delay="0"/>
+                                  </p:stCondLst>
+                                  <p:childTnLst>
+                                    <p:set>
+                                      <p:cBhvr>
+                                        <p:cTn id="46" dur="1" fill="hold">
+                                          <p:stCondLst>
+                                            <p:cond delay="0"/>
+                                          </p:stCondLst>
+                                        </p:cTn>
+                                        <p:tgtEl>
+                                          <p:spTgt spid="11"/>
+                                        </p:tgtEl>
+                                        <p:attrNameLst>
+                                          <p:attrName>style.visibility</p:attrName>
+                                        </p:attrNameLst>
+                                      </p:cBhvr>
+                                      <p:to>
+                                        <p:strVal val="visible"/>
+                                      </p:to>
+                                    </p:set>
+                                    <p:animEffect transition="in" filter="fade">
+                                      <p:cBhvr>
+                                        <p:cTn id="47" dur="500"/>
+                                        <p:tgtEl>
+                                          <p:spTgt spid="11"/>
+                                        </p:tgtEl>
+                                      </p:cBhvr>
+                                    </p:animEffect>
+                                  </p:childTnLst>
+                                </p:cTn>
+                              </p:par>
+                            </p:childTnLst>
+                          </p:cTn>
+                        </p:par>
+                      </p:childTnLst>
+                    </p:cTn>
+                  </p:par>
+                  <p:par>
+                    <p:cTn id="48" fill="hold">
+                      <p:stCondLst>
+                        <p:cond delay="indefinite"/>
+                      </p:stCondLst>
+                      <p:childTnLst>
+                        <p:par>
+                          <p:cTn id="49" fill="hold">
+                            <p:stCondLst>
+                              <p:cond delay="0"/>
+                            </p:stCondLst>
+                            <p:childTnLst>
+                              <p:par>
+                                <p:cTn id="50" presetID="10" presetClass="entr" presetSubtype="0" fill="hold" grpId="0" nodeType="clickEffect">
+                                  <p:stCondLst>
+                                    <p:cond delay="0"/>
+                                  </p:stCondLst>
+                                  <p:childTnLst>
+                                    <p:set>
+                                      <p:cBhvr>
+                                        <p:cTn id="51" dur="1" fill="hold">
+                                          <p:stCondLst>
+                                            <p:cond delay="0"/>
+                                          </p:stCondLst>
+                                        </p:cTn>
+                                        <p:tgtEl>
+                                          <p:spTgt spid="12"/>
+                                        </p:tgtEl>
+                                        <p:attrNameLst>
+                                          <p:attrName>style.visibility</p:attrName>
+                                        </p:attrNameLst>
+                                      </p:cBhvr>
+                                      <p:to>
+                                        <p:strVal val="visible"/>
+                                      </p:to>
+                                    </p:set>
+                                    <p:animEffect transition="in" filter="fade">
+                                      <p:cBhvr>
+                                        <p:cTn id="52" dur="500"/>
+                                        <p:tgtEl>
+                                          <p:spTgt spid="12"/>
+                                        </p:tgtEl>
+                                      </p:cBhvr>
+                                    </p:animEffect>
+                                  </p:childTnLst>
+                                </p:cTn>
+                              </p:par>
+                            </p:childTnLst>
+                          </p:cTn>
+                        </p:par>
+                      </p:childTnLst>
+                    </p:cTn>
+                  </p:par>
+                  <p:par>
+                    <p:cTn id="53" fill="hold">
+                      <p:stCondLst>
+                        <p:cond delay="indefinite"/>
+                      </p:stCondLst>
+                      <p:childTnLst>
+                        <p:par>
+                          <p:cTn id="54" fill="hold">
+                            <p:stCondLst>
+                              <p:cond delay="0"/>
+                            </p:stCondLst>
+                            <p:childTnLst>
+                              <p:par>
+                                <p:cTn id="55" presetID="10" presetClass="entr" presetSubtype="0" fill="hold" grpId="0" nodeType="clickEffect">
+                                  <p:stCondLst>
+                                    <p:cond delay="0"/>
+                                  </p:stCondLst>
+                                  <p:childTnLst>
+                                    <p:set>
+                                      <p:cBhvr>
+                                        <p:cTn id="56" dur="1" fill="hold">
+                                          <p:stCondLst>
+                                            <p:cond delay="0"/>
+                                          </p:stCondLst>
+                                        </p:cTn>
+                                        <p:tgtEl>
+                                          <p:spTgt spid="13"/>
+                                        </p:tgtEl>
+                                        <p:attrNameLst>
+                                          <p:attrName>style.visibility</p:attrName>
+                                        </p:attrNameLst>
+                                      </p:cBhvr>
+                                      <p:to>
+                                        <p:strVal val="visible"/>
+                                      </p:to>
+                                    </p:set>
+                                    <p:animEffect transition="in" filter="fade">
+                                      <p:cBhvr>
+                                        <p:cTn id="57" dur="500"/>
+                                        <p:tgtEl>
+                                          <p:spTgt spid="13"/>
+                                        </p:tgtEl>
+                                      </p:cBhvr>
+                                    </p:animEffect>
+                                  </p:childTnLst>
+                                </p:cTn>
+                              </p:par>
+                            </p:childTnLst>
+                          </p:cTn>
+                        </p:par>
+                      </p:childTnLst>
+                    </p:cTn>
+                  </p:par>
+                  <p:par>
+                    <p:cTn id="58" fill="hold">
+                      <p:stCondLst>
+                        <p:cond delay="indefinite"/>
+                      </p:stCondLst>
+                      <p:childTnLst>
+                        <p:par>
+                          <p:cTn id="59" fill="hold">
+                            <p:stCondLst>
+                              <p:cond delay="0"/>
+                            </p:stCondLst>
+                            <p:childTnLst>
+                              <p:par>
+                                <p:cTn id="60" presetID="10" presetClass="entr" presetSubtype="0" fill="hold" nodeType="clickEffect">
+                                  <p:stCondLst>
+                                    <p:cond delay="0"/>
+                                  </p:stCondLst>
+                                  <p:childTnLst>
+                                    <p:set>
+                                      <p:cBhvr>
+                                        <p:cTn id="61" dur="1" fill="hold">
+                                          <p:stCondLst>
+                                            <p:cond delay="0"/>
+                                          </p:stCondLst>
+                                        </p:cTn>
+                                        <p:tgtEl>
+                                          <p:spTgt spid="14"/>
+                                        </p:tgtEl>
+                                        <p:attrNameLst>
+                                          <p:attrName>style.visibility</p:attrName>
+                                        </p:attrNameLst>
+                                      </p:cBhvr>
+                                      <p:to>
+                                        <p:strVal val="visible"/>
+                                      </p:to>
+                                    </p:set>
+                                    <p:animEffect transition="in" filter="fade">
+                                      <p:cBhvr>
+                                        <p:cTn id="62" dur="500"/>
+                                        <p:tgtEl>
+                                          <p:spTgt spid="14"/>
+                                        </p:tgtEl>
+                                      </p:cBhvr>
+                                    </p:animEffect>
+                                  </p:childTnLst>
+                                </p:cTn>
+                              </p:par>
+                            </p:childTnLst>
+                          </p:cTn>
+                        </p:par>
+                      </p:childTnLst>
+                    </p:cTn>
+                  </p:par>
+                </p:childTnLst>
+              </p:cTn>
+              <p:prevCondLst>
+                <p:cond evt="onPrev" delay="0">
+                  <p:tgtEl>
+                    <p:sldTgt/>
+                  </p:tgtEl>
+                </p:cond>
+              </p:prevCondLst>
+              <p:nextCondLst>
+                <p:cond evt="onNext" delay="0">
+                  <p:tgtEl>
+                    <p:sldTgt/>
+                  </p:tgtEl>
+                </p:cond>
+              </p:nextCondLst>
+            </p:seq>
+          </p:childTnLst>
+        </p:cTn>
+      </p:par>
+    </p:tnLst>
+    <p:bldLst>
+      <p:bldP spid="3" grpId="0" animBg="1"/>
+      <p:bldP spid="4" grpId="0" animBg="1"/>
+      <p:bldP spid="5" grpId="0"/>
+      <p:bldP spid="6" grpId="0" animBg="1"/>
+      <p:bldP spid="7" grpId="0"/>
+      <p:bldP spid="8" grpId="0" animBg="1"/>
+      <p:bldP spid="9" grpId="0"/>
+      <p:bldP spid="10" grpId="0"/>
+      <p:bldP spid="12" grpId="0" animBg="1"/>
+      <p:bldP spid="13" grpId="0" animBg="1"/>
+    </p:bldLst>
+  </p:timing>
+</p:sld>
+</file>
+
+<file path=ppt/slides/slide9.xml><?xml version="1.0" encoding="utf-8"?>
+<p:sld xmlns:a="http://schemas.openxmlformats.org/drawingml/2006/main" xmlns:r="http://schemas.openxmlformats.org/officeDocument/2006/relationships" xmlns:p="http://schemas.openxmlformats.org/presentationml/2006/main">
+  <p:cSld>
+    <p:spTree>
+      <p:nvGrpSpPr>
+        <p:cNvPr id="1" name=""/>
+        <p:cNvGrpSpPr/>
+        <p:nvPr/>
+      </p:nvGrpSpPr>
+      <p:grpSpPr>
+        <a:xfrm>
+          <a:off x="0" y="0"/>
+          <a:ext cx="0" cy="0"/>
+          <a:chOff x="0" y="0"/>
+          <a:chExt cx="0" cy="0"/>
+        </a:xfrm>
+      </p:grpSpPr>
+      <p:sp>
+        <p:nvSpPr>
+          <p:cNvPr id="2" name="标题 1"/>
+          <p:cNvSpPr>
+            <a:spLocks noGrp="1"/>
+          </p:cNvSpPr>
+          <p:nvPr>
+            <p:ph type="title"/>
+          </p:nvPr>
+        </p:nvSpPr>
+        <p:spPr/>
+        <p:txBody>
+          <a:bodyPr/>
+          <a:lstStyle/>
+          <a:p>
+            <a:r>
+              <a:rPr lang="zh-CN" altLang="en-US" dirty="0" smtClean="0"/>
+              <a:t>基础图表（柱状图）</a:t>
+            </a:r>
+            <a:endParaRPr lang="zh-CN" altLang="en-US" dirty="0"/>
+          </a:p>
+        </p:txBody>
+      </p:sp>
+      <p:pic>
+        <p:nvPicPr>
+          <p:cNvPr id="4" name="内容占位符 3"/>
+          <p:cNvPicPr>
+            <a:picLocks noGrp="1" noChangeAspect="1"/>
+          </p:cNvPicPr>
+          <p:nvPr>
+            <p:ph idx="1"/>
+          </p:nvPr>
+        </p:nvPicPr>
+        <p:blipFill>
+          <a:blip r:embed="rId2">
+            <a:extLst>
+              <a:ext uri="{28A0092B-C50C-407E-A947-70E740481C1C}">
+                <a14:useLocalDpi xmlns:a14="http://schemas.microsoft.com/office/drawing/2010/main" val="0"/>
+              </a:ext>
+            </a:extLst>
+          </a:blip>
+          <a:stretch>
+            <a:fillRect/>
+          </a:stretch>
+        </p:blipFill>
+        <p:spPr>
+          <a:xfrm>
+            <a:off x="1979712" y="1916832"/>
+            <a:ext cx="4953000" cy="3133725"/>
+          </a:xfrm>
+        </p:spPr>
+      </p:pic>
+    </p:spTree>
+    <p:extLst>
+      <p:ext uri="{BB962C8B-B14F-4D97-AF65-F5344CB8AC3E}">
+        <p14:creationId xmlns:p14="http://schemas.microsoft.com/office/powerpoint/2010/main" val="1486371815"/>
       </p:ext>
     </p:extLst>
   </p:cSld>

--- a/第4章excel/图表/图表.pptx
+++ b/第4章excel/图表/图表.pptx
@@ -14,7 +14,11 @@
     <p:sldId id="262" r:id="rId8"/>
     <p:sldId id="263" r:id="rId9"/>
     <p:sldId id="264" r:id="rId10"/>
-    <p:sldId id="265" r:id="rId11"/>
+    <p:sldId id="266" r:id="rId11"/>
+    <p:sldId id="267" r:id="rId12"/>
+    <p:sldId id="268" r:id="rId13"/>
+    <p:sldId id="269" r:id="rId14"/>
+    <p:sldId id="265" r:id="rId15"/>
   </p:sldIdLst>
   <p:sldSz cx="9144000" cy="6858000" type="screen4x3"/>
   <p:notesSz cx="6858000" cy="9144000"/>
@@ -297,7 +301,7 @@
           <a:p>
             <a:fld id="{530820CF-B880-4189-942D-D702A7CBA730}" type="datetimeFigureOut">
               <a:rPr lang="zh-CN" altLang="en-US" smtClean="0"/>
-              <a:t>2020/6/4</a:t>
+              <a:t>2020/6/5</a:t>
             </a:fld>
             <a:endParaRPr lang="zh-CN" altLang="en-US"/>
           </a:p>
@@ -462,7 +466,7 @@
           <a:p>
             <a:fld id="{530820CF-B880-4189-942D-D702A7CBA730}" type="datetimeFigureOut">
               <a:rPr lang="zh-CN" altLang="en-US" smtClean="0"/>
-              <a:t>2020/6/4</a:t>
+              <a:t>2020/6/5</a:t>
             </a:fld>
             <a:endParaRPr lang="zh-CN" altLang="en-US"/>
           </a:p>
@@ -637,7 +641,7 @@
           <a:p>
             <a:fld id="{530820CF-B880-4189-942D-D702A7CBA730}" type="datetimeFigureOut">
               <a:rPr lang="zh-CN" altLang="en-US" smtClean="0"/>
-              <a:t>2020/6/4</a:t>
+              <a:t>2020/6/5</a:t>
             </a:fld>
             <a:endParaRPr lang="zh-CN" altLang="en-US"/>
           </a:p>
@@ -802,7 +806,7 @@
           <a:p>
             <a:fld id="{530820CF-B880-4189-942D-D702A7CBA730}" type="datetimeFigureOut">
               <a:rPr lang="zh-CN" altLang="en-US" smtClean="0"/>
-              <a:t>2020/6/4</a:t>
+              <a:t>2020/6/5</a:t>
             </a:fld>
             <a:endParaRPr lang="zh-CN" altLang="en-US"/>
           </a:p>
@@ -1043,7 +1047,7 @@
           <a:p>
             <a:fld id="{530820CF-B880-4189-942D-D702A7CBA730}" type="datetimeFigureOut">
               <a:rPr lang="zh-CN" altLang="en-US" smtClean="0"/>
-              <a:t>2020/6/4</a:t>
+              <a:t>2020/6/5</a:t>
             </a:fld>
             <a:endParaRPr lang="zh-CN" altLang="en-US"/>
           </a:p>
@@ -1326,7 +1330,7 @@
           <a:p>
             <a:fld id="{530820CF-B880-4189-942D-D702A7CBA730}" type="datetimeFigureOut">
               <a:rPr lang="zh-CN" altLang="en-US" smtClean="0"/>
-              <a:t>2020/6/4</a:t>
+              <a:t>2020/6/5</a:t>
             </a:fld>
             <a:endParaRPr lang="zh-CN" altLang="en-US"/>
           </a:p>
@@ -1743,7 +1747,7 @@
           <a:p>
             <a:fld id="{530820CF-B880-4189-942D-D702A7CBA730}" type="datetimeFigureOut">
               <a:rPr lang="zh-CN" altLang="en-US" smtClean="0"/>
-              <a:t>2020/6/4</a:t>
+              <a:t>2020/6/5</a:t>
             </a:fld>
             <a:endParaRPr lang="zh-CN" altLang="en-US"/>
           </a:p>
@@ -1856,7 +1860,7 @@
           <a:p>
             <a:fld id="{530820CF-B880-4189-942D-D702A7CBA730}" type="datetimeFigureOut">
               <a:rPr lang="zh-CN" altLang="en-US" smtClean="0"/>
-              <a:t>2020/6/4</a:t>
+              <a:t>2020/6/5</a:t>
             </a:fld>
             <a:endParaRPr lang="zh-CN" altLang="en-US"/>
           </a:p>
@@ -1946,7 +1950,7 @@
           <a:p>
             <a:fld id="{530820CF-B880-4189-942D-D702A7CBA730}" type="datetimeFigureOut">
               <a:rPr lang="zh-CN" altLang="en-US" smtClean="0"/>
-              <a:t>2020/6/4</a:t>
+              <a:t>2020/6/5</a:t>
             </a:fld>
             <a:endParaRPr lang="zh-CN" altLang="en-US"/>
           </a:p>
@@ -2218,7 +2222,7 @@
           <a:p>
             <a:fld id="{530820CF-B880-4189-942D-D702A7CBA730}" type="datetimeFigureOut">
               <a:rPr lang="zh-CN" altLang="en-US" smtClean="0"/>
-              <a:t>2020/6/4</a:t>
+              <a:t>2020/6/5</a:t>
             </a:fld>
             <a:endParaRPr lang="zh-CN" altLang="en-US"/>
           </a:p>
@@ -2466,7 +2470,7 @@
           <a:p>
             <a:fld id="{530820CF-B880-4189-942D-D702A7CBA730}" type="datetimeFigureOut">
               <a:rPr lang="zh-CN" altLang="en-US" smtClean="0"/>
-              <a:t>2020/6/4</a:t>
+              <a:t>2020/6/5</a:t>
             </a:fld>
             <a:endParaRPr lang="zh-CN" altLang="en-US"/>
           </a:p>
@@ -2674,7 +2678,7 @@
           <a:p>
             <a:fld id="{530820CF-B880-4189-942D-D702A7CBA730}" type="datetimeFigureOut">
               <a:rPr lang="zh-CN" altLang="en-US" smtClean="0"/>
-              <a:t>2020/6/4</a:t>
+              <a:t>2020/6/5</a:t>
             </a:fld>
             <a:endParaRPr lang="zh-CN" altLang="en-US"/>
           </a:p>
@@ -3245,6 +3249,3890 @@
             <p:ph type="title"/>
           </p:nvPr>
         </p:nvSpPr>
+        <p:spPr>
+          <a:xfrm>
+            <a:off x="457200" y="116632"/>
+            <a:ext cx="8229600" cy="850106"/>
+          </a:xfrm>
+        </p:spPr>
+        <p:txBody>
+          <a:bodyPr/>
+          <a:lstStyle/>
+          <a:p>
+            <a:r>
+              <a:rPr lang="zh-CN" altLang="en-US" dirty="0" smtClean="0"/>
+              <a:t>切换行列</a:t>
+            </a:r>
+            <a:endParaRPr lang="zh-CN" altLang="en-US" dirty="0"/>
+          </a:p>
+        </p:txBody>
+      </p:sp>
+      <p:pic>
+        <p:nvPicPr>
+          <p:cNvPr id="4" name="内容占位符 3"/>
+          <p:cNvPicPr>
+            <a:picLocks noGrp="1" noChangeAspect="1"/>
+          </p:cNvPicPr>
+          <p:nvPr>
+            <p:ph idx="1"/>
+          </p:nvPr>
+        </p:nvPicPr>
+        <p:blipFill>
+          <a:blip r:embed="rId2">
+            <a:extLst>
+              <a:ext uri="{28A0092B-C50C-407E-A947-70E740481C1C}">
+                <a14:useLocalDpi xmlns:a14="http://schemas.microsoft.com/office/drawing/2010/main" val="0"/>
+              </a:ext>
+            </a:extLst>
+          </a:blip>
+          <a:stretch>
+            <a:fillRect/>
+          </a:stretch>
+        </p:blipFill>
+        <p:spPr>
+          <a:xfrm>
+            <a:off x="899592" y="1644402"/>
+            <a:ext cx="5381625" cy="1352550"/>
+          </a:xfrm>
+        </p:spPr>
+      </p:pic>
+      <p:sp>
+        <p:nvSpPr>
+          <p:cNvPr id="5" name="TextBox 4"/>
+          <p:cNvSpPr txBox="1"/>
+          <p:nvPr/>
+        </p:nvSpPr>
+        <p:spPr>
+          <a:xfrm>
+            <a:off x="827584" y="908720"/>
+            <a:ext cx="7848872" cy="646331"/>
+          </a:xfrm>
+          <a:prstGeom prst="rect">
+            <a:avLst/>
+          </a:prstGeom>
+          <a:noFill/>
+        </p:spPr>
+        <p:txBody>
+          <a:bodyPr wrap="square" rtlCol="0">
+            <a:spAutoFit/>
+          </a:bodyPr>
+          <a:lstStyle/>
+          <a:p>
+            <a:r>
+              <a:rPr lang="zh-CN" altLang="en-US" dirty="0" smtClean="0"/>
+              <a:t>图表可以交换系列与</a:t>
+            </a:r>
+            <a:r>
+              <a:rPr lang="en-US" altLang="zh-CN" dirty="0" smtClean="0"/>
+              <a:t>x</a:t>
+            </a:r>
+            <a:r>
+              <a:rPr lang="zh-CN" altLang="en-US" dirty="0" smtClean="0"/>
+              <a:t>轴，比如上面的例子中可以让学成绩作为</a:t>
+            </a:r>
+            <a:r>
+              <a:rPr lang="en-US" altLang="zh-CN" dirty="0" smtClean="0"/>
+              <a:t>x</a:t>
+            </a:r>
+            <a:r>
+              <a:rPr lang="zh-CN" altLang="en-US" dirty="0" smtClean="0"/>
+              <a:t>轴，科目作为数据系列</a:t>
+            </a:r>
+            <a:endParaRPr lang="zh-CN" altLang="en-US" dirty="0"/>
+          </a:p>
+        </p:txBody>
+      </p:sp>
+      <p:sp>
+        <p:nvSpPr>
+          <p:cNvPr id="6" name="TextBox 5"/>
+          <p:cNvSpPr txBox="1"/>
+          <p:nvPr/>
+        </p:nvSpPr>
+        <p:spPr>
+          <a:xfrm>
+            <a:off x="4427984" y="1601217"/>
+            <a:ext cx="648072" cy="369332"/>
+          </a:xfrm>
+          <a:prstGeom prst="rect">
+            <a:avLst/>
+          </a:prstGeom>
+          <a:noFill/>
+          <a:ln w="22225">
+            <a:solidFill>
+              <a:srgbClr val="FF0000"/>
+            </a:solidFill>
+          </a:ln>
+        </p:spPr>
+        <p:txBody>
+          <a:bodyPr wrap="square" rtlCol="0">
+            <a:spAutoFit/>
+          </a:bodyPr>
+          <a:lstStyle/>
+          <a:p>
+            <a:endParaRPr lang="zh-CN" altLang="en-US" dirty="0"/>
+          </a:p>
+        </p:txBody>
+      </p:sp>
+      <p:sp>
+        <p:nvSpPr>
+          <p:cNvPr id="7" name="TextBox 6"/>
+          <p:cNvSpPr txBox="1"/>
+          <p:nvPr/>
+        </p:nvSpPr>
+        <p:spPr>
+          <a:xfrm>
+            <a:off x="1187624" y="1916832"/>
+            <a:ext cx="648072" cy="576000"/>
+          </a:xfrm>
+          <a:prstGeom prst="rect">
+            <a:avLst/>
+          </a:prstGeom>
+          <a:noFill/>
+          <a:ln w="22225">
+            <a:solidFill>
+              <a:srgbClr val="FF0000"/>
+            </a:solidFill>
+          </a:ln>
+        </p:spPr>
+        <p:txBody>
+          <a:bodyPr wrap="square" rtlCol="0">
+            <a:spAutoFit/>
+          </a:bodyPr>
+          <a:lstStyle/>
+          <a:p>
+            <a:endParaRPr lang="zh-CN" altLang="en-US" dirty="0"/>
+          </a:p>
+        </p:txBody>
+      </p:sp>
+      <p:sp>
+        <p:nvSpPr>
+          <p:cNvPr id="8" name="TextBox 7"/>
+          <p:cNvSpPr txBox="1"/>
+          <p:nvPr/>
+        </p:nvSpPr>
+        <p:spPr>
+          <a:xfrm>
+            <a:off x="1349825" y="3356992"/>
+            <a:ext cx="792088" cy="369332"/>
+          </a:xfrm>
+          <a:prstGeom prst="rect">
+            <a:avLst/>
+          </a:prstGeom>
+          <a:noFill/>
+        </p:spPr>
+        <p:txBody>
+          <a:bodyPr wrap="square" rtlCol="0">
+            <a:spAutoFit/>
+          </a:bodyPr>
+          <a:lstStyle/>
+          <a:p>
+            <a:r>
+              <a:rPr lang="zh-CN" altLang="en-US" dirty="0" smtClean="0"/>
+              <a:t>设计</a:t>
+            </a:r>
+            <a:endParaRPr lang="zh-CN" altLang="en-US" dirty="0"/>
+          </a:p>
+        </p:txBody>
+      </p:sp>
+      <p:sp>
+        <p:nvSpPr>
+          <p:cNvPr id="9" name="右箭头 8"/>
+          <p:cNvSpPr/>
+          <p:nvPr/>
+        </p:nvSpPr>
+        <p:spPr>
+          <a:xfrm>
+            <a:off x="2843808" y="3356992"/>
+            <a:ext cx="576064" cy="369332"/>
+          </a:xfrm>
+          <a:prstGeom prst="rightArrow">
+            <a:avLst/>
+          </a:prstGeom>
+        </p:spPr>
+        <p:style>
+          <a:lnRef idx="2">
+            <a:schemeClr val="accent1">
+              <a:shade val="50000"/>
+            </a:schemeClr>
+          </a:lnRef>
+          <a:fillRef idx="1">
+            <a:schemeClr val="accent1"/>
+          </a:fillRef>
+          <a:effectRef idx="0">
+            <a:schemeClr val="accent1"/>
+          </a:effectRef>
+          <a:fontRef idx="minor">
+            <a:schemeClr val="lt1"/>
+          </a:fontRef>
+        </p:style>
+        <p:txBody>
+          <a:bodyPr rtlCol="0" anchor="ctr"/>
+          <a:lstStyle/>
+          <a:p>
+            <a:pPr algn="ctr"/>
+            <a:endParaRPr lang="zh-CN" altLang="en-US"/>
+          </a:p>
+        </p:txBody>
+      </p:sp>
+      <p:sp>
+        <p:nvSpPr>
+          <p:cNvPr id="10" name="TextBox 9"/>
+          <p:cNvSpPr txBox="1"/>
+          <p:nvPr/>
+        </p:nvSpPr>
+        <p:spPr>
+          <a:xfrm>
+            <a:off x="4283968" y="3212976"/>
+            <a:ext cx="792088" cy="646331"/>
+          </a:xfrm>
+          <a:prstGeom prst="rect">
+            <a:avLst/>
+          </a:prstGeom>
+          <a:noFill/>
+        </p:spPr>
+        <p:txBody>
+          <a:bodyPr wrap="square" rtlCol="0">
+            <a:spAutoFit/>
+          </a:bodyPr>
+          <a:lstStyle/>
+          <a:p>
+            <a:pPr algn="ctr"/>
+            <a:r>
+              <a:rPr lang="zh-CN" altLang="en-US" dirty="0" smtClean="0"/>
+              <a:t>切换行</a:t>
+            </a:r>
+            <a:r>
+              <a:rPr lang="en-US" altLang="zh-CN" dirty="0" smtClean="0"/>
+              <a:t>/</a:t>
+            </a:r>
+            <a:r>
+              <a:rPr lang="zh-CN" altLang="en-US" dirty="0" smtClean="0"/>
+              <a:t>列</a:t>
+            </a:r>
+            <a:endParaRPr lang="zh-CN" altLang="en-US" dirty="0"/>
+          </a:p>
+        </p:txBody>
+      </p:sp>
+      <p:pic>
+        <p:nvPicPr>
+          <p:cNvPr id="12" name="内容占位符 3"/>
+          <p:cNvPicPr>
+            <a:picLocks noChangeAspect="1"/>
+          </p:cNvPicPr>
+          <p:nvPr/>
+        </p:nvPicPr>
+        <p:blipFill>
+          <a:blip r:embed="rId3">
+            <a:extLst>
+              <a:ext uri="{28A0092B-C50C-407E-A947-70E740481C1C}">
+                <a14:useLocalDpi xmlns:a14="http://schemas.microsoft.com/office/drawing/2010/main" val="0"/>
+              </a:ext>
+            </a:extLst>
+          </a:blip>
+          <a:stretch>
+            <a:fillRect/>
+          </a:stretch>
+        </p:blipFill>
+        <p:spPr>
+          <a:xfrm>
+            <a:off x="251520" y="4077084"/>
+            <a:ext cx="3240000" cy="2049919"/>
+          </a:xfrm>
+          <a:prstGeom prst="rect">
+            <a:avLst/>
+          </a:prstGeom>
+        </p:spPr>
+      </p:pic>
+      <p:pic>
+        <p:nvPicPr>
+          <p:cNvPr id="13" name="图片 12"/>
+          <p:cNvPicPr>
+            <a:picLocks noChangeAspect="1"/>
+          </p:cNvPicPr>
+          <p:nvPr/>
+        </p:nvPicPr>
+        <p:blipFill>
+          <a:blip r:embed="rId4">
+            <a:extLst>
+              <a:ext uri="{28A0092B-C50C-407E-A947-70E740481C1C}">
+                <a14:useLocalDpi xmlns:a14="http://schemas.microsoft.com/office/drawing/2010/main" val="0"/>
+              </a:ext>
+            </a:extLst>
+          </a:blip>
+          <a:stretch>
+            <a:fillRect/>
+          </a:stretch>
+        </p:blipFill>
+        <p:spPr>
+          <a:xfrm>
+            <a:off x="5436456" y="4067590"/>
+            <a:ext cx="3240000" cy="1976266"/>
+          </a:xfrm>
+          <a:prstGeom prst="rect">
+            <a:avLst/>
+          </a:prstGeom>
+        </p:spPr>
+      </p:pic>
+      <p:sp>
+        <p:nvSpPr>
+          <p:cNvPr id="14" name="右箭头 13"/>
+          <p:cNvSpPr/>
+          <p:nvPr/>
+        </p:nvSpPr>
+        <p:spPr>
+          <a:xfrm>
+            <a:off x="4139952" y="4871057"/>
+            <a:ext cx="576064" cy="369332"/>
+          </a:xfrm>
+          <a:prstGeom prst="rightArrow">
+            <a:avLst/>
+          </a:prstGeom>
+        </p:spPr>
+        <p:style>
+          <a:lnRef idx="2">
+            <a:schemeClr val="accent1">
+              <a:shade val="50000"/>
+            </a:schemeClr>
+          </a:lnRef>
+          <a:fillRef idx="1">
+            <a:schemeClr val="accent1"/>
+          </a:fillRef>
+          <a:effectRef idx="0">
+            <a:schemeClr val="accent1"/>
+          </a:effectRef>
+          <a:fontRef idx="minor">
+            <a:schemeClr val="lt1"/>
+          </a:fontRef>
+        </p:style>
+        <p:txBody>
+          <a:bodyPr rtlCol="0" anchor="ctr"/>
+          <a:lstStyle/>
+          <a:p>
+            <a:pPr algn="ctr"/>
+            <a:endParaRPr lang="zh-CN" altLang="en-US"/>
+          </a:p>
+        </p:txBody>
+      </p:sp>
+    </p:spTree>
+    <p:extLst>
+      <p:ext uri="{BB962C8B-B14F-4D97-AF65-F5344CB8AC3E}">
+        <p14:creationId xmlns:p14="http://schemas.microsoft.com/office/powerpoint/2010/main" val="2650892977"/>
+      </p:ext>
+    </p:extLst>
+  </p:cSld>
+  <p:clrMapOvr>
+    <a:masterClrMapping/>
+  </p:clrMapOvr>
+  <p:timing>
+    <p:tnLst>
+      <p:par>
+        <p:cTn id="1" dur="indefinite" restart="never" nodeType="tmRoot">
+          <p:childTnLst>
+            <p:seq concurrent="1" nextAc="seek">
+              <p:cTn id="2" dur="indefinite" nodeType="mainSeq">
+                <p:childTnLst>
+                  <p:par>
+                    <p:cTn id="3" fill="hold">
+                      <p:stCondLst>
+                        <p:cond delay="indefinite"/>
+                      </p:stCondLst>
+                      <p:childTnLst>
+                        <p:par>
+                          <p:cTn id="4" fill="hold">
+                            <p:stCondLst>
+                              <p:cond delay="0"/>
+                            </p:stCondLst>
+                            <p:childTnLst>
+                              <p:par>
+                                <p:cTn id="5" presetID="10" presetClass="entr" presetSubtype="0" fill="hold" grpId="0" nodeType="clickEffect">
+                                  <p:stCondLst>
+                                    <p:cond delay="0"/>
+                                  </p:stCondLst>
+                                  <p:childTnLst>
+                                    <p:set>
+                                      <p:cBhvr>
+                                        <p:cTn id="6" dur="1" fill="hold">
+                                          <p:stCondLst>
+                                            <p:cond delay="0"/>
+                                          </p:stCondLst>
+                                        </p:cTn>
+                                        <p:tgtEl>
+                                          <p:spTgt spid="5"/>
+                                        </p:tgtEl>
+                                        <p:attrNameLst>
+                                          <p:attrName>style.visibility</p:attrName>
+                                        </p:attrNameLst>
+                                      </p:cBhvr>
+                                      <p:to>
+                                        <p:strVal val="visible"/>
+                                      </p:to>
+                                    </p:set>
+                                    <p:animEffect transition="in" filter="fade">
+                                      <p:cBhvr>
+                                        <p:cTn id="7" dur="500"/>
+                                        <p:tgtEl>
+                                          <p:spTgt spid="5"/>
+                                        </p:tgtEl>
+                                      </p:cBhvr>
+                                    </p:animEffect>
+                                  </p:childTnLst>
+                                </p:cTn>
+                              </p:par>
+                            </p:childTnLst>
+                          </p:cTn>
+                        </p:par>
+                      </p:childTnLst>
+                    </p:cTn>
+                  </p:par>
+                  <p:par>
+                    <p:cTn id="8" fill="hold">
+                      <p:stCondLst>
+                        <p:cond delay="indefinite"/>
+                      </p:stCondLst>
+                      <p:childTnLst>
+                        <p:par>
+                          <p:cTn id="9" fill="hold">
+                            <p:stCondLst>
+                              <p:cond delay="0"/>
+                            </p:stCondLst>
+                            <p:childTnLst>
+                              <p:par>
+                                <p:cTn id="10" presetID="10" presetClass="entr" presetSubtype="0" fill="hold" nodeType="clickEffect">
+                                  <p:stCondLst>
+                                    <p:cond delay="0"/>
+                                  </p:stCondLst>
+                                  <p:childTnLst>
+                                    <p:set>
+                                      <p:cBhvr>
+                                        <p:cTn id="11" dur="1" fill="hold">
+                                          <p:stCondLst>
+                                            <p:cond delay="0"/>
+                                          </p:stCondLst>
+                                        </p:cTn>
+                                        <p:tgtEl>
+                                          <p:spTgt spid="4"/>
+                                        </p:tgtEl>
+                                        <p:attrNameLst>
+                                          <p:attrName>style.visibility</p:attrName>
+                                        </p:attrNameLst>
+                                      </p:cBhvr>
+                                      <p:to>
+                                        <p:strVal val="visible"/>
+                                      </p:to>
+                                    </p:set>
+                                    <p:animEffect transition="in" filter="fade">
+                                      <p:cBhvr>
+                                        <p:cTn id="12" dur="500"/>
+                                        <p:tgtEl>
+                                          <p:spTgt spid="4"/>
+                                        </p:tgtEl>
+                                      </p:cBhvr>
+                                    </p:animEffect>
+                                  </p:childTnLst>
+                                </p:cTn>
+                              </p:par>
+                            </p:childTnLst>
+                          </p:cTn>
+                        </p:par>
+                      </p:childTnLst>
+                    </p:cTn>
+                  </p:par>
+                  <p:par>
+                    <p:cTn id="13" fill="hold">
+                      <p:stCondLst>
+                        <p:cond delay="indefinite"/>
+                      </p:stCondLst>
+                      <p:childTnLst>
+                        <p:par>
+                          <p:cTn id="14" fill="hold">
+                            <p:stCondLst>
+                              <p:cond delay="0"/>
+                            </p:stCondLst>
+                            <p:childTnLst>
+                              <p:par>
+                                <p:cTn id="15" presetID="10" presetClass="entr" presetSubtype="0" fill="hold" grpId="0" nodeType="clickEffect">
+                                  <p:stCondLst>
+                                    <p:cond delay="0"/>
+                                  </p:stCondLst>
+                                  <p:childTnLst>
+                                    <p:set>
+                                      <p:cBhvr>
+                                        <p:cTn id="16" dur="1" fill="hold">
+                                          <p:stCondLst>
+                                            <p:cond delay="0"/>
+                                          </p:stCondLst>
+                                        </p:cTn>
+                                        <p:tgtEl>
+                                          <p:spTgt spid="8"/>
+                                        </p:tgtEl>
+                                        <p:attrNameLst>
+                                          <p:attrName>style.visibility</p:attrName>
+                                        </p:attrNameLst>
+                                      </p:cBhvr>
+                                      <p:to>
+                                        <p:strVal val="visible"/>
+                                      </p:to>
+                                    </p:set>
+                                    <p:animEffect transition="in" filter="fade">
+                                      <p:cBhvr>
+                                        <p:cTn id="17" dur="500"/>
+                                        <p:tgtEl>
+                                          <p:spTgt spid="8"/>
+                                        </p:tgtEl>
+                                      </p:cBhvr>
+                                    </p:animEffect>
+                                  </p:childTnLst>
+                                </p:cTn>
+                              </p:par>
+                            </p:childTnLst>
+                          </p:cTn>
+                        </p:par>
+                      </p:childTnLst>
+                    </p:cTn>
+                  </p:par>
+                  <p:par>
+                    <p:cTn id="18" fill="hold">
+                      <p:stCondLst>
+                        <p:cond delay="indefinite"/>
+                      </p:stCondLst>
+                      <p:childTnLst>
+                        <p:par>
+                          <p:cTn id="19" fill="hold">
+                            <p:stCondLst>
+                              <p:cond delay="0"/>
+                            </p:stCondLst>
+                            <p:childTnLst>
+                              <p:par>
+                                <p:cTn id="20" presetID="10" presetClass="entr" presetSubtype="0" fill="hold" grpId="0" nodeType="clickEffect">
+                                  <p:stCondLst>
+                                    <p:cond delay="0"/>
+                                  </p:stCondLst>
+                                  <p:childTnLst>
+                                    <p:set>
+                                      <p:cBhvr>
+                                        <p:cTn id="21" dur="1" fill="hold">
+                                          <p:stCondLst>
+                                            <p:cond delay="0"/>
+                                          </p:stCondLst>
+                                        </p:cTn>
+                                        <p:tgtEl>
+                                          <p:spTgt spid="6"/>
+                                        </p:tgtEl>
+                                        <p:attrNameLst>
+                                          <p:attrName>style.visibility</p:attrName>
+                                        </p:attrNameLst>
+                                      </p:cBhvr>
+                                      <p:to>
+                                        <p:strVal val="visible"/>
+                                      </p:to>
+                                    </p:set>
+                                    <p:animEffect transition="in" filter="fade">
+                                      <p:cBhvr>
+                                        <p:cTn id="22" dur="500"/>
+                                        <p:tgtEl>
+                                          <p:spTgt spid="6"/>
+                                        </p:tgtEl>
+                                      </p:cBhvr>
+                                    </p:animEffect>
+                                  </p:childTnLst>
+                                </p:cTn>
+                              </p:par>
+                            </p:childTnLst>
+                          </p:cTn>
+                        </p:par>
+                      </p:childTnLst>
+                    </p:cTn>
+                  </p:par>
+                  <p:par>
+                    <p:cTn id="23" fill="hold">
+                      <p:stCondLst>
+                        <p:cond delay="indefinite"/>
+                      </p:stCondLst>
+                      <p:childTnLst>
+                        <p:par>
+                          <p:cTn id="24" fill="hold">
+                            <p:stCondLst>
+                              <p:cond delay="0"/>
+                            </p:stCondLst>
+                            <p:childTnLst>
+                              <p:par>
+                                <p:cTn id="25" presetID="10" presetClass="entr" presetSubtype="0" fill="hold" grpId="0" nodeType="clickEffect">
+                                  <p:stCondLst>
+                                    <p:cond delay="0"/>
+                                  </p:stCondLst>
+                                  <p:childTnLst>
+                                    <p:set>
+                                      <p:cBhvr>
+                                        <p:cTn id="26" dur="1" fill="hold">
+                                          <p:stCondLst>
+                                            <p:cond delay="0"/>
+                                          </p:stCondLst>
+                                        </p:cTn>
+                                        <p:tgtEl>
+                                          <p:spTgt spid="9"/>
+                                        </p:tgtEl>
+                                        <p:attrNameLst>
+                                          <p:attrName>style.visibility</p:attrName>
+                                        </p:attrNameLst>
+                                      </p:cBhvr>
+                                      <p:to>
+                                        <p:strVal val="visible"/>
+                                      </p:to>
+                                    </p:set>
+                                    <p:animEffect transition="in" filter="fade">
+                                      <p:cBhvr>
+                                        <p:cTn id="27" dur="500"/>
+                                        <p:tgtEl>
+                                          <p:spTgt spid="9"/>
+                                        </p:tgtEl>
+                                      </p:cBhvr>
+                                    </p:animEffect>
+                                  </p:childTnLst>
+                                </p:cTn>
+                              </p:par>
+                            </p:childTnLst>
+                          </p:cTn>
+                        </p:par>
+                      </p:childTnLst>
+                    </p:cTn>
+                  </p:par>
+                  <p:par>
+                    <p:cTn id="28" fill="hold">
+                      <p:stCondLst>
+                        <p:cond delay="indefinite"/>
+                      </p:stCondLst>
+                      <p:childTnLst>
+                        <p:par>
+                          <p:cTn id="29" fill="hold">
+                            <p:stCondLst>
+                              <p:cond delay="0"/>
+                            </p:stCondLst>
+                            <p:childTnLst>
+                              <p:par>
+                                <p:cTn id="30" presetID="10" presetClass="entr" presetSubtype="0" fill="hold" grpId="0" nodeType="clickEffect">
+                                  <p:stCondLst>
+                                    <p:cond delay="0"/>
+                                  </p:stCondLst>
+                                  <p:childTnLst>
+                                    <p:set>
+                                      <p:cBhvr>
+                                        <p:cTn id="31" dur="1" fill="hold">
+                                          <p:stCondLst>
+                                            <p:cond delay="0"/>
+                                          </p:stCondLst>
+                                        </p:cTn>
+                                        <p:tgtEl>
+                                          <p:spTgt spid="10"/>
+                                        </p:tgtEl>
+                                        <p:attrNameLst>
+                                          <p:attrName>style.visibility</p:attrName>
+                                        </p:attrNameLst>
+                                      </p:cBhvr>
+                                      <p:to>
+                                        <p:strVal val="visible"/>
+                                      </p:to>
+                                    </p:set>
+                                    <p:animEffect transition="in" filter="fade">
+                                      <p:cBhvr>
+                                        <p:cTn id="32" dur="500"/>
+                                        <p:tgtEl>
+                                          <p:spTgt spid="10"/>
+                                        </p:tgtEl>
+                                      </p:cBhvr>
+                                    </p:animEffect>
+                                  </p:childTnLst>
+                                </p:cTn>
+                              </p:par>
+                            </p:childTnLst>
+                          </p:cTn>
+                        </p:par>
+                      </p:childTnLst>
+                    </p:cTn>
+                  </p:par>
+                  <p:par>
+                    <p:cTn id="33" fill="hold">
+                      <p:stCondLst>
+                        <p:cond delay="indefinite"/>
+                      </p:stCondLst>
+                      <p:childTnLst>
+                        <p:par>
+                          <p:cTn id="34" fill="hold">
+                            <p:stCondLst>
+                              <p:cond delay="0"/>
+                            </p:stCondLst>
+                            <p:childTnLst>
+                              <p:par>
+                                <p:cTn id="35" presetID="10" presetClass="entr" presetSubtype="0" fill="hold" grpId="0" nodeType="clickEffect">
+                                  <p:stCondLst>
+                                    <p:cond delay="0"/>
+                                  </p:stCondLst>
+                                  <p:childTnLst>
+                                    <p:set>
+                                      <p:cBhvr>
+                                        <p:cTn id="36" dur="1" fill="hold">
+                                          <p:stCondLst>
+                                            <p:cond delay="0"/>
+                                          </p:stCondLst>
+                                        </p:cTn>
+                                        <p:tgtEl>
+                                          <p:spTgt spid="7"/>
+                                        </p:tgtEl>
+                                        <p:attrNameLst>
+                                          <p:attrName>style.visibility</p:attrName>
+                                        </p:attrNameLst>
+                                      </p:cBhvr>
+                                      <p:to>
+                                        <p:strVal val="visible"/>
+                                      </p:to>
+                                    </p:set>
+                                    <p:animEffect transition="in" filter="fade">
+                                      <p:cBhvr>
+                                        <p:cTn id="37" dur="500"/>
+                                        <p:tgtEl>
+                                          <p:spTgt spid="7"/>
+                                        </p:tgtEl>
+                                      </p:cBhvr>
+                                    </p:animEffect>
+                                  </p:childTnLst>
+                                </p:cTn>
+                              </p:par>
+                            </p:childTnLst>
+                          </p:cTn>
+                        </p:par>
+                      </p:childTnLst>
+                    </p:cTn>
+                  </p:par>
+                  <p:par>
+                    <p:cTn id="38" fill="hold">
+                      <p:stCondLst>
+                        <p:cond delay="indefinite"/>
+                      </p:stCondLst>
+                      <p:childTnLst>
+                        <p:par>
+                          <p:cTn id="39" fill="hold">
+                            <p:stCondLst>
+                              <p:cond delay="0"/>
+                            </p:stCondLst>
+                            <p:childTnLst>
+                              <p:par>
+                                <p:cTn id="40" presetID="10" presetClass="entr" presetSubtype="0" fill="hold" nodeType="clickEffect">
+                                  <p:stCondLst>
+                                    <p:cond delay="0"/>
+                                  </p:stCondLst>
+                                  <p:childTnLst>
+                                    <p:set>
+                                      <p:cBhvr>
+                                        <p:cTn id="41" dur="1" fill="hold">
+                                          <p:stCondLst>
+                                            <p:cond delay="0"/>
+                                          </p:stCondLst>
+                                        </p:cTn>
+                                        <p:tgtEl>
+                                          <p:spTgt spid="12"/>
+                                        </p:tgtEl>
+                                        <p:attrNameLst>
+                                          <p:attrName>style.visibility</p:attrName>
+                                        </p:attrNameLst>
+                                      </p:cBhvr>
+                                      <p:to>
+                                        <p:strVal val="visible"/>
+                                      </p:to>
+                                    </p:set>
+                                    <p:animEffect transition="in" filter="fade">
+                                      <p:cBhvr>
+                                        <p:cTn id="42" dur="500"/>
+                                        <p:tgtEl>
+                                          <p:spTgt spid="12"/>
+                                        </p:tgtEl>
+                                      </p:cBhvr>
+                                    </p:animEffect>
+                                  </p:childTnLst>
+                                </p:cTn>
+                              </p:par>
+                            </p:childTnLst>
+                          </p:cTn>
+                        </p:par>
+                      </p:childTnLst>
+                    </p:cTn>
+                  </p:par>
+                  <p:par>
+                    <p:cTn id="43" fill="hold">
+                      <p:stCondLst>
+                        <p:cond delay="indefinite"/>
+                      </p:stCondLst>
+                      <p:childTnLst>
+                        <p:par>
+                          <p:cTn id="44" fill="hold">
+                            <p:stCondLst>
+                              <p:cond delay="0"/>
+                            </p:stCondLst>
+                            <p:childTnLst>
+                              <p:par>
+                                <p:cTn id="45" presetID="10" presetClass="entr" presetSubtype="0" fill="hold" grpId="0" nodeType="clickEffect">
+                                  <p:stCondLst>
+                                    <p:cond delay="0"/>
+                                  </p:stCondLst>
+                                  <p:childTnLst>
+                                    <p:set>
+                                      <p:cBhvr>
+                                        <p:cTn id="46" dur="1" fill="hold">
+                                          <p:stCondLst>
+                                            <p:cond delay="0"/>
+                                          </p:stCondLst>
+                                        </p:cTn>
+                                        <p:tgtEl>
+                                          <p:spTgt spid="14"/>
+                                        </p:tgtEl>
+                                        <p:attrNameLst>
+                                          <p:attrName>style.visibility</p:attrName>
+                                        </p:attrNameLst>
+                                      </p:cBhvr>
+                                      <p:to>
+                                        <p:strVal val="visible"/>
+                                      </p:to>
+                                    </p:set>
+                                    <p:animEffect transition="in" filter="fade">
+                                      <p:cBhvr>
+                                        <p:cTn id="47" dur="500"/>
+                                        <p:tgtEl>
+                                          <p:spTgt spid="14"/>
+                                        </p:tgtEl>
+                                      </p:cBhvr>
+                                    </p:animEffect>
+                                  </p:childTnLst>
+                                </p:cTn>
+                              </p:par>
+                            </p:childTnLst>
+                          </p:cTn>
+                        </p:par>
+                      </p:childTnLst>
+                    </p:cTn>
+                  </p:par>
+                  <p:par>
+                    <p:cTn id="48" fill="hold">
+                      <p:stCondLst>
+                        <p:cond delay="indefinite"/>
+                      </p:stCondLst>
+                      <p:childTnLst>
+                        <p:par>
+                          <p:cTn id="49" fill="hold">
+                            <p:stCondLst>
+                              <p:cond delay="0"/>
+                            </p:stCondLst>
+                            <p:childTnLst>
+                              <p:par>
+                                <p:cTn id="50" presetID="10" presetClass="entr" presetSubtype="0" fill="hold" nodeType="clickEffect">
+                                  <p:stCondLst>
+                                    <p:cond delay="0"/>
+                                  </p:stCondLst>
+                                  <p:childTnLst>
+                                    <p:set>
+                                      <p:cBhvr>
+                                        <p:cTn id="51" dur="1" fill="hold">
+                                          <p:stCondLst>
+                                            <p:cond delay="0"/>
+                                          </p:stCondLst>
+                                        </p:cTn>
+                                        <p:tgtEl>
+                                          <p:spTgt spid="13"/>
+                                        </p:tgtEl>
+                                        <p:attrNameLst>
+                                          <p:attrName>style.visibility</p:attrName>
+                                        </p:attrNameLst>
+                                      </p:cBhvr>
+                                      <p:to>
+                                        <p:strVal val="visible"/>
+                                      </p:to>
+                                    </p:set>
+                                    <p:animEffect transition="in" filter="fade">
+                                      <p:cBhvr>
+                                        <p:cTn id="52" dur="500"/>
+                                        <p:tgtEl>
+                                          <p:spTgt spid="13"/>
+                                        </p:tgtEl>
+                                      </p:cBhvr>
+                                    </p:animEffect>
+                                  </p:childTnLst>
+                                </p:cTn>
+                              </p:par>
+                            </p:childTnLst>
+                          </p:cTn>
+                        </p:par>
+                      </p:childTnLst>
+                    </p:cTn>
+                  </p:par>
+                </p:childTnLst>
+              </p:cTn>
+              <p:prevCondLst>
+                <p:cond evt="onPrev" delay="0">
+                  <p:tgtEl>
+                    <p:sldTgt/>
+                  </p:tgtEl>
+                </p:cond>
+              </p:prevCondLst>
+              <p:nextCondLst>
+                <p:cond evt="onNext" delay="0">
+                  <p:tgtEl>
+                    <p:sldTgt/>
+                  </p:tgtEl>
+                </p:cond>
+              </p:nextCondLst>
+            </p:seq>
+          </p:childTnLst>
+        </p:cTn>
+      </p:par>
+    </p:tnLst>
+    <p:bldLst>
+      <p:bldP spid="5" grpId="0"/>
+      <p:bldP spid="6" grpId="0" animBg="1"/>
+      <p:bldP spid="7" grpId="0" animBg="1"/>
+      <p:bldP spid="8" grpId="0"/>
+      <p:bldP spid="9" grpId="0" animBg="1"/>
+      <p:bldP spid="10" grpId="0"/>
+      <p:bldP spid="14" grpId="0" animBg="1"/>
+    </p:bldLst>
+  </p:timing>
+</p:sld>
+</file>
+
+<file path=ppt/slides/slide11.xml><?xml version="1.0" encoding="utf-8"?>
+<p:sld xmlns:a="http://schemas.openxmlformats.org/drawingml/2006/main" xmlns:r="http://schemas.openxmlformats.org/officeDocument/2006/relationships" xmlns:p="http://schemas.openxmlformats.org/presentationml/2006/main">
+  <p:cSld>
+    <p:spTree>
+      <p:nvGrpSpPr>
+        <p:cNvPr id="1" name=""/>
+        <p:cNvGrpSpPr/>
+        <p:nvPr/>
+      </p:nvGrpSpPr>
+      <p:grpSpPr>
+        <a:xfrm>
+          <a:off x="0" y="0"/>
+          <a:ext cx="0" cy="0"/>
+          <a:chOff x="0" y="0"/>
+          <a:chExt cx="0" cy="0"/>
+        </a:xfrm>
+      </p:grpSpPr>
+      <p:sp>
+        <p:nvSpPr>
+          <p:cNvPr id="2" name="标题 1"/>
+          <p:cNvSpPr>
+            <a:spLocks noGrp="1"/>
+          </p:cNvSpPr>
+          <p:nvPr>
+            <p:ph type="title"/>
+          </p:nvPr>
+        </p:nvSpPr>
+        <p:spPr>
+          <a:xfrm>
+            <a:off x="457200" y="260648"/>
+            <a:ext cx="8229600" cy="720080"/>
+          </a:xfrm>
+        </p:spPr>
+        <p:txBody>
+          <a:bodyPr>
+            <a:normAutofit fontScale="90000"/>
+          </a:bodyPr>
+          <a:lstStyle/>
+          <a:p>
+            <a:r>
+              <a:rPr lang="zh-CN" altLang="en-US" dirty="0" smtClean="0"/>
+              <a:t>添加</a:t>
+            </a:r>
+            <a:r>
+              <a:rPr lang="en-US" altLang="zh-CN" dirty="0" smtClean="0"/>
+              <a:t>/</a:t>
+            </a:r>
+            <a:r>
+              <a:rPr lang="zh-CN" altLang="en-US" dirty="0" smtClean="0"/>
+              <a:t>删除数据</a:t>
+            </a:r>
+            <a:endParaRPr lang="zh-CN" altLang="en-US" dirty="0"/>
+          </a:p>
+        </p:txBody>
+      </p:sp>
+      <p:pic>
+        <p:nvPicPr>
+          <p:cNvPr id="4" name="内容占位符 3"/>
+          <p:cNvPicPr>
+            <a:picLocks noGrp="1" noChangeAspect="1"/>
+          </p:cNvPicPr>
+          <p:nvPr>
+            <p:ph idx="1"/>
+          </p:nvPr>
+        </p:nvPicPr>
+        <p:blipFill>
+          <a:blip r:embed="rId2">
+            <a:extLst>
+              <a:ext uri="{28A0092B-C50C-407E-A947-70E740481C1C}">
+                <a14:useLocalDpi xmlns:a14="http://schemas.microsoft.com/office/drawing/2010/main" val="0"/>
+              </a:ext>
+            </a:extLst>
+          </a:blip>
+          <a:stretch>
+            <a:fillRect/>
+          </a:stretch>
+        </p:blipFill>
+        <p:spPr>
+          <a:xfrm>
+            <a:off x="2323323" y="1844824"/>
+            <a:ext cx="4932000" cy="1673349"/>
+          </a:xfrm>
+        </p:spPr>
+      </p:pic>
+      <p:sp>
+        <p:nvSpPr>
+          <p:cNvPr id="5" name="TextBox 4"/>
+          <p:cNvSpPr txBox="1"/>
+          <p:nvPr/>
+        </p:nvSpPr>
+        <p:spPr>
+          <a:xfrm>
+            <a:off x="468843" y="1052736"/>
+            <a:ext cx="8640960" cy="646331"/>
+          </a:xfrm>
+          <a:prstGeom prst="rect">
+            <a:avLst/>
+          </a:prstGeom>
+          <a:noFill/>
+        </p:spPr>
+        <p:txBody>
+          <a:bodyPr wrap="square" rtlCol="0">
+            <a:spAutoFit/>
+          </a:bodyPr>
+          <a:lstStyle/>
+          <a:p>
+            <a:r>
+              <a:rPr lang="zh-CN" altLang="en-US" dirty="0" smtClean="0"/>
+              <a:t>在实际使用中，有时候会需要继续在图表中添加数据或者删除数据，可以使用“选择数据”功能，例如将下表中鲁帆的成绩添加到图表中</a:t>
+            </a:r>
+            <a:endParaRPr lang="zh-CN" altLang="en-US" dirty="0"/>
+          </a:p>
+        </p:txBody>
+      </p:sp>
+      <p:sp>
+        <p:nvSpPr>
+          <p:cNvPr id="6" name="TextBox 5"/>
+          <p:cNvSpPr txBox="1"/>
+          <p:nvPr/>
+        </p:nvSpPr>
+        <p:spPr>
+          <a:xfrm>
+            <a:off x="2411760" y="2780952"/>
+            <a:ext cx="4752528" cy="216000"/>
+          </a:xfrm>
+          <a:prstGeom prst="rect">
+            <a:avLst/>
+          </a:prstGeom>
+          <a:noFill/>
+          <a:ln w="22225">
+            <a:solidFill>
+              <a:srgbClr val="FF0000"/>
+            </a:solidFill>
+          </a:ln>
+        </p:spPr>
+        <p:txBody>
+          <a:bodyPr wrap="square" rtlCol="0">
+            <a:spAutoFit/>
+          </a:bodyPr>
+          <a:lstStyle/>
+          <a:p>
+            <a:endParaRPr lang="zh-CN" altLang="en-US" dirty="0"/>
+          </a:p>
+        </p:txBody>
+      </p:sp>
+      <p:pic>
+        <p:nvPicPr>
+          <p:cNvPr id="7" name="内容占位符 3"/>
+          <p:cNvPicPr>
+            <a:picLocks noChangeAspect="1"/>
+          </p:cNvPicPr>
+          <p:nvPr/>
+        </p:nvPicPr>
+        <p:blipFill>
+          <a:blip r:embed="rId3">
+            <a:extLst>
+              <a:ext uri="{28A0092B-C50C-407E-A947-70E740481C1C}">
+                <a14:useLocalDpi xmlns:a14="http://schemas.microsoft.com/office/drawing/2010/main" val="0"/>
+              </a:ext>
+            </a:extLst>
+          </a:blip>
+          <a:stretch>
+            <a:fillRect/>
+          </a:stretch>
+        </p:blipFill>
+        <p:spPr>
+          <a:xfrm>
+            <a:off x="1782663" y="5013176"/>
+            <a:ext cx="5381625" cy="1352550"/>
+          </a:xfrm>
+          <a:prstGeom prst="rect">
+            <a:avLst/>
+          </a:prstGeom>
+        </p:spPr>
+      </p:pic>
+      <p:sp>
+        <p:nvSpPr>
+          <p:cNvPr id="8" name="TextBox 7"/>
+          <p:cNvSpPr txBox="1"/>
+          <p:nvPr/>
+        </p:nvSpPr>
+        <p:spPr>
+          <a:xfrm>
+            <a:off x="2123728" y="4221088"/>
+            <a:ext cx="864096" cy="369332"/>
+          </a:xfrm>
+          <a:prstGeom prst="rect">
+            <a:avLst/>
+          </a:prstGeom>
+          <a:noFill/>
+        </p:spPr>
+        <p:txBody>
+          <a:bodyPr wrap="square" rtlCol="0">
+            <a:spAutoFit/>
+          </a:bodyPr>
+          <a:lstStyle/>
+          <a:p>
+            <a:r>
+              <a:rPr lang="zh-CN" altLang="en-US" dirty="0" smtClean="0"/>
+              <a:t>设计</a:t>
+            </a:r>
+            <a:endParaRPr lang="zh-CN" altLang="en-US" dirty="0"/>
+          </a:p>
+        </p:txBody>
+      </p:sp>
+      <p:sp>
+        <p:nvSpPr>
+          <p:cNvPr id="9" name="右箭头 8"/>
+          <p:cNvSpPr/>
+          <p:nvPr/>
+        </p:nvSpPr>
+        <p:spPr>
+          <a:xfrm>
+            <a:off x="4131013" y="4190309"/>
+            <a:ext cx="648072" cy="369332"/>
+          </a:xfrm>
+          <a:prstGeom prst="rightArrow">
+            <a:avLst/>
+          </a:prstGeom>
+        </p:spPr>
+        <p:style>
+          <a:lnRef idx="2">
+            <a:schemeClr val="accent1">
+              <a:shade val="50000"/>
+            </a:schemeClr>
+          </a:lnRef>
+          <a:fillRef idx="1">
+            <a:schemeClr val="accent1"/>
+          </a:fillRef>
+          <a:effectRef idx="0">
+            <a:schemeClr val="accent1"/>
+          </a:effectRef>
+          <a:fontRef idx="minor">
+            <a:schemeClr val="lt1"/>
+          </a:fontRef>
+        </p:style>
+        <p:txBody>
+          <a:bodyPr rtlCol="0" anchor="ctr"/>
+          <a:lstStyle/>
+          <a:p>
+            <a:pPr algn="ctr"/>
+            <a:endParaRPr lang="zh-CN" altLang="en-US"/>
+          </a:p>
+        </p:txBody>
+      </p:sp>
+      <p:sp>
+        <p:nvSpPr>
+          <p:cNvPr id="10" name="TextBox 9"/>
+          <p:cNvSpPr txBox="1"/>
+          <p:nvPr/>
+        </p:nvSpPr>
+        <p:spPr>
+          <a:xfrm>
+            <a:off x="6012160" y="4221088"/>
+            <a:ext cx="1584176" cy="369332"/>
+          </a:xfrm>
+          <a:prstGeom prst="rect">
+            <a:avLst/>
+          </a:prstGeom>
+          <a:noFill/>
+        </p:spPr>
+        <p:txBody>
+          <a:bodyPr wrap="square" rtlCol="0">
+            <a:spAutoFit/>
+          </a:bodyPr>
+          <a:lstStyle/>
+          <a:p>
+            <a:r>
+              <a:rPr lang="zh-CN" altLang="en-US" dirty="0" smtClean="0"/>
+              <a:t>选择数据</a:t>
+            </a:r>
+            <a:endParaRPr lang="zh-CN" altLang="en-US" dirty="0"/>
+          </a:p>
+        </p:txBody>
+      </p:sp>
+      <p:sp>
+        <p:nvSpPr>
+          <p:cNvPr id="11" name="TextBox 10"/>
+          <p:cNvSpPr txBox="1"/>
+          <p:nvPr/>
+        </p:nvSpPr>
+        <p:spPr>
+          <a:xfrm>
+            <a:off x="5292080" y="4968020"/>
+            <a:ext cx="720080" cy="369332"/>
+          </a:xfrm>
+          <a:prstGeom prst="rect">
+            <a:avLst/>
+          </a:prstGeom>
+          <a:noFill/>
+          <a:ln w="22225">
+            <a:solidFill>
+              <a:srgbClr val="FF0000"/>
+            </a:solidFill>
+          </a:ln>
+        </p:spPr>
+        <p:txBody>
+          <a:bodyPr wrap="square" rtlCol="0">
+            <a:spAutoFit/>
+          </a:bodyPr>
+          <a:lstStyle/>
+          <a:p>
+            <a:endParaRPr lang="zh-CN" altLang="en-US" dirty="0"/>
+          </a:p>
+        </p:txBody>
+      </p:sp>
+      <p:sp>
+        <p:nvSpPr>
+          <p:cNvPr id="12" name="TextBox 11"/>
+          <p:cNvSpPr txBox="1"/>
+          <p:nvPr/>
+        </p:nvSpPr>
+        <p:spPr>
+          <a:xfrm>
+            <a:off x="2555776" y="5301208"/>
+            <a:ext cx="720000" cy="540000"/>
+          </a:xfrm>
+          <a:prstGeom prst="rect">
+            <a:avLst/>
+          </a:prstGeom>
+          <a:noFill/>
+          <a:ln w="22225">
+            <a:solidFill>
+              <a:srgbClr val="FF0000"/>
+            </a:solidFill>
+          </a:ln>
+        </p:spPr>
+        <p:txBody>
+          <a:bodyPr wrap="square" rtlCol="0">
+            <a:spAutoFit/>
+          </a:bodyPr>
+          <a:lstStyle/>
+          <a:p>
+            <a:endParaRPr lang="zh-CN" altLang="en-US" dirty="0"/>
+          </a:p>
+        </p:txBody>
+      </p:sp>
+    </p:spTree>
+    <p:extLst>
+      <p:ext uri="{BB962C8B-B14F-4D97-AF65-F5344CB8AC3E}">
+        <p14:creationId xmlns:p14="http://schemas.microsoft.com/office/powerpoint/2010/main" val="1906244126"/>
+      </p:ext>
+    </p:extLst>
+  </p:cSld>
+  <p:clrMapOvr>
+    <a:masterClrMapping/>
+  </p:clrMapOvr>
+  <p:timing>
+    <p:tnLst>
+      <p:par>
+        <p:cTn id="1" dur="indefinite" restart="never" nodeType="tmRoot">
+          <p:childTnLst>
+            <p:seq concurrent="1" nextAc="seek">
+              <p:cTn id="2" dur="indefinite" nodeType="mainSeq">
+                <p:childTnLst>
+                  <p:par>
+                    <p:cTn id="3" fill="hold">
+                      <p:stCondLst>
+                        <p:cond delay="indefinite"/>
+                      </p:stCondLst>
+                      <p:childTnLst>
+                        <p:par>
+                          <p:cTn id="4" fill="hold">
+                            <p:stCondLst>
+                              <p:cond delay="0"/>
+                            </p:stCondLst>
+                            <p:childTnLst>
+                              <p:par>
+                                <p:cTn id="5" presetID="10" presetClass="entr" presetSubtype="0" fill="hold" grpId="0" nodeType="clickEffect">
+                                  <p:stCondLst>
+                                    <p:cond delay="0"/>
+                                  </p:stCondLst>
+                                  <p:childTnLst>
+                                    <p:set>
+                                      <p:cBhvr>
+                                        <p:cTn id="6" dur="1" fill="hold">
+                                          <p:stCondLst>
+                                            <p:cond delay="0"/>
+                                          </p:stCondLst>
+                                        </p:cTn>
+                                        <p:tgtEl>
+                                          <p:spTgt spid="5"/>
+                                        </p:tgtEl>
+                                        <p:attrNameLst>
+                                          <p:attrName>style.visibility</p:attrName>
+                                        </p:attrNameLst>
+                                      </p:cBhvr>
+                                      <p:to>
+                                        <p:strVal val="visible"/>
+                                      </p:to>
+                                    </p:set>
+                                    <p:animEffect transition="in" filter="fade">
+                                      <p:cBhvr>
+                                        <p:cTn id="7" dur="500"/>
+                                        <p:tgtEl>
+                                          <p:spTgt spid="5"/>
+                                        </p:tgtEl>
+                                      </p:cBhvr>
+                                    </p:animEffect>
+                                  </p:childTnLst>
+                                </p:cTn>
+                              </p:par>
+                            </p:childTnLst>
+                          </p:cTn>
+                        </p:par>
+                      </p:childTnLst>
+                    </p:cTn>
+                  </p:par>
+                  <p:par>
+                    <p:cTn id="8" fill="hold">
+                      <p:stCondLst>
+                        <p:cond delay="indefinite"/>
+                      </p:stCondLst>
+                      <p:childTnLst>
+                        <p:par>
+                          <p:cTn id="9" fill="hold">
+                            <p:stCondLst>
+                              <p:cond delay="0"/>
+                            </p:stCondLst>
+                            <p:childTnLst>
+                              <p:par>
+                                <p:cTn id="10" presetID="10" presetClass="entr" presetSubtype="0" fill="hold" nodeType="clickEffect">
+                                  <p:stCondLst>
+                                    <p:cond delay="0"/>
+                                  </p:stCondLst>
+                                  <p:childTnLst>
+                                    <p:set>
+                                      <p:cBhvr>
+                                        <p:cTn id="11" dur="1" fill="hold">
+                                          <p:stCondLst>
+                                            <p:cond delay="0"/>
+                                          </p:stCondLst>
+                                        </p:cTn>
+                                        <p:tgtEl>
+                                          <p:spTgt spid="4"/>
+                                        </p:tgtEl>
+                                        <p:attrNameLst>
+                                          <p:attrName>style.visibility</p:attrName>
+                                        </p:attrNameLst>
+                                      </p:cBhvr>
+                                      <p:to>
+                                        <p:strVal val="visible"/>
+                                      </p:to>
+                                    </p:set>
+                                    <p:animEffect transition="in" filter="fade">
+                                      <p:cBhvr>
+                                        <p:cTn id="12" dur="500"/>
+                                        <p:tgtEl>
+                                          <p:spTgt spid="4"/>
+                                        </p:tgtEl>
+                                      </p:cBhvr>
+                                    </p:animEffect>
+                                  </p:childTnLst>
+                                </p:cTn>
+                              </p:par>
+                            </p:childTnLst>
+                          </p:cTn>
+                        </p:par>
+                      </p:childTnLst>
+                    </p:cTn>
+                  </p:par>
+                  <p:par>
+                    <p:cTn id="13" fill="hold">
+                      <p:stCondLst>
+                        <p:cond delay="indefinite"/>
+                      </p:stCondLst>
+                      <p:childTnLst>
+                        <p:par>
+                          <p:cTn id="14" fill="hold">
+                            <p:stCondLst>
+                              <p:cond delay="0"/>
+                            </p:stCondLst>
+                            <p:childTnLst>
+                              <p:par>
+                                <p:cTn id="15" presetID="10" presetClass="entr" presetSubtype="0" fill="hold" grpId="0" nodeType="clickEffect">
+                                  <p:stCondLst>
+                                    <p:cond delay="0"/>
+                                  </p:stCondLst>
+                                  <p:childTnLst>
+                                    <p:set>
+                                      <p:cBhvr>
+                                        <p:cTn id="16" dur="1" fill="hold">
+                                          <p:stCondLst>
+                                            <p:cond delay="0"/>
+                                          </p:stCondLst>
+                                        </p:cTn>
+                                        <p:tgtEl>
+                                          <p:spTgt spid="6"/>
+                                        </p:tgtEl>
+                                        <p:attrNameLst>
+                                          <p:attrName>style.visibility</p:attrName>
+                                        </p:attrNameLst>
+                                      </p:cBhvr>
+                                      <p:to>
+                                        <p:strVal val="visible"/>
+                                      </p:to>
+                                    </p:set>
+                                    <p:animEffect transition="in" filter="fade">
+                                      <p:cBhvr>
+                                        <p:cTn id="17" dur="500"/>
+                                        <p:tgtEl>
+                                          <p:spTgt spid="6"/>
+                                        </p:tgtEl>
+                                      </p:cBhvr>
+                                    </p:animEffect>
+                                  </p:childTnLst>
+                                </p:cTn>
+                              </p:par>
+                            </p:childTnLst>
+                          </p:cTn>
+                        </p:par>
+                      </p:childTnLst>
+                    </p:cTn>
+                  </p:par>
+                  <p:par>
+                    <p:cTn id="18" fill="hold">
+                      <p:stCondLst>
+                        <p:cond delay="indefinite"/>
+                      </p:stCondLst>
+                      <p:childTnLst>
+                        <p:par>
+                          <p:cTn id="19" fill="hold">
+                            <p:stCondLst>
+                              <p:cond delay="0"/>
+                            </p:stCondLst>
+                            <p:childTnLst>
+                              <p:par>
+                                <p:cTn id="20" presetID="10" presetClass="entr" presetSubtype="0" fill="hold" nodeType="clickEffect">
+                                  <p:stCondLst>
+                                    <p:cond delay="0"/>
+                                  </p:stCondLst>
+                                  <p:childTnLst>
+                                    <p:set>
+                                      <p:cBhvr>
+                                        <p:cTn id="21" dur="1" fill="hold">
+                                          <p:stCondLst>
+                                            <p:cond delay="0"/>
+                                          </p:stCondLst>
+                                        </p:cTn>
+                                        <p:tgtEl>
+                                          <p:spTgt spid="7"/>
+                                        </p:tgtEl>
+                                        <p:attrNameLst>
+                                          <p:attrName>style.visibility</p:attrName>
+                                        </p:attrNameLst>
+                                      </p:cBhvr>
+                                      <p:to>
+                                        <p:strVal val="visible"/>
+                                      </p:to>
+                                    </p:set>
+                                    <p:animEffect transition="in" filter="fade">
+                                      <p:cBhvr>
+                                        <p:cTn id="22" dur="500"/>
+                                        <p:tgtEl>
+                                          <p:spTgt spid="7"/>
+                                        </p:tgtEl>
+                                      </p:cBhvr>
+                                    </p:animEffect>
+                                  </p:childTnLst>
+                                </p:cTn>
+                              </p:par>
+                            </p:childTnLst>
+                          </p:cTn>
+                        </p:par>
+                      </p:childTnLst>
+                    </p:cTn>
+                  </p:par>
+                  <p:par>
+                    <p:cTn id="23" fill="hold">
+                      <p:stCondLst>
+                        <p:cond delay="indefinite"/>
+                      </p:stCondLst>
+                      <p:childTnLst>
+                        <p:par>
+                          <p:cTn id="24" fill="hold">
+                            <p:stCondLst>
+                              <p:cond delay="0"/>
+                            </p:stCondLst>
+                            <p:childTnLst>
+                              <p:par>
+                                <p:cTn id="25" presetID="10" presetClass="entr" presetSubtype="0" fill="hold" grpId="0" nodeType="clickEffect">
+                                  <p:stCondLst>
+                                    <p:cond delay="0"/>
+                                  </p:stCondLst>
+                                  <p:childTnLst>
+                                    <p:set>
+                                      <p:cBhvr>
+                                        <p:cTn id="26" dur="1" fill="hold">
+                                          <p:stCondLst>
+                                            <p:cond delay="0"/>
+                                          </p:stCondLst>
+                                        </p:cTn>
+                                        <p:tgtEl>
+                                          <p:spTgt spid="8"/>
+                                        </p:tgtEl>
+                                        <p:attrNameLst>
+                                          <p:attrName>style.visibility</p:attrName>
+                                        </p:attrNameLst>
+                                      </p:cBhvr>
+                                      <p:to>
+                                        <p:strVal val="visible"/>
+                                      </p:to>
+                                    </p:set>
+                                    <p:animEffect transition="in" filter="fade">
+                                      <p:cBhvr>
+                                        <p:cTn id="27" dur="500"/>
+                                        <p:tgtEl>
+                                          <p:spTgt spid="8"/>
+                                        </p:tgtEl>
+                                      </p:cBhvr>
+                                    </p:animEffect>
+                                  </p:childTnLst>
+                                </p:cTn>
+                              </p:par>
+                            </p:childTnLst>
+                          </p:cTn>
+                        </p:par>
+                      </p:childTnLst>
+                    </p:cTn>
+                  </p:par>
+                  <p:par>
+                    <p:cTn id="28" fill="hold">
+                      <p:stCondLst>
+                        <p:cond delay="indefinite"/>
+                      </p:stCondLst>
+                      <p:childTnLst>
+                        <p:par>
+                          <p:cTn id="29" fill="hold">
+                            <p:stCondLst>
+                              <p:cond delay="0"/>
+                            </p:stCondLst>
+                            <p:childTnLst>
+                              <p:par>
+                                <p:cTn id="30" presetID="10" presetClass="entr" presetSubtype="0" fill="hold" grpId="0" nodeType="clickEffect">
+                                  <p:stCondLst>
+                                    <p:cond delay="0"/>
+                                  </p:stCondLst>
+                                  <p:childTnLst>
+                                    <p:set>
+                                      <p:cBhvr>
+                                        <p:cTn id="31" dur="1" fill="hold">
+                                          <p:stCondLst>
+                                            <p:cond delay="0"/>
+                                          </p:stCondLst>
+                                        </p:cTn>
+                                        <p:tgtEl>
+                                          <p:spTgt spid="11"/>
+                                        </p:tgtEl>
+                                        <p:attrNameLst>
+                                          <p:attrName>style.visibility</p:attrName>
+                                        </p:attrNameLst>
+                                      </p:cBhvr>
+                                      <p:to>
+                                        <p:strVal val="visible"/>
+                                      </p:to>
+                                    </p:set>
+                                    <p:animEffect transition="in" filter="fade">
+                                      <p:cBhvr>
+                                        <p:cTn id="32" dur="500"/>
+                                        <p:tgtEl>
+                                          <p:spTgt spid="11"/>
+                                        </p:tgtEl>
+                                      </p:cBhvr>
+                                    </p:animEffect>
+                                  </p:childTnLst>
+                                </p:cTn>
+                              </p:par>
+                            </p:childTnLst>
+                          </p:cTn>
+                        </p:par>
+                      </p:childTnLst>
+                    </p:cTn>
+                  </p:par>
+                  <p:par>
+                    <p:cTn id="33" fill="hold">
+                      <p:stCondLst>
+                        <p:cond delay="indefinite"/>
+                      </p:stCondLst>
+                      <p:childTnLst>
+                        <p:par>
+                          <p:cTn id="34" fill="hold">
+                            <p:stCondLst>
+                              <p:cond delay="0"/>
+                            </p:stCondLst>
+                            <p:childTnLst>
+                              <p:par>
+                                <p:cTn id="35" presetID="10" presetClass="entr" presetSubtype="0" fill="hold" grpId="0" nodeType="clickEffect">
+                                  <p:stCondLst>
+                                    <p:cond delay="0"/>
+                                  </p:stCondLst>
+                                  <p:childTnLst>
+                                    <p:set>
+                                      <p:cBhvr>
+                                        <p:cTn id="36" dur="1" fill="hold">
+                                          <p:stCondLst>
+                                            <p:cond delay="0"/>
+                                          </p:stCondLst>
+                                        </p:cTn>
+                                        <p:tgtEl>
+                                          <p:spTgt spid="9"/>
+                                        </p:tgtEl>
+                                        <p:attrNameLst>
+                                          <p:attrName>style.visibility</p:attrName>
+                                        </p:attrNameLst>
+                                      </p:cBhvr>
+                                      <p:to>
+                                        <p:strVal val="visible"/>
+                                      </p:to>
+                                    </p:set>
+                                    <p:animEffect transition="in" filter="fade">
+                                      <p:cBhvr>
+                                        <p:cTn id="37" dur="500"/>
+                                        <p:tgtEl>
+                                          <p:spTgt spid="9"/>
+                                        </p:tgtEl>
+                                      </p:cBhvr>
+                                    </p:animEffect>
+                                  </p:childTnLst>
+                                </p:cTn>
+                              </p:par>
+                            </p:childTnLst>
+                          </p:cTn>
+                        </p:par>
+                      </p:childTnLst>
+                    </p:cTn>
+                  </p:par>
+                  <p:par>
+                    <p:cTn id="38" fill="hold">
+                      <p:stCondLst>
+                        <p:cond delay="indefinite"/>
+                      </p:stCondLst>
+                      <p:childTnLst>
+                        <p:par>
+                          <p:cTn id="39" fill="hold">
+                            <p:stCondLst>
+                              <p:cond delay="0"/>
+                            </p:stCondLst>
+                            <p:childTnLst>
+                              <p:par>
+                                <p:cTn id="40" presetID="10" presetClass="entr" presetSubtype="0" fill="hold" grpId="0" nodeType="clickEffect">
+                                  <p:stCondLst>
+                                    <p:cond delay="0"/>
+                                  </p:stCondLst>
+                                  <p:childTnLst>
+                                    <p:set>
+                                      <p:cBhvr>
+                                        <p:cTn id="41" dur="1" fill="hold">
+                                          <p:stCondLst>
+                                            <p:cond delay="0"/>
+                                          </p:stCondLst>
+                                        </p:cTn>
+                                        <p:tgtEl>
+                                          <p:spTgt spid="10"/>
+                                        </p:tgtEl>
+                                        <p:attrNameLst>
+                                          <p:attrName>style.visibility</p:attrName>
+                                        </p:attrNameLst>
+                                      </p:cBhvr>
+                                      <p:to>
+                                        <p:strVal val="visible"/>
+                                      </p:to>
+                                    </p:set>
+                                    <p:animEffect transition="in" filter="fade">
+                                      <p:cBhvr>
+                                        <p:cTn id="42" dur="500"/>
+                                        <p:tgtEl>
+                                          <p:spTgt spid="10"/>
+                                        </p:tgtEl>
+                                      </p:cBhvr>
+                                    </p:animEffect>
+                                  </p:childTnLst>
+                                </p:cTn>
+                              </p:par>
+                            </p:childTnLst>
+                          </p:cTn>
+                        </p:par>
+                      </p:childTnLst>
+                    </p:cTn>
+                  </p:par>
+                  <p:par>
+                    <p:cTn id="43" fill="hold">
+                      <p:stCondLst>
+                        <p:cond delay="indefinite"/>
+                      </p:stCondLst>
+                      <p:childTnLst>
+                        <p:par>
+                          <p:cTn id="44" fill="hold">
+                            <p:stCondLst>
+                              <p:cond delay="0"/>
+                            </p:stCondLst>
+                            <p:childTnLst>
+                              <p:par>
+                                <p:cTn id="45" presetID="10" presetClass="entr" presetSubtype="0" fill="hold" grpId="0" nodeType="clickEffect">
+                                  <p:stCondLst>
+                                    <p:cond delay="0"/>
+                                  </p:stCondLst>
+                                  <p:childTnLst>
+                                    <p:set>
+                                      <p:cBhvr>
+                                        <p:cTn id="46" dur="1" fill="hold">
+                                          <p:stCondLst>
+                                            <p:cond delay="0"/>
+                                          </p:stCondLst>
+                                        </p:cTn>
+                                        <p:tgtEl>
+                                          <p:spTgt spid="12"/>
+                                        </p:tgtEl>
+                                        <p:attrNameLst>
+                                          <p:attrName>style.visibility</p:attrName>
+                                        </p:attrNameLst>
+                                      </p:cBhvr>
+                                      <p:to>
+                                        <p:strVal val="visible"/>
+                                      </p:to>
+                                    </p:set>
+                                    <p:animEffect transition="in" filter="fade">
+                                      <p:cBhvr>
+                                        <p:cTn id="47" dur="500"/>
+                                        <p:tgtEl>
+                                          <p:spTgt spid="12"/>
+                                        </p:tgtEl>
+                                      </p:cBhvr>
+                                    </p:animEffect>
+                                  </p:childTnLst>
+                                </p:cTn>
+                              </p:par>
+                            </p:childTnLst>
+                          </p:cTn>
+                        </p:par>
+                      </p:childTnLst>
+                    </p:cTn>
+                  </p:par>
+                </p:childTnLst>
+              </p:cTn>
+              <p:prevCondLst>
+                <p:cond evt="onPrev" delay="0">
+                  <p:tgtEl>
+                    <p:sldTgt/>
+                  </p:tgtEl>
+                </p:cond>
+              </p:prevCondLst>
+              <p:nextCondLst>
+                <p:cond evt="onNext" delay="0">
+                  <p:tgtEl>
+                    <p:sldTgt/>
+                  </p:tgtEl>
+                </p:cond>
+              </p:nextCondLst>
+            </p:seq>
+          </p:childTnLst>
+        </p:cTn>
+      </p:par>
+    </p:tnLst>
+    <p:bldLst>
+      <p:bldP spid="5" grpId="0"/>
+      <p:bldP spid="6" grpId="0" animBg="1"/>
+      <p:bldP spid="8" grpId="0"/>
+      <p:bldP spid="9" grpId="0" animBg="1"/>
+      <p:bldP spid="10" grpId="0"/>
+      <p:bldP spid="11" grpId="0" animBg="1"/>
+      <p:bldP spid="12" grpId="0" animBg="1"/>
+    </p:bldLst>
+  </p:timing>
+</p:sld>
+</file>
+
+<file path=ppt/slides/slide12.xml><?xml version="1.0" encoding="utf-8"?>
+<p:sld xmlns:a="http://schemas.openxmlformats.org/drawingml/2006/main" xmlns:r="http://schemas.openxmlformats.org/officeDocument/2006/relationships" xmlns:p="http://schemas.openxmlformats.org/presentationml/2006/main">
+  <p:cSld>
+    <p:spTree>
+      <p:nvGrpSpPr>
+        <p:cNvPr id="1" name=""/>
+        <p:cNvGrpSpPr/>
+        <p:nvPr/>
+      </p:nvGrpSpPr>
+      <p:grpSpPr>
+        <a:xfrm>
+          <a:off x="0" y="0"/>
+          <a:ext cx="0" cy="0"/>
+          <a:chOff x="0" y="0"/>
+          <a:chExt cx="0" cy="0"/>
+        </a:xfrm>
+      </p:grpSpPr>
+      <p:pic>
+        <p:nvPicPr>
+          <p:cNvPr id="2" name="图片 1"/>
+          <p:cNvPicPr>
+            <a:picLocks noChangeAspect="1"/>
+          </p:cNvPicPr>
+          <p:nvPr/>
+        </p:nvPicPr>
+        <p:blipFill>
+          <a:blip r:embed="rId2">
+            <a:extLst>
+              <a:ext uri="{28A0092B-C50C-407E-A947-70E740481C1C}">
+                <a14:useLocalDpi xmlns:a14="http://schemas.microsoft.com/office/drawing/2010/main" val="0"/>
+              </a:ext>
+            </a:extLst>
+          </a:blip>
+          <a:stretch>
+            <a:fillRect/>
+          </a:stretch>
+        </p:blipFill>
+        <p:spPr>
+          <a:xfrm>
+            <a:off x="107504" y="244374"/>
+            <a:ext cx="4320000" cy="2152800"/>
+          </a:xfrm>
+          <a:prstGeom prst="rect">
+            <a:avLst/>
+          </a:prstGeom>
+        </p:spPr>
+      </p:pic>
+      <p:pic>
+        <p:nvPicPr>
+          <p:cNvPr id="3" name="图片 2"/>
+          <p:cNvPicPr>
+            <a:picLocks noChangeAspect="1"/>
+          </p:cNvPicPr>
+          <p:nvPr/>
+        </p:nvPicPr>
+        <p:blipFill>
+          <a:blip r:embed="rId3">
+            <a:extLst>
+              <a:ext uri="{28A0092B-C50C-407E-A947-70E740481C1C}">
+                <a14:useLocalDpi xmlns:a14="http://schemas.microsoft.com/office/drawing/2010/main" val="0"/>
+              </a:ext>
+            </a:extLst>
+          </a:blip>
+          <a:stretch>
+            <a:fillRect/>
+          </a:stretch>
+        </p:blipFill>
+        <p:spPr>
+          <a:xfrm>
+            <a:off x="6063456" y="620687"/>
+            <a:ext cx="3048000" cy="1400175"/>
+          </a:xfrm>
+          <a:prstGeom prst="rect">
+            <a:avLst/>
+          </a:prstGeom>
+        </p:spPr>
+      </p:pic>
+      <p:sp>
+        <p:nvSpPr>
+          <p:cNvPr id="4" name="右箭头 3"/>
+          <p:cNvSpPr/>
+          <p:nvPr/>
+        </p:nvSpPr>
+        <p:spPr>
+          <a:xfrm>
+            <a:off x="4644008" y="1196882"/>
+            <a:ext cx="1152128" cy="432048"/>
+          </a:xfrm>
+          <a:prstGeom prst="rightArrow">
+            <a:avLst/>
+          </a:prstGeom>
+        </p:spPr>
+        <p:style>
+          <a:lnRef idx="2">
+            <a:schemeClr val="accent1">
+              <a:shade val="50000"/>
+            </a:schemeClr>
+          </a:lnRef>
+          <a:fillRef idx="1">
+            <a:schemeClr val="accent1"/>
+          </a:fillRef>
+          <a:effectRef idx="0">
+            <a:schemeClr val="accent1"/>
+          </a:effectRef>
+          <a:fontRef idx="minor">
+            <a:schemeClr val="lt1"/>
+          </a:fontRef>
+        </p:style>
+        <p:txBody>
+          <a:bodyPr rtlCol="0" anchor="ctr"/>
+          <a:lstStyle/>
+          <a:p>
+            <a:pPr algn="ctr"/>
+            <a:endParaRPr lang="zh-CN" altLang="en-US"/>
+          </a:p>
+        </p:txBody>
+      </p:sp>
+      <p:sp>
+        <p:nvSpPr>
+          <p:cNvPr id="5" name="TextBox 4"/>
+          <p:cNvSpPr txBox="1"/>
+          <p:nvPr/>
+        </p:nvSpPr>
+        <p:spPr>
+          <a:xfrm>
+            <a:off x="4788024" y="548680"/>
+            <a:ext cx="792088" cy="646331"/>
+          </a:xfrm>
+          <a:prstGeom prst="rect">
+            <a:avLst/>
+          </a:prstGeom>
+          <a:noFill/>
+        </p:spPr>
+        <p:txBody>
+          <a:bodyPr wrap="square" rtlCol="0">
+            <a:spAutoFit/>
+          </a:bodyPr>
+          <a:lstStyle/>
+          <a:p>
+            <a:pPr algn="ctr"/>
+            <a:r>
+              <a:rPr lang="zh-CN" altLang="en-US" dirty="0" smtClean="0"/>
+              <a:t>点击添加</a:t>
+            </a:r>
+            <a:endParaRPr lang="zh-CN" altLang="en-US" dirty="0"/>
+          </a:p>
+        </p:txBody>
+      </p:sp>
+      <p:sp>
+        <p:nvSpPr>
+          <p:cNvPr id="7" name="TextBox 6"/>
+          <p:cNvSpPr txBox="1"/>
+          <p:nvPr/>
+        </p:nvSpPr>
+        <p:spPr>
+          <a:xfrm>
+            <a:off x="6063456" y="971436"/>
+            <a:ext cx="2108944" cy="324000"/>
+          </a:xfrm>
+          <a:prstGeom prst="rect">
+            <a:avLst/>
+          </a:prstGeom>
+          <a:noFill/>
+          <a:ln w="22225">
+            <a:solidFill>
+              <a:srgbClr val="FF0000"/>
+            </a:solidFill>
+          </a:ln>
+        </p:spPr>
+        <p:txBody>
+          <a:bodyPr wrap="square" rtlCol="0">
+            <a:spAutoFit/>
+          </a:bodyPr>
+          <a:lstStyle/>
+          <a:p>
+            <a:endParaRPr lang="zh-CN" altLang="en-US" dirty="0"/>
+          </a:p>
+        </p:txBody>
+      </p:sp>
+      <p:sp>
+        <p:nvSpPr>
+          <p:cNvPr id="8" name="TextBox 7"/>
+          <p:cNvSpPr txBox="1"/>
+          <p:nvPr/>
+        </p:nvSpPr>
+        <p:spPr>
+          <a:xfrm>
+            <a:off x="6084168" y="1412776"/>
+            <a:ext cx="2108944" cy="324000"/>
+          </a:xfrm>
+          <a:prstGeom prst="rect">
+            <a:avLst/>
+          </a:prstGeom>
+          <a:noFill/>
+          <a:ln w="22225">
+            <a:solidFill>
+              <a:srgbClr val="FF0000"/>
+            </a:solidFill>
+          </a:ln>
+        </p:spPr>
+        <p:txBody>
+          <a:bodyPr wrap="square" rtlCol="0">
+            <a:spAutoFit/>
+          </a:bodyPr>
+          <a:lstStyle/>
+          <a:p>
+            <a:endParaRPr lang="zh-CN" altLang="en-US" dirty="0"/>
+          </a:p>
+        </p:txBody>
+      </p:sp>
+      <p:pic>
+        <p:nvPicPr>
+          <p:cNvPr id="11" name="内容占位符 3"/>
+          <p:cNvPicPr>
+            <a:picLocks noChangeAspect="1"/>
+          </p:cNvPicPr>
+          <p:nvPr/>
+        </p:nvPicPr>
+        <p:blipFill>
+          <a:blip r:embed="rId4">
+            <a:extLst>
+              <a:ext uri="{28A0092B-C50C-407E-A947-70E740481C1C}">
+                <a14:useLocalDpi xmlns:a14="http://schemas.microsoft.com/office/drawing/2010/main" val="0"/>
+              </a:ext>
+            </a:extLst>
+          </a:blip>
+          <a:stretch>
+            <a:fillRect/>
+          </a:stretch>
+        </p:blipFill>
+        <p:spPr>
+          <a:xfrm>
+            <a:off x="288072" y="4149080"/>
+            <a:ext cx="4932000" cy="1673349"/>
+          </a:xfrm>
+          <a:prstGeom prst="rect">
+            <a:avLst/>
+          </a:prstGeom>
+        </p:spPr>
+      </p:pic>
+      <p:cxnSp>
+        <p:nvCxnSpPr>
+          <p:cNvPr id="10" name="直接箭头连接符 9"/>
+          <p:cNvCxnSpPr/>
+          <p:nvPr/>
+        </p:nvCxnSpPr>
+        <p:spPr>
+          <a:xfrm flipH="1">
+            <a:off x="1043608" y="1295436"/>
+            <a:ext cx="4968552" cy="3861756"/>
+          </a:xfrm>
+          <a:prstGeom prst="straightConnector1">
+            <a:avLst/>
+          </a:prstGeom>
+          <a:ln>
+            <a:solidFill>
+              <a:srgbClr val="FF0000"/>
+            </a:solidFill>
+            <a:tailEnd type="arrow"/>
+          </a:ln>
+        </p:spPr>
+        <p:style>
+          <a:lnRef idx="1">
+            <a:schemeClr val="accent1"/>
+          </a:lnRef>
+          <a:fillRef idx="0">
+            <a:schemeClr val="accent1"/>
+          </a:fillRef>
+          <a:effectRef idx="0">
+            <a:schemeClr val="accent1"/>
+          </a:effectRef>
+          <a:fontRef idx="minor">
+            <a:schemeClr val="tx1"/>
+          </a:fontRef>
+        </p:style>
+      </p:cxnSp>
+      <p:cxnSp>
+        <p:nvCxnSpPr>
+          <p:cNvPr id="16" name="直接箭头连接符 15"/>
+          <p:cNvCxnSpPr/>
+          <p:nvPr/>
+        </p:nvCxnSpPr>
+        <p:spPr>
+          <a:xfrm flipH="1">
+            <a:off x="2339752" y="1736776"/>
+            <a:ext cx="3672408" cy="3420416"/>
+          </a:xfrm>
+          <a:prstGeom prst="straightConnector1">
+            <a:avLst/>
+          </a:prstGeom>
+          <a:ln>
+            <a:solidFill>
+              <a:srgbClr val="FF0000"/>
+            </a:solidFill>
+            <a:tailEnd type="arrow"/>
+          </a:ln>
+        </p:spPr>
+        <p:style>
+          <a:lnRef idx="1">
+            <a:schemeClr val="accent1"/>
+          </a:lnRef>
+          <a:fillRef idx="0">
+            <a:schemeClr val="accent1"/>
+          </a:fillRef>
+          <a:effectRef idx="0">
+            <a:schemeClr val="accent1"/>
+          </a:effectRef>
+          <a:fontRef idx="minor">
+            <a:schemeClr val="tx1"/>
+          </a:fontRef>
+        </p:style>
+      </p:cxnSp>
+      <p:sp>
+        <p:nvSpPr>
+          <p:cNvPr id="19" name="TextBox 18"/>
+          <p:cNvSpPr txBox="1"/>
+          <p:nvPr/>
+        </p:nvSpPr>
+        <p:spPr>
+          <a:xfrm>
+            <a:off x="531994" y="5049208"/>
+            <a:ext cx="591179" cy="252000"/>
+          </a:xfrm>
+          <a:prstGeom prst="rect">
+            <a:avLst/>
+          </a:prstGeom>
+          <a:noFill/>
+          <a:ln w="22225">
+            <a:solidFill>
+              <a:srgbClr val="FF0000"/>
+            </a:solidFill>
+          </a:ln>
+        </p:spPr>
+        <p:txBody>
+          <a:bodyPr wrap="square" rtlCol="0">
+            <a:spAutoFit/>
+          </a:bodyPr>
+          <a:lstStyle/>
+          <a:p>
+            <a:endParaRPr lang="zh-CN" altLang="en-US" dirty="0"/>
+          </a:p>
+        </p:txBody>
+      </p:sp>
+      <p:sp>
+        <p:nvSpPr>
+          <p:cNvPr id="20" name="TextBox 19"/>
+          <p:cNvSpPr txBox="1"/>
+          <p:nvPr/>
+        </p:nvSpPr>
+        <p:spPr>
+          <a:xfrm>
+            <a:off x="1151324" y="5049208"/>
+            <a:ext cx="4032744" cy="252000"/>
+          </a:xfrm>
+          <a:prstGeom prst="rect">
+            <a:avLst/>
+          </a:prstGeom>
+          <a:noFill/>
+          <a:ln w="22225">
+            <a:solidFill>
+              <a:srgbClr val="FF0000"/>
+            </a:solidFill>
+          </a:ln>
+        </p:spPr>
+        <p:txBody>
+          <a:bodyPr wrap="square" rtlCol="0">
+            <a:spAutoFit/>
+          </a:bodyPr>
+          <a:lstStyle/>
+          <a:p>
+            <a:endParaRPr lang="zh-CN" altLang="en-US" dirty="0"/>
+          </a:p>
+        </p:txBody>
+      </p:sp>
+      <p:sp>
+        <p:nvSpPr>
+          <p:cNvPr id="21" name="TextBox 20"/>
+          <p:cNvSpPr txBox="1"/>
+          <p:nvPr/>
+        </p:nvSpPr>
+        <p:spPr>
+          <a:xfrm>
+            <a:off x="288072" y="2636912"/>
+            <a:ext cx="2987824" cy="646331"/>
+          </a:xfrm>
+          <a:prstGeom prst="rect">
+            <a:avLst/>
+          </a:prstGeom>
+          <a:noFill/>
+        </p:spPr>
+        <p:txBody>
+          <a:bodyPr wrap="square" rtlCol="0">
+            <a:spAutoFit/>
+          </a:bodyPr>
+          <a:lstStyle/>
+          <a:p>
+            <a:r>
+              <a:rPr lang="zh-CN" altLang="en-US" dirty="0" smtClean="0">
+                <a:solidFill>
+                  <a:srgbClr val="FF0000"/>
+                </a:solidFill>
+              </a:rPr>
+              <a:t>注意：每次只能选择一行，一列或一个单元格</a:t>
+            </a:r>
+            <a:endParaRPr lang="zh-CN" altLang="en-US" dirty="0">
+              <a:solidFill>
+                <a:srgbClr val="FF0000"/>
+              </a:solidFill>
+            </a:endParaRPr>
+          </a:p>
+        </p:txBody>
+      </p:sp>
+      <p:pic>
+        <p:nvPicPr>
+          <p:cNvPr id="22" name="图片 21"/>
+          <p:cNvPicPr>
+            <a:picLocks noChangeAspect="1"/>
+          </p:cNvPicPr>
+          <p:nvPr/>
+        </p:nvPicPr>
+        <p:blipFill>
+          <a:blip r:embed="rId5">
+            <a:extLst>
+              <a:ext uri="{28A0092B-C50C-407E-A947-70E740481C1C}">
+                <a14:useLocalDpi xmlns:a14="http://schemas.microsoft.com/office/drawing/2010/main" val="0"/>
+              </a:ext>
+            </a:extLst>
+          </a:blip>
+          <a:stretch>
+            <a:fillRect/>
+          </a:stretch>
+        </p:blipFill>
+        <p:spPr>
+          <a:xfrm>
+            <a:off x="5951500" y="4285666"/>
+            <a:ext cx="3048000" cy="1400175"/>
+          </a:xfrm>
+          <a:prstGeom prst="rect">
+            <a:avLst/>
+          </a:prstGeom>
+        </p:spPr>
+      </p:pic>
+      <p:sp>
+        <p:nvSpPr>
+          <p:cNvPr id="23" name="下箭头 22"/>
+          <p:cNvSpPr/>
+          <p:nvPr/>
+        </p:nvSpPr>
+        <p:spPr>
+          <a:xfrm>
+            <a:off x="7138640" y="2492896"/>
+            <a:ext cx="673720" cy="1080120"/>
+          </a:xfrm>
+          <a:prstGeom prst="downArrow">
+            <a:avLst/>
+          </a:prstGeom>
+        </p:spPr>
+        <p:style>
+          <a:lnRef idx="2">
+            <a:schemeClr val="accent1">
+              <a:shade val="50000"/>
+            </a:schemeClr>
+          </a:lnRef>
+          <a:fillRef idx="1">
+            <a:schemeClr val="accent1"/>
+          </a:fillRef>
+          <a:effectRef idx="0">
+            <a:schemeClr val="accent1"/>
+          </a:effectRef>
+          <a:fontRef idx="minor">
+            <a:schemeClr val="lt1"/>
+          </a:fontRef>
+        </p:style>
+        <p:txBody>
+          <a:bodyPr rtlCol="0" anchor="ctr"/>
+          <a:lstStyle/>
+          <a:p>
+            <a:pPr algn="ctr"/>
+            <a:endParaRPr lang="zh-CN" altLang="en-US"/>
+          </a:p>
+        </p:txBody>
+      </p:sp>
+      <p:sp>
+        <p:nvSpPr>
+          <p:cNvPr id="24" name="TextBox 23"/>
+          <p:cNvSpPr txBox="1"/>
+          <p:nvPr/>
+        </p:nvSpPr>
+        <p:spPr>
+          <a:xfrm>
+            <a:off x="179512" y="1052736"/>
+            <a:ext cx="591179" cy="252000"/>
+          </a:xfrm>
+          <a:prstGeom prst="rect">
+            <a:avLst/>
+          </a:prstGeom>
+          <a:noFill/>
+          <a:ln w="22225">
+            <a:solidFill>
+              <a:srgbClr val="FF0000"/>
+            </a:solidFill>
+          </a:ln>
+        </p:spPr>
+        <p:txBody>
+          <a:bodyPr wrap="square" rtlCol="0">
+            <a:spAutoFit/>
+          </a:bodyPr>
+          <a:lstStyle/>
+          <a:p>
+            <a:endParaRPr lang="zh-CN" altLang="en-US" dirty="0"/>
+          </a:p>
+        </p:txBody>
+      </p:sp>
+    </p:spTree>
+    <p:extLst>
+      <p:ext uri="{BB962C8B-B14F-4D97-AF65-F5344CB8AC3E}">
+        <p14:creationId xmlns:p14="http://schemas.microsoft.com/office/powerpoint/2010/main" val="2472585194"/>
+      </p:ext>
+    </p:extLst>
+  </p:cSld>
+  <p:clrMapOvr>
+    <a:masterClrMapping/>
+  </p:clrMapOvr>
+  <p:timing>
+    <p:tnLst>
+      <p:par>
+        <p:cTn id="1" dur="indefinite" restart="never" nodeType="tmRoot">
+          <p:childTnLst>
+            <p:seq concurrent="1" nextAc="seek">
+              <p:cTn id="2" dur="indefinite" nodeType="mainSeq">
+                <p:childTnLst>
+                  <p:par>
+                    <p:cTn id="3" fill="hold">
+                      <p:stCondLst>
+                        <p:cond delay="indefinite"/>
+                      </p:stCondLst>
+                      <p:childTnLst>
+                        <p:par>
+                          <p:cTn id="4" fill="hold">
+                            <p:stCondLst>
+                              <p:cond delay="0"/>
+                            </p:stCondLst>
+                            <p:childTnLst>
+                              <p:par>
+                                <p:cTn id="5" presetID="10" presetClass="entr" presetSubtype="0" fill="hold" nodeType="clickEffect">
+                                  <p:stCondLst>
+                                    <p:cond delay="0"/>
+                                  </p:stCondLst>
+                                  <p:childTnLst>
+                                    <p:set>
+                                      <p:cBhvr>
+                                        <p:cTn id="6" dur="1" fill="hold">
+                                          <p:stCondLst>
+                                            <p:cond delay="0"/>
+                                          </p:stCondLst>
+                                        </p:cTn>
+                                        <p:tgtEl>
+                                          <p:spTgt spid="2"/>
+                                        </p:tgtEl>
+                                        <p:attrNameLst>
+                                          <p:attrName>style.visibility</p:attrName>
+                                        </p:attrNameLst>
+                                      </p:cBhvr>
+                                      <p:to>
+                                        <p:strVal val="visible"/>
+                                      </p:to>
+                                    </p:set>
+                                    <p:animEffect transition="in" filter="fade">
+                                      <p:cBhvr>
+                                        <p:cTn id="7" dur="500"/>
+                                        <p:tgtEl>
+                                          <p:spTgt spid="2"/>
+                                        </p:tgtEl>
+                                      </p:cBhvr>
+                                    </p:animEffect>
+                                  </p:childTnLst>
+                                </p:cTn>
+                              </p:par>
+                            </p:childTnLst>
+                          </p:cTn>
+                        </p:par>
+                      </p:childTnLst>
+                    </p:cTn>
+                  </p:par>
+                  <p:par>
+                    <p:cTn id="8" fill="hold">
+                      <p:stCondLst>
+                        <p:cond delay="indefinite"/>
+                      </p:stCondLst>
+                      <p:childTnLst>
+                        <p:par>
+                          <p:cTn id="9" fill="hold">
+                            <p:stCondLst>
+                              <p:cond delay="0"/>
+                            </p:stCondLst>
+                            <p:childTnLst>
+                              <p:par>
+                                <p:cTn id="10" presetID="10" presetClass="entr" presetSubtype="0" fill="hold" grpId="0" nodeType="clickEffect">
+                                  <p:stCondLst>
+                                    <p:cond delay="0"/>
+                                  </p:stCondLst>
+                                  <p:childTnLst>
+                                    <p:set>
+                                      <p:cBhvr>
+                                        <p:cTn id="11" dur="1" fill="hold">
+                                          <p:stCondLst>
+                                            <p:cond delay="0"/>
+                                          </p:stCondLst>
+                                        </p:cTn>
+                                        <p:tgtEl>
+                                          <p:spTgt spid="5"/>
+                                        </p:tgtEl>
+                                        <p:attrNameLst>
+                                          <p:attrName>style.visibility</p:attrName>
+                                        </p:attrNameLst>
+                                      </p:cBhvr>
+                                      <p:to>
+                                        <p:strVal val="visible"/>
+                                      </p:to>
+                                    </p:set>
+                                    <p:animEffect transition="in" filter="fade">
+                                      <p:cBhvr>
+                                        <p:cTn id="12" dur="500"/>
+                                        <p:tgtEl>
+                                          <p:spTgt spid="5"/>
+                                        </p:tgtEl>
+                                      </p:cBhvr>
+                                    </p:animEffect>
+                                  </p:childTnLst>
+                                </p:cTn>
+                              </p:par>
+                            </p:childTnLst>
+                          </p:cTn>
+                        </p:par>
+                      </p:childTnLst>
+                    </p:cTn>
+                  </p:par>
+                  <p:par>
+                    <p:cTn id="13" fill="hold">
+                      <p:stCondLst>
+                        <p:cond delay="indefinite"/>
+                      </p:stCondLst>
+                      <p:childTnLst>
+                        <p:par>
+                          <p:cTn id="14" fill="hold">
+                            <p:stCondLst>
+                              <p:cond delay="0"/>
+                            </p:stCondLst>
+                            <p:childTnLst>
+                              <p:par>
+                                <p:cTn id="15" presetID="1" presetClass="entr" presetSubtype="0" fill="hold" grpId="0" nodeType="clickEffect">
+                                  <p:stCondLst>
+                                    <p:cond delay="0"/>
+                                  </p:stCondLst>
+                                  <p:childTnLst>
+                                    <p:set>
+                                      <p:cBhvr>
+                                        <p:cTn id="16" dur="1" fill="hold">
+                                          <p:stCondLst>
+                                            <p:cond delay="0"/>
+                                          </p:stCondLst>
+                                        </p:cTn>
+                                        <p:tgtEl>
+                                          <p:spTgt spid="24"/>
+                                        </p:tgtEl>
+                                        <p:attrNameLst>
+                                          <p:attrName>style.visibility</p:attrName>
+                                        </p:attrNameLst>
+                                      </p:cBhvr>
+                                      <p:to>
+                                        <p:strVal val="visible"/>
+                                      </p:to>
+                                    </p:set>
+                                  </p:childTnLst>
+                                </p:cTn>
+                              </p:par>
+                            </p:childTnLst>
+                          </p:cTn>
+                        </p:par>
+                      </p:childTnLst>
+                    </p:cTn>
+                  </p:par>
+                  <p:par>
+                    <p:cTn id="17" fill="hold">
+                      <p:stCondLst>
+                        <p:cond delay="indefinite"/>
+                      </p:stCondLst>
+                      <p:childTnLst>
+                        <p:par>
+                          <p:cTn id="18" fill="hold">
+                            <p:stCondLst>
+                              <p:cond delay="0"/>
+                            </p:stCondLst>
+                            <p:childTnLst>
+                              <p:par>
+                                <p:cTn id="19" presetID="10" presetClass="entr" presetSubtype="0" fill="hold" grpId="0" nodeType="clickEffect">
+                                  <p:stCondLst>
+                                    <p:cond delay="0"/>
+                                  </p:stCondLst>
+                                  <p:childTnLst>
+                                    <p:set>
+                                      <p:cBhvr>
+                                        <p:cTn id="20" dur="1" fill="hold">
+                                          <p:stCondLst>
+                                            <p:cond delay="0"/>
+                                          </p:stCondLst>
+                                        </p:cTn>
+                                        <p:tgtEl>
+                                          <p:spTgt spid="4"/>
+                                        </p:tgtEl>
+                                        <p:attrNameLst>
+                                          <p:attrName>style.visibility</p:attrName>
+                                        </p:attrNameLst>
+                                      </p:cBhvr>
+                                      <p:to>
+                                        <p:strVal val="visible"/>
+                                      </p:to>
+                                    </p:set>
+                                    <p:animEffect transition="in" filter="fade">
+                                      <p:cBhvr>
+                                        <p:cTn id="21" dur="500"/>
+                                        <p:tgtEl>
+                                          <p:spTgt spid="4"/>
+                                        </p:tgtEl>
+                                      </p:cBhvr>
+                                    </p:animEffect>
+                                  </p:childTnLst>
+                                </p:cTn>
+                              </p:par>
+                            </p:childTnLst>
+                          </p:cTn>
+                        </p:par>
+                      </p:childTnLst>
+                    </p:cTn>
+                  </p:par>
+                  <p:par>
+                    <p:cTn id="22" fill="hold">
+                      <p:stCondLst>
+                        <p:cond delay="indefinite"/>
+                      </p:stCondLst>
+                      <p:childTnLst>
+                        <p:par>
+                          <p:cTn id="23" fill="hold">
+                            <p:stCondLst>
+                              <p:cond delay="0"/>
+                            </p:stCondLst>
+                            <p:childTnLst>
+                              <p:par>
+                                <p:cTn id="24" presetID="10" presetClass="entr" presetSubtype="0" fill="hold" nodeType="clickEffect">
+                                  <p:stCondLst>
+                                    <p:cond delay="0"/>
+                                  </p:stCondLst>
+                                  <p:childTnLst>
+                                    <p:set>
+                                      <p:cBhvr>
+                                        <p:cTn id="25" dur="1" fill="hold">
+                                          <p:stCondLst>
+                                            <p:cond delay="0"/>
+                                          </p:stCondLst>
+                                        </p:cTn>
+                                        <p:tgtEl>
+                                          <p:spTgt spid="3"/>
+                                        </p:tgtEl>
+                                        <p:attrNameLst>
+                                          <p:attrName>style.visibility</p:attrName>
+                                        </p:attrNameLst>
+                                      </p:cBhvr>
+                                      <p:to>
+                                        <p:strVal val="visible"/>
+                                      </p:to>
+                                    </p:set>
+                                    <p:animEffect transition="in" filter="fade">
+                                      <p:cBhvr>
+                                        <p:cTn id="26" dur="500"/>
+                                        <p:tgtEl>
+                                          <p:spTgt spid="3"/>
+                                        </p:tgtEl>
+                                      </p:cBhvr>
+                                    </p:animEffect>
+                                  </p:childTnLst>
+                                </p:cTn>
+                              </p:par>
+                            </p:childTnLst>
+                          </p:cTn>
+                        </p:par>
+                      </p:childTnLst>
+                    </p:cTn>
+                  </p:par>
+                  <p:par>
+                    <p:cTn id="27" fill="hold">
+                      <p:stCondLst>
+                        <p:cond delay="indefinite"/>
+                      </p:stCondLst>
+                      <p:childTnLst>
+                        <p:par>
+                          <p:cTn id="28" fill="hold">
+                            <p:stCondLst>
+                              <p:cond delay="0"/>
+                            </p:stCondLst>
+                            <p:childTnLst>
+                              <p:par>
+                                <p:cTn id="29" presetID="10" presetClass="entr" presetSubtype="0" fill="hold" grpId="0" nodeType="clickEffect">
+                                  <p:stCondLst>
+                                    <p:cond delay="0"/>
+                                  </p:stCondLst>
+                                  <p:childTnLst>
+                                    <p:set>
+                                      <p:cBhvr>
+                                        <p:cTn id="30" dur="1" fill="hold">
+                                          <p:stCondLst>
+                                            <p:cond delay="0"/>
+                                          </p:stCondLst>
+                                        </p:cTn>
+                                        <p:tgtEl>
+                                          <p:spTgt spid="7"/>
+                                        </p:tgtEl>
+                                        <p:attrNameLst>
+                                          <p:attrName>style.visibility</p:attrName>
+                                        </p:attrNameLst>
+                                      </p:cBhvr>
+                                      <p:to>
+                                        <p:strVal val="visible"/>
+                                      </p:to>
+                                    </p:set>
+                                    <p:animEffect transition="in" filter="fade">
+                                      <p:cBhvr>
+                                        <p:cTn id="31" dur="500"/>
+                                        <p:tgtEl>
+                                          <p:spTgt spid="7"/>
+                                        </p:tgtEl>
+                                      </p:cBhvr>
+                                    </p:animEffect>
+                                  </p:childTnLst>
+                                </p:cTn>
+                              </p:par>
+                            </p:childTnLst>
+                          </p:cTn>
+                        </p:par>
+                      </p:childTnLst>
+                    </p:cTn>
+                  </p:par>
+                  <p:par>
+                    <p:cTn id="32" fill="hold">
+                      <p:stCondLst>
+                        <p:cond delay="indefinite"/>
+                      </p:stCondLst>
+                      <p:childTnLst>
+                        <p:par>
+                          <p:cTn id="33" fill="hold">
+                            <p:stCondLst>
+                              <p:cond delay="0"/>
+                            </p:stCondLst>
+                            <p:childTnLst>
+                              <p:par>
+                                <p:cTn id="34" presetID="10" presetClass="entr" presetSubtype="0" fill="hold" nodeType="clickEffect">
+                                  <p:stCondLst>
+                                    <p:cond delay="0"/>
+                                  </p:stCondLst>
+                                  <p:childTnLst>
+                                    <p:set>
+                                      <p:cBhvr>
+                                        <p:cTn id="35" dur="1" fill="hold">
+                                          <p:stCondLst>
+                                            <p:cond delay="0"/>
+                                          </p:stCondLst>
+                                        </p:cTn>
+                                        <p:tgtEl>
+                                          <p:spTgt spid="11"/>
+                                        </p:tgtEl>
+                                        <p:attrNameLst>
+                                          <p:attrName>style.visibility</p:attrName>
+                                        </p:attrNameLst>
+                                      </p:cBhvr>
+                                      <p:to>
+                                        <p:strVal val="visible"/>
+                                      </p:to>
+                                    </p:set>
+                                    <p:animEffect transition="in" filter="fade">
+                                      <p:cBhvr>
+                                        <p:cTn id="36" dur="500"/>
+                                        <p:tgtEl>
+                                          <p:spTgt spid="11"/>
+                                        </p:tgtEl>
+                                      </p:cBhvr>
+                                    </p:animEffect>
+                                  </p:childTnLst>
+                                </p:cTn>
+                              </p:par>
+                            </p:childTnLst>
+                          </p:cTn>
+                        </p:par>
+                      </p:childTnLst>
+                    </p:cTn>
+                  </p:par>
+                  <p:par>
+                    <p:cTn id="37" fill="hold">
+                      <p:stCondLst>
+                        <p:cond delay="indefinite"/>
+                      </p:stCondLst>
+                      <p:childTnLst>
+                        <p:par>
+                          <p:cTn id="38" fill="hold">
+                            <p:stCondLst>
+                              <p:cond delay="0"/>
+                            </p:stCondLst>
+                            <p:childTnLst>
+                              <p:par>
+                                <p:cTn id="39" presetID="10" presetClass="entr" presetSubtype="0" fill="hold" grpId="0" nodeType="clickEffect">
+                                  <p:stCondLst>
+                                    <p:cond delay="0"/>
+                                  </p:stCondLst>
+                                  <p:childTnLst>
+                                    <p:set>
+                                      <p:cBhvr>
+                                        <p:cTn id="40" dur="1" fill="hold">
+                                          <p:stCondLst>
+                                            <p:cond delay="0"/>
+                                          </p:stCondLst>
+                                        </p:cTn>
+                                        <p:tgtEl>
+                                          <p:spTgt spid="21"/>
+                                        </p:tgtEl>
+                                        <p:attrNameLst>
+                                          <p:attrName>style.visibility</p:attrName>
+                                        </p:attrNameLst>
+                                      </p:cBhvr>
+                                      <p:to>
+                                        <p:strVal val="visible"/>
+                                      </p:to>
+                                    </p:set>
+                                    <p:animEffect transition="in" filter="fade">
+                                      <p:cBhvr>
+                                        <p:cTn id="41" dur="500"/>
+                                        <p:tgtEl>
+                                          <p:spTgt spid="21"/>
+                                        </p:tgtEl>
+                                      </p:cBhvr>
+                                    </p:animEffect>
+                                  </p:childTnLst>
+                                </p:cTn>
+                              </p:par>
+                            </p:childTnLst>
+                          </p:cTn>
+                        </p:par>
+                      </p:childTnLst>
+                    </p:cTn>
+                  </p:par>
+                  <p:par>
+                    <p:cTn id="42" fill="hold">
+                      <p:stCondLst>
+                        <p:cond delay="indefinite"/>
+                      </p:stCondLst>
+                      <p:childTnLst>
+                        <p:par>
+                          <p:cTn id="43" fill="hold">
+                            <p:stCondLst>
+                              <p:cond delay="0"/>
+                            </p:stCondLst>
+                            <p:childTnLst>
+                              <p:par>
+                                <p:cTn id="44" presetID="10" presetClass="entr" presetSubtype="0" fill="hold" nodeType="clickEffect">
+                                  <p:stCondLst>
+                                    <p:cond delay="0"/>
+                                  </p:stCondLst>
+                                  <p:childTnLst>
+                                    <p:set>
+                                      <p:cBhvr>
+                                        <p:cTn id="45" dur="1" fill="hold">
+                                          <p:stCondLst>
+                                            <p:cond delay="0"/>
+                                          </p:stCondLst>
+                                        </p:cTn>
+                                        <p:tgtEl>
+                                          <p:spTgt spid="10"/>
+                                        </p:tgtEl>
+                                        <p:attrNameLst>
+                                          <p:attrName>style.visibility</p:attrName>
+                                        </p:attrNameLst>
+                                      </p:cBhvr>
+                                      <p:to>
+                                        <p:strVal val="visible"/>
+                                      </p:to>
+                                    </p:set>
+                                    <p:animEffect transition="in" filter="fade">
+                                      <p:cBhvr>
+                                        <p:cTn id="46" dur="500"/>
+                                        <p:tgtEl>
+                                          <p:spTgt spid="10"/>
+                                        </p:tgtEl>
+                                      </p:cBhvr>
+                                    </p:animEffect>
+                                  </p:childTnLst>
+                                </p:cTn>
+                              </p:par>
+                            </p:childTnLst>
+                          </p:cTn>
+                        </p:par>
+                      </p:childTnLst>
+                    </p:cTn>
+                  </p:par>
+                  <p:par>
+                    <p:cTn id="47" fill="hold">
+                      <p:stCondLst>
+                        <p:cond delay="indefinite"/>
+                      </p:stCondLst>
+                      <p:childTnLst>
+                        <p:par>
+                          <p:cTn id="48" fill="hold">
+                            <p:stCondLst>
+                              <p:cond delay="0"/>
+                            </p:stCondLst>
+                            <p:childTnLst>
+                              <p:par>
+                                <p:cTn id="49" presetID="1" presetClass="entr" presetSubtype="0" fill="hold" grpId="0" nodeType="clickEffect">
+                                  <p:stCondLst>
+                                    <p:cond delay="0"/>
+                                  </p:stCondLst>
+                                  <p:childTnLst>
+                                    <p:set>
+                                      <p:cBhvr>
+                                        <p:cTn id="50" dur="1" fill="hold">
+                                          <p:stCondLst>
+                                            <p:cond delay="0"/>
+                                          </p:stCondLst>
+                                        </p:cTn>
+                                        <p:tgtEl>
+                                          <p:spTgt spid="19"/>
+                                        </p:tgtEl>
+                                        <p:attrNameLst>
+                                          <p:attrName>style.visibility</p:attrName>
+                                        </p:attrNameLst>
+                                      </p:cBhvr>
+                                      <p:to>
+                                        <p:strVal val="visible"/>
+                                      </p:to>
+                                    </p:set>
+                                  </p:childTnLst>
+                                </p:cTn>
+                              </p:par>
+                            </p:childTnLst>
+                          </p:cTn>
+                        </p:par>
+                      </p:childTnLst>
+                    </p:cTn>
+                  </p:par>
+                  <p:par>
+                    <p:cTn id="51" fill="hold">
+                      <p:stCondLst>
+                        <p:cond delay="indefinite"/>
+                      </p:stCondLst>
+                      <p:childTnLst>
+                        <p:par>
+                          <p:cTn id="52" fill="hold">
+                            <p:stCondLst>
+                              <p:cond delay="0"/>
+                            </p:stCondLst>
+                            <p:childTnLst>
+                              <p:par>
+                                <p:cTn id="53" presetID="10" presetClass="entr" presetSubtype="0" fill="hold" grpId="0" nodeType="clickEffect">
+                                  <p:stCondLst>
+                                    <p:cond delay="0"/>
+                                  </p:stCondLst>
+                                  <p:childTnLst>
+                                    <p:set>
+                                      <p:cBhvr>
+                                        <p:cTn id="54" dur="1" fill="hold">
+                                          <p:stCondLst>
+                                            <p:cond delay="0"/>
+                                          </p:stCondLst>
+                                        </p:cTn>
+                                        <p:tgtEl>
+                                          <p:spTgt spid="8"/>
+                                        </p:tgtEl>
+                                        <p:attrNameLst>
+                                          <p:attrName>style.visibility</p:attrName>
+                                        </p:attrNameLst>
+                                      </p:cBhvr>
+                                      <p:to>
+                                        <p:strVal val="visible"/>
+                                      </p:to>
+                                    </p:set>
+                                    <p:animEffect transition="in" filter="fade">
+                                      <p:cBhvr>
+                                        <p:cTn id="55" dur="500"/>
+                                        <p:tgtEl>
+                                          <p:spTgt spid="8"/>
+                                        </p:tgtEl>
+                                      </p:cBhvr>
+                                    </p:animEffect>
+                                  </p:childTnLst>
+                                </p:cTn>
+                              </p:par>
+                            </p:childTnLst>
+                          </p:cTn>
+                        </p:par>
+                      </p:childTnLst>
+                    </p:cTn>
+                  </p:par>
+                  <p:par>
+                    <p:cTn id="56" fill="hold">
+                      <p:stCondLst>
+                        <p:cond delay="indefinite"/>
+                      </p:stCondLst>
+                      <p:childTnLst>
+                        <p:par>
+                          <p:cTn id="57" fill="hold">
+                            <p:stCondLst>
+                              <p:cond delay="0"/>
+                            </p:stCondLst>
+                            <p:childTnLst>
+                              <p:par>
+                                <p:cTn id="58" presetID="10" presetClass="entr" presetSubtype="0" fill="hold" nodeType="clickEffect">
+                                  <p:stCondLst>
+                                    <p:cond delay="0"/>
+                                  </p:stCondLst>
+                                  <p:childTnLst>
+                                    <p:set>
+                                      <p:cBhvr>
+                                        <p:cTn id="59" dur="1" fill="hold">
+                                          <p:stCondLst>
+                                            <p:cond delay="0"/>
+                                          </p:stCondLst>
+                                        </p:cTn>
+                                        <p:tgtEl>
+                                          <p:spTgt spid="16"/>
+                                        </p:tgtEl>
+                                        <p:attrNameLst>
+                                          <p:attrName>style.visibility</p:attrName>
+                                        </p:attrNameLst>
+                                      </p:cBhvr>
+                                      <p:to>
+                                        <p:strVal val="visible"/>
+                                      </p:to>
+                                    </p:set>
+                                    <p:animEffect transition="in" filter="fade">
+                                      <p:cBhvr>
+                                        <p:cTn id="60" dur="500"/>
+                                        <p:tgtEl>
+                                          <p:spTgt spid="16"/>
+                                        </p:tgtEl>
+                                      </p:cBhvr>
+                                    </p:animEffect>
+                                  </p:childTnLst>
+                                </p:cTn>
+                              </p:par>
+                            </p:childTnLst>
+                          </p:cTn>
+                        </p:par>
+                      </p:childTnLst>
+                    </p:cTn>
+                  </p:par>
+                  <p:par>
+                    <p:cTn id="61" fill="hold">
+                      <p:stCondLst>
+                        <p:cond delay="indefinite"/>
+                      </p:stCondLst>
+                      <p:childTnLst>
+                        <p:par>
+                          <p:cTn id="62" fill="hold">
+                            <p:stCondLst>
+                              <p:cond delay="0"/>
+                            </p:stCondLst>
+                            <p:childTnLst>
+                              <p:par>
+                                <p:cTn id="63" presetID="10" presetClass="entr" presetSubtype="0" fill="hold" grpId="0" nodeType="clickEffect">
+                                  <p:stCondLst>
+                                    <p:cond delay="0"/>
+                                  </p:stCondLst>
+                                  <p:childTnLst>
+                                    <p:set>
+                                      <p:cBhvr>
+                                        <p:cTn id="64" dur="1" fill="hold">
+                                          <p:stCondLst>
+                                            <p:cond delay="0"/>
+                                          </p:stCondLst>
+                                        </p:cTn>
+                                        <p:tgtEl>
+                                          <p:spTgt spid="20"/>
+                                        </p:tgtEl>
+                                        <p:attrNameLst>
+                                          <p:attrName>style.visibility</p:attrName>
+                                        </p:attrNameLst>
+                                      </p:cBhvr>
+                                      <p:to>
+                                        <p:strVal val="visible"/>
+                                      </p:to>
+                                    </p:set>
+                                    <p:animEffect transition="in" filter="fade">
+                                      <p:cBhvr>
+                                        <p:cTn id="65" dur="500"/>
+                                        <p:tgtEl>
+                                          <p:spTgt spid="20"/>
+                                        </p:tgtEl>
+                                      </p:cBhvr>
+                                    </p:animEffect>
+                                  </p:childTnLst>
+                                </p:cTn>
+                              </p:par>
+                            </p:childTnLst>
+                          </p:cTn>
+                        </p:par>
+                      </p:childTnLst>
+                    </p:cTn>
+                  </p:par>
+                  <p:par>
+                    <p:cTn id="66" fill="hold">
+                      <p:stCondLst>
+                        <p:cond delay="indefinite"/>
+                      </p:stCondLst>
+                      <p:childTnLst>
+                        <p:par>
+                          <p:cTn id="67" fill="hold">
+                            <p:stCondLst>
+                              <p:cond delay="0"/>
+                            </p:stCondLst>
+                            <p:childTnLst>
+                              <p:par>
+                                <p:cTn id="68" presetID="10" presetClass="entr" presetSubtype="0" fill="hold" grpId="0" nodeType="clickEffect">
+                                  <p:stCondLst>
+                                    <p:cond delay="0"/>
+                                  </p:stCondLst>
+                                  <p:childTnLst>
+                                    <p:set>
+                                      <p:cBhvr>
+                                        <p:cTn id="69" dur="1" fill="hold">
+                                          <p:stCondLst>
+                                            <p:cond delay="0"/>
+                                          </p:stCondLst>
+                                        </p:cTn>
+                                        <p:tgtEl>
+                                          <p:spTgt spid="23"/>
+                                        </p:tgtEl>
+                                        <p:attrNameLst>
+                                          <p:attrName>style.visibility</p:attrName>
+                                        </p:attrNameLst>
+                                      </p:cBhvr>
+                                      <p:to>
+                                        <p:strVal val="visible"/>
+                                      </p:to>
+                                    </p:set>
+                                    <p:animEffect transition="in" filter="fade">
+                                      <p:cBhvr>
+                                        <p:cTn id="70" dur="500"/>
+                                        <p:tgtEl>
+                                          <p:spTgt spid="23"/>
+                                        </p:tgtEl>
+                                      </p:cBhvr>
+                                    </p:animEffect>
+                                  </p:childTnLst>
+                                </p:cTn>
+                              </p:par>
+                            </p:childTnLst>
+                          </p:cTn>
+                        </p:par>
+                      </p:childTnLst>
+                    </p:cTn>
+                  </p:par>
+                  <p:par>
+                    <p:cTn id="71" fill="hold">
+                      <p:stCondLst>
+                        <p:cond delay="indefinite"/>
+                      </p:stCondLst>
+                      <p:childTnLst>
+                        <p:par>
+                          <p:cTn id="72" fill="hold">
+                            <p:stCondLst>
+                              <p:cond delay="0"/>
+                            </p:stCondLst>
+                            <p:childTnLst>
+                              <p:par>
+                                <p:cTn id="73" presetID="10" presetClass="entr" presetSubtype="0" fill="hold" nodeType="clickEffect">
+                                  <p:stCondLst>
+                                    <p:cond delay="0"/>
+                                  </p:stCondLst>
+                                  <p:childTnLst>
+                                    <p:set>
+                                      <p:cBhvr>
+                                        <p:cTn id="74" dur="1" fill="hold">
+                                          <p:stCondLst>
+                                            <p:cond delay="0"/>
+                                          </p:stCondLst>
+                                        </p:cTn>
+                                        <p:tgtEl>
+                                          <p:spTgt spid="22"/>
+                                        </p:tgtEl>
+                                        <p:attrNameLst>
+                                          <p:attrName>style.visibility</p:attrName>
+                                        </p:attrNameLst>
+                                      </p:cBhvr>
+                                      <p:to>
+                                        <p:strVal val="visible"/>
+                                      </p:to>
+                                    </p:set>
+                                    <p:animEffect transition="in" filter="fade">
+                                      <p:cBhvr>
+                                        <p:cTn id="75" dur="500"/>
+                                        <p:tgtEl>
+                                          <p:spTgt spid="22"/>
+                                        </p:tgtEl>
+                                      </p:cBhvr>
+                                    </p:animEffect>
+                                  </p:childTnLst>
+                                </p:cTn>
+                              </p:par>
+                            </p:childTnLst>
+                          </p:cTn>
+                        </p:par>
+                      </p:childTnLst>
+                    </p:cTn>
+                  </p:par>
+                </p:childTnLst>
+              </p:cTn>
+              <p:prevCondLst>
+                <p:cond evt="onPrev" delay="0">
+                  <p:tgtEl>
+                    <p:sldTgt/>
+                  </p:tgtEl>
+                </p:cond>
+              </p:prevCondLst>
+              <p:nextCondLst>
+                <p:cond evt="onNext" delay="0">
+                  <p:tgtEl>
+                    <p:sldTgt/>
+                  </p:tgtEl>
+                </p:cond>
+              </p:nextCondLst>
+            </p:seq>
+          </p:childTnLst>
+        </p:cTn>
+      </p:par>
+    </p:tnLst>
+    <p:bldLst>
+      <p:bldP spid="4" grpId="0" animBg="1"/>
+      <p:bldP spid="5" grpId="0"/>
+      <p:bldP spid="7" grpId="0" animBg="1"/>
+      <p:bldP spid="8" grpId="0" animBg="1"/>
+      <p:bldP spid="19" grpId="0" animBg="1"/>
+      <p:bldP spid="20" grpId="0" animBg="1"/>
+      <p:bldP spid="21" grpId="0"/>
+      <p:bldP spid="23" grpId="0" animBg="1"/>
+      <p:bldP spid="24" grpId="0" animBg="1"/>
+    </p:bldLst>
+  </p:timing>
+</p:sld>
+</file>
+
+<file path=ppt/slides/slide13.xml><?xml version="1.0" encoding="utf-8"?>
+<p:sld xmlns:a="http://schemas.openxmlformats.org/drawingml/2006/main" xmlns:r="http://schemas.openxmlformats.org/officeDocument/2006/relationships" xmlns:p="http://schemas.openxmlformats.org/presentationml/2006/main">
+  <p:cSld>
+    <p:spTree>
+      <p:nvGrpSpPr>
+        <p:cNvPr id="1" name=""/>
+        <p:cNvGrpSpPr/>
+        <p:nvPr/>
+      </p:nvGrpSpPr>
+      <p:grpSpPr>
+        <a:xfrm>
+          <a:off x="0" y="0"/>
+          <a:ext cx="0" cy="0"/>
+          <a:chOff x="0" y="0"/>
+          <a:chExt cx="0" cy="0"/>
+        </a:xfrm>
+      </p:grpSpPr>
+      <p:pic>
+        <p:nvPicPr>
+          <p:cNvPr id="4" name="图片 3"/>
+          <p:cNvPicPr>
+            <a:picLocks noChangeAspect="1"/>
+          </p:cNvPicPr>
+          <p:nvPr/>
+        </p:nvPicPr>
+        <p:blipFill>
+          <a:blip r:embed="rId2">
+            <a:extLst>
+              <a:ext uri="{28A0092B-C50C-407E-A947-70E740481C1C}">
+                <a14:useLocalDpi xmlns:a14="http://schemas.microsoft.com/office/drawing/2010/main" val="0"/>
+              </a:ext>
+            </a:extLst>
+          </a:blip>
+          <a:stretch>
+            <a:fillRect/>
+          </a:stretch>
+        </p:blipFill>
+        <p:spPr>
+          <a:xfrm>
+            <a:off x="4104000" y="297053"/>
+            <a:ext cx="5040000" cy="2511600"/>
+          </a:xfrm>
+          <a:prstGeom prst="rect">
+            <a:avLst/>
+          </a:prstGeom>
+        </p:spPr>
+      </p:pic>
+      <p:sp>
+        <p:nvSpPr>
+          <p:cNvPr id="5" name="TextBox 4"/>
+          <p:cNvSpPr txBox="1"/>
+          <p:nvPr/>
+        </p:nvSpPr>
+        <p:spPr>
+          <a:xfrm>
+            <a:off x="467544" y="1073640"/>
+            <a:ext cx="2088232" cy="646331"/>
+          </a:xfrm>
+          <a:prstGeom prst="rect">
+            <a:avLst/>
+          </a:prstGeom>
+          <a:noFill/>
+        </p:spPr>
+        <p:txBody>
+          <a:bodyPr wrap="square" rtlCol="0">
+            <a:spAutoFit/>
+          </a:bodyPr>
+          <a:lstStyle/>
+          <a:p>
+            <a:r>
+              <a:rPr lang="zh-CN" altLang="en-US" dirty="0" smtClean="0"/>
+              <a:t>此时会多出鲁帆的数据系列</a:t>
+            </a:r>
+            <a:endParaRPr lang="zh-CN" altLang="en-US" dirty="0"/>
+          </a:p>
+        </p:txBody>
+      </p:sp>
+      <p:sp>
+        <p:nvSpPr>
+          <p:cNvPr id="6" name="TextBox 5"/>
+          <p:cNvSpPr txBox="1"/>
+          <p:nvPr/>
+        </p:nvSpPr>
+        <p:spPr>
+          <a:xfrm>
+            <a:off x="4104000" y="2060848"/>
+            <a:ext cx="612016" cy="369332"/>
+          </a:xfrm>
+          <a:prstGeom prst="rect">
+            <a:avLst/>
+          </a:prstGeom>
+          <a:noFill/>
+          <a:ln w="22225">
+            <a:solidFill>
+              <a:srgbClr val="FF0000"/>
+            </a:solidFill>
+          </a:ln>
+        </p:spPr>
+        <p:txBody>
+          <a:bodyPr wrap="square" rtlCol="0">
+            <a:spAutoFit/>
+          </a:bodyPr>
+          <a:lstStyle/>
+          <a:p>
+            <a:endParaRPr lang="zh-CN" altLang="en-US" dirty="0"/>
+          </a:p>
+        </p:txBody>
+      </p:sp>
+      <p:sp>
+        <p:nvSpPr>
+          <p:cNvPr id="7" name="右箭头 6"/>
+          <p:cNvSpPr/>
+          <p:nvPr/>
+        </p:nvSpPr>
+        <p:spPr>
+          <a:xfrm>
+            <a:off x="2915816" y="1196752"/>
+            <a:ext cx="720080" cy="356101"/>
+          </a:xfrm>
+          <a:prstGeom prst="rightArrow">
+            <a:avLst/>
+          </a:prstGeom>
+        </p:spPr>
+        <p:style>
+          <a:lnRef idx="2">
+            <a:schemeClr val="accent1">
+              <a:shade val="50000"/>
+            </a:schemeClr>
+          </a:lnRef>
+          <a:fillRef idx="1">
+            <a:schemeClr val="accent1"/>
+          </a:fillRef>
+          <a:effectRef idx="0">
+            <a:schemeClr val="accent1"/>
+          </a:effectRef>
+          <a:fontRef idx="minor">
+            <a:schemeClr val="lt1"/>
+          </a:fontRef>
+        </p:style>
+        <p:txBody>
+          <a:bodyPr rtlCol="0" anchor="ctr"/>
+          <a:lstStyle/>
+          <a:p>
+            <a:pPr algn="ctr"/>
+            <a:endParaRPr lang="zh-CN" altLang="en-US"/>
+          </a:p>
+        </p:txBody>
+      </p:sp>
+      <p:pic>
+        <p:nvPicPr>
+          <p:cNvPr id="8" name="内容占位符 3"/>
+          <p:cNvPicPr>
+            <a:picLocks noChangeAspect="1"/>
+          </p:cNvPicPr>
+          <p:nvPr/>
+        </p:nvPicPr>
+        <p:blipFill>
+          <a:blip r:embed="rId3">
+            <a:extLst>
+              <a:ext uri="{28A0092B-C50C-407E-A947-70E740481C1C}">
+                <a14:useLocalDpi xmlns:a14="http://schemas.microsoft.com/office/drawing/2010/main" val="0"/>
+              </a:ext>
+            </a:extLst>
+          </a:blip>
+          <a:stretch>
+            <a:fillRect/>
+          </a:stretch>
+        </p:blipFill>
+        <p:spPr>
+          <a:xfrm>
+            <a:off x="179512" y="3861048"/>
+            <a:ext cx="3960000" cy="2505457"/>
+          </a:xfrm>
+          <a:prstGeom prst="rect">
+            <a:avLst/>
+          </a:prstGeom>
+        </p:spPr>
+      </p:pic>
+      <p:sp>
+        <p:nvSpPr>
+          <p:cNvPr id="10" name="右箭头 9"/>
+          <p:cNvSpPr/>
+          <p:nvPr/>
+        </p:nvSpPr>
+        <p:spPr>
+          <a:xfrm>
+            <a:off x="4283968" y="4707956"/>
+            <a:ext cx="720080" cy="356101"/>
+          </a:xfrm>
+          <a:prstGeom prst="rightArrow">
+            <a:avLst/>
+          </a:prstGeom>
+        </p:spPr>
+        <p:style>
+          <a:lnRef idx="2">
+            <a:schemeClr val="accent1">
+              <a:shade val="50000"/>
+            </a:schemeClr>
+          </a:lnRef>
+          <a:fillRef idx="1">
+            <a:schemeClr val="accent1"/>
+          </a:fillRef>
+          <a:effectRef idx="0">
+            <a:schemeClr val="accent1"/>
+          </a:effectRef>
+          <a:fontRef idx="minor">
+            <a:schemeClr val="lt1"/>
+          </a:fontRef>
+        </p:style>
+        <p:txBody>
+          <a:bodyPr rtlCol="0" anchor="ctr"/>
+          <a:lstStyle/>
+          <a:p>
+            <a:pPr algn="ctr"/>
+            <a:endParaRPr lang="zh-CN" altLang="en-US"/>
+          </a:p>
+        </p:txBody>
+      </p:sp>
+      <p:pic>
+        <p:nvPicPr>
+          <p:cNvPr id="11" name="图片 10"/>
+          <p:cNvPicPr>
+            <a:picLocks noChangeAspect="1"/>
+          </p:cNvPicPr>
+          <p:nvPr/>
+        </p:nvPicPr>
+        <p:blipFill>
+          <a:blip r:embed="rId4">
+            <a:extLst>
+              <a:ext uri="{28A0092B-C50C-407E-A947-70E740481C1C}">
+                <a14:useLocalDpi xmlns:a14="http://schemas.microsoft.com/office/drawing/2010/main" val="0"/>
+              </a:ext>
+            </a:extLst>
+          </a:blip>
+          <a:stretch>
+            <a:fillRect/>
+          </a:stretch>
+        </p:blipFill>
+        <p:spPr>
+          <a:xfrm>
+            <a:off x="5076496" y="3873789"/>
+            <a:ext cx="3960000" cy="2333278"/>
+          </a:xfrm>
+          <a:prstGeom prst="rect">
+            <a:avLst/>
+          </a:prstGeom>
+        </p:spPr>
+      </p:pic>
+      <p:sp>
+        <p:nvSpPr>
+          <p:cNvPr id="12" name="TextBox 11"/>
+          <p:cNvSpPr txBox="1"/>
+          <p:nvPr/>
+        </p:nvSpPr>
+        <p:spPr>
+          <a:xfrm>
+            <a:off x="8316416" y="5229200"/>
+            <a:ext cx="612016" cy="369332"/>
+          </a:xfrm>
+          <a:prstGeom prst="rect">
+            <a:avLst/>
+          </a:prstGeom>
+          <a:noFill/>
+          <a:ln w="22225">
+            <a:solidFill>
+              <a:srgbClr val="FF0000"/>
+            </a:solidFill>
+          </a:ln>
+        </p:spPr>
+        <p:txBody>
+          <a:bodyPr wrap="square" rtlCol="0">
+            <a:spAutoFit/>
+          </a:bodyPr>
+          <a:lstStyle/>
+          <a:p>
+            <a:endParaRPr lang="zh-CN" altLang="en-US" dirty="0"/>
+          </a:p>
+        </p:txBody>
+      </p:sp>
+    </p:spTree>
+    <p:extLst>
+      <p:ext uri="{BB962C8B-B14F-4D97-AF65-F5344CB8AC3E}">
+        <p14:creationId xmlns:p14="http://schemas.microsoft.com/office/powerpoint/2010/main" val="3667779827"/>
+      </p:ext>
+    </p:extLst>
+  </p:cSld>
+  <p:clrMapOvr>
+    <a:masterClrMapping/>
+  </p:clrMapOvr>
+  <p:timing>
+    <p:tnLst>
+      <p:par>
+        <p:cTn id="1" dur="indefinite" restart="never" nodeType="tmRoot">
+          <p:childTnLst>
+            <p:seq concurrent="1" nextAc="seek">
+              <p:cTn id="2" dur="indefinite" nodeType="mainSeq">
+                <p:childTnLst>
+                  <p:par>
+                    <p:cTn id="3" fill="hold">
+                      <p:stCondLst>
+                        <p:cond delay="indefinite"/>
+                      </p:stCondLst>
+                      <p:childTnLst>
+                        <p:par>
+                          <p:cTn id="4" fill="hold">
+                            <p:stCondLst>
+                              <p:cond delay="0"/>
+                            </p:stCondLst>
+                            <p:childTnLst>
+                              <p:par>
+                                <p:cTn id="5" presetID="10" presetClass="entr" presetSubtype="0" fill="hold" grpId="0" nodeType="clickEffect">
+                                  <p:stCondLst>
+                                    <p:cond delay="0"/>
+                                  </p:stCondLst>
+                                  <p:childTnLst>
+                                    <p:set>
+                                      <p:cBhvr>
+                                        <p:cTn id="6" dur="1" fill="hold">
+                                          <p:stCondLst>
+                                            <p:cond delay="0"/>
+                                          </p:stCondLst>
+                                        </p:cTn>
+                                        <p:tgtEl>
+                                          <p:spTgt spid="7"/>
+                                        </p:tgtEl>
+                                        <p:attrNameLst>
+                                          <p:attrName>style.visibility</p:attrName>
+                                        </p:attrNameLst>
+                                      </p:cBhvr>
+                                      <p:to>
+                                        <p:strVal val="visible"/>
+                                      </p:to>
+                                    </p:set>
+                                    <p:animEffect transition="in" filter="fade">
+                                      <p:cBhvr>
+                                        <p:cTn id="7" dur="500"/>
+                                        <p:tgtEl>
+                                          <p:spTgt spid="7"/>
+                                        </p:tgtEl>
+                                      </p:cBhvr>
+                                    </p:animEffect>
+                                  </p:childTnLst>
+                                </p:cTn>
+                              </p:par>
+                            </p:childTnLst>
+                          </p:cTn>
+                        </p:par>
+                      </p:childTnLst>
+                    </p:cTn>
+                  </p:par>
+                  <p:par>
+                    <p:cTn id="8" fill="hold">
+                      <p:stCondLst>
+                        <p:cond delay="indefinite"/>
+                      </p:stCondLst>
+                      <p:childTnLst>
+                        <p:par>
+                          <p:cTn id="9" fill="hold">
+                            <p:stCondLst>
+                              <p:cond delay="0"/>
+                            </p:stCondLst>
+                            <p:childTnLst>
+                              <p:par>
+                                <p:cTn id="10" presetID="10" presetClass="entr" presetSubtype="0" fill="hold" nodeType="clickEffect">
+                                  <p:stCondLst>
+                                    <p:cond delay="0"/>
+                                  </p:stCondLst>
+                                  <p:childTnLst>
+                                    <p:set>
+                                      <p:cBhvr>
+                                        <p:cTn id="11" dur="1" fill="hold">
+                                          <p:stCondLst>
+                                            <p:cond delay="0"/>
+                                          </p:stCondLst>
+                                        </p:cTn>
+                                        <p:tgtEl>
+                                          <p:spTgt spid="4"/>
+                                        </p:tgtEl>
+                                        <p:attrNameLst>
+                                          <p:attrName>style.visibility</p:attrName>
+                                        </p:attrNameLst>
+                                      </p:cBhvr>
+                                      <p:to>
+                                        <p:strVal val="visible"/>
+                                      </p:to>
+                                    </p:set>
+                                    <p:animEffect transition="in" filter="fade">
+                                      <p:cBhvr>
+                                        <p:cTn id="12" dur="500"/>
+                                        <p:tgtEl>
+                                          <p:spTgt spid="4"/>
+                                        </p:tgtEl>
+                                      </p:cBhvr>
+                                    </p:animEffect>
+                                  </p:childTnLst>
+                                </p:cTn>
+                              </p:par>
+                            </p:childTnLst>
+                          </p:cTn>
+                        </p:par>
+                      </p:childTnLst>
+                    </p:cTn>
+                  </p:par>
+                  <p:par>
+                    <p:cTn id="13" fill="hold">
+                      <p:stCondLst>
+                        <p:cond delay="indefinite"/>
+                      </p:stCondLst>
+                      <p:childTnLst>
+                        <p:par>
+                          <p:cTn id="14" fill="hold">
+                            <p:stCondLst>
+                              <p:cond delay="0"/>
+                            </p:stCondLst>
+                            <p:childTnLst>
+                              <p:par>
+                                <p:cTn id="15" presetID="10" presetClass="entr" presetSubtype="0" fill="hold" grpId="0" nodeType="clickEffect">
+                                  <p:stCondLst>
+                                    <p:cond delay="0"/>
+                                  </p:stCondLst>
+                                  <p:childTnLst>
+                                    <p:set>
+                                      <p:cBhvr>
+                                        <p:cTn id="16" dur="1" fill="hold">
+                                          <p:stCondLst>
+                                            <p:cond delay="0"/>
+                                          </p:stCondLst>
+                                        </p:cTn>
+                                        <p:tgtEl>
+                                          <p:spTgt spid="6"/>
+                                        </p:tgtEl>
+                                        <p:attrNameLst>
+                                          <p:attrName>style.visibility</p:attrName>
+                                        </p:attrNameLst>
+                                      </p:cBhvr>
+                                      <p:to>
+                                        <p:strVal val="visible"/>
+                                      </p:to>
+                                    </p:set>
+                                    <p:animEffect transition="in" filter="fade">
+                                      <p:cBhvr>
+                                        <p:cTn id="17" dur="500"/>
+                                        <p:tgtEl>
+                                          <p:spTgt spid="6"/>
+                                        </p:tgtEl>
+                                      </p:cBhvr>
+                                    </p:animEffect>
+                                  </p:childTnLst>
+                                </p:cTn>
+                              </p:par>
+                            </p:childTnLst>
+                          </p:cTn>
+                        </p:par>
+                      </p:childTnLst>
+                    </p:cTn>
+                  </p:par>
+                  <p:par>
+                    <p:cTn id="18" fill="hold">
+                      <p:stCondLst>
+                        <p:cond delay="indefinite"/>
+                      </p:stCondLst>
+                      <p:childTnLst>
+                        <p:par>
+                          <p:cTn id="19" fill="hold">
+                            <p:stCondLst>
+                              <p:cond delay="0"/>
+                            </p:stCondLst>
+                            <p:childTnLst>
+                              <p:par>
+                                <p:cTn id="20" presetID="10" presetClass="entr" presetSubtype="0" fill="hold" nodeType="clickEffect">
+                                  <p:stCondLst>
+                                    <p:cond delay="0"/>
+                                  </p:stCondLst>
+                                  <p:childTnLst>
+                                    <p:set>
+                                      <p:cBhvr>
+                                        <p:cTn id="21" dur="1" fill="hold">
+                                          <p:stCondLst>
+                                            <p:cond delay="0"/>
+                                          </p:stCondLst>
+                                        </p:cTn>
+                                        <p:tgtEl>
+                                          <p:spTgt spid="8"/>
+                                        </p:tgtEl>
+                                        <p:attrNameLst>
+                                          <p:attrName>style.visibility</p:attrName>
+                                        </p:attrNameLst>
+                                      </p:cBhvr>
+                                      <p:to>
+                                        <p:strVal val="visible"/>
+                                      </p:to>
+                                    </p:set>
+                                    <p:animEffect transition="in" filter="fade">
+                                      <p:cBhvr>
+                                        <p:cTn id="22" dur="500"/>
+                                        <p:tgtEl>
+                                          <p:spTgt spid="8"/>
+                                        </p:tgtEl>
+                                      </p:cBhvr>
+                                    </p:animEffect>
+                                  </p:childTnLst>
+                                </p:cTn>
+                              </p:par>
+                            </p:childTnLst>
+                          </p:cTn>
+                        </p:par>
+                      </p:childTnLst>
+                    </p:cTn>
+                  </p:par>
+                  <p:par>
+                    <p:cTn id="23" fill="hold">
+                      <p:stCondLst>
+                        <p:cond delay="indefinite"/>
+                      </p:stCondLst>
+                      <p:childTnLst>
+                        <p:par>
+                          <p:cTn id="24" fill="hold">
+                            <p:stCondLst>
+                              <p:cond delay="0"/>
+                            </p:stCondLst>
+                            <p:childTnLst>
+                              <p:par>
+                                <p:cTn id="25" presetID="10" presetClass="entr" presetSubtype="0" fill="hold" grpId="0" nodeType="clickEffect">
+                                  <p:stCondLst>
+                                    <p:cond delay="0"/>
+                                  </p:stCondLst>
+                                  <p:childTnLst>
+                                    <p:set>
+                                      <p:cBhvr>
+                                        <p:cTn id="26" dur="1" fill="hold">
+                                          <p:stCondLst>
+                                            <p:cond delay="0"/>
+                                          </p:stCondLst>
+                                        </p:cTn>
+                                        <p:tgtEl>
+                                          <p:spTgt spid="10"/>
+                                        </p:tgtEl>
+                                        <p:attrNameLst>
+                                          <p:attrName>style.visibility</p:attrName>
+                                        </p:attrNameLst>
+                                      </p:cBhvr>
+                                      <p:to>
+                                        <p:strVal val="visible"/>
+                                      </p:to>
+                                    </p:set>
+                                    <p:animEffect transition="in" filter="fade">
+                                      <p:cBhvr>
+                                        <p:cTn id="27" dur="500"/>
+                                        <p:tgtEl>
+                                          <p:spTgt spid="10"/>
+                                        </p:tgtEl>
+                                      </p:cBhvr>
+                                    </p:animEffect>
+                                  </p:childTnLst>
+                                </p:cTn>
+                              </p:par>
+                            </p:childTnLst>
+                          </p:cTn>
+                        </p:par>
+                      </p:childTnLst>
+                    </p:cTn>
+                  </p:par>
+                  <p:par>
+                    <p:cTn id="28" fill="hold">
+                      <p:stCondLst>
+                        <p:cond delay="indefinite"/>
+                      </p:stCondLst>
+                      <p:childTnLst>
+                        <p:par>
+                          <p:cTn id="29" fill="hold">
+                            <p:stCondLst>
+                              <p:cond delay="0"/>
+                            </p:stCondLst>
+                            <p:childTnLst>
+                              <p:par>
+                                <p:cTn id="30" presetID="10" presetClass="entr" presetSubtype="0" fill="hold" nodeType="clickEffect">
+                                  <p:stCondLst>
+                                    <p:cond delay="0"/>
+                                  </p:stCondLst>
+                                  <p:childTnLst>
+                                    <p:set>
+                                      <p:cBhvr>
+                                        <p:cTn id="31" dur="1" fill="hold">
+                                          <p:stCondLst>
+                                            <p:cond delay="0"/>
+                                          </p:stCondLst>
+                                        </p:cTn>
+                                        <p:tgtEl>
+                                          <p:spTgt spid="11"/>
+                                        </p:tgtEl>
+                                        <p:attrNameLst>
+                                          <p:attrName>style.visibility</p:attrName>
+                                        </p:attrNameLst>
+                                      </p:cBhvr>
+                                      <p:to>
+                                        <p:strVal val="visible"/>
+                                      </p:to>
+                                    </p:set>
+                                    <p:animEffect transition="in" filter="fade">
+                                      <p:cBhvr>
+                                        <p:cTn id="32" dur="500"/>
+                                        <p:tgtEl>
+                                          <p:spTgt spid="11"/>
+                                        </p:tgtEl>
+                                      </p:cBhvr>
+                                    </p:animEffect>
+                                  </p:childTnLst>
+                                </p:cTn>
+                              </p:par>
+                            </p:childTnLst>
+                          </p:cTn>
+                        </p:par>
+                      </p:childTnLst>
+                    </p:cTn>
+                  </p:par>
+                  <p:par>
+                    <p:cTn id="33" fill="hold">
+                      <p:stCondLst>
+                        <p:cond delay="indefinite"/>
+                      </p:stCondLst>
+                      <p:childTnLst>
+                        <p:par>
+                          <p:cTn id="34" fill="hold">
+                            <p:stCondLst>
+                              <p:cond delay="0"/>
+                            </p:stCondLst>
+                            <p:childTnLst>
+                              <p:par>
+                                <p:cTn id="35" presetID="10" presetClass="entr" presetSubtype="0" fill="hold" grpId="0" nodeType="clickEffect">
+                                  <p:stCondLst>
+                                    <p:cond delay="0"/>
+                                  </p:stCondLst>
+                                  <p:childTnLst>
+                                    <p:set>
+                                      <p:cBhvr>
+                                        <p:cTn id="36" dur="1" fill="hold">
+                                          <p:stCondLst>
+                                            <p:cond delay="0"/>
+                                          </p:stCondLst>
+                                        </p:cTn>
+                                        <p:tgtEl>
+                                          <p:spTgt spid="12"/>
+                                        </p:tgtEl>
+                                        <p:attrNameLst>
+                                          <p:attrName>style.visibility</p:attrName>
+                                        </p:attrNameLst>
+                                      </p:cBhvr>
+                                      <p:to>
+                                        <p:strVal val="visible"/>
+                                      </p:to>
+                                    </p:set>
+                                    <p:animEffect transition="in" filter="fade">
+                                      <p:cBhvr>
+                                        <p:cTn id="37" dur="500"/>
+                                        <p:tgtEl>
+                                          <p:spTgt spid="12"/>
+                                        </p:tgtEl>
+                                      </p:cBhvr>
+                                    </p:animEffect>
+                                  </p:childTnLst>
+                                </p:cTn>
+                              </p:par>
+                            </p:childTnLst>
+                          </p:cTn>
+                        </p:par>
+                      </p:childTnLst>
+                    </p:cTn>
+                  </p:par>
+                </p:childTnLst>
+              </p:cTn>
+              <p:prevCondLst>
+                <p:cond evt="onPrev" delay="0">
+                  <p:tgtEl>
+                    <p:sldTgt/>
+                  </p:tgtEl>
+                </p:cond>
+              </p:prevCondLst>
+              <p:nextCondLst>
+                <p:cond evt="onNext" delay="0">
+                  <p:tgtEl>
+                    <p:sldTgt/>
+                  </p:tgtEl>
+                </p:cond>
+              </p:nextCondLst>
+            </p:seq>
+          </p:childTnLst>
+        </p:cTn>
+      </p:par>
+    </p:tnLst>
+    <p:bldLst>
+      <p:bldP spid="6" grpId="0" animBg="1"/>
+      <p:bldP spid="7" grpId="0" animBg="1"/>
+      <p:bldP spid="10" grpId="0" animBg="1"/>
+      <p:bldP spid="12" grpId="0" animBg="1"/>
+    </p:bldLst>
+  </p:timing>
+</p:sld>
+</file>
+
+<file path=ppt/slides/slide14.xml><?xml version="1.0" encoding="utf-8"?>
+<p:sld xmlns:a="http://schemas.openxmlformats.org/drawingml/2006/main" xmlns:r="http://schemas.openxmlformats.org/officeDocument/2006/relationships" xmlns:p="http://schemas.openxmlformats.org/presentationml/2006/main">
+  <p:cSld>
+    <p:spTree>
+      <p:nvGrpSpPr>
+        <p:cNvPr id="1" name=""/>
+        <p:cNvGrpSpPr/>
+        <p:nvPr/>
+      </p:nvGrpSpPr>
+      <p:grpSpPr>
+        <a:xfrm>
+          <a:off x="0" y="0"/>
+          <a:ext cx="0" cy="0"/>
+          <a:chOff x="0" y="0"/>
+          <a:chExt cx="0" cy="0"/>
+        </a:xfrm>
+      </p:grpSpPr>
+      <p:sp>
+        <p:nvSpPr>
+          <p:cNvPr id="2" name="标题 1"/>
+          <p:cNvSpPr>
+            <a:spLocks noGrp="1"/>
+          </p:cNvSpPr>
+          <p:nvPr>
+            <p:ph type="title"/>
+          </p:nvPr>
+        </p:nvSpPr>
         <p:spPr/>
         <p:txBody>
           <a:bodyPr/>
@@ -8471,7 +12359,12 @@
             <p:ph type="title"/>
           </p:nvPr>
         </p:nvSpPr>
-        <p:spPr/>
+        <p:spPr>
+          <a:xfrm>
+            <a:off x="1547664" y="116632"/>
+            <a:ext cx="5832648" cy="792088"/>
+          </a:xfrm>
+        </p:spPr>
         <p:txBody>
           <a:bodyPr/>
           <a:lstStyle/>
@@ -8508,11 +12401,346 @@
         </p:blipFill>
         <p:spPr>
           <a:xfrm>
-            <a:off x="1979712" y="1916832"/>
-            <a:ext cx="4953000" cy="3133725"/>
+            <a:off x="5004048" y="908720"/>
+            <a:ext cx="4068000" cy="2573790"/>
           </a:xfrm>
         </p:spPr>
       </p:pic>
+      <p:pic>
+        <p:nvPicPr>
+          <p:cNvPr id="3" name="图片 2"/>
+          <p:cNvPicPr>
+            <a:picLocks noChangeAspect="1"/>
+          </p:cNvPicPr>
+          <p:nvPr/>
+        </p:nvPicPr>
+        <p:blipFill>
+          <a:blip r:embed="rId3">
+            <a:extLst>
+              <a:ext uri="{28A0092B-C50C-407E-A947-70E740481C1C}">
+                <a14:useLocalDpi xmlns:a14="http://schemas.microsoft.com/office/drawing/2010/main" val="0"/>
+              </a:ext>
+            </a:extLst>
+          </a:blip>
+          <a:stretch>
+            <a:fillRect/>
+          </a:stretch>
+        </p:blipFill>
+        <p:spPr>
+          <a:xfrm>
+            <a:off x="212174" y="1133298"/>
+            <a:ext cx="4392000" cy="1607557"/>
+          </a:xfrm>
+          <a:prstGeom prst="rect">
+            <a:avLst/>
+          </a:prstGeom>
+        </p:spPr>
+      </p:pic>
+      <p:sp>
+        <p:nvSpPr>
+          <p:cNvPr id="5" name="TextBox 4"/>
+          <p:cNvSpPr txBox="1"/>
+          <p:nvPr/>
+        </p:nvSpPr>
+        <p:spPr>
+          <a:xfrm>
+            <a:off x="755576" y="3501008"/>
+            <a:ext cx="7560840" cy="2616101"/>
+          </a:xfrm>
+          <a:prstGeom prst="rect">
+            <a:avLst/>
+          </a:prstGeom>
+          <a:noFill/>
+        </p:spPr>
+        <p:txBody>
+          <a:bodyPr wrap="square" rtlCol="0">
+            <a:spAutoFit/>
+          </a:bodyPr>
+          <a:lstStyle/>
+          <a:p>
+            <a:pPr>
+              <a:spcBef>
+                <a:spcPts val="1200"/>
+              </a:spcBef>
+            </a:pPr>
+            <a:r>
+              <a:rPr lang="zh-CN" altLang="en-US" sz="2400" dirty="0">
+                <a:latin typeface="+mn-ea"/>
+              </a:rPr>
+              <a:t>图表</a:t>
+            </a:r>
+            <a:r>
+              <a:rPr lang="zh-CN" altLang="en-US" sz="2400" dirty="0" smtClean="0">
+                <a:latin typeface="+mn-ea"/>
+              </a:rPr>
+              <a:t>中，每一个同学都用不同的颜色代表，相同颜色的数据代表一组数据，比如图中所有蓝色的柱形，代表了高志毅的所有成绩。图表中这样相同的颜色组成的数据叫做</a:t>
+            </a:r>
+            <a:r>
+              <a:rPr lang="zh-CN" altLang="en-US" sz="2400" dirty="0" smtClean="0">
+                <a:solidFill>
+                  <a:srgbClr val="FF0000"/>
+                </a:solidFill>
+                <a:latin typeface="+mn-ea"/>
+              </a:rPr>
+              <a:t>系列</a:t>
+            </a:r>
+            <a:r>
+              <a:rPr lang="zh-CN" altLang="en-US" sz="2400" dirty="0" smtClean="0">
+                <a:latin typeface="+mn-ea"/>
+              </a:rPr>
+              <a:t>，这里高志毅的成绩，就叫做</a:t>
+            </a:r>
+            <a:r>
+              <a:rPr lang="zh-CN" altLang="en-US" sz="2400" dirty="0" smtClean="0">
+                <a:solidFill>
+                  <a:srgbClr val="FF0000"/>
+                </a:solidFill>
+                <a:latin typeface="+mn-ea"/>
+              </a:rPr>
+              <a:t>系列“高志毅”</a:t>
+            </a:r>
+            <a:r>
+              <a:rPr lang="zh-CN" altLang="en-US" sz="2400" dirty="0" smtClean="0">
+                <a:latin typeface="+mn-ea"/>
+              </a:rPr>
+              <a:t>。</a:t>
+            </a:r>
+            <a:endParaRPr lang="en-US" altLang="zh-CN" sz="2400" dirty="0" smtClean="0">
+              <a:latin typeface="+mn-ea"/>
+            </a:endParaRPr>
+          </a:p>
+          <a:p>
+            <a:pPr>
+              <a:spcBef>
+                <a:spcPts val="1200"/>
+              </a:spcBef>
+            </a:pPr>
+            <a:r>
+              <a:rPr lang="zh-CN" altLang="en-US" sz="2400" dirty="0" smtClean="0">
+                <a:latin typeface="+mn-ea"/>
+              </a:rPr>
+              <a:t>表格中的第一行，变成了图表中的</a:t>
+            </a:r>
+            <a:r>
+              <a:rPr lang="en-US" altLang="zh-CN" sz="2400" dirty="0" smtClean="0">
+                <a:latin typeface="+mn-ea"/>
+              </a:rPr>
+              <a:t>x</a:t>
+            </a:r>
+            <a:r>
+              <a:rPr lang="zh-CN" altLang="en-US" sz="2400" dirty="0" smtClean="0">
+                <a:latin typeface="+mn-ea"/>
+              </a:rPr>
+              <a:t>轴。</a:t>
+            </a:r>
+            <a:endParaRPr lang="en-US" altLang="zh-CN" sz="2400" dirty="0" smtClean="0">
+              <a:latin typeface="+mn-ea"/>
+            </a:endParaRPr>
+          </a:p>
+          <a:p>
+            <a:pPr>
+              <a:spcBef>
+                <a:spcPts val="1200"/>
+              </a:spcBef>
+            </a:pPr>
+            <a:r>
+              <a:rPr lang="zh-CN" altLang="en-US" sz="2400" dirty="0" smtClean="0">
+                <a:latin typeface="+mn-ea"/>
+              </a:rPr>
+              <a:t>表格中每个同学的成绩，变成了图表中的柱形。</a:t>
+            </a:r>
+            <a:endParaRPr lang="zh-CN" altLang="en-US" sz="2400" dirty="0">
+              <a:latin typeface="+mn-ea"/>
+            </a:endParaRPr>
+          </a:p>
+        </p:txBody>
+      </p:sp>
+      <p:sp>
+        <p:nvSpPr>
+          <p:cNvPr id="6" name="TextBox 5"/>
+          <p:cNvSpPr txBox="1"/>
+          <p:nvPr/>
+        </p:nvSpPr>
+        <p:spPr>
+          <a:xfrm>
+            <a:off x="395608" y="1196752"/>
+            <a:ext cx="648000" cy="720000"/>
+          </a:xfrm>
+          <a:prstGeom prst="rect">
+            <a:avLst/>
+          </a:prstGeom>
+          <a:noFill/>
+          <a:ln>
+            <a:solidFill>
+              <a:srgbClr val="FF0000"/>
+            </a:solidFill>
+          </a:ln>
+        </p:spPr>
+        <p:txBody>
+          <a:bodyPr wrap="square" rtlCol="0">
+            <a:spAutoFit/>
+          </a:bodyPr>
+          <a:lstStyle/>
+          <a:p>
+            <a:endParaRPr lang="zh-CN" altLang="en-US" dirty="0"/>
+          </a:p>
+        </p:txBody>
+      </p:sp>
+      <p:sp>
+        <p:nvSpPr>
+          <p:cNvPr id="7" name="TextBox 6"/>
+          <p:cNvSpPr txBox="1"/>
+          <p:nvPr/>
+        </p:nvSpPr>
+        <p:spPr>
+          <a:xfrm>
+            <a:off x="922194" y="1105206"/>
+            <a:ext cx="3528000" cy="360000"/>
+          </a:xfrm>
+          <a:prstGeom prst="rect">
+            <a:avLst/>
+          </a:prstGeom>
+          <a:noFill/>
+          <a:ln>
+            <a:solidFill>
+              <a:srgbClr val="FF0000"/>
+            </a:solidFill>
+          </a:ln>
+        </p:spPr>
+        <p:txBody>
+          <a:bodyPr wrap="square" rtlCol="0">
+            <a:spAutoFit/>
+          </a:bodyPr>
+          <a:lstStyle/>
+          <a:p>
+            <a:endParaRPr lang="zh-CN" altLang="en-US" dirty="0"/>
+          </a:p>
+        </p:txBody>
+      </p:sp>
+      <p:sp>
+        <p:nvSpPr>
+          <p:cNvPr id="8" name="TextBox 7"/>
+          <p:cNvSpPr txBox="1"/>
+          <p:nvPr/>
+        </p:nvSpPr>
+        <p:spPr>
+          <a:xfrm>
+            <a:off x="952660" y="1340768"/>
+            <a:ext cx="3528000" cy="612000"/>
+          </a:xfrm>
+          <a:prstGeom prst="rect">
+            <a:avLst/>
+          </a:prstGeom>
+          <a:noFill/>
+          <a:ln>
+            <a:solidFill>
+              <a:srgbClr val="FF0000"/>
+            </a:solidFill>
+          </a:ln>
+        </p:spPr>
+        <p:txBody>
+          <a:bodyPr wrap="square" rtlCol="0">
+            <a:spAutoFit/>
+          </a:bodyPr>
+          <a:lstStyle/>
+          <a:p>
+            <a:endParaRPr lang="zh-CN" altLang="en-US" dirty="0"/>
+          </a:p>
+        </p:txBody>
+      </p:sp>
+      <p:sp>
+        <p:nvSpPr>
+          <p:cNvPr id="9" name="TextBox 8"/>
+          <p:cNvSpPr txBox="1"/>
+          <p:nvPr/>
+        </p:nvSpPr>
+        <p:spPr>
+          <a:xfrm>
+            <a:off x="8315636" y="1888660"/>
+            <a:ext cx="648000" cy="720000"/>
+          </a:xfrm>
+          <a:prstGeom prst="rect">
+            <a:avLst/>
+          </a:prstGeom>
+          <a:noFill/>
+          <a:ln>
+            <a:solidFill>
+              <a:srgbClr val="FF0000"/>
+            </a:solidFill>
+          </a:ln>
+        </p:spPr>
+        <p:txBody>
+          <a:bodyPr wrap="square" rtlCol="0">
+            <a:spAutoFit/>
+          </a:bodyPr>
+          <a:lstStyle/>
+          <a:p>
+            <a:endParaRPr lang="zh-CN" altLang="en-US" dirty="0"/>
+          </a:p>
+        </p:txBody>
+      </p:sp>
+      <p:sp>
+        <p:nvSpPr>
+          <p:cNvPr id="10" name="TextBox 9"/>
+          <p:cNvSpPr txBox="1"/>
+          <p:nvPr/>
+        </p:nvSpPr>
+        <p:spPr>
+          <a:xfrm>
+            <a:off x="5364088" y="2721312"/>
+            <a:ext cx="2952328" cy="504000"/>
+          </a:xfrm>
+          <a:prstGeom prst="rect">
+            <a:avLst/>
+          </a:prstGeom>
+          <a:noFill/>
+          <a:ln>
+            <a:solidFill>
+              <a:srgbClr val="FF0000"/>
+            </a:solidFill>
+          </a:ln>
+        </p:spPr>
+        <p:txBody>
+          <a:bodyPr wrap="square" rtlCol="0">
+            <a:spAutoFit/>
+          </a:bodyPr>
+          <a:lstStyle/>
+          <a:p>
+            <a:endParaRPr lang="zh-CN" altLang="en-US" dirty="0"/>
+          </a:p>
+        </p:txBody>
+      </p:sp>
+      <p:sp>
+        <p:nvSpPr>
+          <p:cNvPr id="11" name="TextBox 10"/>
+          <p:cNvSpPr txBox="1"/>
+          <p:nvPr/>
+        </p:nvSpPr>
+        <p:spPr>
+          <a:xfrm>
+            <a:off x="5381140" y="1407797"/>
+            <a:ext cx="2952328" cy="1368000"/>
+          </a:xfrm>
+          <a:prstGeom prst="rect">
+            <a:avLst/>
+          </a:prstGeom>
+          <a:noFill/>
+          <a:ln>
+            <a:solidFill>
+              <a:srgbClr val="FF0000"/>
+            </a:solidFill>
+          </a:ln>
+        </p:spPr>
+        <p:txBody>
+          <a:bodyPr wrap="square" rtlCol="0">
+            <a:spAutoFit/>
+          </a:bodyPr>
+          <a:lstStyle/>
+          <a:p>
+            <a:endParaRPr lang="zh-CN" altLang="en-US" dirty="0"/>
+          </a:p>
+        </p:txBody>
+      </p:sp>
     </p:spTree>
     <p:extLst>
       <p:ext uri="{BB962C8B-B14F-4D97-AF65-F5344CB8AC3E}">
@@ -8526,9 +12754,648 @@
   <p:timing>
     <p:tnLst>
       <p:par>
-        <p:cTn id="1" dur="indefinite" restart="never" nodeType="tmRoot"/>
+        <p:cTn id="1" dur="indefinite" restart="never" nodeType="tmRoot">
+          <p:childTnLst>
+            <p:seq concurrent="1" nextAc="seek">
+              <p:cTn id="2" dur="indefinite" nodeType="mainSeq">
+                <p:childTnLst>
+                  <p:par>
+                    <p:cTn id="3" fill="hold">
+                      <p:stCondLst>
+                        <p:cond delay="indefinite"/>
+                      </p:stCondLst>
+                      <p:childTnLst>
+                        <p:par>
+                          <p:cTn id="4" fill="hold">
+                            <p:stCondLst>
+                              <p:cond delay="0"/>
+                            </p:stCondLst>
+                            <p:childTnLst>
+                              <p:par>
+                                <p:cTn id="5" presetID="10" presetClass="entr" presetSubtype="0" fill="hold" nodeType="clickEffect">
+                                  <p:stCondLst>
+                                    <p:cond delay="0"/>
+                                  </p:stCondLst>
+                                  <p:childTnLst>
+                                    <p:set>
+                                      <p:cBhvr>
+                                        <p:cTn id="6" dur="1" fill="hold">
+                                          <p:stCondLst>
+                                            <p:cond delay="0"/>
+                                          </p:stCondLst>
+                                        </p:cTn>
+                                        <p:tgtEl>
+                                          <p:spTgt spid="3"/>
+                                        </p:tgtEl>
+                                        <p:attrNameLst>
+                                          <p:attrName>style.visibility</p:attrName>
+                                        </p:attrNameLst>
+                                      </p:cBhvr>
+                                      <p:to>
+                                        <p:strVal val="visible"/>
+                                      </p:to>
+                                    </p:set>
+                                    <p:animEffect transition="in" filter="fade">
+                                      <p:cBhvr>
+                                        <p:cTn id="7" dur="500"/>
+                                        <p:tgtEl>
+                                          <p:spTgt spid="3"/>
+                                        </p:tgtEl>
+                                      </p:cBhvr>
+                                    </p:animEffect>
+                                  </p:childTnLst>
+                                </p:cTn>
+                              </p:par>
+                            </p:childTnLst>
+                          </p:cTn>
+                        </p:par>
+                      </p:childTnLst>
+                    </p:cTn>
+                  </p:par>
+                  <p:par>
+                    <p:cTn id="8" fill="hold">
+                      <p:stCondLst>
+                        <p:cond delay="indefinite"/>
+                      </p:stCondLst>
+                      <p:childTnLst>
+                        <p:par>
+                          <p:cTn id="9" fill="hold">
+                            <p:stCondLst>
+                              <p:cond delay="0"/>
+                            </p:stCondLst>
+                            <p:childTnLst>
+                              <p:par>
+                                <p:cTn id="10" presetID="10" presetClass="entr" presetSubtype="0" fill="hold" nodeType="clickEffect">
+                                  <p:stCondLst>
+                                    <p:cond delay="0"/>
+                                  </p:stCondLst>
+                                  <p:childTnLst>
+                                    <p:set>
+                                      <p:cBhvr>
+                                        <p:cTn id="11" dur="1" fill="hold">
+                                          <p:stCondLst>
+                                            <p:cond delay="0"/>
+                                          </p:stCondLst>
+                                        </p:cTn>
+                                        <p:tgtEl>
+                                          <p:spTgt spid="4"/>
+                                        </p:tgtEl>
+                                        <p:attrNameLst>
+                                          <p:attrName>style.visibility</p:attrName>
+                                        </p:attrNameLst>
+                                      </p:cBhvr>
+                                      <p:to>
+                                        <p:strVal val="visible"/>
+                                      </p:to>
+                                    </p:set>
+                                    <p:animEffect transition="in" filter="fade">
+                                      <p:cBhvr>
+                                        <p:cTn id="12" dur="500"/>
+                                        <p:tgtEl>
+                                          <p:spTgt spid="4"/>
+                                        </p:tgtEl>
+                                      </p:cBhvr>
+                                    </p:animEffect>
+                                  </p:childTnLst>
+                                </p:cTn>
+                              </p:par>
+                            </p:childTnLst>
+                          </p:cTn>
+                        </p:par>
+                      </p:childTnLst>
+                    </p:cTn>
+                  </p:par>
+                  <p:par>
+                    <p:cTn id="13" fill="hold">
+                      <p:stCondLst>
+                        <p:cond delay="indefinite"/>
+                      </p:stCondLst>
+                      <p:childTnLst>
+                        <p:par>
+                          <p:cTn id="14" fill="hold">
+                            <p:stCondLst>
+                              <p:cond delay="0"/>
+                            </p:stCondLst>
+                            <p:childTnLst>
+                              <p:par>
+                                <p:cTn id="15" presetID="10" presetClass="entr" presetSubtype="0" fill="hold" grpId="0" nodeType="clickEffect">
+                                  <p:stCondLst>
+                                    <p:cond delay="0"/>
+                                  </p:stCondLst>
+                                  <p:childTnLst>
+                                    <p:set>
+                                      <p:cBhvr>
+                                        <p:cTn id="16" dur="1" fill="hold">
+                                          <p:stCondLst>
+                                            <p:cond delay="0"/>
+                                          </p:stCondLst>
+                                        </p:cTn>
+                                        <p:tgtEl>
+                                          <p:spTgt spid="5">
+                                            <p:txEl>
+                                              <p:pRg st="0" end="0"/>
+                                            </p:txEl>
+                                          </p:spTgt>
+                                        </p:tgtEl>
+                                        <p:attrNameLst>
+                                          <p:attrName>style.visibility</p:attrName>
+                                        </p:attrNameLst>
+                                      </p:cBhvr>
+                                      <p:to>
+                                        <p:strVal val="visible"/>
+                                      </p:to>
+                                    </p:set>
+                                    <p:animEffect transition="in" filter="fade">
+                                      <p:cBhvr>
+                                        <p:cTn id="17" dur="500"/>
+                                        <p:tgtEl>
+                                          <p:spTgt spid="5">
+                                            <p:txEl>
+                                              <p:pRg st="0" end="0"/>
+                                            </p:txEl>
+                                          </p:spTgt>
+                                        </p:tgtEl>
+                                      </p:cBhvr>
+                                    </p:animEffect>
+                                  </p:childTnLst>
+                                </p:cTn>
+                              </p:par>
+                            </p:childTnLst>
+                          </p:cTn>
+                        </p:par>
+                      </p:childTnLst>
+                    </p:cTn>
+                  </p:par>
+                  <p:par>
+                    <p:cTn id="18" fill="hold">
+                      <p:stCondLst>
+                        <p:cond delay="indefinite"/>
+                      </p:stCondLst>
+                      <p:childTnLst>
+                        <p:par>
+                          <p:cTn id="19" fill="hold">
+                            <p:stCondLst>
+                              <p:cond delay="0"/>
+                            </p:stCondLst>
+                            <p:childTnLst>
+                              <p:par>
+                                <p:cTn id="20" presetID="10" presetClass="entr" presetSubtype="0" fill="hold" grpId="0" nodeType="clickEffect">
+                                  <p:stCondLst>
+                                    <p:cond delay="0"/>
+                                  </p:stCondLst>
+                                  <p:childTnLst>
+                                    <p:set>
+                                      <p:cBhvr>
+                                        <p:cTn id="21" dur="1" fill="hold">
+                                          <p:stCondLst>
+                                            <p:cond delay="0"/>
+                                          </p:stCondLst>
+                                        </p:cTn>
+                                        <p:tgtEl>
+                                          <p:spTgt spid="6"/>
+                                        </p:tgtEl>
+                                        <p:attrNameLst>
+                                          <p:attrName>style.visibility</p:attrName>
+                                        </p:attrNameLst>
+                                      </p:cBhvr>
+                                      <p:to>
+                                        <p:strVal val="visible"/>
+                                      </p:to>
+                                    </p:set>
+                                    <p:animEffect transition="in" filter="fade">
+                                      <p:cBhvr>
+                                        <p:cTn id="22" dur="500"/>
+                                        <p:tgtEl>
+                                          <p:spTgt spid="6"/>
+                                        </p:tgtEl>
+                                      </p:cBhvr>
+                                    </p:animEffect>
+                                  </p:childTnLst>
+                                </p:cTn>
+                              </p:par>
+                            </p:childTnLst>
+                          </p:cTn>
+                        </p:par>
+                      </p:childTnLst>
+                    </p:cTn>
+                  </p:par>
+                  <p:par>
+                    <p:cTn id="23" fill="hold">
+                      <p:stCondLst>
+                        <p:cond delay="indefinite"/>
+                      </p:stCondLst>
+                      <p:childTnLst>
+                        <p:par>
+                          <p:cTn id="24" fill="hold">
+                            <p:stCondLst>
+                              <p:cond delay="0"/>
+                            </p:stCondLst>
+                            <p:childTnLst>
+                              <p:par>
+                                <p:cTn id="25" presetID="10" presetClass="entr" presetSubtype="0" fill="hold" grpId="0" nodeType="clickEffect">
+                                  <p:stCondLst>
+                                    <p:cond delay="0"/>
+                                  </p:stCondLst>
+                                  <p:childTnLst>
+                                    <p:set>
+                                      <p:cBhvr>
+                                        <p:cTn id="26" dur="1" fill="hold">
+                                          <p:stCondLst>
+                                            <p:cond delay="0"/>
+                                          </p:stCondLst>
+                                        </p:cTn>
+                                        <p:tgtEl>
+                                          <p:spTgt spid="9"/>
+                                        </p:tgtEl>
+                                        <p:attrNameLst>
+                                          <p:attrName>style.visibility</p:attrName>
+                                        </p:attrNameLst>
+                                      </p:cBhvr>
+                                      <p:to>
+                                        <p:strVal val="visible"/>
+                                      </p:to>
+                                    </p:set>
+                                    <p:animEffect transition="in" filter="fade">
+                                      <p:cBhvr>
+                                        <p:cTn id="27" dur="500"/>
+                                        <p:tgtEl>
+                                          <p:spTgt spid="9"/>
+                                        </p:tgtEl>
+                                      </p:cBhvr>
+                                    </p:animEffect>
+                                  </p:childTnLst>
+                                </p:cTn>
+                              </p:par>
+                            </p:childTnLst>
+                          </p:cTn>
+                        </p:par>
+                      </p:childTnLst>
+                    </p:cTn>
+                  </p:par>
+                  <p:par>
+                    <p:cTn id="28" fill="hold">
+                      <p:stCondLst>
+                        <p:cond delay="indefinite"/>
+                      </p:stCondLst>
+                      <p:childTnLst>
+                        <p:par>
+                          <p:cTn id="29" fill="hold">
+                            <p:stCondLst>
+                              <p:cond delay="0"/>
+                            </p:stCondLst>
+                            <p:childTnLst>
+                              <p:par>
+                                <p:cTn id="30" presetID="10" presetClass="entr" presetSubtype="0" fill="hold" grpId="0" nodeType="clickEffect">
+                                  <p:stCondLst>
+                                    <p:cond delay="0"/>
+                                  </p:stCondLst>
+                                  <p:childTnLst>
+                                    <p:set>
+                                      <p:cBhvr>
+                                        <p:cTn id="31" dur="1" fill="hold">
+                                          <p:stCondLst>
+                                            <p:cond delay="0"/>
+                                          </p:stCondLst>
+                                        </p:cTn>
+                                        <p:tgtEl>
+                                          <p:spTgt spid="5">
+                                            <p:txEl>
+                                              <p:pRg st="1" end="1"/>
+                                            </p:txEl>
+                                          </p:spTgt>
+                                        </p:tgtEl>
+                                        <p:attrNameLst>
+                                          <p:attrName>style.visibility</p:attrName>
+                                        </p:attrNameLst>
+                                      </p:cBhvr>
+                                      <p:to>
+                                        <p:strVal val="visible"/>
+                                      </p:to>
+                                    </p:set>
+                                    <p:animEffect transition="in" filter="fade">
+                                      <p:cBhvr>
+                                        <p:cTn id="32" dur="500"/>
+                                        <p:tgtEl>
+                                          <p:spTgt spid="5">
+                                            <p:txEl>
+                                              <p:pRg st="1" end="1"/>
+                                            </p:txEl>
+                                          </p:spTgt>
+                                        </p:tgtEl>
+                                      </p:cBhvr>
+                                    </p:animEffect>
+                                  </p:childTnLst>
+                                </p:cTn>
+                              </p:par>
+                            </p:childTnLst>
+                          </p:cTn>
+                        </p:par>
+                      </p:childTnLst>
+                    </p:cTn>
+                  </p:par>
+                  <p:par>
+                    <p:cTn id="33" fill="hold">
+                      <p:stCondLst>
+                        <p:cond delay="indefinite"/>
+                      </p:stCondLst>
+                      <p:childTnLst>
+                        <p:par>
+                          <p:cTn id="34" fill="hold">
+                            <p:stCondLst>
+                              <p:cond delay="0"/>
+                            </p:stCondLst>
+                            <p:childTnLst>
+                              <p:par>
+                                <p:cTn id="35" presetID="10" presetClass="entr" presetSubtype="0" fill="hold" grpId="0" nodeType="clickEffect">
+                                  <p:stCondLst>
+                                    <p:cond delay="0"/>
+                                  </p:stCondLst>
+                                  <p:childTnLst>
+                                    <p:set>
+                                      <p:cBhvr>
+                                        <p:cTn id="36" dur="1" fill="hold">
+                                          <p:stCondLst>
+                                            <p:cond delay="0"/>
+                                          </p:stCondLst>
+                                        </p:cTn>
+                                        <p:tgtEl>
+                                          <p:spTgt spid="7"/>
+                                        </p:tgtEl>
+                                        <p:attrNameLst>
+                                          <p:attrName>style.visibility</p:attrName>
+                                        </p:attrNameLst>
+                                      </p:cBhvr>
+                                      <p:to>
+                                        <p:strVal val="visible"/>
+                                      </p:to>
+                                    </p:set>
+                                    <p:animEffect transition="in" filter="fade">
+                                      <p:cBhvr>
+                                        <p:cTn id="37" dur="500"/>
+                                        <p:tgtEl>
+                                          <p:spTgt spid="7"/>
+                                        </p:tgtEl>
+                                      </p:cBhvr>
+                                    </p:animEffect>
+                                  </p:childTnLst>
+                                </p:cTn>
+                              </p:par>
+                            </p:childTnLst>
+                          </p:cTn>
+                        </p:par>
+                      </p:childTnLst>
+                    </p:cTn>
+                  </p:par>
+                  <p:par>
+                    <p:cTn id="38" fill="hold">
+                      <p:stCondLst>
+                        <p:cond delay="indefinite"/>
+                      </p:stCondLst>
+                      <p:childTnLst>
+                        <p:par>
+                          <p:cTn id="39" fill="hold">
+                            <p:stCondLst>
+                              <p:cond delay="0"/>
+                            </p:stCondLst>
+                            <p:childTnLst>
+                              <p:par>
+                                <p:cTn id="40" presetID="10" presetClass="entr" presetSubtype="0" fill="hold" grpId="0" nodeType="clickEffect">
+                                  <p:stCondLst>
+                                    <p:cond delay="0"/>
+                                  </p:stCondLst>
+                                  <p:childTnLst>
+                                    <p:set>
+                                      <p:cBhvr>
+                                        <p:cTn id="41" dur="1" fill="hold">
+                                          <p:stCondLst>
+                                            <p:cond delay="0"/>
+                                          </p:stCondLst>
+                                        </p:cTn>
+                                        <p:tgtEl>
+                                          <p:spTgt spid="10"/>
+                                        </p:tgtEl>
+                                        <p:attrNameLst>
+                                          <p:attrName>style.visibility</p:attrName>
+                                        </p:attrNameLst>
+                                      </p:cBhvr>
+                                      <p:to>
+                                        <p:strVal val="visible"/>
+                                      </p:to>
+                                    </p:set>
+                                    <p:animEffect transition="in" filter="fade">
+                                      <p:cBhvr>
+                                        <p:cTn id="42" dur="500"/>
+                                        <p:tgtEl>
+                                          <p:spTgt spid="10"/>
+                                        </p:tgtEl>
+                                      </p:cBhvr>
+                                    </p:animEffect>
+                                  </p:childTnLst>
+                                </p:cTn>
+                              </p:par>
+                            </p:childTnLst>
+                          </p:cTn>
+                        </p:par>
+                      </p:childTnLst>
+                    </p:cTn>
+                  </p:par>
+                  <p:par>
+                    <p:cTn id="43" fill="hold">
+                      <p:stCondLst>
+                        <p:cond delay="indefinite"/>
+                      </p:stCondLst>
+                      <p:childTnLst>
+                        <p:par>
+                          <p:cTn id="44" fill="hold">
+                            <p:stCondLst>
+                              <p:cond delay="0"/>
+                            </p:stCondLst>
+                            <p:childTnLst>
+                              <p:par>
+                                <p:cTn id="45" presetID="10" presetClass="entr" presetSubtype="0" fill="hold" grpId="0" nodeType="clickEffect">
+                                  <p:stCondLst>
+                                    <p:cond delay="0"/>
+                                  </p:stCondLst>
+                                  <p:childTnLst>
+                                    <p:set>
+                                      <p:cBhvr>
+                                        <p:cTn id="46" dur="1" fill="hold">
+                                          <p:stCondLst>
+                                            <p:cond delay="0"/>
+                                          </p:stCondLst>
+                                        </p:cTn>
+                                        <p:tgtEl>
+                                          <p:spTgt spid="5">
+                                            <p:txEl>
+                                              <p:pRg st="2" end="2"/>
+                                            </p:txEl>
+                                          </p:spTgt>
+                                        </p:tgtEl>
+                                        <p:attrNameLst>
+                                          <p:attrName>style.visibility</p:attrName>
+                                        </p:attrNameLst>
+                                      </p:cBhvr>
+                                      <p:to>
+                                        <p:strVal val="visible"/>
+                                      </p:to>
+                                    </p:set>
+                                    <p:animEffect transition="in" filter="fade">
+                                      <p:cBhvr>
+                                        <p:cTn id="47" dur="500"/>
+                                        <p:tgtEl>
+                                          <p:spTgt spid="5">
+                                            <p:txEl>
+                                              <p:pRg st="2" end="2"/>
+                                            </p:txEl>
+                                          </p:spTgt>
+                                        </p:tgtEl>
+                                      </p:cBhvr>
+                                    </p:animEffect>
+                                  </p:childTnLst>
+                                </p:cTn>
+                              </p:par>
+                            </p:childTnLst>
+                          </p:cTn>
+                        </p:par>
+                      </p:childTnLst>
+                    </p:cTn>
+                  </p:par>
+                  <p:par>
+                    <p:cTn id="48" fill="hold">
+                      <p:stCondLst>
+                        <p:cond delay="indefinite"/>
+                      </p:stCondLst>
+                      <p:childTnLst>
+                        <p:par>
+                          <p:cTn id="49" fill="hold">
+                            <p:stCondLst>
+                              <p:cond delay="0"/>
+                            </p:stCondLst>
+                            <p:childTnLst>
+                              <p:par>
+                                <p:cTn id="50" presetID="10" presetClass="entr" presetSubtype="0" fill="hold" grpId="0" nodeType="clickEffect">
+                                  <p:stCondLst>
+                                    <p:cond delay="0"/>
+                                  </p:stCondLst>
+                                  <p:childTnLst>
+                                    <p:set>
+                                      <p:cBhvr>
+                                        <p:cTn id="51" dur="1" fill="hold">
+                                          <p:stCondLst>
+                                            <p:cond delay="0"/>
+                                          </p:stCondLst>
+                                        </p:cTn>
+                                        <p:tgtEl>
+                                          <p:spTgt spid="8"/>
+                                        </p:tgtEl>
+                                        <p:attrNameLst>
+                                          <p:attrName>style.visibility</p:attrName>
+                                        </p:attrNameLst>
+                                      </p:cBhvr>
+                                      <p:to>
+                                        <p:strVal val="visible"/>
+                                      </p:to>
+                                    </p:set>
+                                    <p:animEffect transition="in" filter="fade">
+                                      <p:cBhvr>
+                                        <p:cTn id="52" dur="500"/>
+                                        <p:tgtEl>
+                                          <p:spTgt spid="8"/>
+                                        </p:tgtEl>
+                                      </p:cBhvr>
+                                    </p:animEffect>
+                                  </p:childTnLst>
+                                </p:cTn>
+                              </p:par>
+                            </p:childTnLst>
+                          </p:cTn>
+                        </p:par>
+                      </p:childTnLst>
+                    </p:cTn>
+                  </p:par>
+                  <p:par>
+                    <p:cTn id="53" fill="hold">
+                      <p:stCondLst>
+                        <p:cond delay="indefinite"/>
+                      </p:stCondLst>
+                      <p:childTnLst>
+                        <p:par>
+                          <p:cTn id="54" fill="hold">
+                            <p:stCondLst>
+                              <p:cond delay="0"/>
+                            </p:stCondLst>
+                            <p:childTnLst>
+                              <p:par>
+                                <p:cTn id="55" presetID="10" presetClass="entr" presetSubtype="0" fill="hold" grpId="0" nodeType="clickEffect">
+                                  <p:stCondLst>
+                                    <p:cond delay="0"/>
+                                  </p:stCondLst>
+                                  <p:childTnLst>
+                                    <p:set>
+                                      <p:cBhvr>
+                                        <p:cTn id="56" dur="1" fill="hold">
+                                          <p:stCondLst>
+                                            <p:cond delay="0"/>
+                                          </p:stCondLst>
+                                        </p:cTn>
+                                        <p:tgtEl>
+                                          <p:spTgt spid="11"/>
+                                        </p:tgtEl>
+                                        <p:attrNameLst>
+                                          <p:attrName>style.visibility</p:attrName>
+                                        </p:attrNameLst>
+                                      </p:cBhvr>
+                                      <p:to>
+                                        <p:strVal val="visible"/>
+                                      </p:to>
+                                    </p:set>
+                                    <p:animEffect transition="in" filter="fade">
+                                      <p:cBhvr>
+                                        <p:cTn id="57" dur="500"/>
+                                        <p:tgtEl>
+                                          <p:spTgt spid="11"/>
+                                        </p:tgtEl>
+                                      </p:cBhvr>
+                                    </p:animEffect>
+                                  </p:childTnLst>
+                                </p:cTn>
+                              </p:par>
+                            </p:childTnLst>
+                          </p:cTn>
+                        </p:par>
+                      </p:childTnLst>
+                    </p:cTn>
+                  </p:par>
+                </p:childTnLst>
+              </p:cTn>
+              <p:prevCondLst>
+                <p:cond evt="onPrev" delay="0">
+                  <p:tgtEl>
+                    <p:sldTgt/>
+                  </p:tgtEl>
+                </p:cond>
+              </p:prevCondLst>
+              <p:nextCondLst>
+                <p:cond evt="onNext" delay="0">
+                  <p:tgtEl>
+                    <p:sldTgt/>
+                  </p:tgtEl>
+                </p:cond>
+              </p:nextCondLst>
+            </p:seq>
+          </p:childTnLst>
+        </p:cTn>
       </p:par>
     </p:tnLst>
+    <p:bldLst>
+      <p:bldP spid="5" grpId="0" uiExpand="1" build="p"/>
+      <p:bldP spid="6" grpId="0" animBg="1"/>
+      <p:bldP spid="7" grpId="0" animBg="1"/>
+      <p:bldP spid="8" grpId="0" animBg="1"/>
+      <p:bldP spid="9" grpId="0" animBg="1"/>
+      <p:bldP spid="10" grpId="0" animBg="1"/>
+      <p:bldP spid="11" grpId="0" animBg="1"/>
+    </p:bldLst>
   </p:timing>
 </p:sld>
 </file>

--- a/第4章excel/图表/图表.pptx
+++ b/第4章excel/图表/图表.pptx
@@ -14,11 +14,20 @@
     <p:sldId id="262" r:id="rId8"/>
     <p:sldId id="263" r:id="rId9"/>
     <p:sldId id="264" r:id="rId10"/>
-    <p:sldId id="266" r:id="rId11"/>
-    <p:sldId id="267" r:id="rId12"/>
-    <p:sldId id="268" r:id="rId13"/>
-    <p:sldId id="269" r:id="rId14"/>
-    <p:sldId id="265" r:id="rId15"/>
+    <p:sldId id="265" r:id="rId11"/>
+    <p:sldId id="272" r:id="rId12"/>
+    <p:sldId id="270" r:id="rId13"/>
+    <p:sldId id="271" r:id="rId14"/>
+    <p:sldId id="266" r:id="rId15"/>
+    <p:sldId id="267" r:id="rId16"/>
+    <p:sldId id="268" r:id="rId17"/>
+    <p:sldId id="269" r:id="rId18"/>
+    <p:sldId id="273" r:id="rId19"/>
+    <p:sldId id="274" r:id="rId20"/>
+    <p:sldId id="275" r:id="rId21"/>
+    <p:sldId id="276" r:id="rId22"/>
+    <p:sldId id="277" r:id="rId23"/>
+    <p:sldId id="278" r:id="rId24"/>
   </p:sldIdLst>
   <p:sldSz cx="9144000" cy="6858000" type="screen4x3"/>
   <p:notesSz cx="6858000" cy="9144000"/>
@@ -301,7 +310,7 @@
           <a:p>
             <a:fld id="{530820CF-B880-4189-942D-D702A7CBA730}" type="datetimeFigureOut">
               <a:rPr lang="zh-CN" altLang="en-US" smtClean="0"/>
-              <a:t>2020/6/5</a:t>
+              <a:t>2020/6/7</a:t>
             </a:fld>
             <a:endParaRPr lang="zh-CN" altLang="en-US"/>
           </a:p>
@@ -466,7 +475,7 @@
           <a:p>
             <a:fld id="{530820CF-B880-4189-942D-D702A7CBA730}" type="datetimeFigureOut">
               <a:rPr lang="zh-CN" altLang="en-US" smtClean="0"/>
-              <a:t>2020/6/5</a:t>
+              <a:t>2020/6/7</a:t>
             </a:fld>
             <a:endParaRPr lang="zh-CN" altLang="en-US"/>
           </a:p>
@@ -641,7 +650,7 @@
           <a:p>
             <a:fld id="{530820CF-B880-4189-942D-D702A7CBA730}" type="datetimeFigureOut">
               <a:rPr lang="zh-CN" altLang="en-US" smtClean="0"/>
-              <a:t>2020/6/5</a:t>
+              <a:t>2020/6/7</a:t>
             </a:fld>
             <a:endParaRPr lang="zh-CN" altLang="en-US"/>
           </a:p>
@@ -806,7 +815,7 @@
           <a:p>
             <a:fld id="{530820CF-B880-4189-942D-D702A7CBA730}" type="datetimeFigureOut">
               <a:rPr lang="zh-CN" altLang="en-US" smtClean="0"/>
-              <a:t>2020/6/5</a:t>
+              <a:t>2020/6/7</a:t>
             </a:fld>
             <a:endParaRPr lang="zh-CN" altLang="en-US"/>
           </a:p>
@@ -1047,7 +1056,7 @@
           <a:p>
             <a:fld id="{530820CF-B880-4189-942D-D702A7CBA730}" type="datetimeFigureOut">
               <a:rPr lang="zh-CN" altLang="en-US" smtClean="0"/>
-              <a:t>2020/6/5</a:t>
+              <a:t>2020/6/7</a:t>
             </a:fld>
             <a:endParaRPr lang="zh-CN" altLang="en-US"/>
           </a:p>
@@ -1330,7 +1339,7 @@
           <a:p>
             <a:fld id="{530820CF-B880-4189-942D-D702A7CBA730}" type="datetimeFigureOut">
               <a:rPr lang="zh-CN" altLang="en-US" smtClean="0"/>
-              <a:t>2020/6/5</a:t>
+              <a:t>2020/6/7</a:t>
             </a:fld>
             <a:endParaRPr lang="zh-CN" altLang="en-US"/>
           </a:p>
@@ -1747,7 +1756,7 @@
           <a:p>
             <a:fld id="{530820CF-B880-4189-942D-D702A7CBA730}" type="datetimeFigureOut">
               <a:rPr lang="zh-CN" altLang="en-US" smtClean="0"/>
-              <a:t>2020/6/5</a:t>
+              <a:t>2020/6/7</a:t>
             </a:fld>
             <a:endParaRPr lang="zh-CN" altLang="en-US"/>
           </a:p>
@@ -1860,7 +1869,7 @@
           <a:p>
             <a:fld id="{530820CF-B880-4189-942D-D702A7CBA730}" type="datetimeFigureOut">
               <a:rPr lang="zh-CN" altLang="en-US" smtClean="0"/>
-              <a:t>2020/6/5</a:t>
+              <a:t>2020/6/7</a:t>
             </a:fld>
             <a:endParaRPr lang="zh-CN" altLang="en-US"/>
           </a:p>
@@ -1950,7 +1959,7 @@
           <a:p>
             <a:fld id="{530820CF-B880-4189-942D-D702A7CBA730}" type="datetimeFigureOut">
               <a:rPr lang="zh-CN" altLang="en-US" smtClean="0"/>
-              <a:t>2020/6/5</a:t>
+              <a:t>2020/6/7</a:t>
             </a:fld>
             <a:endParaRPr lang="zh-CN" altLang="en-US"/>
           </a:p>
@@ -2222,7 +2231,7 @@
           <a:p>
             <a:fld id="{530820CF-B880-4189-942D-D702A7CBA730}" type="datetimeFigureOut">
               <a:rPr lang="zh-CN" altLang="en-US" smtClean="0"/>
-              <a:t>2020/6/5</a:t>
+              <a:t>2020/6/7</a:t>
             </a:fld>
             <a:endParaRPr lang="zh-CN" altLang="en-US"/>
           </a:p>
@@ -2470,7 +2479,7 @@
           <a:p>
             <a:fld id="{530820CF-B880-4189-942D-D702A7CBA730}" type="datetimeFigureOut">
               <a:rPr lang="zh-CN" altLang="en-US" smtClean="0"/>
-              <a:t>2020/6/5</a:t>
+              <a:t>2020/6/7</a:t>
             </a:fld>
             <a:endParaRPr lang="zh-CN" altLang="en-US"/>
           </a:p>
@@ -2678,7 +2687,7 @@
           <a:p>
             <a:fld id="{530820CF-B880-4189-942D-D702A7CBA730}" type="datetimeFigureOut">
               <a:rPr lang="zh-CN" altLang="en-US" smtClean="0"/>
-              <a:t>2020/6/5</a:t>
+              <a:t>2020/6/7</a:t>
             </a:fld>
             <a:endParaRPr lang="zh-CN" altLang="en-US"/>
           </a:p>
@@ -3249,6 +3258,3523 @@
             <p:ph type="title"/>
           </p:nvPr>
         </p:nvSpPr>
+        <p:spPr/>
+        <p:txBody>
+          <a:bodyPr/>
+          <a:lstStyle/>
+          <a:p>
+            <a:r>
+              <a:rPr lang="zh-CN" altLang="en-US" dirty="0" smtClean="0"/>
+              <a:t>移动图表</a:t>
+            </a:r>
+            <a:endParaRPr lang="zh-CN" altLang="en-US" dirty="0"/>
+          </a:p>
+        </p:txBody>
+      </p:sp>
+      <p:pic>
+        <p:nvPicPr>
+          <p:cNvPr id="4" name="内容占位符 3"/>
+          <p:cNvPicPr>
+            <a:picLocks noGrp="1" noChangeAspect="1"/>
+          </p:cNvPicPr>
+          <p:nvPr>
+            <p:ph idx="1"/>
+          </p:nvPr>
+        </p:nvPicPr>
+        <p:blipFill>
+          <a:blip r:embed="rId2">
+            <a:extLst>
+              <a:ext uri="{28A0092B-C50C-407E-A947-70E740481C1C}">
+                <a14:useLocalDpi xmlns:a14="http://schemas.microsoft.com/office/drawing/2010/main" val="0"/>
+              </a:ext>
+            </a:extLst>
+          </a:blip>
+          <a:stretch>
+            <a:fillRect/>
+          </a:stretch>
+        </p:blipFill>
+        <p:spPr>
+          <a:xfrm>
+            <a:off x="467544" y="1484784"/>
+            <a:ext cx="8229600" cy="1259173"/>
+          </a:xfrm>
+        </p:spPr>
+      </p:pic>
+      <p:sp>
+        <p:nvSpPr>
+          <p:cNvPr id="5" name="TextBox 4"/>
+          <p:cNvSpPr txBox="1"/>
+          <p:nvPr/>
+        </p:nvSpPr>
+        <p:spPr>
+          <a:xfrm>
+            <a:off x="1187624" y="1628800"/>
+            <a:ext cx="360040" cy="252000"/>
+          </a:xfrm>
+          <a:prstGeom prst="rect">
+            <a:avLst/>
+          </a:prstGeom>
+          <a:noFill/>
+          <a:ln w="15875">
+            <a:solidFill>
+              <a:srgbClr val="FF0000"/>
+            </a:solidFill>
+          </a:ln>
+        </p:spPr>
+        <p:txBody>
+          <a:bodyPr wrap="square" rtlCol="0">
+            <a:spAutoFit/>
+          </a:bodyPr>
+          <a:lstStyle/>
+          <a:p>
+            <a:endParaRPr lang="zh-CN" altLang="en-US" dirty="0"/>
+          </a:p>
+        </p:txBody>
+      </p:sp>
+      <p:sp>
+        <p:nvSpPr>
+          <p:cNvPr id="7" name="TextBox 6"/>
+          <p:cNvSpPr txBox="1"/>
+          <p:nvPr/>
+        </p:nvSpPr>
+        <p:spPr>
+          <a:xfrm>
+            <a:off x="7956376" y="1880800"/>
+            <a:ext cx="536567" cy="432000"/>
+          </a:xfrm>
+          <a:prstGeom prst="rect">
+            <a:avLst/>
+          </a:prstGeom>
+          <a:noFill/>
+          <a:ln w="15875">
+            <a:solidFill>
+              <a:srgbClr val="FF0000"/>
+            </a:solidFill>
+          </a:ln>
+        </p:spPr>
+        <p:txBody>
+          <a:bodyPr wrap="square" rtlCol="0">
+            <a:spAutoFit/>
+          </a:bodyPr>
+          <a:lstStyle/>
+          <a:p>
+            <a:endParaRPr lang="zh-CN" altLang="en-US" dirty="0"/>
+          </a:p>
+        </p:txBody>
+      </p:sp>
+      <p:sp>
+        <p:nvSpPr>
+          <p:cNvPr id="8" name="TextBox 7"/>
+          <p:cNvSpPr txBox="1"/>
+          <p:nvPr/>
+        </p:nvSpPr>
+        <p:spPr>
+          <a:xfrm>
+            <a:off x="1043608" y="2924944"/>
+            <a:ext cx="1224136" cy="369332"/>
+          </a:xfrm>
+          <a:prstGeom prst="rect">
+            <a:avLst/>
+          </a:prstGeom>
+          <a:noFill/>
+        </p:spPr>
+        <p:txBody>
+          <a:bodyPr wrap="square" rtlCol="0">
+            <a:spAutoFit/>
+          </a:bodyPr>
+          <a:lstStyle/>
+          <a:p>
+            <a:r>
+              <a:rPr lang="zh-CN" altLang="en-US" dirty="0" smtClean="0"/>
+              <a:t>选中图表</a:t>
+            </a:r>
+            <a:endParaRPr lang="zh-CN" altLang="en-US" dirty="0"/>
+          </a:p>
+        </p:txBody>
+      </p:sp>
+      <p:sp>
+        <p:nvSpPr>
+          <p:cNvPr id="9" name="右箭头 8"/>
+          <p:cNvSpPr/>
+          <p:nvPr/>
+        </p:nvSpPr>
+        <p:spPr>
+          <a:xfrm>
+            <a:off x="2843808" y="3059668"/>
+            <a:ext cx="504056" cy="225316"/>
+          </a:xfrm>
+          <a:prstGeom prst="rightArrow">
+            <a:avLst/>
+          </a:prstGeom>
+        </p:spPr>
+        <p:style>
+          <a:lnRef idx="2">
+            <a:schemeClr val="accent1">
+              <a:shade val="50000"/>
+            </a:schemeClr>
+          </a:lnRef>
+          <a:fillRef idx="1">
+            <a:schemeClr val="accent1"/>
+          </a:fillRef>
+          <a:effectRef idx="0">
+            <a:schemeClr val="accent1"/>
+          </a:effectRef>
+          <a:fontRef idx="minor">
+            <a:schemeClr val="lt1"/>
+          </a:fontRef>
+        </p:style>
+        <p:txBody>
+          <a:bodyPr rtlCol="0" anchor="ctr"/>
+          <a:lstStyle/>
+          <a:p>
+            <a:pPr algn="ctr"/>
+            <a:endParaRPr lang="zh-CN" altLang="en-US"/>
+          </a:p>
+        </p:txBody>
+      </p:sp>
+      <p:sp>
+        <p:nvSpPr>
+          <p:cNvPr id="10" name="TextBox 9"/>
+          <p:cNvSpPr txBox="1"/>
+          <p:nvPr/>
+        </p:nvSpPr>
+        <p:spPr>
+          <a:xfrm>
+            <a:off x="4355976" y="3016242"/>
+            <a:ext cx="648072" cy="369332"/>
+          </a:xfrm>
+          <a:prstGeom prst="rect">
+            <a:avLst/>
+          </a:prstGeom>
+          <a:noFill/>
+        </p:spPr>
+        <p:txBody>
+          <a:bodyPr wrap="square" rtlCol="0">
+            <a:spAutoFit/>
+          </a:bodyPr>
+          <a:lstStyle/>
+          <a:p>
+            <a:r>
+              <a:rPr lang="zh-CN" altLang="en-US" dirty="0"/>
+              <a:t>设计</a:t>
+            </a:r>
+          </a:p>
+        </p:txBody>
+      </p:sp>
+      <p:sp>
+        <p:nvSpPr>
+          <p:cNvPr id="11" name="右箭头 10"/>
+          <p:cNvSpPr/>
+          <p:nvPr/>
+        </p:nvSpPr>
+        <p:spPr>
+          <a:xfrm>
+            <a:off x="5508104" y="3059668"/>
+            <a:ext cx="504056" cy="225316"/>
+          </a:xfrm>
+          <a:prstGeom prst="rightArrow">
+            <a:avLst/>
+          </a:prstGeom>
+        </p:spPr>
+        <p:style>
+          <a:lnRef idx="2">
+            <a:schemeClr val="accent1">
+              <a:shade val="50000"/>
+            </a:schemeClr>
+          </a:lnRef>
+          <a:fillRef idx="1">
+            <a:schemeClr val="accent1"/>
+          </a:fillRef>
+          <a:effectRef idx="0">
+            <a:schemeClr val="accent1"/>
+          </a:effectRef>
+          <a:fontRef idx="minor">
+            <a:schemeClr val="lt1"/>
+          </a:fontRef>
+        </p:style>
+        <p:txBody>
+          <a:bodyPr rtlCol="0" anchor="ctr"/>
+          <a:lstStyle/>
+          <a:p>
+            <a:pPr algn="ctr"/>
+            <a:endParaRPr lang="zh-CN" altLang="en-US"/>
+          </a:p>
+        </p:txBody>
+      </p:sp>
+      <p:sp>
+        <p:nvSpPr>
+          <p:cNvPr id="12" name="TextBox 11"/>
+          <p:cNvSpPr txBox="1"/>
+          <p:nvPr/>
+        </p:nvSpPr>
+        <p:spPr>
+          <a:xfrm>
+            <a:off x="6804248" y="2987660"/>
+            <a:ext cx="1152128" cy="369332"/>
+          </a:xfrm>
+          <a:prstGeom prst="rect">
+            <a:avLst/>
+          </a:prstGeom>
+          <a:noFill/>
+        </p:spPr>
+        <p:txBody>
+          <a:bodyPr wrap="square" rtlCol="0">
+            <a:spAutoFit/>
+          </a:bodyPr>
+          <a:lstStyle/>
+          <a:p>
+            <a:r>
+              <a:rPr lang="zh-CN" altLang="en-US" dirty="0" smtClean="0"/>
+              <a:t>移动图表</a:t>
+            </a:r>
+            <a:endParaRPr lang="zh-CN" altLang="en-US" dirty="0"/>
+          </a:p>
+        </p:txBody>
+      </p:sp>
+      <p:pic>
+        <p:nvPicPr>
+          <p:cNvPr id="13" name="图片 12"/>
+          <p:cNvPicPr>
+            <a:picLocks noChangeAspect="1"/>
+          </p:cNvPicPr>
+          <p:nvPr/>
+        </p:nvPicPr>
+        <p:blipFill>
+          <a:blip r:embed="rId3">
+            <a:extLst>
+              <a:ext uri="{28A0092B-C50C-407E-A947-70E740481C1C}">
+                <a14:useLocalDpi xmlns:a14="http://schemas.microsoft.com/office/drawing/2010/main" val="0"/>
+              </a:ext>
+            </a:extLst>
+          </a:blip>
+          <a:stretch>
+            <a:fillRect/>
+          </a:stretch>
+        </p:blipFill>
+        <p:spPr>
+          <a:xfrm>
+            <a:off x="530535" y="4077084"/>
+            <a:ext cx="3636000" cy="1403241"/>
+          </a:xfrm>
+          <a:prstGeom prst="rect">
+            <a:avLst/>
+          </a:prstGeom>
+        </p:spPr>
+      </p:pic>
+      <p:sp>
+        <p:nvSpPr>
+          <p:cNvPr id="14" name="TextBox 13"/>
+          <p:cNvSpPr txBox="1"/>
+          <p:nvPr/>
+        </p:nvSpPr>
+        <p:spPr>
+          <a:xfrm>
+            <a:off x="1979276" y="4869160"/>
+            <a:ext cx="2187258" cy="252000"/>
+          </a:xfrm>
+          <a:prstGeom prst="rect">
+            <a:avLst/>
+          </a:prstGeom>
+          <a:noFill/>
+          <a:ln w="15875">
+            <a:solidFill>
+              <a:srgbClr val="FF0000"/>
+            </a:solidFill>
+          </a:ln>
+        </p:spPr>
+        <p:txBody>
+          <a:bodyPr wrap="square" rtlCol="0">
+            <a:spAutoFit/>
+          </a:bodyPr>
+          <a:lstStyle/>
+          <a:p>
+            <a:endParaRPr lang="zh-CN" altLang="en-US" dirty="0"/>
+          </a:p>
+        </p:txBody>
+      </p:sp>
+      <p:sp>
+        <p:nvSpPr>
+          <p:cNvPr id="15" name="TextBox 14"/>
+          <p:cNvSpPr txBox="1"/>
+          <p:nvPr/>
+        </p:nvSpPr>
+        <p:spPr>
+          <a:xfrm>
+            <a:off x="1979275" y="4519064"/>
+            <a:ext cx="2187259" cy="252000"/>
+          </a:xfrm>
+          <a:prstGeom prst="rect">
+            <a:avLst/>
+          </a:prstGeom>
+          <a:noFill/>
+          <a:ln w="15875">
+            <a:solidFill>
+              <a:srgbClr val="FF0000"/>
+            </a:solidFill>
+          </a:ln>
+        </p:spPr>
+        <p:txBody>
+          <a:bodyPr wrap="square" rtlCol="0">
+            <a:spAutoFit/>
+          </a:bodyPr>
+          <a:lstStyle/>
+          <a:p>
+            <a:endParaRPr lang="zh-CN" altLang="en-US" dirty="0"/>
+          </a:p>
+        </p:txBody>
+      </p:sp>
+      <p:cxnSp>
+        <p:nvCxnSpPr>
+          <p:cNvPr id="17" name="直接箭头连接符 16"/>
+          <p:cNvCxnSpPr/>
+          <p:nvPr/>
+        </p:nvCxnSpPr>
+        <p:spPr>
+          <a:xfrm flipV="1">
+            <a:off x="4355976" y="4221088"/>
+            <a:ext cx="864096" cy="423976"/>
+          </a:xfrm>
+          <a:prstGeom prst="straightConnector1">
+            <a:avLst/>
+          </a:prstGeom>
+          <a:ln>
+            <a:solidFill>
+              <a:srgbClr val="FF0000"/>
+            </a:solidFill>
+            <a:tailEnd type="arrow"/>
+          </a:ln>
+        </p:spPr>
+        <p:style>
+          <a:lnRef idx="1">
+            <a:schemeClr val="accent1"/>
+          </a:lnRef>
+          <a:fillRef idx="0">
+            <a:schemeClr val="accent1"/>
+          </a:fillRef>
+          <a:effectRef idx="0">
+            <a:schemeClr val="accent1"/>
+          </a:effectRef>
+          <a:fontRef idx="minor">
+            <a:schemeClr val="tx1"/>
+          </a:fontRef>
+        </p:style>
+      </p:cxnSp>
+      <p:sp>
+        <p:nvSpPr>
+          <p:cNvPr id="18" name="TextBox 17"/>
+          <p:cNvSpPr txBox="1"/>
+          <p:nvPr/>
+        </p:nvSpPr>
+        <p:spPr>
+          <a:xfrm>
+            <a:off x="5436096" y="3790781"/>
+            <a:ext cx="3024336" cy="646331"/>
+          </a:xfrm>
+          <a:prstGeom prst="rect">
+            <a:avLst/>
+          </a:prstGeom>
+          <a:noFill/>
+        </p:spPr>
+        <p:txBody>
+          <a:bodyPr wrap="square" rtlCol="0">
+            <a:spAutoFit/>
+          </a:bodyPr>
+          <a:lstStyle/>
+          <a:p>
+            <a:r>
+              <a:rPr lang="zh-CN" altLang="en-US" dirty="0" smtClean="0"/>
+              <a:t>新建一个工作表，然后将图片移动此工作表</a:t>
+            </a:r>
+            <a:endParaRPr lang="zh-CN" altLang="en-US" dirty="0"/>
+          </a:p>
+        </p:txBody>
+      </p:sp>
+      <p:cxnSp>
+        <p:nvCxnSpPr>
+          <p:cNvPr id="20" name="直接箭头连接符 19"/>
+          <p:cNvCxnSpPr/>
+          <p:nvPr/>
+        </p:nvCxnSpPr>
+        <p:spPr>
+          <a:xfrm>
+            <a:off x="4355976" y="4995160"/>
+            <a:ext cx="864096" cy="594080"/>
+          </a:xfrm>
+          <a:prstGeom prst="straightConnector1">
+            <a:avLst/>
+          </a:prstGeom>
+          <a:ln>
+            <a:solidFill>
+              <a:srgbClr val="FF0000"/>
+            </a:solidFill>
+            <a:tailEnd type="arrow"/>
+          </a:ln>
+        </p:spPr>
+        <p:style>
+          <a:lnRef idx="1">
+            <a:schemeClr val="accent1"/>
+          </a:lnRef>
+          <a:fillRef idx="0">
+            <a:schemeClr val="accent1"/>
+          </a:fillRef>
+          <a:effectRef idx="0">
+            <a:schemeClr val="accent1"/>
+          </a:effectRef>
+          <a:fontRef idx="minor">
+            <a:schemeClr val="tx1"/>
+          </a:fontRef>
+        </p:style>
+      </p:cxnSp>
+      <p:sp>
+        <p:nvSpPr>
+          <p:cNvPr id="21" name="TextBox 20"/>
+          <p:cNvSpPr txBox="1"/>
+          <p:nvPr/>
+        </p:nvSpPr>
+        <p:spPr>
+          <a:xfrm>
+            <a:off x="5508104" y="5479556"/>
+            <a:ext cx="3024336" cy="646331"/>
+          </a:xfrm>
+          <a:prstGeom prst="rect">
+            <a:avLst/>
+          </a:prstGeom>
+          <a:noFill/>
+        </p:spPr>
+        <p:txBody>
+          <a:bodyPr wrap="square" rtlCol="0">
+            <a:spAutoFit/>
+          </a:bodyPr>
+          <a:lstStyle/>
+          <a:p>
+            <a:r>
+              <a:rPr lang="zh-CN" altLang="en-US" dirty="0" smtClean="0"/>
+              <a:t>选择现有工作表，将图片移动到现有的工作表</a:t>
+            </a:r>
+            <a:endParaRPr lang="zh-CN" altLang="en-US" dirty="0"/>
+          </a:p>
+        </p:txBody>
+      </p:sp>
+    </p:spTree>
+    <p:extLst>
+      <p:ext uri="{BB962C8B-B14F-4D97-AF65-F5344CB8AC3E}">
+        <p14:creationId xmlns:p14="http://schemas.microsoft.com/office/powerpoint/2010/main" val="2519107907"/>
+      </p:ext>
+    </p:extLst>
+  </p:cSld>
+  <p:clrMapOvr>
+    <a:masterClrMapping/>
+  </p:clrMapOvr>
+  <p:timing>
+    <p:tnLst>
+      <p:par>
+        <p:cTn id="1" dur="indefinite" restart="never" nodeType="tmRoot">
+          <p:childTnLst>
+            <p:seq concurrent="1" nextAc="seek">
+              <p:cTn id="2" dur="indefinite" nodeType="mainSeq">
+                <p:childTnLst>
+                  <p:par>
+                    <p:cTn id="3" fill="hold">
+                      <p:stCondLst>
+                        <p:cond delay="indefinite"/>
+                      </p:stCondLst>
+                      <p:childTnLst>
+                        <p:par>
+                          <p:cTn id="4" fill="hold">
+                            <p:stCondLst>
+                              <p:cond delay="0"/>
+                            </p:stCondLst>
+                            <p:childTnLst>
+                              <p:par>
+                                <p:cTn id="5" presetID="10" presetClass="entr" presetSubtype="0" fill="hold" nodeType="clickEffect">
+                                  <p:stCondLst>
+                                    <p:cond delay="0"/>
+                                  </p:stCondLst>
+                                  <p:childTnLst>
+                                    <p:set>
+                                      <p:cBhvr>
+                                        <p:cTn id="6" dur="1" fill="hold">
+                                          <p:stCondLst>
+                                            <p:cond delay="0"/>
+                                          </p:stCondLst>
+                                        </p:cTn>
+                                        <p:tgtEl>
+                                          <p:spTgt spid="4"/>
+                                        </p:tgtEl>
+                                        <p:attrNameLst>
+                                          <p:attrName>style.visibility</p:attrName>
+                                        </p:attrNameLst>
+                                      </p:cBhvr>
+                                      <p:to>
+                                        <p:strVal val="visible"/>
+                                      </p:to>
+                                    </p:set>
+                                    <p:animEffect transition="in" filter="fade">
+                                      <p:cBhvr>
+                                        <p:cTn id="7" dur="500"/>
+                                        <p:tgtEl>
+                                          <p:spTgt spid="4"/>
+                                        </p:tgtEl>
+                                      </p:cBhvr>
+                                    </p:animEffect>
+                                  </p:childTnLst>
+                                </p:cTn>
+                              </p:par>
+                            </p:childTnLst>
+                          </p:cTn>
+                        </p:par>
+                      </p:childTnLst>
+                    </p:cTn>
+                  </p:par>
+                  <p:par>
+                    <p:cTn id="8" fill="hold">
+                      <p:stCondLst>
+                        <p:cond delay="indefinite"/>
+                      </p:stCondLst>
+                      <p:childTnLst>
+                        <p:par>
+                          <p:cTn id="9" fill="hold">
+                            <p:stCondLst>
+                              <p:cond delay="0"/>
+                            </p:stCondLst>
+                            <p:childTnLst>
+                              <p:par>
+                                <p:cTn id="10" presetID="10" presetClass="entr" presetSubtype="0" fill="hold" grpId="0" nodeType="clickEffect">
+                                  <p:stCondLst>
+                                    <p:cond delay="0"/>
+                                  </p:stCondLst>
+                                  <p:childTnLst>
+                                    <p:set>
+                                      <p:cBhvr>
+                                        <p:cTn id="11" dur="1" fill="hold">
+                                          <p:stCondLst>
+                                            <p:cond delay="0"/>
+                                          </p:stCondLst>
+                                        </p:cTn>
+                                        <p:tgtEl>
+                                          <p:spTgt spid="8"/>
+                                        </p:tgtEl>
+                                        <p:attrNameLst>
+                                          <p:attrName>style.visibility</p:attrName>
+                                        </p:attrNameLst>
+                                      </p:cBhvr>
+                                      <p:to>
+                                        <p:strVal val="visible"/>
+                                      </p:to>
+                                    </p:set>
+                                    <p:animEffect transition="in" filter="fade">
+                                      <p:cBhvr>
+                                        <p:cTn id="12" dur="500"/>
+                                        <p:tgtEl>
+                                          <p:spTgt spid="8"/>
+                                        </p:tgtEl>
+                                      </p:cBhvr>
+                                    </p:animEffect>
+                                  </p:childTnLst>
+                                </p:cTn>
+                              </p:par>
+                            </p:childTnLst>
+                          </p:cTn>
+                        </p:par>
+                      </p:childTnLst>
+                    </p:cTn>
+                  </p:par>
+                  <p:par>
+                    <p:cTn id="13" fill="hold">
+                      <p:stCondLst>
+                        <p:cond delay="indefinite"/>
+                      </p:stCondLst>
+                      <p:childTnLst>
+                        <p:par>
+                          <p:cTn id="14" fill="hold">
+                            <p:stCondLst>
+                              <p:cond delay="0"/>
+                            </p:stCondLst>
+                            <p:childTnLst>
+                              <p:par>
+                                <p:cTn id="15" presetID="10" presetClass="entr" presetSubtype="0" fill="hold" grpId="0" nodeType="clickEffect">
+                                  <p:stCondLst>
+                                    <p:cond delay="0"/>
+                                  </p:stCondLst>
+                                  <p:childTnLst>
+                                    <p:set>
+                                      <p:cBhvr>
+                                        <p:cTn id="16" dur="1" fill="hold">
+                                          <p:stCondLst>
+                                            <p:cond delay="0"/>
+                                          </p:stCondLst>
+                                        </p:cTn>
+                                        <p:tgtEl>
+                                          <p:spTgt spid="9"/>
+                                        </p:tgtEl>
+                                        <p:attrNameLst>
+                                          <p:attrName>style.visibility</p:attrName>
+                                        </p:attrNameLst>
+                                      </p:cBhvr>
+                                      <p:to>
+                                        <p:strVal val="visible"/>
+                                      </p:to>
+                                    </p:set>
+                                    <p:animEffect transition="in" filter="fade">
+                                      <p:cBhvr>
+                                        <p:cTn id="17" dur="500"/>
+                                        <p:tgtEl>
+                                          <p:spTgt spid="9"/>
+                                        </p:tgtEl>
+                                      </p:cBhvr>
+                                    </p:animEffect>
+                                  </p:childTnLst>
+                                </p:cTn>
+                              </p:par>
+                            </p:childTnLst>
+                          </p:cTn>
+                        </p:par>
+                      </p:childTnLst>
+                    </p:cTn>
+                  </p:par>
+                  <p:par>
+                    <p:cTn id="18" fill="hold">
+                      <p:stCondLst>
+                        <p:cond delay="indefinite"/>
+                      </p:stCondLst>
+                      <p:childTnLst>
+                        <p:par>
+                          <p:cTn id="19" fill="hold">
+                            <p:stCondLst>
+                              <p:cond delay="0"/>
+                            </p:stCondLst>
+                            <p:childTnLst>
+                              <p:par>
+                                <p:cTn id="20" presetID="10" presetClass="entr" presetSubtype="0" fill="hold" grpId="0" nodeType="clickEffect">
+                                  <p:stCondLst>
+                                    <p:cond delay="0"/>
+                                  </p:stCondLst>
+                                  <p:childTnLst>
+                                    <p:set>
+                                      <p:cBhvr>
+                                        <p:cTn id="21" dur="1" fill="hold">
+                                          <p:stCondLst>
+                                            <p:cond delay="0"/>
+                                          </p:stCondLst>
+                                        </p:cTn>
+                                        <p:tgtEl>
+                                          <p:spTgt spid="10"/>
+                                        </p:tgtEl>
+                                        <p:attrNameLst>
+                                          <p:attrName>style.visibility</p:attrName>
+                                        </p:attrNameLst>
+                                      </p:cBhvr>
+                                      <p:to>
+                                        <p:strVal val="visible"/>
+                                      </p:to>
+                                    </p:set>
+                                    <p:animEffect transition="in" filter="fade">
+                                      <p:cBhvr>
+                                        <p:cTn id="22" dur="500"/>
+                                        <p:tgtEl>
+                                          <p:spTgt spid="10"/>
+                                        </p:tgtEl>
+                                      </p:cBhvr>
+                                    </p:animEffect>
+                                  </p:childTnLst>
+                                </p:cTn>
+                              </p:par>
+                            </p:childTnLst>
+                          </p:cTn>
+                        </p:par>
+                      </p:childTnLst>
+                    </p:cTn>
+                  </p:par>
+                  <p:par>
+                    <p:cTn id="23" fill="hold">
+                      <p:stCondLst>
+                        <p:cond delay="indefinite"/>
+                      </p:stCondLst>
+                      <p:childTnLst>
+                        <p:par>
+                          <p:cTn id="24" fill="hold">
+                            <p:stCondLst>
+                              <p:cond delay="0"/>
+                            </p:stCondLst>
+                            <p:childTnLst>
+                              <p:par>
+                                <p:cTn id="25" presetID="10" presetClass="entr" presetSubtype="0" fill="hold" grpId="0" nodeType="clickEffect">
+                                  <p:stCondLst>
+                                    <p:cond delay="0"/>
+                                  </p:stCondLst>
+                                  <p:childTnLst>
+                                    <p:set>
+                                      <p:cBhvr>
+                                        <p:cTn id="26" dur="1" fill="hold">
+                                          <p:stCondLst>
+                                            <p:cond delay="0"/>
+                                          </p:stCondLst>
+                                        </p:cTn>
+                                        <p:tgtEl>
+                                          <p:spTgt spid="5"/>
+                                        </p:tgtEl>
+                                        <p:attrNameLst>
+                                          <p:attrName>style.visibility</p:attrName>
+                                        </p:attrNameLst>
+                                      </p:cBhvr>
+                                      <p:to>
+                                        <p:strVal val="visible"/>
+                                      </p:to>
+                                    </p:set>
+                                    <p:animEffect transition="in" filter="fade">
+                                      <p:cBhvr>
+                                        <p:cTn id="27" dur="500"/>
+                                        <p:tgtEl>
+                                          <p:spTgt spid="5"/>
+                                        </p:tgtEl>
+                                      </p:cBhvr>
+                                    </p:animEffect>
+                                  </p:childTnLst>
+                                </p:cTn>
+                              </p:par>
+                            </p:childTnLst>
+                          </p:cTn>
+                        </p:par>
+                      </p:childTnLst>
+                    </p:cTn>
+                  </p:par>
+                  <p:par>
+                    <p:cTn id="28" fill="hold">
+                      <p:stCondLst>
+                        <p:cond delay="indefinite"/>
+                      </p:stCondLst>
+                      <p:childTnLst>
+                        <p:par>
+                          <p:cTn id="29" fill="hold">
+                            <p:stCondLst>
+                              <p:cond delay="0"/>
+                            </p:stCondLst>
+                            <p:childTnLst>
+                              <p:par>
+                                <p:cTn id="30" presetID="10" presetClass="entr" presetSubtype="0" fill="hold" grpId="0" nodeType="clickEffect">
+                                  <p:stCondLst>
+                                    <p:cond delay="0"/>
+                                  </p:stCondLst>
+                                  <p:childTnLst>
+                                    <p:set>
+                                      <p:cBhvr>
+                                        <p:cTn id="31" dur="1" fill="hold">
+                                          <p:stCondLst>
+                                            <p:cond delay="0"/>
+                                          </p:stCondLst>
+                                        </p:cTn>
+                                        <p:tgtEl>
+                                          <p:spTgt spid="11"/>
+                                        </p:tgtEl>
+                                        <p:attrNameLst>
+                                          <p:attrName>style.visibility</p:attrName>
+                                        </p:attrNameLst>
+                                      </p:cBhvr>
+                                      <p:to>
+                                        <p:strVal val="visible"/>
+                                      </p:to>
+                                    </p:set>
+                                    <p:animEffect transition="in" filter="fade">
+                                      <p:cBhvr>
+                                        <p:cTn id="32" dur="500"/>
+                                        <p:tgtEl>
+                                          <p:spTgt spid="11"/>
+                                        </p:tgtEl>
+                                      </p:cBhvr>
+                                    </p:animEffect>
+                                  </p:childTnLst>
+                                </p:cTn>
+                              </p:par>
+                            </p:childTnLst>
+                          </p:cTn>
+                        </p:par>
+                      </p:childTnLst>
+                    </p:cTn>
+                  </p:par>
+                  <p:par>
+                    <p:cTn id="33" fill="hold">
+                      <p:stCondLst>
+                        <p:cond delay="indefinite"/>
+                      </p:stCondLst>
+                      <p:childTnLst>
+                        <p:par>
+                          <p:cTn id="34" fill="hold">
+                            <p:stCondLst>
+                              <p:cond delay="0"/>
+                            </p:stCondLst>
+                            <p:childTnLst>
+                              <p:par>
+                                <p:cTn id="35" presetID="10" presetClass="entr" presetSubtype="0" fill="hold" grpId="0" nodeType="clickEffect">
+                                  <p:stCondLst>
+                                    <p:cond delay="0"/>
+                                  </p:stCondLst>
+                                  <p:childTnLst>
+                                    <p:set>
+                                      <p:cBhvr>
+                                        <p:cTn id="36" dur="1" fill="hold">
+                                          <p:stCondLst>
+                                            <p:cond delay="0"/>
+                                          </p:stCondLst>
+                                        </p:cTn>
+                                        <p:tgtEl>
+                                          <p:spTgt spid="12"/>
+                                        </p:tgtEl>
+                                        <p:attrNameLst>
+                                          <p:attrName>style.visibility</p:attrName>
+                                        </p:attrNameLst>
+                                      </p:cBhvr>
+                                      <p:to>
+                                        <p:strVal val="visible"/>
+                                      </p:to>
+                                    </p:set>
+                                    <p:animEffect transition="in" filter="fade">
+                                      <p:cBhvr>
+                                        <p:cTn id="37" dur="500"/>
+                                        <p:tgtEl>
+                                          <p:spTgt spid="12"/>
+                                        </p:tgtEl>
+                                      </p:cBhvr>
+                                    </p:animEffect>
+                                  </p:childTnLst>
+                                </p:cTn>
+                              </p:par>
+                            </p:childTnLst>
+                          </p:cTn>
+                        </p:par>
+                      </p:childTnLst>
+                    </p:cTn>
+                  </p:par>
+                  <p:par>
+                    <p:cTn id="38" fill="hold">
+                      <p:stCondLst>
+                        <p:cond delay="indefinite"/>
+                      </p:stCondLst>
+                      <p:childTnLst>
+                        <p:par>
+                          <p:cTn id="39" fill="hold">
+                            <p:stCondLst>
+                              <p:cond delay="0"/>
+                            </p:stCondLst>
+                            <p:childTnLst>
+                              <p:par>
+                                <p:cTn id="40" presetID="10" presetClass="entr" presetSubtype="0" fill="hold" grpId="0" nodeType="clickEffect">
+                                  <p:stCondLst>
+                                    <p:cond delay="0"/>
+                                  </p:stCondLst>
+                                  <p:childTnLst>
+                                    <p:set>
+                                      <p:cBhvr>
+                                        <p:cTn id="41" dur="1" fill="hold">
+                                          <p:stCondLst>
+                                            <p:cond delay="0"/>
+                                          </p:stCondLst>
+                                        </p:cTn>
+                                        <p:tgtEl>
+                                          <p:spTgt spid="7"/>
+                                        </p:tgtEl>
+                                        <p:attrNameLst>
+                                          <p:attrName>style.visibility</p:attrName>
+                                        </p:attrNameLst>
+                                      </p:cBhvr>
+                                      <p:to>
+                                        <p:strVal val="visible"/>
+                                      </p:to>
+                                    </p:set>
+                                    <p:animEffect transition="in" filter="fade">
+                                      <p:cBhvr>
+                                        <p:cTn id="42" dur="500"/>
+                                        <p:tgtEl>
+                                          <p:spTgt spid="7"/>
+                                        </p:tgtEl>
+                                      </p:cBhvr>
+                                    </p:animEffect>
+                                  </p:childTnLst>
+                                </p:cTn>
+                              </p:par>
+                            </p:childTnLst>
+                          </p:cTn>
+                        </p:par>
+                      </p:childTnLst>
+                    </p:cTn>
+                  </p:par>
+                  <p:par>
+                    <p:cTn id="43" fill="hold">
+                      <p:stCondLst>
+                        <p:cond delay="indefinite"/>
+                      </p:stCondLst>
+                      <p:childTnLst>
+                        <p:par>
+                          <p:cTn id="44" fill="hold">
+                            <p:stCondLst>
+                              <p:cond delay="0"/>
+                            </p:stCondLst>
+                            <p:childTnLst>
+                              <p:par>
+                                <p:cTn id="45" presetID="10" presetClass="entr" presetSubtype="0" fill="hold" nodeType="clickEffect">
+                                  <p:stCondLst>
+                                    <p:cond delay="0"/>
+                                  </p:stCondLst>
+                                  <p:childTnLst>
+                                    <p:set>
+                                      <p:cBhvr>
+                                        <p:cTn id="46" dur="1" fill="hold">
+                                          <p:stCondLst>
+                                            <p:cond delay="0"/>
+                                          </p:stCondLst>
+                                        </p:cTn>
+                                        <p:tgtEl>
+                                          <p:spTgt spid="13"/>
+                                        </p:tgtEl>
+                                        <p:attrNameLst>
+                                          <p:attrName>style.visibility</p:attrName>
+                                        </p:attrNameLst>
+                                      </p:cBhvr>
+                                      <p:to>
+                                        <p:strVal val="visible"/>
+                                      </p:to>
+                                    </p:set>
+                                    <p:animEffect transition="in" filter="fade">
+                                      <p:cBhvr>
+                                        <p:cTn id="47" dur="500"/>
+                                        <p:tgtEl>
+                                          <p:spTgt spid="13"/>
+                                        </p:tgtEl>
+                                      </p:cBhvr>
+                                    </p:animEffect>
+                                  </p:childTnLst>
+                                </p:cTn>
+                              </p:par>
+                            </p:childTnLst>
+                          </p:cTn>
+                        </p:par>
+                      </p:childTnLst>
+                    </p:cTn>
+                  </p:par>
+                  <p:par>
+                    <p:cTn id="48" fill="hold">
+                      <p:stCondLst>
+                        <p:cond delay="indefinite"/>
+                      </p:stCondLst>
+                      <p:childTnLst>
+                        <p:par>
+                          <p:cTn id="49" fill="hold">
+                            <p:stCondLst>
+                              <p:cond delay="0"/>
+                            </p:stCondLst>
+                            <p:childTnLst>
+                              <p:par>
+                                <p:cTn id="50" presetID="10" presetClass="entr" presetSubtype="0" fill="hold" grpId="0" nodeType="clickEffect">
+                                  <p:stCondLst>
+                                    <p:cond delay="0"/>
+                                  </p:stCondLst>
+                                  <p:childTnLst>
+                                    <p:set>
+                                      <p:cBhvr>
+                                        <p:cTn id="51" dur="1" fill="hold">
+                                          <p:stCondLst>
+                                            <p:cond delay="0"/>
+                                          </p:stCondLst>
+                                        </p:cTn>
+                                        <p:tgtEl>
+                                          <p:spTgt spid="14"/>
+                                        </p:tgtEl>
+                                        <p:attrNameLst>
+                                          <p:attrName>style.visibility</p:attrName>
+                                        </p:attrNameLst>
+                                      </p:cBhvr>
+                                      <p:to>
+                                        <p:strVal val="visible"/>
+                                      </p:to>
+                                    </p:set>
+                                    <p:animEffect transition="in" filter="fade">
+                                      <p:cBhvr>
+                                        <p:cTn id="52" dur="500"/>
+                                        <p:tgtEl>
+                                          <p:spTgt spid="14"/>
+                                        </p:tgtEl>
+                                      </p:cBhvr>
+                                    </p:animEffect>
+                                  </p:childTnLst>
+                                </p:cTn>
+                              </p:par>
+                            </p:childTnLst>
+                          </p:cTn>
+                        </p:par>
+                      </p:childTnLst>
+                    </p:cTn>
+                  </p:par>
+                  <p:par>
+                    <p:cTn id="53" fill="hold">
+                      <p:stCondLst>
+                        <p:cond delay="indefinite"/>
+                      </p:stCondLst>
+                      <p:childTnLst>
+                        <p:par>
+                          <p:cTn id="54" fill="hold">
+                            <p:stCondLst>
+                              <p:cond delay="0"/>
+                            </p:stCondLst>
+                            <p:childTnLst>
+                              <p:par>
+                                <p:cTn id="55" presetID="10" presetClass="entr" presetSubtype="0" fill="hold" nodeType="clickEffect">
+                                  <p:stCondLst>
+                                    <p:cond delay="0"/>
+                                  </p:stCondLst>
+                                  <p:childTnLst>
+                                    <p:set>
+                                      <p:cBhvr>
+                                        <p:cTn id="56" dur="1" fill="hold">
+                                          <p:stCondLst>
+                                            <p:cond delay="0"/>
+                                          </p:stCondLst>
+                                        </p:cTn>
+                                        <p:tgtEl>
+                                          <p:spTgt spid="20"/>
+                                        </p:tgtEl>
+                                        <p:attrNameLst>
+                                          <p:attrName>style.visibility</p:attrName>
+                                        </p:attrNameLst>
+                                      </p:cBhvr>
+                                      <p:to>
+                                        <p:strVal val="visible"/>
+                                      </p:to>
+                                    </p:set>
+                                    <p:animEffect transition="in" filter="fade">
+                                      <p:cBhvr>
+                                        <p:cTn id="57" dur="500"/>
+                                        <p:tgtEl>
+                                          <p:spTgt spid="20"/>
+                                        </p:tgtEl>
+                                      </p:cBhvr>
+                                    </p:animEffect>
+                                  </p:childTnLst>
+                                </p:cTn>
+                              </p:par>
+                            </p:childTnLst>
+                          </p:cTn>
+                        </p:par>
+                      </p:childTnLst>
+                    </p:cTn>
+                  </p:par>
+                  <p:par>
+                    <p:cTn id="58" fill="hold">
+                      <p:stCondLst>
+                        <p:cond delay="indefinite"/>
+                      </p:stCondLst>
+                      <p:childTnLst>
+                        <p:par>
+                          <p:cTn id="59" fill="hold">
+                            <p:stCondLst>
+                              <p:cond delay="0"/>
+                            </p:stCondLst>
+                            <p:childTnLst>
+                              <p:par>
+                                <p:cTn id="60" presetID="10" presetClass="entr" presetSubtype="0" fill="hold" grpId="0" nodeType="clickEffect">
+                                  <p:stCondLst>
+                                    <p:cond delay="0"/>
+                                  </p:stCondLst>
+                                  <p:childTnLst>
+                                    <p:set>
+                                      <p:cBhvr>
+                                        <p:cTn id="61" dur="1" fill="hold">
+                                          <p:stCondLst>
+                                            <p:cond delay="0"/>
+                                          </p:stCondLst>
+                                        </p:cTn>
+                                        <p:tgtEl>
+                                          <p:spTgt spid="21"/>
+                                        </p:tgtEl>
+                                        <p:attrNameLst>
+                                          <p:attrName>style.visibility</p:attrName>
+                                        </p:attrNameLst>
+                                      </p:cBhvr>
+                                      <p:to>
+                                        <p:strVal val="visible"/>
+                                      </p:to>
+                                    </p:set>
+                                    <p:animEffect transition="in" filter="fade">
+                                      <p:cBhvr>
+                                        <p:cTn id="62" dur="500"/>
+                                        <p:tgtEl>
+                                          <p:spTgt spid="21"/>
+                                        </p:tgtEl>
+                                      </p:cBhvr>
+                                    </p:animEffect>
+                                  </p:childTnLst>
+                                </p:cTn>
+                              </p:par>
+                            </p:childTnLst>
+                          </p:cTn>
+                        </p:par>
+                      </p:childTnLst>
+                    </p:cTn>
+                  </p:par>
+                  <p:par>
+                    <p:cTn id="63" fill="hold">
+                      <p:stCondLst>
+                        <p:cond delay="indefinite"/>
+                      </p:stCondLst>
+                      <p:childTnLst>
+                        <p:par>
+                          <p:cTn id="64" fill="hold">
+                            <p:stCondLst>
+                              <p:cond delay="0"/>
+                            </p:stCondLst>
+                            <p:childTnLst>
+                              <p:par>
+                                <p:cTn id="65" presetID="10" presetClass="entr" presetSubtype="0" fill="hold" grpId="0" nodeType="clickEffect">
+                                  <p:stCondLst>
+                                    <p:cond delay="0"/>
+                                  </p:stCondLst>
+                                  <p:childTnLst>
+                                    <p:set>
+                                      <p:cBhvr>
+                                        <p:cTn id="66" dur="1" fill="hold">
+                                          <p:stCondLst>
+                                            <p:cond delay="0"/>
+                                          </p:stCondLst>
+                                        </p:cTn>
+                                        <p:tgtEl>
+                                          <p:spTgt spid="15"/>
+                                        </p:tgtEl>
+                                        <p:attrNameLst>
+                                          <p:attrName>style.visibility</p:attrName>
+                                        </p:attrNameLst>
+                                      </p:cBhvr>
+                                      <p:to>
+                                        <p:strVal val="visible"/>
+                                      </p:to>
+                                    </p:set>
+                                    <p:animEffect transition="in" filter="fade">
+                                      <p:cBhvr>
+                                        <p:cTn id="67" dur="500"/>
+                                        <p:tgtEl>
+                                          <p:spTgt spid="15"/>
+                                        </p:tgtEl>
+                                      </p:cBhvr>
+                                    </p:animEffect>
+                                  </p:childTnLst>
+                                </p:cTn>
+                              </p:par>
+                            </p:childTnLst>
+                          </p:cTn>
+                        </p:par>
+                      </p:childTnLst>
+                    </p:cTn>
+                  </p:par>
+                  <p:par>
+                    <p:cTn id="68" fill="hold">
+                      <p:stCondLst>
+                        <p:cond delay="indefinite"/>
+                      </p:stCondLst>
+                      <p:childTnLst>
+                        <p:par>
+                          <p:cTn id="69" fill="hold">
+                            <p:stCondLst>
+                              <p:cond delay="0"/>
+                            </p:stCondLst>
+                            <p:childTnLst>
+                              <p:par>
+                                <p:cTn id="70" presetID="10" presetClass="entr" presetSubtype="0" fill="hold" nodeType="clickEffect">
+                                  <p:stCondLst>
+                                    <p:cond delay="0"/>
+                                  </p:stCondLst>
+                                  <p:childTnLst>
+                                    <p:set>
+                                      <p:cBhvr>
+                                        <p:cTn id="71" dur="1" fill="hold">
+                                          <p:stCondLst>
+                                            <p:cond delay="0"/>
+                                          </p:stCondLst>
+                                        </p:cTn>
+                                        <p:tgtEl>
+                                          <p:spTgt spid="17"/>
+                                        </p:tgtEl>
+                                        <p:attrNameLst>
+                                          <p:attrName>style.visibility</p:attrName>
+                                        </p:attrNameLst>
+                                      </p:cBhvr>
+                                      <p:to>
+                                        <p:strVal val="visible"/>
+                                      </p:to>
+                                    </p:set>
+                                    <p:animEffect transition="in" filter="fade">
+                                      <p:cBhvr>
+                                        <p:cTn id="72" dur="500"/>
+                                        <p:tgtEl>
+                                          <p:spTgt spid="17"/>
+                                        </p:tgtEl>
+                                      </p:cBhvr>
+                                    </p:animEffect>
+                                  </p:childTnLst>
+                                </p:cTn>
+                              </p:par>
+                            </p:childTnLst>
+                          </p:cTn>
+                        </p:par>
+                      </p:childTnLst>
+                    </p:cTn>
+                  </p:par>
+                  <p:par>
+                    <p:cTn id="73" fill="hold">
+                      <p:stCondLst>
+                        <p:cond delay="indefinite"/>
+                      </p:stCondLst>
+                      <p:childTnLst>
+                        <p:par>
+                          <p:cTn id="74" fill="hold">
+                            <p:stCondLst>
+                              <p:cond delay="0"/>
+                            </p:stCondLst>
+                            <p:childTnLst>
+                              <p:par>
+                                <p:cTn id="75" presetID="10" presetClass="entr" presetSubtype="0" fill="hold" grpId="0" nodeType="clickEffect">
+                                  <p:stCondLst>
+                                    <p:cond delay="0"/>
+                                  </p:stCondLst>
+                                  <p:childTnLst>
+                                    <p:set>
+                                      <p:cBhvr>
+                                        <p:cTn id="76" dur="1" fill="hold">
+                                          <p:stCondLst>
+                                            <p:cond delay="0"/>
+                                          </p:stCondLst>
+                                        </p:cTn>
+                                        <p:tgtEl>
+                                          <p:spTgt spid="18"/>
+                                        </p:tgtEl>
+                                        <p:attrNameLst>
+                                          <p:attrName>style.visibility</p:attrName>
+                                        </p:attrNameLst>
+                                      </p:cBhvr>
+                                      <p:to>
+                                        <p:strVal val="visible"/>
+                                      </p:to>
+                                    </p:set>
+                                    <p:animEffect transition="in" filter="fade">
+                                      <p:cBhvr>
+                                        <p:cTn id="77" dur="500"/>
+                                        <p:tgtEl>
+                                          <p:spTgt spid="18"/>
+                                        </p:tgtEl>
+                                      </p:cBhvr>
+                                    </p:animEffect>
+                                  </p:childTnLst>
+                                </p:cTn>
+                              </p:par>
+                            </p:childTnLst>
+                          </p:cTn>
+                        </p:par>
+                      </p:childTnLst>
+                    </p:cTn>
+                  </p:par>
+                </p:childTnLst>
+              </p:cTn>
+              <p:prevCondLst>
+                <p:cond evt="onPrev" delay="0">
+                  <p:tgtEl>
+                    <p:sldTgt/>
+                  </p:tgtEl>
+                </p:cond>
+              </p:prevCondLst>
+              <p:nextCondLst>
+                <p:cond evt="onNext" delay="0">
+                  <p:tgtEl>
+                    <p:sldTgt/>
+                  </p:tgtEl>
+                </p:cond>
+              </p:nextCondLst>
+            </p:seq>
+          </p:childTnLst>
+        </p:cTn>
+      </p:par>
+    </p:tnLst>
+    <p:bldLst>
+      <p:bldP spid="5" grpId="0" animBg="1"/>
+      <p:bldP spid="7" grpId="0" animBg="1"/>
+      <p:bldP spid="8" grpId="0"/>
+      <p:bldP spid="9" grpId="0" animBg="1"/>
+      <p:bldP spid="10" grpId="0"/>
+      <p:bldP spid="11" grpId="0" animBg="1"/>
+      <p:bldP spid="12" grpId="0"/>
+      <p:bldP spid="14" grpId="0" animBg="1"/>
+      <p:bldP spid="15" grpId="0" animBg="1"/>
+      <p:bldP spid="18" grpId="0"/>
+      <p:bldP spid="21" grpId="0"/>
+    </p:bldLst>
+  </p:timing>
+</p:sld>
+</file>
+
+<file path=ppt/slides/slide11.xml><?xml version="1.0" encoding="utf-8"?>
+<p:sld xmlns:a="http://schemas.openxmlformats.org/drawingml/2006/main" xmlns:r="http://schemas.openxmlformats.org/officeDocument/2006/relationships" xmlns:p="http://schemas.openxmlformats.org/presentationml/2006/main">
+  <p:cSld>
+    <p:spTree>
+      <p:nvGrpSpPr>
+        <p:cNvPr id="1" name=""/>
+        <p:cNvGrpSpPr/>
+        <p:nvPr/>
+      </p:nvGrpSpPr>
+      <p:grpSpPr>
+        <a:xfrm>
+          <a:off x="0" y="0"/>
+          <a:ext cx="0" cy="0"/>
+          <a:chOff x="0" y="0"/>
+          <a:chExt cx="0" cy="0"/>
+        </a:xfrm>
+      </p:grpSpPr>
+      <p:sp>
+        <p:nvSpPr>
+          <p:cNvPr id="2" name="标题 1"/>
+          <p:cNvSpPr>
+            <a:spLocks noGrp="1"/>
+          </p:cNvSpPr>
+          <p:nvPr>
+            <p:ph type="title"/>
+          </p:nvPr>
+        </p:nvSpPr>
+        <p:spPr/>
+        <p:txBody>
+          <a:bodyPr/>
+          <a:lstStyle/>
+          <a:p>
+            <a:r>
+              <a:rPr lang="zh-CN" altLang="en-US" dirty="0" smtClean="0"/>
+              <a:t>嵌入图表</a:t>
+            </a:r>
+            <a:endParaRPr lang="zh-CN" altLang="en-US" dirty="0"/>
+          </a:p>
+        </p:txBody>
+      </p:sp>
+      <p:sp>
+        <p:nvSpPr>
+          <p:cNvPr id="3" name="内容占位符 2"/>
+          <p:cNvSpPr>
+            <a:spLocks noGrp="1"/>
+          </p:cNvSpPr>
+          <p:nvPr>
+            <p:ph idx="1"/>
+          </p:nvPr>
+        </p:nvSpPr>
+        <p:spPr/>
+        <p:txBody>
+          <a:bodyPr/>
+          <a:lstStyle/>
+          <a:p>
+            <a:r>
+              <a:rPr lang="zh-CN" altLang="en-US" dirty="0" smtClean="0"/>
+              <a:t>在移动图表或者拖动改变图表大小时，按住</a:t>
+            </a:r>
+            <a:r>
+              <a:rPr lang="en-US" altLang="zh-CN" dirty="0" smtClean="0"/>
+              <a:t>alt</a:t>
+            </a:r>
+            <a:r>
+              <a:rPr lang="zh-CN" altLang="en-US" dirty="0" smtClean="0"/>
+              <a:t>键，图表会自动吸附到单元格中，达到嵌入效果</a:t>
+            </a:r>
+            <a:endParaRPr lang="zh-CN" altLang="en-US" dirty="0"/>
+          </a:p>
+        </p:txBody>
+      </p:sp>
+    </p:spTree>
+    <p:extLst>
+      <p:ext uri="{BB962C8B-B14F-4D97-AF65-F5344CB8AC3E}">
+        <p14:creationId xmlns:p14="http://schemas.microsoft.com/office/powerpoint/2010/main" val="185803664"/>
+      </p:ext>
+    </p:extLst>
+  </p:cSld>
+  <p:clrMapOvr>
+    <a:masterClrMapping/>
+  </p:clrMapOvr>
+  <p:timing>
+    <p:tnLst>
+      <p:par>
+        <p:cTn id="1" dur="indefinite" restart="never" nodeType="tmRoot"/>
+      </p:par>
+    </p:tnLst>
+  </p:timing>
+</p:sld>
+</file>
+
+<file path=ppt/slides/slide12.xml><?xml version="1.0" encoding="utf-8"?>
+<p:sld xmlns:a="http://schemas.openxmlformats.org/drawingml/2006/main" xmlns:r="http://schemas.openxmlformats.org/officeDocument/2006/relationships" xmlns:p="http://schemas.openxmlformats.org/presentationml/2006/main">
+  <p:cSld>
+    <p:spTree>
+      <p:nvGrpSpPr>
+        <p:cNvPr id="1" name=""/>
+        <p:cNvGrpSpPr/>
+        <p:nvPr/>
+      </p:nvGrpSpPr>
+      <p:grpSpPr>
+        <a:xfrm>
+          <a:off x="0" y="0"/>
+          <a:ext cx="0" cy="0"/>
+          <a:chOff x="0" y="0"/>
+          <a:chExt cx="0" cy="0"/>
+        </a:xfrm>
+      </p:grpSpPr>
+      <p:sp>
+        <p:nvSpPr>
+          <p:cNvPr id="2" name="标题 1"/>
+          <p:cNvSpPr>
+            <a:spLocks noGrp="1"/>
+          </p:cNvSpPr>
+          <p:nvPr>
+            <p:ph type="title"/>
+          </p:nvPr>
+        </p:nvSpPr>
+        <p:spPr>
+          <a:xfrm>
+            <a:off x="457200" y="274638"/>
+            <a:ext cx="8229600" cy="850106"/>
+          </a:xfrm>
+        </p:spPr>
+        <p:txBody>
+          <a:bodyPr/>
+          <a:lstStyle/>
+          <a:p>
+            <a:r>
+              <a:rPr lang="zh-CN" altLang="en-US" dirty="0" smtClean="0"/>
+              <a:t>修改图表名称</a:t>
+            </a:r>
+            <a:endParaRPr lang="zh-CN" altLang="en-US" dirty="0"/>
+          </a:p>
+        </p:txBody>
+      </p:sp>
+      <p:pic>
+        <p:nvPicPr>
+          <p:cNvPr id="4" name="内容占位符 3"/>
+          <p:cNvPicPr>
+            <a:picLocks noGrp="1" noChangeAspect="1"/>
+          </p:cNvPicPr>
+          <p:nvPr>
+            <p:ph idx="1"/>
+          </p:nvPr>
+        </p:nvPicPr>
+        <p:blipFill>
+          <a:blip r:embed="rId2">
+            <a:extLst>
+              <a:ext uri="{28A0092B-C50C-407E-A947-70E740481C1C}">
+                <a14:useLocalDpi xmlns:a14="http://schemas.microsoft.com/office/drawing/2010/main" val="0"/>
+              </a:ext>
+            </a:extLst>
+          </a:blip>
+          <a:stretch>
+            <a:fillRect/>
+          </a:stretch>
+        </p:blipFill>
+        <p:spPr>
+          <a:xfrm>
+            <a:off x="827584" y="1412776"/>
+            <a:ext cx="7667625" cy="1524000"/>
+          </a:xfrm>
+        </p:spPr>
+      </p:pic>
+      <p:sp>
+        <p:nvSpPr>
+          <p:cNvPr id="5" name="TextBox 4"/>
+          <p:cNvSpPr txBox="1"/>
+          <p:nvPr/>
+        </p:nvSpPr>
+        <p:spPr>
+          <a:xfrm>
+            <a:off x="1835696" y="1556792"/>
+            <a:ext cx="720080" cy="369332"/>
+          </a:xfrm>
+          <a:prstGeom prst="rect">
+            <a:avLst/>
+          </a:prstGeom>
+          <a:noFill/>
+          <a:ln w="22225">
+            <a:solidFill>
+              <a:srgbClr val="FF0000"/>
+            </a:solidFill>
+          </a:ln>
+        </p:spPr>
+        <p:txBody>
+          <a:bodyPr wrap="square" rtlCol="0">
+            <a:spAutoFit/>
+          </a:bodyPr>
+          <a:lstStyle/>
+          <a:p>
+            <a:endParaRPr lang="zh-CN" altLang="en-US" dirty="0"/>
+          </a:p>
+        </p:txBody>
+      </p:sp>
+      <p:sp>
+        <p:nvSpPr>
+          <p:cNvPr id="6" name="TextBox 5"/>
+          <p:cNvSpPr txBox="1"/>
+          <p:nvPr/>
+        </p:nvSpPr>
+        <p:spPr>
+          <a:xfrm>
+            <a:off x="7308304" y="1844824"/>
+            <a:ext cx="972000" cy="576000"/>
+          </a:xfrm>
+          <a:prstGeom prst="rect">
+            <a:avLst/>
+          </a:prstGeom>
+          <a:noFill/>
+          <a:ln w="22225">
+            <a:solidFill>
+              <a:srgbClr val="FF0000"/>
+            </a:solidFill>
+          </a:ln>
+        </p:spPr>
+        <p:txBody>
+          <a:bodyPr wrap="square" rtlCol="0">
+            <a:spAutoFit/>
+          </a:bodyPr>
+          <a:lstStyle/>
+          <a:p>
+            <a:endParaRPr lang="zh-CN" altLang="en-US" dirty="0"/>
+          </a:p>
+        </p:txBody>
+      </p:sp>
+      <p:sp>
+        <p:nvSpPr>
+          <p:cNvPr id="7" name="TextBox 6"/>
+          <p:cNvSpPr txBox="1"/>
+          <p:nvPr/>
+        </p:nvSpPr>
+        <p:spPr>
+          <a:xfrm>
+            <a:off x="3779912" y="3468742"/>
+            <a:ext cx="1152128" cy="369332"/>
+          </a:xfrm>
+          <a:prstGeom prst="rect">
+            <a:avLst/>
+          </a:prstGeom>
+          <a:noFill/>
+        </p:spPr>
+        <p:txBody>
+          <a:bodyPr wrap="square" rtlCol="0">
+            <a:spAutoFit/>
+          </a:bodyPr>
+          <a:lstStyle/>
+          <a:p>
+            <a:r>
+              <a:rPr lang="zh-CN" altLang="en-US" dirty="0" smtClean="0"/>
+              <a:t>图表名称</a:t>
+            </a:r>
+            <a:endParaRPr lang="zh-CN" altLang="en-US" dirty="0"/>
+          </a:p>
+        </p:txBody>
+      </p:sp>
+      <p:sp>
+        <p:nvSpPr>
+          <p:cNvPr id="8" name="TextBox 7"/>
+          <p:cNvSpPr txBox="1"/>
+          <p:nvPr/>
+        </p:nvSpPr>
+        <p:spPr>
+          <a:xfrm>
+            <a:off x="971600" y="3463064"/>
+            <a:ext cx="936104" cy="369332"/>
+          </a:xfrm>
+          <a:prstGeom prst="rect">
+            <a:avLst/>
+          </a:prstGeom>
+          <a:noFill/>
+        </p:spPr>
+        <p:txBody>
+          <a:bodyPr wrap="square" rtlCol="0">
+            <a:spAutoFit/>
+          </a:bodyPr>
+          <a:lstStyle/>
+          <a:p>
+            <a:r>
+              <a:rPr lang="zh-CN" altLang="en-US" dirty="0" smtClean="0"/>
+              <a:t>布局</a:t>
+            </a:r>
+            <a:endParaRPr lang="zh-CN" altLang="en-US" dirty="0"/>
+          </a:p>
+        </p:txBody>
+      </p:sp>
+      <p:sp>
+        <p:nvSpPr>
+          <p:cNvPr id="9" name="右箭头 8"/>
+          <p:cNvSpPr/>
+          <p:nvPr/>
+        </p:nvSpPr>
+        <p:spPr>
+          <a:xfrm>
+            <a:off x="2290446" y="3461959"/>
+            <a:ext cx="792088" cy="319495"/>
+          </a:xfrm>
+          <a:prstGeom prst="rightArrow">
+            <a:avLst/>
+          </a:prstGeom>
+        </p:spPr>
+        <p:style>
+          <a:lnRef idx="2">
+            <a:schemeClr val="accent1">
+              <a:shade val="50000"/>
+            </a:schemeClr>
+          </a:lnRef>
+          <a:fillRef idx="1">
+            <a:schemeClr val="accent1"/>
+          </a:fillRef>
+          <a:effectRef idx="0">
+            <a:schemeClr val="accent1"/>
+          </a:effectRef>
+          <a:fontRef idx="minor">
+            <a:schemeClr val="lt1"/>
+          </a:fontRef>
+        </p:style>
+        <p:txBody>
+          <a:bodyPr rtlCol="0" anchor="ctr"/>
+          <a:lstStyle/>
+          <a:p>
+            <a:pPr algn="ctr"/>
+            <a:endParaRPr lang="zh-CN" altLang="en-US"/>
+          </a:p>
+        </p:txBody>
+      </p:sp>
+      <p:sp>
+        <p:nvSpPr>
+          <p:cNvPr id="10" name="TextBox 9"/>
+          <p:cNvSpPr txBox="1"/>
+          <p:nvPr/>
+        </p:nvSpPr>
+        <p:spPr>
+          <a:xfrm>
+            <a:off x="971600" y="4609718"/>
+            <a:ext cx="6930824" cy="369332"/>
+          </a:xfrm>
+          <a:prstGeom prst="rect">
+            <a:avLst/>
+          </a:prstGeom>
+          <a:noFill/>
+        </p:spPr>
+        <p:txBody>
+          <a:bodyPr wrap="square" rtlCol="0">
+            <a:spAutoFit/>
+          </a:bodyPr>
+          <a:lstStyle/>
+          <a:p>
+            <a:r>
+              <a:rPr lang="zh-CN" altLang="en-US" dirty="0" smtClean="0">
+                <a:solidFill>
+                  <a:srgbClr val="FF0000"/>
+                </a:solidFill>
+              </a:rPr>
+              <a:t>注意：图表名称</a:t>
+            </a:r>
+            <a:r>
+              <a:rPr lang="en-US" altLang="zh-CN" dirty="0">
+                <a:solidFill>
+                  <a:srgbClr val="FF0000"/>
+                </a:solidFill>
+              </a:rPr>
+              <a:t>	</a:t>
+            </a:r>
+            <a:r>
+              <a:rPr lang="en-US" altLang="zh-CN" dirty="0" smtClean="0">
+                <a:solidFill>
+                  <a:srgbClr val="FF0000"/>
+                </a:solidFill>
+              </a:rPr>
+              <a:t>    </a:t>
+            </a:r>
+            <a:r>
+              <a:rPr lang="en-US" altLang="zh-CN" dirty="0" smtClean="0">
+                <a:solidFill>
+                  <a:srgbClr val="FF0000"/>
+                </a:solidFill>
+                <a:latin typeface="宋体"/>
+              </a:rPr>
+              <a:t>≠	</a:t>
+            </a:r>
+            <a:r>
+              <a:rPr lang="zh-CN" altLang="en-US" dirty="0" smtClean="0">
+                <a:solidFill>
+                  <a:srgbClr val="FF0000"/>
+                </a:solidFill>
+                <a:latin typeface="宋体"/>
+              </a:rPr>
+              <a:t>工作表名称</a:t>
+            </a:r>
+            <a:r>
+              <a:rPr lang="en-US" altLang="zh-CN" dirty="0" smtClean="0">
+                <a:solidFill>
+                  <a:srgbClr val="FF0000"/>
+                </a:solidFill>
+                <a:latin typeface="宋体"/>
+              </a:rPr>
+              <a:t>	≠	</a:t>
+            </a:r>
+            <a:r>
+              <a:rPr lang="zh-CN" altLang="en-US" dirty="0" smtClean="0">
+                <a:solidFill>
+                  <a:srgbClr val="FF0000"/>
+                </a:solidFill>
+              </a:rPr>
+              <a:t>图表标题</a:t>
+            </a:r>
+            <a:endParaRPr lang="zh-CN" altLang="en-US" dirty="0">
+              <a:solidFill>
+                <a:srgbClr val="FF0000"/>
+              </a:solidFill>
+            </a:endParaRPr>
+          </a:p>
+        </p:txBody>
+      </p:sp>
+      <p:sp>
+        <p:nvSpPr>
+          <p:cNvPr id="11" name="右箭头 10"/>
+          <p:cNvSpPr/>
+          <p:nvPr/>
+        </p:nvSpPr>
+        <p:spPr>
+          <a:xfrm>
+            <a:off x="5436096" y="3487982"/>
+            <a:ext cx="792088" cy="319495"/>
+          </a:xfrm>
+          <a:prstGeom prst="rightArrow">
+            <a:avLst/>
+          </a:prstGeom>
+        </p:spPr>
+        <p:style>
+          <a:lnRef idx="2">
+            <a:schemeClr val="accent1">
+              <a:shade val="50000"/>
+            </a:schemeClr>
+          </a:lnRef>
+          <a:fillRef idx="1">
+            <a:schemeClr val="accent1"/>
+          </a:fillRef>
+          <a:effectRef idx="0">
+            <a:schemeClr val="accent1"/>
+          </a:effectRef>
+          <a:fontRef idx="minor">
+            <a:schemeClr val="lt1"/>
+          </a:fontRef>
+        </p:style>
+        <p:txBody>
+          <a:bodyPr rtlCol="0" anchor="ctr"/>
+          <a:lstStyle/>
+          <a:p>
+            <a:pPr algn="ctr"/>
+            <a:endParaRPr lang="zh-CN" altLang="en-US"/>
+          </a:p>
+        </p:txBody>
+      </p:sp>
+      <p:sp>
+        <p:nvSpPr>
+          <p:cNvPr id="12" name="TextBox 11"/>
+          <p:cNvSpPr txBox="1"/>
+          <p:nvPr/>
+        </p:nvSpPr>
+        <p:spPr>
+          <a:xfrm>
+            <a:off x="6821478" y="3429000"/>
+            <a:ext cx="1638953" cy="369332"/>
+          </a:xfrm>
+          <a:prstGeom prst="rect">
+            <a:avLst/>
+          </a:prstGeom>
+          <a:noFill/>
+        </p:spPr>
+        <p:txBody>
+          <a:bodyPr wrap="square" rtlCol="0">
+            <a:spAutoFit/>
+          </a:bodyPr>
+          <a:lstStyle/>
+          <a:p>
+            <a:r>
+              <a:rPr lang="zh-CN" altLang="en-US" dirty="0" smtClean="0"/>
+              <a:t>修改图表名称</a:t>
+            </a:r>
+            <a:endParaRPr lang="zh-CN" altLang="en-US" dirty="0"/>
+          </a:p>
+        </p:txBody>
+      </p:sp>
+    </p:spTree>
+    <p:extLst>
+      <p:ext uri="{BB962C8B-B14F-4D97-AF65-F5344CB8AC3E}">
+        <p14:creationId xmlns:p14="http://schemas.microsoft.com/office/powerpoint/2010/main" val="1309608354"/>
+      </p:ext>
+    </p:extLst>
+  </p:cSld>
+  <p:clrMapOvr>
+    <a:masterClrMapping/>
+  </p:clrMapOvr>
+  <p:timing>
+    <p:tnLst>
+      <p:par>
+        <p:cTn id="1" dur="indefinite" restart="never" nodeType="tmRoot">
+          <p:childTnLst>
+            <p:seq concurrent="1" nextAc="seek">
+              <p:cTn id="2" dur="indefinite" nodeType="mainSeq">
+                <p:childTnLst>
+                  <p:par>
+                    <p:cTn id="3" fill="hold">
+                      <p:stCondLst>
+                        <p:cond delay="indefinite"/>
+                      </p:stCondLst>
+                      <p:childTnLst>
+                        <p:par>
+                          <p:cTn id="4" fill="hold">
+                            <p:stCondLst>
+                              <p:cond delay="0"/>
+                            </p:stCondLst>
+                            <p:childTnLst>
+                              <p:par>
+                                <p:cTn id="5" presetID="10" presetClass="entr" presetSubtype="0" fill="hold" nodeType="clickEffect">
+                                  <p:stCondLst>
+                                    <p:cond delay="0"/>
+                                  </p:stCondLst>
+                                  <p:childTnLst>
+                                    <p:set>
+                                      <p:cBhvr>
+                                        <p:cTn id="6" dur="1" fill="hold">
+                                          <p:stCondLst>
+                                            <p:cond delay="0"/>
+                                          </p:stCondLst>
+                                        </p:cTn>
+                                        <p:tgtEl>
+                                          <p:spTgt spid="4"/>
+                                        </p:tgtEl>
+                                        <p:attrNameLst>
+                                          <p:attrName>style.visibility</p:attrName>
+                                        </p:attrNameLst>
+                                      </p:cBhvr>
+                                      <p:to>
+                                        <p:strVal val="visible"/>
+                                      </p:to>
+                                    </p:set>
+                                    <p:animEffect transition="in" filter="fade">
+                                      <p:cBhvr>
+                                        <p:cTn id="7" dur="500"/>
+                                        <p:tgtEl>
+                                          <p:spTgt spid="4"/>
+                                        </p:tgtEl>
+                                      </p:cBhvr>
+                                    </p:animEffect>
+                                  </p:childTnLst>
+                                </p:cTn>
+                              </p:par>
+                            </p:childTnLst>
+                          </p:cTn>
+                        </p:par>
+                      </p:childTnLst>
+                    </p:cTn>
+                  </p:par>
+                  <p:par>
+                    <p:cTn id="8" fill="hold">
+                      <p:stCondLst>
+                        <p:cond delay="indefinite"/>
+                      </p:stCondLst>
+                      <p:childTnLst>
+                        <p:par>
+                          <p:cTn id="9" fill="hold">
+                            <p:stCondLst>
+                              <p:cond delay="0"/>
+                            </p:stCondLst>
+                            <p:childTnLst>
+                              <p:par>
+                                <p:cTn id="10" presetID="1" presetClass="entr" presetSubtype="0" fill="hold" grpId="0" nodeType="clickEffect">
+                                  <p:stCondLst>
+                                    <p:cond delay="0"/>
+                                  </p:stCondLst>
+                                  <p:childTnLst>
+                                    <p:set>
+                                      <p:cBhvr>
+                                        <p:cTn id="11" dur="1" fill="hold">
+                                          <p:stCondLst>
+                                            <p:cond delay="0"/>
+                                          </p:stCondLst>
+                                        </p:cTn>
+                                        <p:tgtEl>
+                                          <p:spTgt spid="8"/>
+                                        </p:tgtEl>
+                                        <p:attrNameLst>
+                                          <p:attrName>style.visibility</p:attrName>
+                                        </p:attrNameLst>
+                                      </p:cBhvr>
+                                      <p:to>
+                                        <p:strVal val="visible"/>
+                                      </p:to>
+                                    </p:set>
+                                  </p:childTnLst>
+                                </p:cTn>
+                              </p:par>
+                            </p:childTnLst>
+                          </p:cTn>
+                        </p:par>
+                      </p:childTnLst>
+                    </p:cTn>
+                  </p:par>
+                  <p:par>
+                    <p:cTn id="12" fill="hold">
+                      <p:stCondLst>
+                        <p:cond delay="indefinite"/>
+                      </p:stCondLst>
+                      <p:childTnLst>
+                        <p:par>
+                          <p:cTn id="13" fill="hold">
+                            <p:stCondLst>
+                              <p:cond delay="0"/>
+                            </p:stCondLst>
+                            <p:childTnLst>
+                              <p:par>
+                                <p:cTn id="14" presetID="10" presetClass="entr" presetSubtype="0" fill="hold" grpId="0" nodeType="clickEffect">
+                                  <p:stCondLst>
+                                    <p:cond delay="0"/>
+                                  </p:stCondLst>
+                                  <p:childTnLst>
+                                    <p:set>
+                                      <p:cBhvr>
+                                        <p:cTn id="15" dur="1" fill="hold">
+                                          <p:stCondLst>
+                                            <p:cond delay="0"/>
+                                          </p:stCondLst>
+                                        </p:cTn>
+                                        <p:tgtEl>
+                                          <p:spTgt spid="5"/>
+                                        </p:tgtEl>
+                                        <p:attrNameLst>
+                                          <p:attrName>style.visibility</p:attrName>
+                                        </p:attrNameLst>
+                                      </p:cBhvr>
+                                      <p:to>
+                                        <p:strVal val="visible"/>
+                                      </p:to>
+                                    </p:set>
+                                    <p:animEffect transition="in" filter="fade">
+                                      <p:cBhvr>
+                                        <p:cTn id="16" dur="500"/>
+                                        <p:tgtEl>
+                                          <p:spTgt spid="5"/>
+                                        </p:tgtEl>
+                                      </p:cBhvr>
+                                    </p:animEffect>
+                                  </p:childTnLst>
+                                </p:cTn>
+                              </p:par>
+                            </p:childTnLst>
+                          </p:cTn>
+                        </p:par>
+                      </p:childTnLst>
+                    </p:cTn>
+                  </p:par>
+                  <p:par>
+                    <p:cTn id="17" fill="hold">
+                      <p:stCondLst>
+                        <p:cond delay="indefinite"/>
+                      </p:stCondLst>
+                      <p:childTnLst>
+                        <p:par>
+                          <p:cTn id="18" fill="hold">
+                            <p:stCondLst>
+                              <p:cond delay="0"/>
+                            </p:stCondLst>
+                            <p:childTnLst>
+                              <p:par>
+                                <p:cTn id="19" presetID="10" presetClass="entr" presetSubtype="0" fill="hold" grpId="0" nodeType="clickEffect">
+                                  <p:stCondLst>
+                                    <p:cond delay="0"/>
+                                  </p:stCondLst>
+                                  <p:childTnLst>
+                                    <p:set>
+                                      <p:cBhvr>
+                                        <p:cTn id="20" dur="1" fill="hold">
+                                          <p:stCondLst>
+                                            <p:cond delay="0"/>
+                                          </p:stCondLst>
+                                        </p:cTn>
+                                        <p:tgtEl>
+                                          <p:spTgt spid="9"/>
+                                        </p:tgtEl>
+                                        <p:attrNameLst>
+                                          <p:attrName>style.visibility</p:attrName>
+                                        </p:attrNameLst>
+                                      </p:cBhvr>
+                                      <p:to>
+                                        <p:strVal val="visible"/>
+                                      </p:to>
+                                    </p:set>
+                                    <p:animEffect transition="in" filter="fade">
+                                      <p:cBhvr>
+                                        <p:cTn id="21" dur="500"/>
+                                        <p:tgtEl>
+                                          <p:spTgt spid="9"/>
+                                        </p:tgtEl>
+                                      </p:cBhvr>
+                                    </p:animEffect>
+                                  </p:childTnLst>
+                                </p:cTn>
+                              </p:par>
+                            </p:childTnLst>
+                          </p:cTn>
+                        </p:par>
+                      </p:childTnLst>
+                    </p:cTn>
+                  </p:par>
+                  <p:par>
+                    <p:cTn id="22" fill="hold">
+                      <p:stCondLst>
+                        <p:cond delay="indefinite"/>
+                      </p:stCondLst>
+                      <p:childTnLst>
+                        <p:par>
+                          <p:cTn id="23" fill="hold">
+                            <p:stCondLst>
+                              <p:cond delay="0"/>
+                            </p:stCondLst>
+                            <p:childTnLst>
+                              <p:par>
+                                <p:cTn id="24" presetID="10" presetClass="entr" presetSubtype="0" fill="hold" grpId="0" nodeType="clickEffect">
+                                  <p:stCondLst>
+                                    <p:cond delay="0"/>
+                                  </p:stCondLst>
+                                  <p:childTnLst>
+                                    <p:set>
+                                      <p:cBhvr>
+                                        <p:cTn id="25" dur="1" fill="hold">
+                                          <p:stCondLst>
+                                            <p:cond delay="0"/>
+                                          </p:stCondLst>
+                                        </p:cTn>
+                                        <p:tgtEl>
+                                          <p:spTgt spid="7"/>
+                                        </p:tgtEl>
+                                        <p:attrNameLst>
+                                          <p:attrName>style.visibility</p:attrName>
+                                        </p:attrNameLst>
+                                      </p:cBhvr>
+                                      <p:to>
+                                        <p:strVal val="visible"/>
+                                      </p:to>
+                                    </p:set>
+                                    <p:animEffect transition="in" filter="fade">
+                                      <p:cBhvr>
+                                        <p:cTn id="26" dur="500"/>
+                                        <p:tgtEl>
+                                          <p:spTgt spid="7"/>
+                                        </p:tgtEl>
+                                      </p:cBhvr>
+                                    </p:animEffect>
+                                  </p:childTnLst>
+                                </p:cTn>
+                              </p:par>
+                            </p:childTnLst>
+                          </p:cTn>
+                        </p:par>
+                      </p:childTnLst>
+                    </p:cTn>
+                  </p:par>
+                  <p:par>
+                    <p:cTn id="27" fill="hold">
+                      <p:stCondLst>
+                        <p:cond delay="indefinite"/>
+                      </p:stCondLst>
+                      <p:childTnLst>
+                        <p:par>
+                          <p:cTn id="28" fill="hold">
+                            <p:stCondLst>
+                              <p:cond delay="0"/>
+                            </p:stCondLst>
+                            <p:childTnLst>
+                              <p:par>
+                                <p:cTn id="29" presetID="10" presetClass="entr" presetSubtype="0" fill="hold" grpId="0" nodeType="clickEffect">
+                                  <p:stCondLst>
+                                    <p:cond delay="0"/>
+                                  </p:stCondLst>
+                                  <p:childTnLst>
+                                    <p:set>
+                                      <p:cBhvr>
+                                        <p:cTn id="30" dur="1" fill="hold">
+                                          <p:stCondLst>
+                                            <p:cond delay="0"/>
+                                          </p:stCondLst>
+                                        </p:cTn>
+                                        <p:tgtEl>
+                                          <p:spTgt spid="6"/>
+                                        </p:tgtEl>
+                                        <p:attrNameLst>
+                                          <p:attrName>style.visibility</p:attrName>
+                                        </p:attrNameLst>
+                                      </p:cBhvr>
+                                      <p:to>
+                                        <p:strVal val="visible"/>
+                                      </p:to>
+                                    </p:set>
+                                    <p:animEffect transition="in" filter="fade">
+                                      <p:cBhvr>
+                                        <p:cTn id="31" dur="500"/>
+                                        <p:tgtEl>
+                                          <p:spTgt spid="6"/>
+                                        </p:tgtEl>
+                                      </p:cBhvr>
+                                    </p:animEffect>
+                                  </p:childTnLst>
+                                </p:cTn>
+                              </p:par>
+                            </p:childTnLst>
+                          </p:cTn>
+                        </p:par>
+                      </p:childTnLst>
+                    </p:cTn>
+                  </p:par>
+                  <p:par>
+                    <p:cTn id="32" fill="hold">
+                      <p:stCondLst>
+                        <p:cond delay="indefinite"/>
+                      </p:stCondLst>
+                      <p:childTnLst>
+                        <p:par>
+                          <p:cTn id="33" fill="hold">
+                            <p:stCondLst>
+                              <p:cond delay="0"/>
+                            </p:stCondLst>
+                            <p:childTnLst>
+                              <p:par>
+                                <p:cTn id="34" presetID="10" presetClass="entr" presetSubtype="0" fill="hold" grpId="0" nodeType="clickEffect">
+                                  <p:stCondLst>
+                                    <p:cond delay="0"/>
+                                  </p:stCondLst>
+                                  <p:childTnLst>
+                                    <p:set>
+                                      <p:cBhvr>
+                                        <p:cTn id="35" dur="1" fill="hold">
+                                          <p:stCondLst>
+                                            <p:cond delay="0"/>
+                                          </p:stCondLst>
+                                        </p:cTn>
+                                        <p:tgtEl>
+                                          <p:spTgt spid="11"/>
+                                        </p:tgtEl>
+                                        <p:attrNameLst>
+                                          <p:attrName>style.visibility</p:attrName>
+                                        </p:attrNameLst>
+                                      </p:cBhvr>
+                                      <p:to>
+                                        <p:strVal val="visible"/>
+                                      </p:to>
+                                    </p:set>
+                                    <p:animEffect transition="in" filter="fade">
+                                      <p:cBhvr>
+                                        <p:cTn id="36" dur="500"/>
+                                        <p:tgtEl>
+                                          <p:spTgt spid="11"/>
+                                        </p:tgtEl>
+                                      </p:cBhvr>
+                                    </p:animEffect>
+                                  </p:childTnLst>
+                                </p:cTn>
+                              </p:par>
+                            </p:childTnLst>
+                          </p:cTn>
+                        </p:par>
+                      </p:childTnLst>
+                    </p:cTn>
+                  </p:par>
+                  <p:par>
+                    <p:cTn id="37" fill="hold">
+                      <p:stCondLst>
+                        <p:cond delay="indefinite"/>
+                      </p:stCondLst>
+                      <p:childTnLst>
+                        <p:par>
+                          <p:cTn id="38" fill="hold">
+                            <p:stCondLst>
+                              <p:cond delay="0"/>
+                            </p:stCondLst>
+                            <p:childTnLst>
+                              <p:par>
+                                <p:cTn id="39" presetID="10" presetClass="entr" presetSubtype="0" fill="hold" grpId="0" nodeType="clickEffect">
+                                  <p:stCondLst>
+                                    <p:cond delay="0"/>
+                                  </p:stCondLst>
+                                  <p:childTnLst>
+                                    <p:set>
+                                      <p:cBhvr>
+                                        <p:cTn id="40" dur="1" fill="hold">
+                                          <p:stCondLst>
+                                            <p:cond delay="0"/>
+                                          </p:stCondLst>
+                                        </p:cTn>
+                                        <p:tgtEl>
+                                          <p:spTgt spid="12"/>
+                                        </p:tgtEl>
+                                        <p:attrNameLst>
+                                          <p:attrName>style.visibility</p:attrName>
+                                        </p:attrNameLst>
+                                      </p:cBhvr>
+                                      <p:to>
+                                        <p:strVal val="visible"/>
+                                      </p:to>
+                                    </p:set>
+                                    <p:animEffect transition="in" filter="fade">
+                                      <p:cBhvr>
+                                        <p:cTn id="41" dur="500"/>
+                                        <p:tgtEl>
+                                          <p:spTgt spid="12"/>
+                                        </p:tgtEl>
+                                      </p:cBhvr>
+                                    </p:animEffect>
+                                  </p:childTnLst>
+                                </p:cTn>
+                              </p:par>
+                            </p:childTnLst>
+                          </p:cTn>
+                        </p:par>
+                      </p:childTnLst>
+                    </p:cTn>
+                  </p:par>
+                  <p:par>
+                    <p:cTn id="42" fill="hold">
+                      <p:stCondLst>
+                        <p:cond delay="indefinite"/>
+                      </p:stCondLst>
+                      <p:childTnLst>
+                        <p:par>
+                          <p:cTn id="43" fill="hold">
+                            <p:stCondLst>
+                              <p:cond delay="0"/>
+                            </p:stCondLst>
+                            <p:childTnLst>
+                              <p:par>
+                                <p:cTn id="44" presetID="10" presetClass="entr" presetSubtype="0" fill="hold" grpId="0" nodeType="clickEffect">
+                                  <p:stCondLst>
+                                    <p:cond delay="0"/>
+                                  </p:stCondLst>
+                                  <p:childTnLst>
+                                    <p:set>
+                                      <p:cBhvr>
+                                        <p:cTn id="45" dur="1" fill="hold">
+                                          <p:stCondLst>
+                                            <p:cond delay="0"/>
+                                          </p:stCondLst>
+                                        </p:cTn>
+                                        <p:tgtEl>
+                                          <p:spTgt spid="10"/>
+                                        </p:tgtEl>
+                                        <p:attrNameLst>
+                                          <p:attrName>style.visibility</p:attrName>
+                                        </p:attrNameLst>
+                                      </p:cBhvr>
+                                      <p:to>
+                                        <p:strVal val="visible"/>
+                                      </p:to>
+                                    </p:set>
+                                    <p:animEffect transition="in" filter="fade">
+                                      <p:cBhvr>
+                                        <p:cTn id="46" dur="500"/>
+                                        <p:tgtEl>
+                                          <p:spTgt spid="10"/>
+                                        </p:tgtEl>
+                                      </p:cBhvr>
+                                    </p:animEffect>
+                                  </p:childTnLst>
+                                </p:cTn>
+                              </p:par>
+                            </p:childTnLst>
+                          </p:cTn>
+                        </p:par>
+                      </p:childTnLst>
+                    </p:cTn>
+                  </p:par>
+                </p:childTnLst>
+              </p:cTn>
+              <p:prevCondLst>
+                <p:cond evt="onPrev" delay="0">
+                  <p:tgtEl>
+                    <p:sldTgt/>
+                  </p:tgtEl>
+                </p:cond>
+              </p:prevCondLst>
+              <p:nextCondLst>
+                <p:cond evt="onNext" delay="0">
+                  <p:tgtEl>
+                    <p:sldTgt/>
+                  </p:tgtEl>
+                </p:cond>
+              </p:nextCondLst>
+            </p:seq>
+          </p:childTnLst>
+        </p:cTn>
+      </p:par>
+    </p:tnLst>
+    <p:bldLst>
+      <p:bldP spid="5" grpId="0" animBg="1"/>
+      <p:bldP spid="6" grpId="0" animBg="1"/>
+      <p:bldP spid="7" grpId="0"/>
+      <p:bldP spid="8" grpId="0"/>
+      <p:bldP spid="9" grpId="0" animBg="1"/>
+      <p:bldP spid="10" grpId="0"/>
+      <p:bldP spid="11" grpId="0" animBg="1"/>
+      <p:bldP spid="12" grpId="0"/>
+    </p:bldLst>
+  </p:timing>
+</p:sld>
+</file>
+
+<file path=ppt/slides/slide13.xml><?xml version="1.0" encoding="utf-8"?>
+<p:sld xmlns:a="http://schemas.openxmlformats.org/drawingml/2006/main" xmlns:r="http://schemas.openxmlformats.org/officeDocument/2006/relationships" xmlns:p="http://schemas.openxmlformats.org/presentationml/2006/main">
+  <p:cSld>
+    <p:spTree>
+      <p:nvGrpSpPr>
+        <p:cNvPr id="1" name=""/>
+        <p:cNvGrpSpPr/>
+        <p:nvPr/>
+      </p:nvGrpSpPr>
+      <p:grpSpPr>
+        <a:xfrm>
+          <a:off x="0" y="0"/>
+          <a:ext cx="0" cy="0"/>
+          <a:chOff x="0" y="0"/>
+          <a:chExt cx="0" cy="0"/>
+        </a:xfrm>
+      </p:grpSpPr>
+      <p:sp>
+        <p:nvSpPr>
+          <p:cNvPr id="2" name="标题 1"/>
+          <p:cNvSpPr>
+            <a:spLocks noGrp="1"/>
+          </p:cNvSpPr>
+          <p:nvPr>
+            <p:ph type="title"/>
+          </p:nvPr>
+        </p:nvSpPr>
+        <p:spPr/>
+        <p:txBody>
+          <a:bodyPr/>
+          <a:lstStyle/>
+          <a:p>
+            <a:r>
+              <a:rPr lang="zh-CN" altLang="en-US" dirty="0" smtClean="0"/>
+              <a:t>更改图表类型</a:t>
+            </a:r>
+            <a:endParaRPr lang="zh-CN" altLang="en-US" dirty="0"/>
+          </a:p>
+        </p:txBody>
+      </p:sp>
+      <p:pic>
+        <p:nvPicPr>
+          <p:cNvPr id="4" name="内容占位符 3"/>
+          <p:cNvPicPr>
+            <a:picLocks noGrp="1" noChangeAspect="1"/>
+          </p:cNvPicPr>
+          <p:nvPr>
+            <p:ph idx="1"/>
+          </p:nvPr>
+        </p:nvPicPr>
+        <p:blipFill>
+          <a:blip r:embed="rId2">
+            <a:extLst>
+              <a:ext uri="{28A0092B-C50C-407E-A947-70E740481C1C}">
+                <a14:useLocalDpi xmlns:a14="http://schemas.microsoft.com/office/drawing/2010/main" val="0"/>
+              </a:ext>
+            </a:extLst>
+          </a:blip>
+          <a:stretch>
+            <a:fillRect/>
+          </a:stretch>
+        </p:blipFill>
+        <p:spPr>
+          <a:xfrm>
+            <a:off x="1619672" y="1268760"/>
+            <a:ext cx="5848350" cy="1219200"/>
+          </a:xfrm>
+        </p:spPr>
+      </p:pic>
+      <p:sp>
+        <p:nvSpPr>
+          <p:cNvPr id="5" name="TextBox 4"/>
+          <p:cNvSpPr txBox="1"/>
+          <p:nvPr/>
+        </p:nvSpPr>
+        <p:spPr>
+          <a:xfrm>
+            <a:off x="5796136" y="1340768"/>
+            <a:ext cx="720080" cy="369332"/>
+          </a:xfrm>
+          <a:prstGeom prst="rect">
+            <a:avLst/>
+          </a:prstGeom>
+          <a:noFill/>
+          <a:ln w="22225">
+            <a:solidFill>
+              <a:srgbClr val="FF0000"/>
+            </a:solidFill>
+          </a:ln>
+        </p:spPr>
+        <p:txBody>
+          <a:bodyPr wrap="square" rtlCol="0">
+            <a:spAutoFit/>
+          </a:bodyPr>
+          <a:lstStyle/>
+          <a:p>
+            <a:endParaRPr lang="zh-CN" altLang="en-US" dirty="0"/>
+          </a:p>
+        </p:txBody>
+      </p:sp>
+      <p:sp>
+        <p:nvSpPr>
+          <p:cNvPr id="6" name="TextBox 5"/>
+          <p:cNvSpPr txBox="1"/>
+          <p:nvPr/>
+        </p:nvSpPr>
+        <p:spPr>
+          <a:xfrm>
+            <a:off x="1547664" y="1628800"/>
+            <a:ext cx="684000" cy="756000"/>
+          </a:xfrm>
+          <a:prstGeom prst="rect">
+            <a:avLst/>
+          </a:prstGeom>
+          <a:noFill/>
+          <a:ln w="22225">
+            <a:solidFill>
+              <a:srgbClr val="FF0000"/>
+            </a:solidFill>
+          </a:ln>
+        </p:spPr>
+        <p:txBody>
+          <a:bodyPr wrap="square" rtlCol="0">
+            <a:spAutoFit/>
+          </a:bodyPr>
+          <a:lstStyle/>
+          <a:p>
+            <a:endParaRPr lang="zh-CN" altLang="en-US" dirty="0"/>
+          </a:p>
+        </p:txBody>
+      </p:sp>
+      <p:sp>
+        <p:nvSpPr>
+          <p:cNvPr id="7" name="TextBox 6"/>
+          <p:cNvSpPr txBox="1"/>
+          <p:nvPr/>
+        </p:nvSpPr>
+        <p:spPr>
+          <a:xfrm>
+            <a:off x="4211960" y="3026569"/>
+            <a:ext cx="792088" cy="369332"/>
+          </a:xfrm>
+          <a:prstGeom prst="rect">
+            <a:avLst/>
+          </a:prstGeom>
+          <a:noFill/>
+        </p:spPr>
+        <p:txBody>
+          <a:bodyPr wrap="square" rtlCol="0">
+            <a:spAutoFit/>
+          </a:bodyPr>
+          <a:lstStyle/>
+          <a:p>
+            <a:r>
+              <a:rPr lang="zh-CN" altLang="en-US" dirty="0" smtClean="0"/>
+              <a:t>设计</a:t>
+            </a:r>
+            <a:endParaRPr lang="zh-CN" altLang="en-US" dirty="0"/>
+          </a:p>
+        </p:txBody>
+      </p:sp>
+      <p:sp>
+        <p:nvSpPr>
+          <p:cNvPr id="8" name="右箭头 7"/>
+          <p:cNvSpPr/>
+          <p:nvPr/>
+        </p:nvSpPr>
+        <p:spPr>
+          <a:xfrm flipH="1">
+            <a:off x="4139952" y="5068634"/>
+            <a:ext cx="504056" cy="247382"/>
+          </a:xfrm>
+          <a:prstGeom prst="rightArrow">
+            <a:avLst/>
+          </a:prstGeom>
+        </p:spPr>
+        <p:style>
+          <a:lnRef idx="2">
+            <a:schemeClr val="accent1">
+              <a:shade val="50000"/>
+            </a:schemeClr>
+          </a:lnRef>
+          <a:fillRef idx="1">
+            <a:schemeClr val="accent1"/>
+          </a:fillRef>
+          <a:effectRef idx="0">
+            <a:schemeClr val="accent1"/>
+          </a:effectRef>
+          <a:fontRef idx="minor">
+            <a:schemeClr val="lt1"/>
+          </a:fontRef>
+        </p:style>
+        <p:txBody>
+          <a:bodyPr rtlCol="0" anchor="ctr"/>
+          <a:lstStyle/>
+          <a:p>
+            <a:pPr algn="ctr"/>
+            <a:endParaRPr lang="zh-CN" altLang="en-US"/>
+          </a:p>
+        </p:txBody>
+      </p:sp>
+      <p:sp>
+        <p:nvSpPr>
+          <p:cNvPr id="9" name="TextBox 8"/>
+          <p:cNvSpPr txBox="1"/>
+          <p:nvPr/>
+        </p:nvSpPr>
+        <p:spPr>
+          <a:xfrm>
+            <a:off x="6588224" y="2899102"/>
+            <a:ext cx="1224136" cy="646331"/>
+          </a:xfrm>
+          <a:prstGeom prst="rect">
+            <a:avLst/>
+          </a:prstGeom>
+          <a:noFill/>
+        </p:spPr>
+        <p:txBody>
+          <a:bodyPr wrap="square" rtlCol="0">
+            <a:spAutoFit/>
+          </a:bodyPr>
+          <a:lstStyle/>
+          <a:p>
+            <a:pPr algn="ctr"/>
+            <a:r>
+              <a:rPr lang="zh-CN" altLang="en-US" dirty="0" smtClean="0"/>
+              <a:t>更改图表类型</a:t>
+            </a:r>
+            <a:endParaRPr lang="zh-CN" altLang="en-US" dirty="0"/>
+          </a:p>
+        </p:txBody>
+      </p:sp>
+      <p:sp>
+        <p:nvSpPr>
+          <p:cNvPr id="10" name="右箭头 9"/>
+          <p:cNvSpPr/>
+          <p:nvPr/>
+        </p:nvSpPr>
+        <p:spPr>
+          <a:xfrm>
+            <a:off x="3203848" y="3106662"/>
+            <a:ext cx="504056" cy="247382"/>
+          </a:xfrm>
+          <a:prstGeom prst="rightArrow">
+            <a:avLst/>
+          </a:prstGeom>
+        </p:spPr>
+        <p:style>
+          <a:lnRef idx="2">
+            <a:schemeClr val="accent1">
+              <a:shade val="50000"/>
+            </a:schemeClr>
+          </a:lnRef>
+          <a:fillRef idx="1">
+            <a:schemeClr val="accent1"/>
+          </a:fillRef>
+          <a:effectRef idx="0">
+            <a:schemeClr val="accent1"/>
+          </a:effectRef>
+          <a:fontRef idx="minor">
+            <a:schemeClr val="lt1"/>
+          </a:fontRef>
+        </p:style>
+        <p:txBody>
+          <a:bodyPr rtlCol="0" anchor="ctr"/>
+          <a:lstStyle/>
+          <a:p>
+            <a:pPr algn="ctr"/>
+            <a:endParaRPr lang="zh-CN" altLang="en-US"/>
+          </a:p>
+        </p:txBody>
+      </p:sp>
+      <p:sp>
+        <p:nvSpPr>
+          <p:cNvPr id="11" name="TextBox 10"/>
+          <p:cNvSpPr txBox="1"/>
+          <p:nvPr/>
+        </p:nvSpPr>
+        <p:spPr>
+          <a:xfrm>
+            <a:off x="2339752" y="4884966"/>
+            <a:ext cx="1224136" cy="646331"/>
+          </a:xfrm>
+          <a:prstGeom prst="rect">
+            <a:avLst/>
+          </a:prstGeom>
+          <a:noFill/>
+        </p:spPr>
+        <p:txBody>
+          <a:bodyPr wrap="square" rtlCol="0">
+            <a:spAutoFit/>
+          </a:bodyPr>
+          <a:lstStyle/>
+          <a:p>
+            <a:pPr algn="ctr"/>
+            <a:r>
+              <a:rPr lang="zh-CN" altLang="en-US" dirty="0" smtClean="0"/>
+              <a:t>选择一种图表</a:t>
+            </a:r>
+            <a:endParaRPr lang="zh-CN" altLang="en-US" dirty="0"/>
+          </a:p>
+        </p:txBody>
+      </p:sp>
+      <p:sp>
+        <p:nvSpPr>
+          <p:cNvPr id="12" name="TextBox 11"/>
+          <p:cNvSpPr txBox="1"/>
+          <p:nvPr/>
+        </p:nvSpPr>
+        <p:spPr>
+          <a:xfrm>
+            <a:off x="1691680" y="2924944"/>
+            <a:ext cx="792088" cy="646331"/>
+          </a:xfrm>
+          <a:prstGeom prst="rect">
+            <a:avLst/>
+          </a:prstGeom>
+          <a:noFill/>
+        </p:spPr>
+        <p:txBody>
+          <a:bodyPr wrap="square" rtlCol="0">
+            <a:spAutoFit/>
+          </a:bodyPr>
+          <a:lstStyle/>
+          <a:p>
+            <a:r>
+              <a:rPr lang="zh-CN" altLang="en-US" dirty="0" smtClean="0"/>
+              <a:t>选中图表</a:t>
+            </a:r>
+            <a:endParaRPr lang="zh-CN" altLang="en-US" dirty="0"/>
+          </a:p>
+        </p:txBody>
+      </p:sp>
+      <p:pic>
+        <p:nvPicPr>
+          <p:cNvPr id="13" name="图片 12"/>
+          <p:cNvPicPr>
+            <a:picLocks noChangeAspect="1"/>
+          </p:cNvPicPr>
+          <p:nvPr/>
+        </p:nvPicPr>
+        <p:blipFill>
+          <a:blip r:embed="rId3">
+            <a:extLst>
+              <a:ext uri="{28A0092B-C50C-407E-A947-70E740481C1C}">
+                <a14:useLocalDpi xmlns:a14="http://schemas.microsoft.com/office/drawing/2010/main" val="0"/>
+              </a:ext>
+            </a:extLst>
+          </a:blip>
+          <a:stretch>
+            <a:fillRect/>
+          </a:stretch>
+        </p:blipFill>
+        <p:spPr>
+          <a:xfrm>
+            <a:off x="5436096" y="4293096"/>
+            <a:ext cx="3240000" cy="2158156"/>
+          </a:xfrm>
+          <a:prstGeom prst="rect">
+            <a:avLst/>
+          </a:prstGeom>
+        </p:spPr>
+      </p:pic>
+      <p:sp>
+        <p:nvSpPr>
+          <p:cNvPr id="14" name="下箭头 13"/>
+          <p:cNvSpPr/>
+          <p:nvPr/>
+        </p:nvSpPr>
+        <p:spPr>
+          <a:xfrm>
+            <a:off x="7092280" y="3689449"/>
+            <a:ext cx="252028" cy="459631"/>
+          </a:xfrm>
+          <a:prstGeom prst="downArrow">
+            <a:avLst/>
+          </a:prstGeom>
+        </p:spPr>
+        <p:style>
+          <a:lnRef idx="2">
+            <a:schemeClr val="accent1">
+              <a:shade val="50000"/>
+            </a:schemeClr>
+          </a:lnRef>
+          <a:fillRef idx="1">
+            <a:schemeClr val="accent1"/>
+          </a:fillRef>
+          <a:effectRef idx="0">
+            <a:schemeClr val="accent1"/>
+          </a:effectRef>
+          <a:fontRef idx="minor">
+            <a:schemeClr val="lt1"/>
+          </a:fontRef>
+        </p:style>
+        <p:txBody>
+          <a:bodyPr rtlCol="0" anchor="ctr"/>
+          <a:lstStyle/>
+          <a:p>
+            <a:pPr algn="ctr"/>
+            <a:endParaRPr lang="zh-CN" altLang="en-US"/>
+          </a:p>
+        </p:txBody>
+      </p:sp>
+      <p:sp>
+        <p:nvSpPr>
+          <p:cNvPr id="16" name="右箭头 15"/>
+          <p:cNvSpPr/>
+          <p:nvPr/>
+        </p:nvSpPr>
+        <p:spPr>
+          <a:xfrm>
+            <a:off x="5588496" y="3109610"/>
+            <a:ext cx="504056" cy="247382"/>
+          </a:xfrm>
+          <a:prstGeom prst="rightArrow">
+            <a:avLst/>
+          </a:prstGeom>
+        </p:spPr>
+        <p:style>
+          <a:lnRef idx="2">
+            <a:schemeClr val="accent1">
+              <a:shade val="50000"/>
+            </a:schemeClr>
+          </a:lnRef>
+          <a:fillRef idx="1">
+            <a:schemeClr val="accent1"/>
+          </a:fillRef>
+          <a:effectRef idx="0">
+            <a:schemeClr val="accent1"/>
+          </a:effectRef>
+          <a:fontRef idx="minor">
+            <a:schemeClr val="lt1"/>
+          </a:fontRef>
+        </p:style>
+        <p:txBody>
+          <a:bodyPr rtlCol="0" anchor="ctr"/>
+          <a:lstStyle/>
+          <a:p>
+            <a:pPr algn="ctr"/>
+            <a:endParaRPr lang="zh-CN" altLang="en-US"/>
+          </a:p>
+        </p:txBody>
+      </p:sp>
+    </p:spTree>
+    <p:extLst>
+      <p:ext uri="{BB962C8B-B14F-4D97-AF65-F5344CB8AC3E}">
+        <p14:creationId xmlns:p14="http://schemas.microsoft.com/office/powerpoint/2010/main" val="712656489"/>
+      </p:ext>
+    </p:extLst>
+  </p:cSld>
+  <p:clrMapOvr>
+    <a:masterClrMapping/>
+  </p:clrMapOvr>
+  <p:timing>
+    <p:tnLst>
+      <p:par>
+        <p:cTn id="1" dur="indefinite" restart="never" nodeType="tmRoot">
+          <p:childTnLst>
+            <p:seq concurrent="1" nextAc="seek">
+              <p:cTn id="2" dur="indefinite" nodeType="mainSeq">
+                <p:childTnLst>
+                  <p:par>
+                    <p:cTn id="3" fill="hold">
+                      <p:stCondLst>
+                        <p:cond delay="indefinite"/>
+                      </p:stCondLst>
+                      <p:childTnLst>
+                        <p:par>
+                          <p:cTn id="4" fill="hold">
+                            <p:stCondLst>
+                              <p:cond delay="0"/>
+                            </p:stCondLst>
+                            <p:childTnLst>
+                              <p:par>
+                                <p:cTn id="5" presetID="10" presetClass="entr" presetSubtype="0" fill="hold" nodeType="clickEffect">
+                                  <p:stCondLst>
+                                    <p:cond delay="0"/>
+                                  </p:stCondLst>
+                                  <p:childTnLst>
+                                    <p:set>
+                                      <p:cBhvr>
+                                        <p:cTn id="6" dur="1" fill="hold">
+                                          <p:stCondLst>
+                                            <p:cond delay="0"/>
+                                          </p:stCondLst>
+                                        </p:cTn>
+                                        <p:tgtEl>
+                                          <p:spTgt spid="4"/>
+                                        </p:tgtEl>
+                                        <p:attrNameLst>
+                                          <p:attrName>style.visibility</p:attrName>
+                                        </p:attrNameLst>
+                                      </p:cBhvr>
+                                      <p:to>
+                                        <p:strVal val="visible"/>
+                                      </p:to>
+                                    </p:set>
+                                    <p:animEffect transition="in" filter="fade">
+                                      <p:cBhvr>
+                                        <p:cTn id="7" dur="500"/>
+                                        <p:tgtEl>
+                                          <p:spTgt spid="4"/>
+                                        </p:tgtEl>
+                                      </p:cBhvr>
+                                    </p:animEffect>
+                                  </p:childTnLst>
+                                </p:cTn>
+                              </p:par>
+                            </p:childTnLst>
+                          </p:cTn>
+                        </p:par>
+                      </p:childTnLst>
+                    </p:cTn>
+                  </p:par>
+                  <p:par>
+                    <p:cTn id="8" fill="hold">
+                      <p:stCondLst>
+                        <p:cond delay="indefinite"/>
+                      </p:stCondLst>
+                      <p:childTnLst>
+                        <p:par>
+                          <p:cTn id="9" fill="hold">
+                            <p:stCondLst>
+                              <p:cond delay="0"/>
+                            </p:stCondLst>
+                            <p:childTnLst>
+                              <p:par>
+                                <p:cTn id="10" presetID="10" presetClass="entr" presetSubtype="0" fill="hold" grpId="0" nodeType="clickEffect">
+                                  <p:stCondLst>
+                                    <p:cond delay="0"/>
+                                  </p:stCondLst>
+                                  <p:childTnLst>
+                                    <p:set>
+                                      <p:cBhvr>
+                                        <p:cTn id="11" dur="1" fill="hold">
+                                          <p:stCondLst>
+                                            <p:cond delay="0"/>
+                                          </p:stCondLst>
+                                        </p:cTn>
+                                        <p:tgtEl>
+                                          <p:spTgt spid="12"/>
+                                        </p:tgtEl>
+                                        <p:attrNameLst>
+                                          <p:attrName>style.visibility</p:attrName>
+                                        </p:attrNameLst>
+                                      </p:cBhvr>
+                                      <p:to>
+                                        <p:strVal val="visible"/>
+                                      </p:to>
+                                    </p:set>
+                                    <p:animEffect transition="in" filter="fade">
+                                      <p:cBhvr>
+                                        <p:cTn id="12" dur="500"/>
+                                        <p:tgtEl>
+                                          <p:spTgt spid="12"/>
+                                        </p:tgtEl>
+                                      </p:cBhvr>
+                                    </p:animEffect>
+                                  </p:childTnLst>
+                                </p:cTn>
+                              </p:par>
+                            </p:childTnLst>
+                          </p:cTn>
+                        </p:par>
+                      </p:childTnLst>
+                    </p:cTn>
+                  </p:par>
+                  <p:par>
+                    <p:cTn id="13" fill="hold">
+                      <p:stCondLst>
+                        <p:cond delay="indefinite"/>
+                      </p:stCondLst>
+                      <p:childTnLst>
+                        <p:par>
+                          <p:cTn id="14" fill="hold">
+                            <p:stCondLst>
+                              <p:cond delay="0"/>
+                            </p:stCondLst>
+                            <p:childTnLst>
+                              <p:par>
+                                <p:cTn id="15" presetID="10" presetClass="entr" presetSubtype="0" fill="hold" grpId="0" nodeType="clickEffect">
+                                  <p:stCondLst>
+                                    <p:cond delay="0"/>
+                                  </p:stCondLst>
+                                  <p:childTnLst>
+                                    <p:set>
+                                      <p:cBhvr>
+                                        <p:cTn id="16" dur="1" fill="hold">
+                                          <p:stCondLst>
+                                            <p:cond delay="0"/>
+                                          </p:stCondLst>
+                                        </p:cTn>
+                                        <p:tgtEl>
+                                          <p:spTgt spid="10"/>
+                                        </p:tgtEl>
+                                        <p:attrNameLst>
+                                          <p:attrName>style.visibility</p:attrName>
+                                        </p:attrNameLst>
+                                      </p:cBhvr>
+                                      <p:to>
+                                        <p:strVal val="visible"/>
+                                      </p:to>
+                                    </p:set>
+                                    <p:animEffect transition="in" filter="fade">
+                                      <p:cBhvr>
+                                        <p:cTn id="17" dur="500"/>
+                                        <p:tgtEl>
+                                          <p:spTgt spid="10"/>
+                                        </p:tgtEl>
+                                      </p:cBhvr>
+                                    </p:animEffect>
+                                  </p:childTnLst>
+                                </p:cTn>
+                              </p:par>
+                            </p:childTnLst>
+                          </p:cTn>
+                        </p:par>
+                      </p:childTnLst>
+                    </p:cTn>
+                  </p:par>
+                  <p:par>
+                    <p:cTn id="18" fill="hold">
+                      <p:stCondLst>
+                        <p:cond delay="indefinite"/>
+                      </p:stCondLst>
+                      <p:childTnLst>
+                        <p:par>
+                          <p:cTn id="19" fill="hold">
+                            <p:stCondLst>
+                              <p:cond delay="0"/>
+                            </p:stCondLst>
+                            <p:childTnLst>
+                              <p:par>
+                                <p:cTn id="20" presetID="10" presetClass="entr" presetSubtype="0" fill="hold" grpId="0" nodeType="clickEffect">
+                                  <p:stCondLst>
+                                    <p:cond delay="0"/>
+                                  </p:stCondLst>
+                                  <p:childTnLst>
+                                    <p:set>
+                                      <p:cBhvr>
+                                        <p:cTn id="21" dur="1" fill="hold">
+                                          <p:stCondLst>
+                                            <p:cond delay="0"/>
+                                          </p:stCondLst>
+                                        </p:cTn>
+                                        <p:tgtEl>
+                                          <p:spTgt spid="7"/>
+                                        </p:tgtEl>
+                                        <p:attrNameLst>
+                                          <p:attrName>style.visibility</p:attrName>
+                                        </p:attrNameLst>
+                                      </p:cBhvr>
+                                      <p:to>
+                                        <p:strVal val="visible"/>
+                                      </p:to>
+                                    </p:set>
+                                    <p:animEffect transition="in" filter="fade">
+                                      <p:cBhvr>
+                                        <p:cTn id="22" dur="500"/>
+                                        <p:tgtEl>
+                                          <p:spTgt spid="7"/>
+                                        </p:tgtEl>
+                                      </p:cBhvr>
+                                    </p:animEffect>
+                                  </p:childTnLst>
+                                </p:cTn>
+                              </p:par>
+                            </p:childTnLst>
+                          </p:cTn>
+                        </p:par>
+                      </p:childTnLst>
+                    </p:cTn>
+                  </p:par>
+                  <p:par>
+                    <p:cTn id="23" fill="hold">
+                      <p:stCondLst>
+                        <p:cond delay="indefinite"/>
+                      </p:stCondLst>
+                      <p:childTnLst>
+                        <p:par>
+                          <p:cTn id="24" fill="hold">
+                            <p:stCondLst>
+                              <p:cond delay="0"/>
+                            </p:stCondLst>
+                            <p:childTnLst>
+                              <p:par>
+                                <p:cTn id="25" presetID="10" presetClass="entr" presetSubtype="0" fill="hold" grpId="0" nodeType="clickEffect">
+                                  <p:stCondLst>
+                                    <p:cond delay="0"/>
+                                  </p:stCondLst>
+                                  <p:childTnLst>
+                                    <p:set>
+                                      <p:cBhvr>
+                                        <p:cTn id="26" dur="1" fill="hold">
+                                          <p:stCondLst>
+                                            <p:cond delay="0"/>
+                                          </p:stCondLst>
+                                        </p:cTn>
+                                        <p:tgtEl>
+                                          <p:spTgt spid="5"/>
+                                        </p:tgtEl>
+                                        <p:attrNameLst>
+                                          <p:attrName>style.visibility</p:attrName>
+                                        </p:attrNameLst>
+                                      </p:cBhvr>
+                                      <p:to>
+                                        <p:strVal val="visible"/>
+                                      </p:to>
+                                    </p:set>
+                                    <p:animEffect transition="in" filter="fade">
+                                      <p:cBhvr>
+                                        <p:cTn id="27" dur="500"/>
+                                        <p:tgtEl>
+                                          <p:spTgt spid="5"/>
+                                        </p:tgtEl>
+                                      </p:cBhvr>
+                                    </p:animEffect>
+                                  </p:childTnLst>
+                                </p:cTn>
+                              </p:par>
+                            </p:childTnLst>
+                          </p:cTn>
+                        </p:par>
+                      </p:childTnLst>
+                    </p:cTn>
+                  </p:par>
+                  <p:par>
+                    <p:cTn id="28" fill="hold">
+                      <p:stCondLst>
+                        <p:cond delay="indefinite"/>
+                      </p:stCondLst>
+                      <p:childTnLst>
+                        <p:par>
+                          <p:cTn id="29" fill="hold">
+                            <p:stCondLst>
+                              <p:cond delay="0"/>
+                            </p:stCondLst>
+                            <p:childTnLst>
+                              <p:par>
+                                <p:cTn id="30" presetID="10" presetClass="entr" presetSubtype="0" fill="hold" grpId="0" nodeType="clickEffect">
+                                  <p:stCondLst>
+                                    <p:cond delay="0"/>
+                                  </p:stCondLst>
+                                  <p:childTnLst>
+                                    <p:set>
+                                      <p:cBhvr>
+                                        <p:cTn id="31" dur="1" fill="hold">
+                                          <p:stCondLst>
+                                            <p:cond delay="0"/>
+                                          </p:stCondLst>
+                                        </p:cTn>
+                                        <p:tgtEl>
+                                          <p:spTgt spid="16"/>
+                                        </p:tgtEl>
+                                        <p:attrNameLst>
+                                          <p:attrName>style.visibility</p:attrName>
+                                        </p:attrNameLst>
+                                      </p:cBhvr>
+                                      <p:to>
+                                        <p:strVal val="visible"/>
+                                      </p:to>
+                                    </p:set>
+                                    <p:animEffect transition="in" filter="fade">
+                                      <p:cBhvr>
+                                        <p:cTn id="32" dur="500"/>
+                                        <p:tgtEl>
+                                          <p:spTgt spid="16"/>
+                                        </p:tgtEl>
+                                      </p:cBhvr>
+                                    </p:animEffect>
+                                  </p:childTnLst>
+                                </p:cTn>
+                              </p:par>
+                            </p:childTnLst>
+                          </p:cTn>
+                        </p:par>
+                      </p:childTnLst>
+                    </p:cTn>
+                  </p:par>
+                  <p:par>
+                    <p:cTn id="33" fill="hold">
+                      <p:stCondLst>
+                        <p:cond delay="indefinite"/>
+                      </p:stCondLst>
+                      <p:childTnLst>
+                        <p:par>
+                          <p:cTn id="34" fill="hold">
+                            <p:stCondLst>
+                              <p:cond delay="0"/>
+                            </p:stCondLst>
+                            <p:childTnLst>
+                              <p:par>
+                                <p:cTn id="35" presetID="10" presetClass="entr" presetSubtype="0" fill="hold" grpId="0" nodeType="clickEffect">
+                                  <p:stCondLst>
+                                    <p:cond delay="0"/>
+                                  </p:stCondLst>
+                                  <p:childTnLst>
+                                    <p:set>
+                                      <p:cBhvr>
+                                        <p:cTn id="36" dur="1" fill="hold">
+                                          <p:stCondLst>
+                                            <p:cond delay="0"/>
+                                          </p:stCondLst>
+                                        </p:cTn>
+                                        <p:tgtEl>
+                                          <p:spTgt spid="9"/>
+                                        </p:tgtEl>
+                                        <p:attrNameLst>
+                                          <p:attrName>style.visibility</p:attrName>
+                                        </p:attrNameLst>
+                                      </p:cBhvr>
+                                      <p:to>
+                                        <p:strVal val="visible"/>
+                                      </p:to>
+                                    </p:set>
+                                    <p:animEffect transition="in" filter="fade">
+                                      <p:cBhvr>
+                                        <p:cTn id="37" dur="500"/>
+                                        <p:tgtEl>
+                                          <p:spTgt spid="9"/>
+                                        </p:tgtEl>
+                                      </p:cBhvr>
+                                    </p:animEffect>
+                                  </p:childTnLst>
+                                </p:cTn>
+                              </p:par>
+                            </p:childTnLst>
+                          </p:cTn>
+                        </p:par>
+                      </p:childTnLst>
+                    </p:cTn>
+                  </p:par>
+                  <p:par>
+                    <p:cTn id="38" fill="hold">
+                      <p:stCondLst>
+                        <p:cond delay="indefinite"/>
+                      </p:stCondLst>
+                      <p:childTnLst>
+                        <p:par>
+                          <p:cTn id="39" fill="hold">
+                            <p:stCondLst>
+                              <p:cond delay="0"/>
+                            </p:stCondLst>
+                            <p:childTnLst>
+                              <p:par>
+                                <p:cTn id="40" presetID="10" presetClass="entr" presetSubtype="0" fill="hold" grpId="0" nodeType="clickEffect">
+                                  <p:stCondLst>
+                                    <p:cond delay="0"/>
+                                  </p:stCondLst>
+                                  <p:childTnLst>
+                                    <p:set>
+                                      <p:cBhvr>
+                                        <p:cTn id="41" dur="1" fill="hold">
+                                          <p:stCondLst>
+                                            <p:cond delay="0"/>
+                                          </p:stCondLst>
+                                        </p:cTn>
+                                        <p:tgtEl>
+                                          <p:spTgt spid="6"/>
+                                        </p:tgtEl>
+                                        <p:attrNameLst>
+                                          <p:attrName>style.visibility</p:attrName>
+                                        </p:attrNameLst>
+                                      </p:cBhvr>
+                                      <p:to>
+                                        <p:strVal val="visible"/>
+                                      </p:to>
+                                    </p:set>
+                                    <p:animEffect transition="in" filter="fade">
+                                      <p:cBhvr>
+                                        <p:cTn id="42" dur="500"/>
+                                        <p:tgtEl>
+                                          <p:spTgt spid="6"/>
+                                        </p:tgtEl>
+                                      </p:cBhvr>
+                                    </p:animEffect>
+                                  </p:childTnLst>
+                                </p:cTn>
+                              </p:par>
+                            </p:childTnLst>
+                          </p:cTn>
+                        </p:par>
+                      </p:childTnLst>
+                    </p:cTn>
+                  </p:par>
+                  <p:par>
+                    <p:cTn id="43" fill="hold">
+                      <p:stCondLst>
+                        <p:cond delay="indefinite"/>
+                      </p:stCondLst>
+                      <p:childTnLst>
+                        <p:par>
+                          <p:cTn id="44" fill="hold">
+                            <p:stCondLst>
+                              <p:cond delay="0"/>
+                            </p:stCondLst>
+                            <p:childTnLst>
+                              <p:par>
+                                <p:cTn id="45" presetID="10" presetClass="entr" presetSubtype="0" fill="hold" grpId="0" nodeType="clickEffect">
+                                  <p:stCondLst>
+                                    <p:cond delay="0"/>
+                                  </p:stCondLst>
+                                  <p:childTnLst>
+                                    <p:set>
+                                      <p:cBhvr>
+                                        <p:cTn id="46" dur="1" fill="hold">
+                                          <p:stCondLst>
+                                            <p:cond delay="0"/>
+                                          </p:stCondLst>
+                                        </p:cTn>
+                                        <p:tgtEl>
+                                          <p:spTgt spid="14"/>
+                                        </p:tgtEl>
+                                        <p:attrNameLst>
+                                          <p:attrName>style.visibility</p:attrName>
+                                        </p:attrNameLst>
+                                      </p:cBhvr>
+                                      <p:to>
+                                        <p:strVal val="visible"/>
+                                      </p:to>
+                                    </p:set>
+                                    <p:animEffect transition="in" filter="fade">
+                                      <p:cBhvr>
+                                        <p:cTn id="47" dur="500"/>
+                                        <p:tgtEl>
+                                          <p:spTgt spid="14"/>
+                                        </p:tgtEl>
+                                      </p:cBhvr>
+                                    </p:animEffect>
+                                  </p:childTnLst>
+                                </p:cTn>
+                              </p:par>
+                            </p:childTnLst>
+                          </p:cTn>
+                        </p:par>
+                      </p:childTnLst>
+                    </p:cTn>
+                  </p:par>
+                  <p:par>
+                    <p:cTn id="48" fill="hold">
+                      <p:stCondLst>
+                        <p:cond delay="indefinite"/>
+                      </p:stCondLst>
+                      <p:childTnLst>
+                        <p:par>
+                          <p:cTn id="49" fill="hold">
+                            <p:stCondLst>
+                              <p:cond delay="0"/>
+                            </p:stCondLst>
+                            <p:childTnLst>
+                              <p:par>
+                                <p:cTn id="50" presetID="10" presetClass="entr" presetSubtype="0" fill="hold" nodeType="clickEffect">
+                                  <p:stCondLst>
+                                    <p:cond delay="0"/>
+                                  </p:stCondLst>
+                                  <p:childTnLst>
+                                    <p:set>
+                                      <p:cBhvr>
+                                        <p:cTn id="51" dur="1" fill="hold">
+                                          <p:stCondLst>
+                                            <p:cond delay="0"/>
+                                          </p:stCondLst>
+                                        </p:cTn>
+                                        <p:tgtEl>
+                                          <p:spTgt spid="13"/>
+                                        </p:tgtEl>
+                                        <p:attrNameLst>
+                                          <p:attrName>style.visibility</p:attrName>
+                                        </p:attrNameLst>
+                                      </p:cBhvr>
+                                      <p:to>
+                                        <p:strVal val="visible"/>
+                                      </p:to>
+                                    </p:set>
+                                    <p:animEffect transition="in" filter="fade">
+                                      <p:cBhvr>
+                                        <p:cTn id="52" dur="500"/>
+                                        <p:tgtEl>
+                                          <p:spTgt spid="13"/>
+                                        </p:tgtEl>
+                                      </p:cBhvr>
+                                    </p:animEffect>
+                                  </p:childTnLst>
+                                </p:cTn>
+                              </p:par>
+                            </p:childTnLst>
+                          </p:cTn>
+                        </p:par>
+                      </p:childTnLst>
+                    </p:cTn>
+                  </p:par>
+                  <p:par>
+                    <p:cTn id="53" fill="hold">
+                      <p:stCondLst>
+                        <p:cond delay="indefinite"/>
+                      </p:stCondLst>
+                      <p:childTnLst>
+                        <p:par>
+                          <p:cTn id="54" fill="hold">
+                            <p:stCondLst>
+                              <p:cond delay="0"/>
+                            </p:stCondLst>
+                            <p:childTnLst>
+                              <p:par>
+                                <p:cTn id="55" presetID="10" presetClass="entr" presetSubtype="0" fill="hold" grpId="0" nodeType="clickEffect">
+                                  <p:stCondLst>
+                                    <p:cond delay="0"/>
+                                  </p:stCondLst>
+                                  <p:childTnLst>
+                                    <p:set>
+                                      <p:cBhvr>
+                                        <p:cTn id="56" dur="1" fill="hold">
+                                          <p:stCondLst>
+                                            <p:cond delay="0"/>
+                                          </p:stCondLst>
+                                        </p:cTn>
+                                        <p:tgtEl>
+                                          <p:spTgt spid="8"/>
+                                        </p:tgtEl>
+                                        <p:attrNameLst>
+                                          <p:attrName>style.visibility</p:attrName>
+                                        </p:attrNameLst>
+                                      </p:cBhvr>
+                                      <p:to>
+                                        <p:strVal val="visible"/>
+                                      </p:to>
+                                    </p:set>
+                                    <p:animEffect transition="in" filter="fade">
+                                      <p:cBhvr>
+                                        <p:cTn id="57" dur="500"/>
+                                        <p:tgtEl>
+                                          <p:spTgt spid="8"/>
+                                        </p:tgtEl>
+                                      </p:cBhvr>
+                                    </p:animEffect>
+                                  </p:childTnLst>
+                                </p:cTn>
+                              </p:par>
+                            </p:childTnLst>
+                          </p:cTn>
+                        </p:par>
+                      </p:childTnLst>
+                    </p:cTn>
+                  </p:par>
+                  <p:par>
+                    <p:cTn id="58" fill="hold">
+                      <p:stCondLst>
+                        <p:cond delay="indefinite"/>
+                      </p:stCondLst>
+                      <p:childTnLst>
+                        <p:par>
+                          <p:cTn id="59" fill="hold">
+                            <p:stCondLst>
+                              <p:cond delay="0"/>
+                            </p:stCondLst>
+                            <p:childTnLst>
+                              <p:par>
+                                <p:cTn id="60" presetID="10" presetClass="entr" presetSubtype="0" fill="hold" grpId="0" nodeType="clickEffect">
+                                  <p:stCondLst>
+                                    <p:cond delay="0"/>
+                                  </p:stCondLst>
+                                  <p:childTnLst>
+                                    <p:set>
+                                      <p:cBhvr>
+                                        <p:cTn id="61" dur="1" fill="hold">
+                                          <p:stCondLst>
+                                            <p:cond delay="0"/>
+                                          </p:stCondLst>
+                                        </p:cTn>
+                                        <p:tgtEl>
+                                          <p:spTgt spid="11"/>
+                                        </p:tgtEl>
+                                        <p:attrNameLst>
+                                          <p:attrName>style.visibility</p:attrName>
+                                        </p:attrNameLst>
+                                      </p:cBhvr>
+                                      <p:to>
+                                        <p:strVal val="visible"/>
+                                      </p:to>
+                                    </p:set>
+                                    <p:animEffect transition="in" filter="fade">
+                                      <p:cBhvr>
+                                        <p:cTn id="62" dur="500"/>
+                                        <p:tgtEl>
+                                          <p:spTgt spid="11"/>
+                                        </p:tgtEl>
+                                      </p:cBhvr>
+                                    </p:animEffect>
+                                  </p:childTnLst>
+                                </p:cTn>
+                              </p:par>
+                            </p:childTnLst>
+                          </p:cTn>
+                        </p:par>
+                      </p:childTnLst>
+                    </p:cTn>
+                  </p:par>
+                </p:childTnLst>
+              </p:cTn>
+              <p:prevCondLst>
+                <p:cond evt="onPrev" delay="0">
+                  <p:tgtEl>
+                    <p:sldTgt/>
+                  </p:tgtEl>
+                </p:cond>
+              </p:prevCondLst>
+              <p:nextCondLst>
+                <p:cond evt="onNext" delay="0">
+                  <p:tgtEl>
+                    <p:sldTgt/>
+                  </p:tgtEl>
+                </p:cond>
+              </p:nextCondLst>
+            </p:seq>
+          </p:childTnLst>
+        </p:cTn>
+      </p:par>
+    </p:tnLst>
+    <p:bldLst>
+      <p:bldP spid="5" grpId="0" animBg="1"/>
+      <p:bldP spid="6" grpId="0" animBg="1"/>
+      <p:bldP spid="7" grpId="0"/>
+      <p:bldP spid="8" grpId="0" animBg="1"/>
+      <p:bldP spid="9" grpId="0"/>
+      <p:bldP spid="10" grpId="0" animBg="1"/>
+      <p:bldP spid="11" grpId="0"/>
+      <p:bldP spid="12" grpId="0"/>
+      <p:bldP spid="14" grpId="0" animBg="1"/>
+      <p:bldP spid="16" grpId="0" animBg="1"/>
+    </p:bldLst>
+  </p:timing>
+</p:sld>
+</file>
+
+<file path=ppt/slides/slide14.xml><?xml version="1.0" encoding="utf-8"?>
+<p:sld xmlns:a="http://schemas.openxmlformats.org/drawingml/2006/main" xmlns:r="http://schemas.openxmlformats.org/officeDocument/2006/relationships" xmlns:p="http://schemas.openxmlformats.org/presentationml/2006/main">
+  <p:cSld>
+    <p:spTree>
+      <p:nvGrpSpPr>
+        <p:cNvPr id="1" name=""/>
+        <p:cNvGrpSpPr/>
+        <p:nvPr/>
+      </p:nvGrpSpPr>
+      <p:grpSpPr>
+        <a:xfrm>
+          <a:off x="0" y="0"/>
+          <a:ext cx="0" cy="0"/>
+          <a:chOff x="0" y="0"/>
+          <a:chExt cx="0" cy="0"/>
+        </a:xfrm>
+      </p:grpSpPr>
+      <p:sp>
+        <p:nvSpPr>
+          <p:cNvPr id="2" name="标题 1"/>
+          <p:cNvSpPr>
+            <a:spLocks noGrp="1"/>
+          </p:cNvSpPr>
+          <p:nvPr>
+            <p:ph type="title"/>
+          </p:nvPr>
+        </p:nvSpPr>
         <p:spPr>
           <a:xfrm>
             <a:off x="457200" y="116632"/>
@@ -4195,7 +7721,7 @@
 </p:sld>
 </file>
 
-<file path=ppt/slides/slide11.xml><?xml version="1.0" encoding="utf-8"?>
+<file path=ppt/slides/slide15.xml><?xml version="1.0" encoding="utf-8"?>
 <p:sld xmlns:a="http://schemas.openxmlformats.org/drawingml/2006/main" xmlns:r="http://schemas.openxmlformats.org/officeDocument/2006/relationships" xmlns:p="http://schemas.openxmlformats.org/presentationml/2006/main">
   <p:cSld>
     <p:spTree>
@@ -5061,7 +8587,7 @@
 </p:sld>
 </file>
 
-<file path=ppt/slides/slide12.xml><?xml version="1.0" encoding="utf-8"?>
+<file path=ppt/slides/slide16.xml><?xml version="1.0" encoding="utf-8"?>
 <p:sld xmlns:a="http://schemas.openxmlformats.org/drawingml/2006/main" xmlns:r="http://schemas.openxmlformats.org/officeDocument/2006/relationships" xmlns:p="http://schemas.openxmlformats.org/presentationml/2006/main">
   <p:cSld>
     <p:spTree>
@@ -6407,7 +9933,7 @@
 </p:sld>
 </file>
 
-<file path=ppt/slides/slide13.xml><?xml version="1.0" encoding="utf-8"?>
+<file path=ppt/slides/slide17.xml><?xml version="1.0" encoding="utf-8"?>
 <p:sld xmlns:a="http://schemas.openxmlformats.org/drawingml/2006/main" xmlns:r="http://schemas.openxmlformats.org/officeDocument/2006/relationships" xmlns:p="http://schemas.openxmlformats.org/presentationml/2006/main">
   <p:cSld>
     <p:spTree>
@@ -7106,7 +10632,7 @@
 </p:sld>
 </file>
 
-<file path=ppt/slides/slide14.xml><?xml version="1.0" encoding="utf-8"?>
+<file path=ppt/slides/slide18.xml><?xml version="1.0" encoding="utf-8"?>
 <p:sld xmlns:a="http://schemas.openxmlformats.org/drawingml/2006/main" xmlns:r="http://schemas.openxmlformats.org/officeDocument/2006/relationships" xmlns:p="http://schemas.openxmlformats.org/presentationml/2006/main">
   <p:cSld>
     <p:spTree>
@@ -7140,7 +10666,7 @@
           <a:p>
             <a:r>
               <a:rPr lang="zh-CN" altLang="en-US" dirty="0" smtClean="0"/>
-              <a:t>移动图表</a:t>
+              <a:t>图表元素</a:t>
             </a:r>
             <a:endParaRPr lang="zh-CN" altLang="en-US" dirty="0"/>
           </a:p>
@@ -7148,7 +10674,7 @@
       </p:sp>
       <p:pic>
         <p:nvPicPr>
-          <p:cNvPr id="4" name="内容占位符 3"/>
+          <p:cNvPr id="6" name="内容占位符 5"/>
           <p:cNvPicPr>
             <a:picLocks noGrp="1" noChangeAspect="1"/>
           </p:cNvPicPr>
@@ -7170,83 +10696,21 @@
         </p:blipFill>
         <p:spPr>
           <a:xfrm>
-            <a:off x="467544" y="1484784"/>
-            <a:ext cx="8229600" cy="1259173"/>
+            <a:off x="179512" y="1484784"/>
+            <a:ext cx="5486400" cy="3200400"/>
           </a:xfrm>
         </p:spPr>
       </p:pic>
       <p:sp>
         <p:nvSpPr>
-          <p:cNvPr id="5" name="TextBox 4"/>
-          <p:cNvSpPr txBox="1"/>
-          <p:nvPr/>
-        </p:nvSpPr>
-        <p:spPr>
-          <a:xfrm>
-            <a:off x="1187624" y="1628800"/>
-            <a:ext cx="360040" cy="252000"/>
-          </a:xfrm>
-          <a:prstGeom prst="rect">
-            <a:avLst/>
-          </a:prstGeom>
-          <a:noFill/>
-          <a:ln w="15875">
-            <a:solidFill>
-              <a:srgbClr val="FF0000"/>
-            </a:solidFill>
-          </a:ln>
-        </p:spPr>
-        <p:txBody>
-          <a:bodyPr wrap="square" rtlCol="0">
-            <a:spAutoFit/>
-          </a:bodyPr>
-          <a:lstStyle/>
-          <a:p>
-            <a:endParaRPr lang="zh-CN" altLang="en-US" dirty="0"/>
-          </a:p>
-        </p:txBody>
-      </p:sp>
-      <p:sp>
-        <p:nvSpPr>
           <p:cNvPr id="7" name="TextBox 6"/>
           <p:cNvSpPr txBox="1"/>
           <p:nvPr/>
         </p:nvSpPr>
         <p:spPr>
           <a:xfrm>
-            <a:off x="7956376" y="1880800"/>
-            <a:ext cx="536567" cy="432000"/>
-          </a:xfrm>
-          <a:prstGeom prst="rect">
-            <a:avLst/>
-          </a:prstGeom>
-          <a:noFill/>
-          <a:ln w="15875">
-            <a:solidFill>
-              <a:srgbClr val="FF0000"/>
-            </a:solidFill>
-          </a:ln>
-        </p:spPr>
-        <p:txBody>
-          <a:bodyPr wrap="square" rtlCol="0">
-            <a:spAutoFit/>
-          </a:bodyPr>
-          <a:lstStyle/>
-          <a:p>
-            <a:endParaRPr lang="zh-CN" altLang="en-US" dirty="0"/>
-          </a:p>
-        </p:txBody>
-      </p:sp>
-      <p:sp>
-        <p:nvSpPr>
-          <p:cNvPr id="8" name="TextBox 7"/>
-          <p:cNvSpPr txBox="1"/>
-          <p:nvPr/>
-        </p:nvSpPr>
-        <p:spPr>
-          <a:xfrm>
-            <a:off x="1043608" y="2924944"/>
-            <a:ext cx="1224136" cy="369332"/>
+            <a:off x="6372200" y="1196751"/>
+            <a:ext cx="2520280" cy="2585323"/>
           </a:xfrm>
           <a:prstGeom prst="rect">
             <a:avLst/>
@@ -7260,371 +10724,106 @@
           <a:lstStyle/>
           <a:p>
             <a:r>
-              <a:rPr lang="zh-CN" altLang="en-US" dirty="0" smtClean="0"/>
-              <a:t>选中图表</a:t>
-            </a:r>
-            <a:endParaRPr lang="zh-CN" altLang="en-US" dirty="0"/>
-          </a:p>
-        </p:txBody>
-      </p:sp>
-      <p:sp>
-        <p:nvSpPr>
-          <p:cNvPr id="9" name="右箭头 8"/>
-          <p:cNvSpPr/>
-          <p:nvPr/>
-        </p:nvSpPr>
-        <p:spPr>
-          <a:xfrm>
-            <a:off x="2843808" y="3059668"/>
-            <a:ext cx="504056" cy="225316"/>
-          </a:xfrm>
-          <a:prstGeom prst="rightArrow">
-            <a:avLst/>
-          </a:prstGeom>
-        </p:spPr>
-        <p:style>
-          <a:lnRef idx="2">
-            <a:schemeClr val="accent1">
-              <a:shade val="50000"/>
-            </a:schemeClr>
-          </a:lnRef>
-          <a:fillRef idx="1">
-            <a:schemeClr val="accent1"/>
-          </a:fillRef>
-          <a:effectRef idx="0">
-            <a:schemeClr val="accent1"/>
-          </a:effectRef>
-          <a:fontRef idx="minor">
-            <a:schemeClr val="lt1"/>
-          </a:fontRef>
-        </p:style>
-        <p:txBody>
-          <a:bodyPr rtlCol="0" anchor="ctr"/>
-          <a:lstStyle/>
-          <a:p>
-            <a:pPr algn="ctr"/>
-            <a:endParaRPr lang="zh-CN" altLang="en-US"/>
-          </a:p>
-        </p:txBody>
-      </p:sp>
-      <p:sp>
-        <p:nvSpPr>
-          <p:cNvPr id="10" name="TextBox 9"/>
-          <p:cNvSpPr txBox="1"/>
-          <p:nvPr/>
-        </p:nvSpPr>
-        <p:spPr>
-          <a:xfrm>
-            <a:off x="4355976" y="3016242"/>
-            <a:ext cx="648072" cy="369332"/>
-          </a:xfrm>
-          <a:prstGeom prst="rect">
-            <a:avLst/>
-          </a:prstGeom>
-          <a:noFill/>
-        </p:spPr>
-        <p:txBody>
-          <a:bodyPr wrap="square" rtlCol="0">
-            <a:spAutoFit/>
-          </a:bodyPr>
-          <a:lstStyle/>
-          <a:p>
-            <a:r>
-              <a:rPr lang="zh-CN" altLang="en-US" dirty="0"/>
-              <a:t>设计</a:t>
-            </a:r>
-          </a:p>
-        </p:txBody>
-      </p:sp>
-      <p:sp>
-        <p:nvSpPr>
-          <p:cNvPr id="11" name="右箭头 10"/>
-          <p:cNvSpPr/>
-          <p:nvPr/>
-        </p:nvSpPr>
-        <p:spPr>
-          <a:xfrm>
-            <a:off x="5508104" y="3059668"/>
-            <a:ext cx="504056" cy="225316"/>
-          </a:xfrm>
-          <a:prstGeom prst="rightArrow">
-            <a:avLst/>
-          </a:prstGeom>
-        </p:spPr>
-        <p:style>
-          <a:lnRef idx="2">
-            <a:schemeClr val="accent1">
-              <a:shade val="50000"/>
-            </a:schemeClr>
-          </a:lnRef>
-          <a:fillRef idx="1">
-            <a:schemeClr val="accent1"/>
-          </a:fillRef>
-          <a:effectRef idx="0">
-            <a:schemeClr val="accent1"/>
-          </a:effectRef>
-          <a:fontRef idx="minor">
-            <a:schemeClr val="lt1"/>
-          </a:fontRef>
-        </p:style>
-        <p:txBody>
-          <a:bodyPr rtlCol="0" anchor="ctr"/>
-          <a:lstStyle/>
-          <a:p>
-            <a:pPr algn="ctr"/>
-            <a:endParaRPr lang="zh-CN" altLang="en-US"/>
-          </a:p>
-        </p:txBody>
-      </p:sp>
-      <p:sp>
-        <p:nvSpPr>
-          <p:cNvPr id="12" name="TextBox 11"/>
-          <p:cNvSpPr txBox="1"/>
-          <p:nvPr/>
-        </p:nvSpPr>
-        <p:spPr>
-          <a:xfrm>
-            <a:off x="6804248" y="2987660"/>
-            <a:ext cx="1152128" cy="369332"/>
-          </a:xfrm>
-          <a:prstGeom prst="rect">
-            <a:avLst/>
-          </a:prstGeom>
-          <a:noFill/>
-        </p:spPr>
-        <p:txBody>
-          <a:bodyPr wrap="square" rtlCol="0">
-            <a:spAutoFit/>
-          </a:bodyPr>
-          <a:lstStyle/>
-          <a:p>
-            <a:r>
-              <a:rPr lang="zh-CN" altLang="en-US" dirty="0" smtClean="0"/>
-              <a:t>移动图表</a:t>
-            </a:r>
-            <a:endParaRPr lang="zh-CN" altLang="en-US" dirty="0"/>
-          </a:p>
-        </p:txBody>
-      </p:sp>
-      <p:pic>
-        <p:nvPicPr>
-          <p:cNvPr id="13" name="图片 12"/>
-          <p:cNvPicPr>
-            <a:picLocks noChangeAspect="1"/>
-          </p:cNvPicPr>
-          <p:nvPr/>
-        </p:nvPicPr>
-        <p:blipFill>
-          <a:blip r:embed="rId3">
-            <a:extLst>
-              <a:ext uri="{28A0092B-C50C-407E-A947-70E740481C1C}">
-                <a14:useLocalDpi xmlns:a14="http://schemas.microsoft.com/office/drawing/2010/main" val="0"/>
-              </a:ext>
-            </a:extLst>
-          </a:blip>
-          <a:stretch>
-            <a:fillRect/>
-          </a:stretch>
-        </p:blipFill>
-        <p:spPr>
-          <a:xfrm>
-            <a:off x="530535" y="4077084"/>
-            <a:ext cx="3636000" cy="1403241"/>
-          </a:xfrm>
-          <a:prstGeom prst="rect">
-            <a:avLst/>
-          </a:prstGeom>
-        </p:spPr>
-      </p:pic>
-      <p:sp>
-        <p:nvSpPr>
-          <p:cNvPr id="14" name="TextBox 13"/>
-          <p:cNvSpPr txBox="1"/>
-          <p:nvPr/>
-        </p:nvSpPr>
-        <p:spPr>
-          <a:xfrm>
-            <a:off x="1979276" y="4869160"/>
-            <a:ext cx="2187258" cy="252000"/>
-          </a:xfrm>
-          <a:prstGeom prst="rect">
-            <a:avLst/>
-          </a:prstGeom>
-          <a:noFill/>
-          <a:ln w="15875">
-            <a:solidFill>
-              <a:srgbClr val="FF0000"/>
-            </a:solidFill>
-          </a:ln>
-        </p:spPr>
-        <p:txBody>
-          <a:bodyPr wrap="square" rtlCol="0">
-            <a:spAutoFit/>
-          </a:bodyPr>
-          <a:lstStyle/>
-          <a:p>
-            <a:endParaRPr lang="zh-CN" altLang="en-US" dirty="0"/>
-          </a:p>
-        </p:txBody>
-      </p:sp>
-      <p:sp>
-        <p:nvSpPr>
-          <p:cNvPr id="15" name="TextBox 14"/>
-          <p:cNvSpPr txBox="1"/>
-          <p:nvPr/>
-        </p:nvSpPr>
-        <p:spPr>
-          <a:xfrm>
-            <a:off x="1979275" y="4519064"/>
-            <a:ext cx="2187259" cy="252000"/>
-          </a:xfrm>
-          <a:prstGeom prst="rect">
-            <a:avLst/>
-          </a:prstGeom>
-          <a:noFill/>
-          <a:ln w="15875">
-            <a:solidFill>
-              <a:srgbClr val="FF0000"/>
-            </a:solidFill>
-          </a:ln>
-        </p:spPr>
-        <p:txBody>
-          <a:bodyPr wrap="square" rtlCol="0">
-            <a:spAutoFit/>
-          </a:bodyPr>
-          <a:lstStyle/>
-          <a:p>
-            <a:endParaRPr lang="zh-CN" altLang="en-US" dirty="0"/>
-          </a:p>
-        </p:txBody>
-      </p:sp>
-      <p:cxnSp>
-        <p:nvCxnSpPr>
-          <p:cNvPr id="17" name="直接箭头连接符 16"/>
-          <p:cNvCxnSpPr/>
-          <p:nvPr/>
-        </p:nvCxnSpPr>
-        <p:spPr>
-          <a:xfrm flipV="1">
-            <a:off x="4355976" y="4221088"/>
-            <a:ext cx="864096" cy="423976"/>
-          </a:xfrm>
-          <a:prstGeom prst="straightConnector1">
-            <a:avLst/>
-          </a:prstGeom>
-          <a:ln>
-            <a:solidFill>
-              <a:srgbClr val="FF0000"/>
-            </a:solidFill>
-            <a:tailEnd type="arrow"/>
-          </a:ln>
-        </p:spPr>
-        <p:style>
-          <a:lnRef idx="1">
-            <a:schemeClr val="accent1"/>
-          </a:lnRef>
-          <a:fillRef idx="0">
-            <a:schemeClr val="accent1"/>
-          </a:fillRef>
-          <a:effectRef idx="0">
-            <a:schemeClr val="accent1"/>
-          </a:effectRef>
-          <a:fontRef idx="minor">
-            <a:schemeClr val="tx1"/>
-          </a:fontRef>
-        </p:style>
-      </p:cxnSp>
-      <p:sp>
-        <p:nvSpPr>
-          <p:cNvPr id="18" name="TextBox 17"/>
-          <p:cNvSpPr txBox="1"/>
-          <p:nvPr/>
-        </p:nvSpPr>
-        <p:spPr>
-          <a:xfrm>
-            <a:off x="5436096" y="3790781"/>
-            <a:ext cx="3024336" cy="646331"/>
-          </a:xfrm>
-          <a:prstGeom prst="rect">
-            <a:avLst/>
-          </a:prstGeom>
-          <a:noFill/>
-        </p:spPr>
-        <p:txBody>
-          <a:bodyPr wrap="square" rtlCol="0">
-            <a:spAutoFit/>
-          </a:bodyPr>
-          <a:lstStyle/>
-          <a:p>
-            <a:r>
-              <a:rPr lang="zh-CN" altLang="en-US" dirty="0" smtClean="0"/>
-              <a:t>新建一个工作表，然后将图片移动此工作表</a:t>
-            </a:r>
-            <a:endParaRPr lang="zh-CN" altLang="en-US" dirty="0"/>
-          </a:p>
-        </p:txBody>
-      </p:sp>
-      <p:cxnSp>
-        <p:nvCxnSpPr>
-          <p:cNvPr id="20" name="直接箭头连接符 19"/>
-          <p:cNvCxnSpPr/>
-          <p:nvPr/>
-        </p:nvCxnSpPr>
-        <p:spPr>
-          <a:xfrm>
-            <a:off x="4355976" y="4995160"/>
-            <a:ext cx="864096" cy="594080"/>
-          </a:xfrm>
-          <a:prstGeom prst="straightConnector1">
-            <a:avLst/>
-          </a:prstGeom>
-          <a:ln>
-            <a:solidFill>
-              <a:srgbClr val="FF0000"/>
-            </a:solidFill>
-            <a:tailEnd type="arrow"/>
-          </a:ln>
-        </p:spPr>
-        <p:style>
-          <a:lnRef idx="1">
-            <a:schemeClr val="accent1"/>
-          </a:lnRef>
-          <a:fillRef idx="0">
-            <a:schemeClr val="accent1"/>
-          </a:fillRef>
-          <a:effectRef idx="0">
-            <a:schemeClr val="accent1"/>
-          </a:effectRef>
-          <a:fontRef idx="minor">
-            <a:schemeClr val="tx1"/>
-          </a:fontRef>
-        </p:style>
-      </p:cxnSp>
-      <p:sp>
-        <p:nvSpPr>
-          <p:cNvPr id="21" name="TextBox 20"/>
-          <p:cNvSpPr txBox="1"/>
-          <p:nvPr/>
-        </p:nvSpPr>
-        <p:spPr>
-          <a:xfrm>
-            <a:off x="5508104" y="5479556"/>
-            <a:ext cx="3024336" cy="646331"/>
-          </a:xfrm>
-          <a:prstGeom prst="rect">
-            <a:avLst/>
-          </a:prstGeom>
-          <a:noFill/>
-        </p:spPr>
-        <p:txBody>
-          <a:bodyPr wrap="square" rtlCol="0">
-            <a:spAutoFit/>
-          </a:bodyPr>
-          <a:lstStyle/>
-          <a:p>
-            <a:r>
-              <a:rPr lang="zh-CN" altLang="en-US" dirty="0" smtClean="0"/>
-              <a:t>选择现有工作表，将图片移动到现有的工作表</a:t>
+              <a:rPr lang="zh-CN" altLang="en-US" dirty="0">
+                <a:hlinkClick r:id="rId3" action="ppaction://hlinkpres?slideindex=1&amp;slidetitle="/>
+              </a:rPr>
+              <a:t>图表</a:t>
+            </a:r>
+            <a:r>
+              <a:rPr lang="zh-CN" altLang="en-US" dirty="0" smtClean="0">
+                <a:hlinkClick r:id="rId3" action="ppaction://hlinkpres?slideindex=1&amp;slidetitle="/>
+              </a:rPr>
+              <a:t>区</a:t>
+            </a:r>
+            <a:endParaRPr lang="en-US" altLang="zh-CN" dirty="0" smtClean="0"/>
+          </a:p>
+          <a:p>
+            <a:r>
+              <a:rPr lang="zh-CN" altLang="en-US" dirty="0">
+                <a:hlinkClick r:id="rId4" action="ppaction://hlinkpres?slideindex=1&amp;slidetitle="/>
+              </a:rPr>
+              <a:t>绘图</a:t>
+            </a:r>
+            <a:r>
+              <a:rPr lang="zh-CN" altLang="en-US" dirty="0" smtClean="0">
+                <a:hlinkClick r:id="rId4" action="ppaction://hlinkpres?slideindex=1&amp;slidetitle="/>
+              </a:rPr>
+              <a:t>区</a:t>
+            </a:r>
+            <a:endParaRPr lang="en-US" altLang="zh-CN" dirty="0" smtClean="0"/>
+          </a:p>
+          <a:p>
+            <a:r>
+              <a:rPr lang="zh-CN" altLang="en-US" dirty="0" smtClean="0">
+                <a:hlinkClick r:id="rId5" action="ppaction://hlinkpres?slideindex=1&amp;slidetitle="/>
+              </a:rPr>
+              <a:t>图表标题</a:t>
+            </a:r>
+            <a:endParaRPr lang="en-US" altLang="zh-CN" dirty="0" smtClean="0"/>
+          </a:p>
+          <a:p>
+            <a:r>
+              <a:rPr lang="zh-CN" altLang="en-US" dirty="0" smtClean="0">
+                <a:hlinkClick r:id="rId6" action="ppaction://hlinkpres?slideindex=1&amp;slidetitle="/>
+              </a:rPr>
+              <a:t>图例</a:t>
+            </a:r>
+            <a:endParaRPr lang="en-US" altLang="zh-CN" dirty="0" smtClean="0"/>
+          </a:p>
+          <a:p>
+            <a:r>
+              <a:rPr lang="zh-CN" altLang="en-US" dirty="0" smtClean="0">
+                <a:hlinkClick r:id="rId7" action="ppaction://hlinkpres?slideindex=1&amp;slidetitle="/>
+              </a:rPr>
+              <a:t>数据标签</a:t>
+            </a:r>
+            <a:endParaRPr lang="en-US" altLang="zh-CN" dirty="0" smtClean="0"/>
+          </a:p>
+          <a:p>
+            <a:r>
+              <a:rPr lang="zh-CN" altLang="en-US" dirty="0" smtClean="0">
+                <a:hlinkClick r:id="rId8" action="ppaction://hlinkpres?slideindex=1&amp;slidetitle="/>
+              </a:rPr>
+              <a:t>坐标轴</a:t>
+            </a:r>
+            <a:endParaRPr lang="en-US" altLang="zh-CN" dirty="0" smtClean="0"/>
+          </a:p>
+          <a:p>
+            <a:r>
+              <a:rPr lang="zh-CN" altLang="en-US" dirty="0">
+                <a:hlinkClick r:id="rId9" action="ppaction://hlinkpres?slideindex=1&amp;slidetitle="/>
+              </a:rPr>
+              <a:t>网络</a:t>
+            </a:r>
+            <a:r>
+              <a:rPr lang="zh-CN" altLang="en-US" dirty="0" smtClean="0">
+                <a:hlinkClick r:id="rId9" action="ppaction://hlinkpres?slideindex=1&amp;slidetitle="/>
+              </a:rPr>
+              <a:t>线</a:t>
+            </a:r>
+            <a:endParaRPr lang="en-US" altLang="zh-CN" dirty="0" smtClean="0"/>
+          </a:p>
+          <a:p>
+            <a:r>
+              <a:rPr lang="zh-CN" altLang="en-US" dirty="0" smtClean="0">
+                <a:hlinkClick r:id="rId10" action="ppaction://hlinkpres?slideindex=1&amp;slidetitle="/>
+              </a:rPr>
+              <a:t>模拟运算表</a:t>
+            </a:r>
+            <a:endParaRPr lang="en-US" altLang="zh-CN" dirty="0" smtClean="0"/>
+          </a:p>
+          <a:p>
+            <a:r>
+              <a:rPr lang="zh-CN" altLang="en-US" dirty="0">
+                <a:hlinkClick r:id="rId11" action="ppaction://hlinkpres?slideindex=1&amp;slidetitle="/>
+              </a:rPr>
+              <a:t>数据</a:t>
+            </a:r>
+            <a:r>
+              <a:rPr lang="zh-CN" altLang="en-US" dirty="0" smtClean="0">
+                <a:hlinkClick r:id="rId11" action="ppaction://hlinkpres?slideindex=1&amp;slidetitle="/>
+              </a:rPr>
+              <a:t>系列</a:t>
             </a:r>
             <a:endParaRPr lang="zh-CN" altLang="en-US" dirty="0"/>
           </a:p>
@@ -7633,7 +10832,7 @@
     </p:spTree>
     <p:extLst>
       <p:ext uri="{BB962C8B-B14F-4D97-AF65-F5344CB8AC3E}">
-        <p14:creationId xmlns:p14="http://schemas.microsoft.com/office/powerpoint/2010/main" val="2519107907"/>
+        <p14:creationId xmlns:p14="http://schemas.microsoft.com/office/powerpoint/2010/main" val="1997137027"/>
       </p:ext>
     </p:extLst>
   </p:cSld>
@@ -7643,841 +10842,167 @@
   <p:timing>
     <p:tnLst>
       <p:par>
-        <p:cTn id="1" dur="indefinite" restart="never" nodeType="tmRoot">
-          <p:childTnLst>
-            <p:seq concurrent="1" nextAc="seek">
-              <p:cTn id="2" dur="indefinite" nodeType="mainSeq">
-                <p:childTnLst>
-                  <p:par>
-                    <p:cTn id="3" fill="hold">
-                      <p:stCondLst>
-                        <p:cond delay="indefinite"/>
-                      </p:stCondLst>
-                      <p:childTnLst>
-                        <p:par>
-                          <p:cTn id="4" fill="hold">
-                            <p:stCondLst>
-                              <p:cond delay="0"/>
-                            </p:stCondLst>
-                            <p:childTnLst>
-                              <p:par>
-                                <p:cTn id="5" presetID="10" presetClass="entr" presetSubtype="0" fill="hold" nodeType="clickEffect">
-                                  <p:stCondLst>
-                                    <p:cond delay="0"/>
-                                  </p:stCondLst>
-                                  <p:childTnLst>
-                                    <p:set>
-                                      <p:cBhvr>
-                                        <p:cTn id="6" dur="1" fill="hold">
-                                          <p:stCondLst>
-                                            <p:cond delay="0"/>
-                                          </p:stCondLst>
-                                        </p:cTn>
-                                        <p:tgtEl>
-                                          <p:spTgt spid="4"/>
-                                        </p:tgtEl>
-                                        <p:attrNameLst>
-                                          <p:attrName>style.visibility</p:attrName>
-                                        </p:attrNameLst>
-                                      </p:cBhvr>
-                                      <p:to>
-                                        <p:strVal val="visible"/>
-                                      </p:to>
-                                    </p:set>
-                                    <p:animEffect transition="in" filter="fade">
-                                      <p:cBhvr>
-                                        <p:cTn id="7" dur="500"/>
-                                        <p:tgtEl>
-                                          <p:spTgt spid="4"/>
-                                        </p:tgtEl>
-                                      </p:cBhvr>
-                                    </p:animEffect>
-                                  </p:childTnLst>
-                                </p:cTn>
-                              </p:par>
-                            </p:childTnLst>
-                          </p:cTn>
-                        </p:par>
-                      </p:childTnLst>
-                    </p:cTn>
-                  </p:par>
-                  <p:par>
-                    <p:cTn id="8" fill="hold">
-                      <p:stCondLst>
-                        <p:cond delay="indefinite"/>
-                      </p:stCondLst>
-                      <p:childTnLst>
-                        <p:par>
-                          <p:cTn id="9" fill="hold">
-                            <p:stCondLst>
-                              <p:cond delay="0"/>
-                            </p:stCondLst>
-                            <p:childTnLst>
-                              <p:par>
-                                <p:cTn id="10" presetID="10" presetClass="entr" presetSubtype="0" fill="hold" grpId="0" nodeType="clickEffect">
-                                  <p:stCondLst>
-                                    <p:cond delay="0"/>
-                                  </p:stCondLst>
-                                  <p:childTnLst>
-                                    <p:set>
-                                      <p:cBhvr>
-                                        <p:cTn id="11" dur="1" fill="hold">
-                                          <p:stCondLst>
-                                            <p:cond delay="0"/>
-                                          </p:stCondLst>
-                                        </p:cTn>
-                                        <p:tgtEl>
-                                          <p:spTgt spid="8"/>
-                                        </p:tgtEl>
-                                        <p:attrNameLst>
-                                          <p:attrName>style.visibility</p:attrName>
-                                        </p:attrNameLst>
-                                      </p:cBhvr>
-                                      <p:to>
-                                        <p:strVal val="visible"/>
-                                      </p:to>
-                                    </p:set>
-                                    <p:animEffect transition="in" filter="fade">
-                                      <p:cBhvr>
-                                        <p:cTn id="12" dur="500"/>
-                                        <p:tgtEl>
-                                          <p:spTgt spid="8"/>
-                                        </p:tgtEl>
-                                      </p:cBhvr>
-                                    </p:animEffect>
-                                  </p:childTnLst>
-                                </p:cTn>
-                              </p:par>
-                            </p:childTnLst>
-                          </p:cTn>
-                        </p:par>
-                      </p:childTnLst>
-                    </p:cTn>
-                  </p:par>
-                  <p:par>
-                    <p:cTn id="13" fill="hold">
-                      <p:stCondLst>
-                        <p:cond delay="indefinite"/>
-                      </p:stCondLst>
-                      <p:childTnLst>
-                        <p:par>
-                          <p:cTn id="14" fill="hold">
-                            <p:stCondLst>
-                              <p:cond delay="0"/>
-                            </p:stCondLst>
-                            <p:childTnLst>
-                              <p:par>
-                                <p:cTn id="15" presetID="10" presetClass="entr" presetSubtype="0" fill="hold" grpId="0" nodeType="clickEffect">
-                                  <p:stCondLst>
-                                    <p:cond delay="0"/>
-                                  </p:stCondLst>
-                                  <p:childTnLst>
-                                    <p:set>
-                                      <p:cBhvr>
-                                        <p:cTn id="16" dur="1" fill="hold">
-                                          <p:stCondLst>
-                                            <p:cond delay="0"/>
-                                          </p:stCondLst>
-                                        </p:cTn>
-                                        <p:tgtEl>
-                                          <p:spTgt spid="9"/>
-                                        </p:tgtEl>
-                                        <p:attrNameLst>
-                                          <p:attrName>style.visibility</p:attrName>
-                                        </p:attrNameLst>
-                                      </p:cBhvr>
-                                      <p:to>
-                                        <p:strVal val="visible"/>
-                                      </p:to>
-                                    </p:set>
-                                    <p:animEffect transition="in" filter="fade">
-                                      <p:cBhvr>
-                                        <p:cTn id="17" dur="500"/>
-                                        <p:tgtEl>
-                                          <p:spTgt spid="9"/>
-                                        </p:tgtEl>
-                                      </p:cBhvr>
-                                    </p:animEffect>
-                                  </p:childTnLst>
-                                </p:cTn>
-                              </p:par>
-                            </p:childTnLst>
-                          </p:cTn>
-                        </p:par>
-                      </p:childTnLst>
-                    </p:cTn>
-                  </p:par>
-                  <p:par>
-                    <p:cTn id="18" fill="hold">
-                      <p:stCondLst>
-                        <p:cond delay="indefinite"/>
-                      </p:stCondLst>
-                      <p:childTnLst>
-                        <p:par>
-                          <p:cTn id="19" fill="hold">
-                            <p:stCondLst>
-                              <p:cond delay="0"/>
-                            </p:stCondLst>
-                            <p:childTnLst>
-                              <p:par>
-                                <p:cTn id="20" presetID="10" presetClass="entr" presetSubtype="0" fill="hold" grpId="0" nodeType="clickEffect">
-                                  <p:stCondLst>
-                                    <p:cond delay="0"/>
-                                  </p:stCondLst>
-                                  <p:childTnLst>
-                                    <p:set>
-                                      <p:cBhvr>
-                                        <p:cTn id="21" dur="1" fill="hold">
-                                          <p:stCondLst>
-                                            <p:cond delay="0"/>
-                                          </p:stCondLst>
-                                        </p:cTn>
-                                        <p:tgtEl>
-                                          <p:spTgt spid="10"/>
-                                        </p:tgtEl>
-                                        <p:attrNameLst>
-                                          <p:attrName>style.visibility</p:attrName>
-                                        </p:attrNameLst>
-                                      </p:cBhvr>
-                                      <p:to>
-                                        <p:strVal val="visible"/>
-                                      </p:to>
-                                    </p:set>
-                                    <p:animEffect transition="in" filter="fade">
-                                      <p:cBhvr>
-                                        <p:cTn id="22" dur="500"/>
-                                        <p:tgtEl>
-                                          <p:spTgt spid="10"/>
-                                        </p:tgtEl>
-                                      </p:cBhvr>
-                                    </p:animEffect>
-                                  </p:childTnLst>
-                                </p:cTn>
-                              </p:par>
-                            </p:childTnLst>
-                          </p:cTn>
-                        </p:par>
-                      </p:childTnLst>
-                    </p:cTn>
-                  </p:par>
-                  <p:par>
-                    <p:cTn id="23" fill="hold">
-                      <p:stCondLst>
-                        <p:cond delay="indefinite"/>
-                      </p:stCondLst>
-                      <p:childTnLst>
-                        <p:par>
-                          <p:cTn id="24" fill="hold">
-                            <p:stCondLst>
-                              <p:cond delay="0"/>
-                            </p:stCondLst>
-                            <p:childTnLst>
-                              <p:par>
-                                <p:cTn id="25" presetID="10" presetClass="entr" presetSubtype="0" fill="hold" grpId="0" nodeType="clickEffect">
-                                  <p:stCondLst>
-                                    <p:cond delay="0"/>
-                                  </p:stCondLst>
-                                  <p:childTnLst>
-                                    <p:set>
-                                      <p:cBhvr>
-                                        <p:cTn id="26" dur="1" fill="hold">
-                                          <p:stCondLst>
-                                            <p:cond delay="0"/>
-                                          </p:stCondLst>
-                                        </p:cTn>
-                                        <p:tgtEl>
-                                          <p:spTgt spid="5"/>
-                                        </p:tgtEl>
-                                        <p:attrNameLst>
-                                          <p:attrName>style.visibility</p:attrName>
-                                        </p:attrNameLst>
-                                      </p:cBhvr>
-                                      <p:to>
-                                        <p:strVal val="visible"/>
-                                      </p:to>
-                                    </p:set>
-                                    <p:animEffect transition="in" filter="fade">
-                                      <p:cBhvr>
-                                        <p:cTn id="27" dur="500"/>
-                                        <p:tgtEl>
-                                          <p:spTgt spid="5"/>
-                                        </p:tgtEl>
-                                      </p:cBhvr>
-                                    </p:animEffect>
-                                  </p:childTnLst>
-                                </p:cTn>
-                              </p:par>
-                            </p:childTnLst>
-                          </p:cTn>
-                        </p:par>
-                      </p:childTnLst>
-                    </p:cTn>
-                  </p:par>
-                  <p:par>
-                    <p:cTn id="28" fill="hold">
-                      <p:stCondLst>
-                        <p:cond delay="indefinite"/>
-                      </p:stCondLst>
-                      <p:childTnLst>
-                        <p:par>
-                          <p:cTn id="29" fill="hold">
-                            <p:stCondLst>
-                              <p:cond delay="0"/>
-                            </p:stCondLst>
-                            <p:childTnLst>
-                              <p:par>
-                                <p:cTn id="30" presetID="10" presetClass="entr" presetSubtype="0" fill="hold" grpId="0" nodeType="clickEffect">
-                                  <p:stCondLst>
-                                    <p:cond delay="0"/>
-                                  </p:stCondLst>
-                                  <p:childTnLst>
-                                    <p:set>
-                                      <p:cBhvr>
-                                        <p:cTn id="31" dur="1" fill="hold">
-                                          <p:stCondLst>
-                                            <p:cond delay="0"/>
-                                          </p:stCondLst>
-                                        </p:cTn>
-                                        <p:tgtEl>
-                                          <p:spTgt spid="11"/>
-                                        </p:tgtEl>
-                                        <p:attrNameLst>
-                                          <p:attrName>style.visibility</p:attrName>
-                                        </p:attrNameLst>
-                                      </p:cBhvr>
-                                      <p:to>
-                                        <p:strVal val="visible"/>
-                                      </p:to>
-                                    </p:set>
-                                    <p:animEffect transition="in" filter="fade">
-                                      <p:cBhvr>
-                                        <p:cTn id="32" dur="500"/>
-                                        <p:tgtEl>
-                                          <p:spTgt spid="11"/>
-                                        </p:tgtEl>
-                                      </p:cBhvr>
-                                    </p:animEffect>
-                                  </p:childTnLst>
-                                </p:cTn>
-                              </p:par>
-                            </p:childTnLst>
-                          </p:cTn>
-                        </p:par>
-                      </p:childTnLst>
-                    </p:cTn>
-                  </p:par>
-                  <p:par>
-                    <p:cTn id="33" fill="hold">
-                      <p:stCondLst>
-                        <p:cond delay="indefinite"/>
-                      </p:stCondLst>
-                      <p:childTnLst>
-                        <p:par>
-                          <p:cTn id="34" fill="hold">
-                            <p:stCondLst>
-                              <p:cond delay="0"/>
-                            </p:stCondLst>
-                            <p:childTnLst>
-                              <p:par>
-                                <p:cTn id="35" presetID="10" presetClass="entr" presetSubtype="0" fill="hold" grpId="0" nodeType="clickEffect">
-                                  <p:stCondLst>
-                                    <p:cond delay="0"/>
-                                  </p:stCondLst>
-                                  <p:childTnLst>
-                                    <p:set>
-                                      <p:cBhvr>
-                                        <p:cTn id="36" dur="1" fill="hold">
-                                          <p:stCondLst>
-                                            <p:cond delay="0"/>
-                                          </p:stCondLst>
-                                        </p:cTn>
-                                        <p:tgtEl>
-                                          <p:spTgt spid="12"/>
-                                        </p:tgtEl>
-                                        <p:attrNameLst>
-                                          <p:attrName>style.visibility</p:attrName>
-                                        </p:attrNameLst>
-                                      </p:cBhvr>
-                                      <p:to>
-                                        <p:strVal val="visible"/>
-                                      </p:to>
-                                    </p:set>
-                                    <p:animEffect transition="in" filter="fade">
-                                      <p:cBhvr>
-                                        <p:cTn id="37" dur="500"/>
-                                        <p:tgtEl>
-                                          <p:spTgt spid="12"/>
-                                        </p:tgtEl>
-                                      </p:cBhvr>
-                                    </p:animEffect>
-                                  </p:childTnLst>
-                                </p:cTn>
-                              </p:par>
-                            </p:childTnLst>
-                          </p:cTn>
-                        </p:par>
-                      </p:childTnLst>
-                    </p:cTn>
-                  </p:par>
-                  <p:par>
-                    <p:cTn id="38" fill="hold">
-                      <p:stCondLst>
-                        <p:cond delay="indefinite"/>
-                      </p:stCondLst>
-                      <p:childTnLst>
-                        <p:par>
-                          <p:cTn id="39" fill="hold">
-                            <p:stCondLst>
-                              <p:cond delay="0"/>
-                            </p:stCondLst>
-                            <p:childTnLst>
-                              <p:par>
-                                <p:cTn id="40" presetID="10" presetClass="entr" presetSubtype="0" fill="hold" grpId="0" nodeType="clickEffect">
-                                  <p:stCondLst>
-                                    <p:cond delay="0"/>
-                                  </p:stCondLst>
-                                  <p:childTnLst>
-                                    <p:set>
-                                      <p:cBhvr>
-                                        <p:cTn id="41" dur="1" fill="hold">
-                                          <p:stCondLst>
-                                            <p:cond delay="0"/>
-                                          </p:stCondLst>
-                                        </p:cTn>
-                                        <p:tgtEl>
-                                          <p:spTgt spid="7"/>
-                                        </p:tgtEl>
-                                        <p:attrNameLst>
-                                          <p:attrName>style.visibility</p:attrName>
-                                        </p:attrNameLst>
-                                      </p:cBhvr>
-                                      <p:to>
-                                        <p:strVal val="visible"/>
-                                      </p:to>
-                                    </p:set>
-                                    <p:animEffect transition="in" filter="fade">
-                                      <p:cBhvr>
-                                        <p:cTn id="42" dur="500"/>
-                                        <p:tgtEl>
-                                          <p:spTgt spid="7"/>
-                                        </p:tgtEl>
-                                      </p:cBhvr>
-                                    </p:animEffect>
-                                  </p:childTnLst>
-                                </p:cTn>
-                              </p:par>
-                            </p:childTnLst>
-                          </p:cTn>
-                        </p:par>
-                      </p:childTnLst>
-                    </p:cTn>
-                  </p:par>
-                  <p:par>
-                    <p:cTn id="43" fill="hold">
-                      <p:stCondLst>
-                        <p:cond delay="indefinite"/>
-                      </p:stCondLst>
-                      <p:childTnLst>
-                        <p:par>
-                          <p:cTn id="44" fill="hold">
-                            <p:stCondLst>
-                              <p:cond delay="0"/>
-                            </p:stCondLst>
-                            <p:childTnLst>
-                              <p:par>
-                                <p:cTn id="45" presetID="10" presetClass="entr" presetSubtype="0" fill="hold" nodeType="clickEffect">
-                                  <p:stCondLst>
-                                    <p:cond delay="0"/>
-                                  </p:stCondLst>
-                                  <p:childTnLst>
-                                    <p:set>
-                                      <p:cBhvr>
-                                        <p:cTn id="46" dur="1" fill="hold">
-                                          <p:stCondLst>
-                                            <p:cond delay="0"/>
-                                          </p:stCondLst>
-                                        </p:cTn>
-                                        <p:tgtEl>
-                                          <p:spTgt spid="13"/>
-                                        </p:tgtEl>
-                                        <p:attrNameLst>
-                                          <p:attrName>style.visibility</p:attrName>
-                                        </p:attrNameLst>
-                                      </p:cBhvr>
-                                      <p:to>
-                                        <p:strVal val="visible"/>
-                                      </p:to>
-                                    </p:set>
-                                    <p:animEffect transition="in" filter="fade">
-                                      <p:cBhvr>
-                                        <p:cTn id="47" dur="500"/>
-                                        <p:tgtEl>
-                                          <p:spTgt spid="13"/>
-                                        </p:tgtEl>
-                                      </p:cBhvr>
-                                    </p:animEffect>
-                                  </p:childTnLst>
-                                </p:cTn>
-                              </p:par>
-                            </p:childTnLst>
-                          </p:cTn>
-                        </p:par>
-                      </p:childTnLst>
-                    </p:cTn>
-                  </p:par>
-                  <p:par>
-                    <p:cTn id="48" fill="hold">
-                      <p:stCondLst>
-                        <p:cond delay="indefinite"/>
-                      </p:stCondLst>
-                      <p:childTnLst>
-                        <p:par>
-                          <p:cTn id="49" fill="hold">
-                            <p:stCondLst>
-                              <p:cond delay="0"/>
-                            </p:stCondLst>
-                            <p:childTnLst>
-                              <p:par>
-                                <p:cTn id="50" presetID="10" presetClass="entr" presetSubtype="0" fill="hold" grpId="0" nodeType="clickEffect">
-                                  <p:stCondLst>
-                                    <p:cond delay="0"/>
-                                  </p:stCondLst>
-                                  <p:childTnLst>
-                                    <p:set>
-                                      <p:cBhvr>
-                                        <p:cTn id="51" dur="1" fill="hold">
-                                          <p:stCondLst>
-                                            <p:cond delay="0"/>
-                                          </p:stCondLst>
-                                        </p:cTn>
-                                        <p:tgtEl>
-                                          <p:spTgt spid="14"/>
-                                        </p:tgtEl>
-                                        <p:attrNameLst>
-                                          <p:attrName>style.visibility</p:attrName>
-                                        </p:attrNameLst>
-                                      </p:cBhvr>
-                                      <p:to>
-                                        <p:strVal val="visible"/>
-                                      </p:to>
-                                    </p:set>
-                                    <p:animEffect transition="in" filter="fade">
-                                      <p:cBhvr>
-                                        <p:cTn id="52" dur="500"/>
-                                        <p:tgtEl>
-                                          <p:spTgt spid="14"/>
-                                        </p:tgtEl>
-                                      </p:cBhvr>
-                                    </p:animEffect>
-                                  </p:childTnLst>
-                                </p:cTn>
-                              </p:par>
-                            </p:childTnLst>
-                          </p:cTn>
-                        </p:par>
-                      </p:childTnLst>
-                    </p:cTn>
-                  </p:par>
-                  <p:par>
-                    <p:cTn id="53" fill="hold">
-                      <p:stCondLst>
-                        <p:cond delay="indefinite"/>
-                      </p:stCondLst>
-                      <p:childTnLst>
-                        <p:par>
-                          <p:cTn id="54" fill="hold">
-                            <p:stCondLst>
-                              <p:cond delay="0"/>
-                            </p:stCondLst>
-                            <p:childTnLst>
-                              <p:par>
-                                <p:cTn id="55" presetID="10" presetClass="entr" presetSubtype="0" fill="hold" nodeType="clickEffect">
-                                  <p:stCondLst>
-                                    <p:cond delay="0"/>
-                                  </p:stCondLst>
-                                  <p:childTnLst>
-                                    <p:set>
-                                      <p:cBhvr>
-                                        <p:cTn id="56" dur="1" fill="hold">
-                                          <p:stCondLst>
-                                            <p:cond delay="0"/>
-                                          </p:stCondLst>
-                                        </p:cTn>
-                                        <p:tgtEl>
-                                          <p:spTgt spid="20"/>
-                                        </p:tgtEl>
-                                        <p:attrNameLst>
-                                          <p:attrName>style.visibility</p:attrName>
-                                        </p:attrNameLst>
-                                      </p:cBhvr>
-                                      <p:to>
-                                        <p:strVal val="visible"/>
-                                      </p:to>
-                                    </p:set>
-                                    <p:animEffect transition="in" filter="fade">
-                                      <p:cBhvr>
-                                        <p:cTn id="57" dur="500"/>
-                                        <p:tgtEl>
-                                          <p:spTgt spid="20"/>
-                                        </p:tgtEl>
-                                      </p:cBhvr>
-                                    </p:animEffect>
-                                  </p:childTnLst>
-                                </p:cTn>
-                              </p:par>
-                            </p:childTnLst>
-                          </p:cTn>
-                        </p:par>
-                      </p:childTnLst>
-                    </p:cTn>
-                  </p:par>
-                  <p:par>
-                    <p:cTn id="58" fill="hold">
-                      <p:stCondLst>
-                        <p:cond delay="indefinite"/>
-                      </p:stCondLst>
-                      <p:childTnLst>
-                        <p:par>
-                          <p:cTn id="59" fill="hold">
-                            <p:stCondLst>
-                              <p:cond delay="0"/>
-                            </p:stCondLst>
-                            <p:childTnLst>
-                              <p:par>
-                                <p:cTn id="60" presetID="10" presetClass="entr" presetSubtype="0" fill="hold" grpId="0" nodeType="clickEffect">
-                                  <p:stCondLst>
-                                    <p:cond delay="0"/>
-                                  </p:stCondLst>
-                                  <p:childTnLst>
-                                    <p:set>
-                                      <p:cBhvr>
-                                        <p:cTn id="61" dur="1" fill="hold">
-                                          <p:stCondLst>
-                                            <p:cond delay="0"/>
-                                          </p:stCondLst>
-                                        </p:cTn>
-                                        <p:tgtEl>
-                                          <p:spTgt spid="21"/>
-                                        </p:tgtEl>
-                                        <p:attrNameLst>
-                                          <p:attrName>style.visibility</p:attrName>
-                                        </p:attrNameLst>
-                                      </p:cBhvr>
-                                      <p:to>
-                                        <p:strVal val="visible"/>
-                                      </p:to>
-                                    </p:set>
-                                    <p:animEffect transition="in" filter="fade">
-                                      <p:cBhvr>
-                                        <p:cTn id="62" dur="500"/>
-                                        <p:tgtEl>
-                                          <p:spTgt spid="21"/>
-                                        </p:tgtEl>
-                                      </p:cBhvr>
-                                    </p:animEffect>
-                                  </p:childTnLst>
-                                </p:cTn>
-                              </p:par>
-                            </p:childTnLst>
-                          </p:cTn>
-                        </p:par>
-                      </p:childTnLst>
-                    </p:cTn>
-                  </p:par>
-                  <p:par>
-                    <p:cTn id="63" fill="hold">
-                      <p:stCondLst>
-                        <p:cond delay="indefinite"/>
-                      </p:stCondLst>
-                      <p:childTnLst>
-                        <p:par>
-                          <p:cTn id="64" fill="hold">
-                            <p:stCondLst>
-                              <p:cond delay="0"/>
-                            </p:stCondLst>
-                            <p:childTnLst>
-                              <p:par>
-                                <p:cTn id="65" presetID="10" presetClass="entr" presetSubtype="0" fill="hold" grpId="0" nodeType="clickEffect">
-                                  <p:stCondLst>
-                                    <p:cond delay="0"/>
-                                  </p:stCondLst>
-                                  <p:childTnLst>
-                                    <p:set>
-                                      <p:cBhvr>
-                                        <p:cTn id="66" dur="1" fill="hold">
-                                          <p:stCondLst>
-                                            <p:cond delay="0"/>
-                                          </p:stCondLst>
-                                        </p:cTn>
-                                        <p:tgtEl>
-                                          <p:spTgt spid="15"/>
-                                        </p:tgtEl>
-                                        <p:attrNameLst>
-                                          <p:attrName>style.visibility</p:attrName>
-                                        </p:attrNameLst>
-                                      </p:cBhvr>
-                                      <p:to>
-                                        <p:strVal val="visible"/>
-                                      </p:to>
-                                    </p:set>
-                                    <p:animEffect transition="in" filter="fade">
-                                      <p:cBhvr>
-                                        <p:cTn id="67" dur="500"/>
-                                        <p:tgtEl>
-                                          <p:spTgt spid="15"/>
-                                        </p:tgtEl>
-                                      </p:cBhvr>
-                                    </p:animEffect>
-                                  </p:childTnLst>
-                                </p:cTn>
-                              </p:par>
-                            </p:childTnLst>
-                          </p:cTn>
-                        </p:par>
-                      </p:childTnLst>
-                    </p:cTn>
-                  </p:par>
-                  <p:par>
-                    <p:cTn id="68" fill="hold">
-                      <p:stCondLst>
-                        <p:cond delay="indefinite"/>
-                      </p:stCondLst>
-                      <p:childTnLst>
-                        <p:par>
-                          <p:cTn id="69" fill="hold">
-                            <p:stCondLst>
-                              <p:cond delay="0"/>
-                            </p:stCondLst>
-                            <p:childTnLst>
-                              <p:par>
-                                <p:cTn id="70" presetID="10" presetClass="entr" presetSubtype="0" fill="hold" nodeType="clickEffect">
-                                  <p:stCondLst>
-                                    <p:cond delay="0"/>
-                                  </p:stCondLst>
-                                  <p:childTnLst>
-                                    <p:set>
-                                      <p:cBhvr>
-                                        <p:cTn id="71" dur="1" fill="hold">
-                                          <p:stCondLst>
-                                            <p:cond delay="0"/>
-                                          </p:stCondLst>
-                                        </p:cTn>
-                                        <p:tgtEl>
-                                          <p:spTgt spid="17"/>
-                                        </p:tgtEl>
-                                        <p:attrNameLst>
-                                          <p:attrName>style.visibility</p:attrName>
-                                        </p:attrNameLst>
-                                      </p:cBhvr>
-                                      <p:to>
-                                        <p:strVal val="visible"/>
-                                      </p:to>
-                                    </p:set>
-                                    <p:animEffect transition="in" filter="fade">
-                                      <p:cBhvr>
-                                        <p:cTn id="72" dur="500"/>
-                                        <p:tgtEl>
-                                          <p:spTgt spid="17"/>
-                                        </p:tgtEl>
-                                      </p:cBhvr>
-                                    </p:animEffect>
-                                  </p:childTnLst>
-                                </p:cTn>
-                              </p:par>
-                            </p:childTnLst>
-                          </p:cTn>
-                        </p:par>
-                      </p:childTnLst>
-                    </p:cTn>
-                  </p:par>
-                  <p:par>
-                    <p:cTn id="73" fill="hold">
-                      <p:stCondLst>
-                        <p:cond delay="indefinite"/>
-                      </p:stCondLst>
-                      <p:childTnLst>
-                        <p:par>
-                          <p:cTn id="74" fill="hold">
-                            <p:stCondLst>
-                              <p:cond delay="0"/>
-                            </p:stCondLst>
-                            <p:childTnLst>
-                              <p:par>
-                                <p:cTn id="75" presetID="10" presetClass="entr" presetSubtype="0" fill="hold" grpId="0" nodeType="clickEffect">
-                                  <p:stCondLst>
-                                    <p:cond delay="0"/>
-                                  </p:stCondLst>
-                                  <p:childTnLst>
-                                    <p:set>
-                                      <p:cBhvr>
-                                        <p:cTn id="76" dur="1" fill="hold">
-                                          <p:stCondLst>
-                                            <p:cond delay="0"/>
-                                          </p:stCondLst>
-                                        </p:cTn>
-                                        <p:tgtEl>
-                                          <p:spTgt spid="18"/>
-                                        </p:tgtEl>
-                                        <p:attrNameLst>
-                                          <p:attrName>style.visibility</p:attrName>
-                                        </p:attrNameLst>
-                                      </p:cBhvr>
-                                      <p:to>
-                                        <p:strVal val="visible"/>
-                                      </p:to>
-                                    </p:set>
-                                    <p:animEffect transition="in" filter="fade">
-                                      <p:cBhvr>
-                                        <p:cTn id="77" dur="500"/>
-                                        <p:tgtEl>
-                                          <p:spTgt spid="18"/>
-                                        </p:tgtEl>
-                                      </p:cBhvr>
-                                    </p:animEffect>
-                                  </p:childTnLst>
-                                </p:cTn>
-                              </p:par>
-                            </p:childTnLst>
-                          </p:cTn>
-                        </p:par>
-                      </p:childTnLst>
-                    </p:cTn>
-                  </p:par>
-                </p:childTnLst>
-              </p:cTn>
-              <p:prevCondLst>
-                <p:cond evt="onPrev" delay="0">
-                  <p:tgtEl>
-                    <p:sldTgt/>
-                  </p:tgtEl>
-                </p:cond>
-              </p:prevCondLst>
-              <p:nextCondLst>
-                <p:cond evt="onNext" delay="0">
-                  <p:tgtEl>
-                    <p:sldTgt/>
-                  </p:tgtEl>
-                </p:cond>
-              </p:nextCondLst>
-            </p:seq>
-          </p:childTnLst>
-        </p:cTn>
+        <p:cTn id="1" dur="indefinite" restart="never" nodeType="tmRoot"/>
       </p:par>
     </p:tnLst>
-    <p:bldLst>
-      <p:bldP spid="5" grpId="0" animBg="1"/>
-      <p:bldP spid="7" grpId="0" animBg="1"/>
-      <p:bldP spid="8" grpId="0"/>
-      <p:bldP spid="9" grpId="0" animBg="1"/>
-      <p:bldP spid="10" grpId="0"/>
-      <p:bldP spid="11" grpId="0" animBg="1"/>
-      <p:bldP spid="12" grpId="0"/>
-      <p:bldP spid="14" grpId="0" animBg="1"/>
-      <p:bldP spid="15" grpId="0" animBg="1"/>
-      <p:bldP spid="18" grpId="0"/>
-      <p:bldP spid="21" grpId="0"/>
-    </p:bldLst>
   </p:timing>
+</p:sld>
+</file>
+
+<file path=ppt/slides/slide19.xml><?xml version="1.0" encoding="utf-8"?>
+<p:sld xmlns:a="http://schemas.openxmlformats.org/drawingml/2006/main" xmlns:r="http://schemas.openxmlformats.org/officeDocument/2006/relationships" xmlns:p="http://schemas.openxmlformats.org/presentationml/2006/main">
+  <p:cSld>
+    <p:spTree>
+      <p:nvGrpSpPr>
+        <p:cNvPr id="1" name=""/>
+        <p:cNvGrpSpPr/>
+        <p:nvPr/>
+      </p:nvGrpSpPr>
+      <p:grpSpPr>
+        <a:xfrm>
+          <a:off x="0" y="0"/>
+          <a:ext cx="0" cy="0"/>
+          <a:chOff x="0" y="0"/>
+          <a:chExt cx="0" cy="0"/>
+        </a:xfrm>
+      </p:grpSpPr>
+      <p:sp>
+        <p:nvSpPr>
+          <p:cNvPr id="2" name="标题 1"/>
+          <p:cNvSpPr>
+            <a:spLocks noGrp="1"/>
+          </p:cNvSpPr>
+          <p:nvPr>
+            <p:ph type="title"/>
+          </p:nvPr>
+        </p:nvSpPr>
+        <p:spPr/>
+        <p:txBody>
+          <a:bodyPr/>
+          <a:lstStyle/>
+          <a:p>
+            <a:r>
+              <a:rPr lang="zh-CN" altLang="en-US" dirty="0" smtClean="0"/>
+              <a:t>数据透视表</a:t>
+            </a:r>
+            <a:endParaRPr lang="zh-CN" altLang="en-US" dirty="0"/>
+          </a:p>
+        </p:txBody>
+      </p:sp>
+      <p:sp>
+        <p:nvSpPr>
+          <p:cNvPr id="3" name="内容占位符 2"/>
+          <p:cNvSpPr>
+            <a:spLocks noGrp="1"/>
+          </p:cNvSpPr>
+          <p:nvPr>
+            <p:ph idx="1"/>
+          </p:nvPr>
+        </p:nvSpPr>
+        <p:spPr/>
+        <p:txBody>
+          <a:bodyPr>
+            <a:normAutofit fontScale="92500" lnSpcReduction="20000"/>
+          </a:bodyPr>
+          <a:lstStyle/>
+          <a:p>
+            <a:pPr marL="0" indent="0">
+              <a:spcBef>
+                <a:spcPts val="0"/>
+              </a:spcBef>
+              <a:spcAft>
+                <a:spcPts val="600"/>
+              </a:spcAft>
+              <a:buNone/>
+            </a:pPr>
+            <a:r>
+              <a:rPr lang="zh-CN" altLang="en-US" dirty="0"/>
+              <a:t>数据透视表是一种可以快速汇总大量数据的交互式方法</a:t>
+            </a:r>
+            <a:r>
+              <a:rPr lang="zh-CN" altLang="en-US" dirty="0" smtClean="0"/>
+              <a:t>。</a:t>
+            </a:r>
+            <a:endParaRPr lang="en-US" altLang="zh-CN" dirty="0" smtClean="0"/>
+          </a:p>
+          <a:p>
+            <a:pPr marL="514350" indent="-514350">
+              <a:spcBef>
+                <a:spcPts val="0"/>
+              </a:spcBef>
+              <a:buFont typeface="+mj-lt"/>
+              <a:buAutoNum type="arabicPeriod"/>
+            </a:pPr>
+            <a:r>
+              <a:rPr lang="zh-CN" altLang="en-US" sz="2600" dirty="0"/>
+              <a:t>以多种用户友好的方式查询大量数据。</a:t>
+            </a:r>
+          </a:p>
+          <a:p>
+            <a:pPr marL="514350" indent="-514350">
+              <a:buFont typeface="+mj-lt"/>
+              <a:buAutoNum type="arabicPeriod"/>
+            </a:pPr>
+            <a:r>
+              <a:rPr lang="zh-CN" altLang="en-US" sz="2600" dirty="0"/>
+              <a:t>分类汇总和聚合数值数据，按类别和子类别汇总数据，以及创建自定义计算和公式。</a:t>
+            </a:r>
+          </a:p>
+          <a:p>
+            <a:pPr marL="514350" indent="-514350">
+              <a:buFont typeface="+mj-lt"/>
+              <a:buAutoNum type="arabicPeriod"/>
+            </a:pPr>
+            <a:r>
+              <a:rPr lang="zh-CN" altLang="en-US" sz="2600" dirty="0"/>
+              <a:t>展开和折叠数据级别以重点关注结果，以及深入查看感兴趣的区域的汇总数据的详细信息。</a:t>
+            </a:r>
+          </a:p>
+          <a:p>
+            <a:pPr marL="514350" indent="-514350">
+              <a:buFont typeface="+mj-lt"/>
+              <a:buAutoNum type="arabicPeriod"/>
+            </a:pPr>
+            <a:r>
+              <a:rPr lang="zh-CN" altLang="en-US" sz="2600" dirty="0"/>
+              <a:t>可以通过将行移动到列或将列移动到行（也称为“透视”），查看源数据的不同汇总。</a:t>
+            </a:r>
+          </a:p>
+          <a:p>
+            <a:pPr marL="514350" indent="-514350">
+              <a:buFont typeface="+mj-lt"/>
+              <a:buAutoNum type="arabicPeriod"/>
+            </a:pPr>
+            <a:r>
+              <a:rPr lang="zh-CN" altLang="en-US" sz="2600" dirty="0"/>
+              <a:t>通过对最有用、最有趣的一组数据执行筛选、排序、分组和条件格式设置，可以重点关注所需信息。</a:t>
+            </a:r>
+          </a:p>
+          <a:p>
+            <a:pPr marL="514350" indent="-514350">
+              <a:buFont typeface="+mj-lt"/>
+              <a:buAutoNum type="arabicPeriod"/>
+            </a:pPr>
+            <a:r>
+              <a:rPr lang="zh-CN" altLang="en-US" sz="2600" dirty="0"/>
+              <a:t>提供简明、有吸引力并且带有批注的联机报表或打印报表。</a:t>
+            </a:r>
+          </a:p>
+          <a:p>
+            <a:endParaRPr lang="zh-CN" altLang="en-US" dirty="0"/>
+          </a:p>
+        </p:txBody>
+      </p:sp>
+    </p:spTree>
+    <p:extLst>
+      <p:ext uri="{BB962C8B-B14F-4D97-AF65-F5344CB8AC3E}">
+        <p14:creationId xmlns:p14="http://schemas.microsoft.com/office/powerpoint/2010/main" val="73015747"/>
+      </p:ext>
+    </p:extLst>
+  </p:cSld>
+  <p:clrMapOvr>
+    <a:masterClrMapping/>
+  </p:clrMapOvr>
 </p:sld>
 </file>
 
@@ -9281,6 +11806,2222 @@
       <p:bldP spid="9" grpId="0"/>
       <p:bldP spid="10" grpId="0" build="p"/>
     </p:bldLst>
+  </p:timing>
+</p:sld>
+</file>
+
+<file path=ppt/slides/slide20.xml><?xml version="1.0" encoding="utf-8"?>
+<p:sld xmlns:a="http://schemas.openxmlformats.org/drawingml/2006/main" xmlns:r="http://schemas.openxmlformats.org/officeDocument/2006/relationships" xmlns:p="http://schemas.openxmlformats.org/presentationml/2006/main">
+  <p:cSld>
+    <p:spTree>
+      <p:nvGrpSpPr>
+        <p:cNvPr id="1" name=""/>
+        <p:cNvGrpSpPr/>
+        <p:nvPr/>
+      </p:nvGrpSpPr>
+      <p:grpSpPr>
+        <a:xfrm>
+          <a:off x="0" y="0"/>
+          <a:ext cx="0" cy="0"/>
+          <a:chOff x="0" y="0"/>
+          <a:chExt cx="0" cy="0"/>
+        </a:xfrm>
+      </p:grpSpPr>
+      <p:sp>
+        <p:nvSpPr>
+          <p:cNvPr id="2" name="标题 1"/>
+          <p:cNvSpPr>
+            <a:spLocks noGrp="1"/>
+          </p:cNvSpPr>
+          <p:nvPr>
+            <p:ph type="title"/>
+          </p:nvPr>
+        </p:nvSpPr>
+        <p:spPr/>
+        <p:txBody>
+          <a:bodyPr/>
+          <a:lstStyle/>
+          <a:p>
+            <a:r>
+              <a:rPr lang="zh-CN" altLang="en-US" dirty="0" smtClean="0"/>
+              <a:t>创建数据透视表</a:t>
+            </a:r>
+            <a:endParaRPr lang="zh-CN" altLang="en-US" dirty="0"/>
+          </a:p>
+        </p:txBody>
+      </p:sp>
+      <p:pic>
+        <p:nvPicPr>
+          <p:cNvPr id="4" name="内容占位符 3"/>
+          <p:cNvPicPr>
+            <a:picLocks noGrp="1" noChangeAspect="1"/>
+          </p:cNvPicPr>
+          <p:nvPr>
+            <p:ph idx="1"/>
+          </p:nvPr>
+        </p:nvPicPr>
+        <p:blipFill>
+          <a:blip r:embed="rId2">
+            <a:extLst>
+              <a:ext uri="{28A0092B-C50C-407E-A947-70E740481C1C}">
+                <a14:useLocalDpi xmlns:a14="http://schemas.microsoft.com/office/drawing/2010/main" val="0"/>
+              </a:ext>
+            </a:extLst>
+          </a:blip>
+          <a:stretch>
+            <a:fillRect/>
+          </a:stretch>
+        </p:blipFill>
+        <p:spPr>
+          <a:xfrm>
+            <a:off x="611560" y="1412776"/>
+            <a:ext cx="2276898" cy="4525963"/>
+          </a:xfrm>
+        </p:spPr>
+      </p:pic>
+      <p:sp>
+        <p:nvSpPr>
+          <p:cNvPr id="5" name="TextBox 4"/>
+          <p:cNvSpPr txBox="1"/>
+          <p:nvPr/>
+        </p:nvSpPr>
+        <p:spPr>
+          <a:xfrm>
+            <a:off x="4283968" y="1556792"/>
+            <a:ext cx="3744416" cy="3970318"/>
+          </a:xfrm>
+          <a:prstGeom prst="rect">
+            <a:avLst/>
+          </a:prstGeom>
+          <a:noFill/>
+        </p:spPr>
+        <p:txBody>
+          <a:bodyPr wrap="square" rtlCol="0">
+            <a:spAutoFit/>
+          </a:bodyPr>
+          <a:lstStyle/>
+          <a:p>
+            <a:r>
+              <a:rPr lang="zh-CN" altLang="en-US" sz="2800" dirty="0"/>
+              <a:t>表</a:t>
+            </a:r>
+            <a:r>
+              <a:rPr lang="zh-CN" altLang="en-US" sz="2800" dirty="0" smtClean="0"/>
+              <a:t>中记录了从</a:t>
+            </a:r>
+            <a:r>
+              <a:rPr lang="en-US" altLang="zh-CN" sz="2800" dirty="0" smtClean="0"/>
+              <a:t>7</a:t>
+            </a:r>
+            <a:r>
+              <a:rPr lang="zh-CN" altLang="en-US" sz="2800" dirty="0" smtClean="0"/>
+              <a:t>月</a:t>
+            </a:r>
+            <a:r>
+              <a:rPr lang="en-US" altLang="zh-CN" sz="2800" dirty="0" smtClean="0"/>
+              <a:t>1</a:t>
+            </a:r>
+            <a:r>
+              <a:rPr lang="zh-CN" altLang="en-US" sz="2800" dirty="0" smtClean="0"/>
+              <a:t>日开始，每次产品的销售记录。</a:t>
+            </a:r>
+            <a:endParaRPr lang="en-US" altLang="zh-CN" sz="2800" dirty="0" smtClean="0"/>
+          </a:p>
+          <a:p>
+            <a:r>
+              <a:rPr lang="zh-CN" altLang="en-US" sz="2800" dirty="0" smtClean="0"/>
+              <a:t>这个表有</a:t>
+            </a:r>
+            <a:r>
+              <a:rPr lang="en-US" altLang="zh-CN" sz="2800" dirty="0" smtClean="0"/>
+              <a:t>300</a:t>
+            </a:r>
+            <a:r>
+              <a:rPr lang="zh-CN" altLang="en-US" sz="2800" dirty="0" smtClean="0"/>
+              <a:t>条记录，截图只截取了</a:t>
+            </a:r>
+            <a:r>
+              <a:rPr lang="en-US" altLang="zh-CN" sz="2800" dirty="0" smtClean="0"/>
+              <a:t>40</a:t>
+            </a:r>
+            <a:r>
+              <a:rPr lang="zh-CN" altLang="en-US" sz="2800" dirty="0" smtClean="0"/>
+              <a:t>多条记录。</a:t>
+            </a:r>
+            <a:endParaRPr lang="en-US" altLang="zh-CN" sz="2800" dirty="0" smtClean="0"/>
+          </a:p>
+          <a:p>
+            <a:r>
+              <a:rPr lang="zh-CN" altLang="en-US" sz="2800" dirty="0" smtClean="0"/>
+              <a:t>借助数据透视表我们可以很简单的统计出产品的销售情况。</a:t>
+            </a:r>
+            <a:endParaRPr lang="zh-CN" altLang="en-US" sz="2800" dirty="0"/>
+          </a:p>
+        </p:txBody>
+      </p:sp>
+    </p:spTree>
+    <p:extLst>
+      <p:ext uri="{BB962C8B-B14F-4D97-AF65-F5344CB8AC3E}">
+        <p14:creationId xmlns:p14="http://schemas.microsoft.com/office/powerpoint/2010/main" val="2743222345"/>
+      </p:ext>
+    </p:extLst>
+  </p:cSld>
+  <p:clrMapOvr>
+    <a:masterClrMapping/>
+  </p:clrMapOvr>
+  <p:timing>
+    <p:tnLst>
+      <p:par>
+        <p:cTn id="1" dur="indefinite" restart="never" nodeType="tmRoot">
+          <p:childTnLst>
+            <p:seq concurrent="1" nextAc="seek">
+              <p:cTn id="2" dur="indefinite" nodeType="mainSeq">
+                <p:childTnLst>
+                  <p:par>
+                    <p:cTn id="3" fill="hold">
+                      <p:stCondLst>
+                        <p:cond delay="indefinite"/>
+                      </p:stCondLst>
+                      <p:childTnLst>
+                        <p:par>
+                          <p:cTn id="4" fill="hold">
+                            <p:stCondLst>
+                              <p:cond delay="0"/>
+                            </p:stCondLst>
+                            <p:childTnLst>
+                              <p:par>
+                                <p:cTn id="5" presetID="10" presetClass="entr" presetSubtype="0" fill="hold" nodeType="clickEffect">
+                                  <p:stCondLst>
+                                    <p:cond delay="0"/>
+                                  </p:stCondLst>
+                                  <p:childTnLst>
+                                    <p:set>
+                                      <p:cBhvr>
+                                        <p:cTn id="6" dur="1" fill="hold">
+                                          <p:stCondLst>
+                                            <p:cond delay="0"/>
+                                          </p:stCondLst>
+                                        </p:cTn>
+                                        <p:tgtEl>
+                                          <p:spTgt spid="4"/>
+                                        </p:tgtEl>
+                                        <p:attrNameLst>
+                                          <p:attrName>style.visibility</p:attrName>
+                                        </p:attrNameLst>
+                                      </p:cBhvr>
+                                      <p:to>
+                                        <p:strVal val="visible"/>
+                                      </p:to>
+                                    </p:set>
+                                    <p:animEffect transition="in" filter="fade">
+                                      <p:cBhvr>
+                                        <p:cTn id="7" dur="500"/>
+                                        <p:tgtEl>
+                                          <p:spTgt spid="4"/>
+                                        </p:tgtEl>
+                                      </p:cBhvr>
+                                    </p:animEffect>
+                                  </p:childTnLst>
+                                </p:cTn>
+                              </p:par>
+                            </p:childTnLst>
+                          </p:cTn>
+                        </p:par>
+                      </p:childTnLst>
+                    </p:cTn>
+                  </p:par>
+                  <p:par>
+                    <p:cTn id="8" fill="hold">
+                      <p:stCondLst>
+                        <p:cond delay="indefinite"/>
+                      </p:stCondLst>
+                      <p:childTnLst>
+                        <p:par>
+                          <p:cTn id="9" fill="hold">
+                            <p:stCondLst>
+                              <p:cond delay="0"/>
+                            </p:stCondLst>
+                            <p:childTnLst>
+                              <p:par>
+                                <p:cTn id="10" presetID="10" presetClass="entr" presetSubtype="0" fill="hold" grpId="0" nodeType="clickEffect">
+                                  <p:stCondLst>
+                                    <p:cond delay="0"/>
+                                  </p:stCondLst>
+                                  <p:childTnLst>
+                                    <p:set>
+                                      <p:cBhvr>
+                                        <p:cTn id="11" dur="1" fill="hold">
+                                          <p:stCondLst>
+                                            <p:cond delay="0"/>
+                                          </p:stCondLst>
+                                        </p:cTn>
+                                        <p:tgtEl>
+                                          <p:spTgt spid="5">
+                                            <p:txEl>
+                                              <p:pRg st="0" end="0"/>
+                                            </p:txEl>
+                                          </p:spTgt>
+                                        </p:tgtEl>
+                                        <p:attrNameLst>
+                                          <p:attrName>style.visibility</p:attrName>
+                                        </p:attrNameLst>
+                                      </p:cBhvr>
+                                      <p:to>
+                                        <p:strVal val="visible"/>
+                                      </p:to>
+                                    </p:set>
+                                    <p:animEffect transition="in" filter="fade">
+                                      <p:cBhvr>
+                                        <p:cTn id="12" dur="500"/>
+                                        <p:tgtEl>
+                                          <p:spTgt spid="5">
+                                            <p:txEl>
+                                              <p:pRg st="0" end="0"/>
+                                            </p:txEl>
+                                          </p:spTgt>
+                                        </p:tgtEl>
+                                      </p:cBhvr>
+                                    </p:animEffect>
+                                  </p:childTnLst>
+                                </p:cTn>
+                              </p:par>
+                            </p:childTnLst>
+                          </p:cTn>
+                        </p:par>
+                      </p:childTnLst>
+                    </p:cTn>
+                  </p:par>
+                  <p:par>
+                    <p:cTn id="13" fill="hold">
+                      <p:stCondLst>
+                        <p:cond delay="indefinite"/>
+                      </p:stCondLst>
+                      <p:childTnLst>
+                        <p:par>
+                          <p:cTn id="14" fill="hold">
+                            <p:stCondLst>
+                              <p:cond delay="0"/>
+                            </p:stCondLst>
+                            <p:childTnLst>
+                              <p:par>
+                                <p:cTn id="15" presetID="10" presetClass="entr" presetSubtype="0" fill="hold" grpId="0" nodeType="clickEffect">
+                                  <p:stCondLst>
+                                    <p:cond delay="0"/>
+                                  </p:stCondLst>
+                                  <p:childTnLst>
+                                    <p:set>
+                                      <p:cBhvr>
+                                        <p:cTn id="16" dur="1" fill="hold">
+                                          <p:stCondLst>
+                                            <p:cond delay="0"/>
+                                          </p:stCondLst>
+                                        </p:cTn>
+                                        <p:tgtEl>
+                                          <p:spTgt spid="5">
+                                            <p:txEl>
+                                              <p:pRg st="1" end="1"/>
+                                            </p:txEl>
+                                          </p:spTgt>
+                                        </p:tgtEl>
+                                        <p:attrNameLst>
+                                          <p:attrName>style.visibility</p:attrName>
+                                        </p:attrNameLst>
+                                      </p:cBhvr>
+                                      <p:to>
+                                        <p:strVal val="visible"/>
+                                      </p:to>
+                                    </p:set>
+                                    <p:animEffect transition="in" filter="fade">
+                                      <p:cBhvr>
+                                        <p:cTn id="17" dur="500"/>
+                                        <p:tgtEl>
+                                          <p:spTgt spid="5">
+                                            <p:txEl>
+                                              <p:pRg st="1" end="1"/>
+                                            </p:txEl>
+                                          </p:spTgt>
+                                        </p:tgtEl>
+                                      </p:cBhvr>
+                                    </p:animEffect>
+                                  </p:childTnLst>
+                                </p:cTn>
+                              </p:par>
+                            </p:childTnLst>
+                          </p:cTn>
+                        </p:par>
+                      </p:childTnLst>
+                    </p:cTn>
+                  </p:par>
+                  <p:par>
+                    <p:cTn id="18" fill="hold">
+                      <p:stCondLst>
+                        <p:cond delay="indefinite"/>
+                      </p:stCondLst>
+                      <p:childTnLst>
+                        <p:par>
+                          <p:cTn id="19" fill="hold">
+                            <p:stCondLst>
+                              <p:cond delay="0"/>
+                            </p:stCondLst>
+                            <p:childTnLst>
+                              <p:par>
+                                <p:cTn id="20" presetID="10" presetClass="entr" presetSubtype="0" fill="hold" grpId="0" nodeType="clickEffect">
+                                  <p:stCondLst>
+                                    <p:cond delay="0"/>
+                                  </p:stCondLst>
+                                  <p:childTnLst>
+                                    <p:set>
+                                      <p:cBhvr>
+                                        <p:cTn id="21" dur="1" fill="hold">
+                                          <p:stCondLst>
+                                            <p:cond delay="0"/>
+                                          </p:stCondLst>
+                                        </p:cTn>
+                                        <p:tgtEl>
+                                          <p:spTgt spid="5">
+                                            <p:txEl>
+                                              <p:pRg st="2" end="2"/>
+                                            </p:txEl>
+                                          </p:spTgt>
+                                        </p:tgtEl>
+                                        <p:attrNameLst>
+                                          <p:attrName>style.visibility</p:attrName>
+                                        </p:attrNameLst>
+                                      </p:cBhvr>
+                                      <p:to>
+                                        <p:strVal val="visible"/>
+                                      </p:to>
+                                    </p:set>
+                                    <p:animEffect transition="in" filter="fade">
+                                      <p:cBhvr>
+                                        <p:cTn id="22" dur="500"/>
+                                        <p:tgtEl>
+                                          <p:spTgt spid="5">
+                                            <p:txEl>
+                                              <p:pRg st="2" end="2"/>
+                                            </p:txEl>
+                                          </p:spTgt>
+                                        </p:tgtEl>
+                                      </p:cBhvr>
+                                    </p:animEffect>
+                                  </p:childTnLst>
+                                </p:cTn>
+                              </p:par>
+                            </p:childTnLst>
+                          </p:cTn>
+                        </p:par>
+                      </p:childTnLst>
+                    </p:cTn>
+                  </p:par>
+                </p:childTnLst>
+              </p:cTn>
+              <p:prevCondLst>
+                <p:cond evt="onPrev" delay="0">
+                  <p:tgtEl>
+                    <p:sldTgt/>
+                  </p:tgtEl>
+                </p:cond>
+              </p:prevCondLst>
+              <p:nextCondLst>
+                <p:cond evt="onNext" delay="0">
+                  <p:tgtEl>
+                    <p:sldTgt/>
+                  </p:tgtEl>
+                </p:cond>
+              </p:nextCondLst>
+            </p:seq>
+          </p:childTnLst>
+        </p:cTn>
+      </p:par>
+    </p:tnLst>
+    <p:bldLst>
+      <p:bldP spid="5" grpId="0" build="p"/>
+    </p:bldLst>
+  </p:timing>
+</p:sld>
+</file>
+
+<file path=ppt/slides/slide21.xml><?xml version="1.0" encoding="utf-8"?>
+<p:sld xmlns:a="http://schemas.openxmlformats.org/drawingml/2006/main" xmlns:r="http://schemas.openxmlformats.org/officeDocument/2006/relationships" xmlns:p="http://schemas.openxmlformats.org/presentationml/2006/main">
+  <p:cSld>
+    <p:spTree>
+      <p:nvGrpSpPr>
+        <p:cNvPr id="1" name=""/>
+        <p:cNvGrpSpPr/>
+        <p:nvPr/>
+      </p:nvGrpSpPr>
+      <p:grpSpPr>
+        <a:xfrm>
+          <a:off x="0" y="0"/>
+          <a:ext cx="0" cy="0"/>
+          <a:chOff x="0" y="0"/>
+          <a:chExt cx="0" cy="0"/>
+        </a:xfrm>
+      </p:grpSpPr>
+      <p:sp>
+        <p:nvSpPr>
+          <p:cNvPr id="2" name="TextBox 1"/>
+          <p:cNvSpPr txBox="1"/>
+          <p:nvPr/>
+        </p:nvSpPr>
+        <p:spPr>
+          <a:xfrm>
+            <a:off x="1115616" y="548680"/>
+            <a:ext cx="1152128" cy="369332"/>
+          </a:xfrm>
+          <a:prstGeom prst="rect">
+            <a:avLst/>
+          </a:prstGeom>
+          <a:noFill/>
+        </p:spPr>
+        <p:txBody>
+          <a:bodyPr wrap="square" rtlCol="0">
+            <a:spAutoFit/>
+          </a:bodyPr>
+          <a:lstStyle/>
+          <a:p>
+            <a:r>
+              <a:rPr lang="zh-CN" altLang="en-US" dirty="0" smtClean="0"/>
+              <a:t>选中数据</a:t>
+            </a:r>
+            <a:endParaRPr lang="zh-CN" altLang="en-US" dirty="0"/>
+          </a:p>
+        </p:txBody>
+      </p:sp>
+      <p:pic>
+        <p:nvPicPr>
+          <p:cNvPr id="3" name="图片 2"/>
+          <p:cNvPicPr>
+            <a:picLocks noChangeAspect="1"/>
+          </p:cNvPicPr>
+          <p:nvPr/>
+        </p:nvPicPr>
+        <p:blipFill>
+          <a:blip r:embed="rId2">
+            <a:extLst>
+              <a:ext uri="{28A0092B-C50C-407E-A947-70E740481C1C}">
+                <a14:useLocalDpi xmlns:a14="http://schemas.microsoft.com/office/drawing/2010/main" val="0"/>
+              </a:ext>
+            </a:extLst>
+          </a:blip>
+          <a:stretch>
+            <a:fillRect/>
+          </a:stretch>
+        </p:blipFill>
+        <p:spPr>
+          <a:xfrm>
+            <a:off x="395536" y="1472304"/>
+            <a:ext cx="1991973" cy="4725144"/>
+          </a:xfrm>
+          <a:prstGeom prst="rect">
+            <a:avLst/>
+          </a:prstGeom>
+        </p:spPr>
+      </p:pic>
+      <p:pic>
+        <p:nvPicPr>
+          <p:cNvPr id="4" name="图片 3"/>
+          <p:cNvPicPr>
+            <a:picLocks noChangeAspect="1"/>
+          </p:cNvPicPr>
+          <p:nvPr/>
+        </p:nvPicPr>
+        <p:blipFill>
+          <a:blip r:embed="rId3">
+            <a:extLst>
+              <a:ext uri="{28A0092B-C50C-407E-A947-70E740481C1C}">
+                <a14:useLocalDpi xmlns:a14="http://schemas.microsoft.com/office/drawing/2010/main" val="0"/>
+              </a:ext>
+            </a:extLst>
+          </a:blip>
+          <a:stretch>
+            <a:fillRect/>
+          </a:stretch>
+        </p:blipFill>
+        <p:spPr>
+          <a:xfrm>
+            <a:off x="3923928" y="1449266"/>
+            <a:ext cx="5040560" cy="1179705"/>
+          </a:xfrm>
+          <a:prstGeom prst="rect">
+            <a:avLst/>
+          </a:prstGeom>
+        </p:spPr>
+      </p:pic>
+      <p:sp>
+        <p:nvSpPr>
+          <p:cNvPr id="5" name="TextBox 4"/>
+          <p:cNvSpPr txBox="1"/>
+          <p:nvPr/>
+        </p:nvSpPr>
+        <p:spPr>
+          <a:xfrm>
+            <a:off x="4716016" y="1556792"/>
+            <a:ext cx="504056" cy="369332"/>
+          </a:xfrm>
+          <a:prstGeom prst="rect">
+            <a:avLst/>
+          </a:prstGeom>
+          <a:noFill/>
+          <a:ln w="22225">
+            <a:solidFill>
+              <a:srgbClr val="FF0000"/>
+            </a:solidFill>
+          </a:ln>
+        </p:spPr>
+        <p:txBody>
+          <a:bodyPr wrap="square" rtlCol="0">
+            <a:spAutoFit/>
+          </a:bodyPr>
+          <a:lstStyle/>
+          <a:p>
+            <a:endParaRPr lang="zh-CN" altLang="en-US" dirty="0"/>
+          </a:p>
+        </p:txBody>
+      </p:sp>
+      <p:sp>
+        <p:nvSpPr>
+          <p:cNvPr id="6" name="TextBox 5"/>
+          <p:cNvSpPr txBox="1"/>
+          <p:nvPr/>
+        </p:nvSpPr>
+        <p:spPr>
+          <a:xfrm>
+            <a:off x="3912577" y="1854452"/>
+            <a:ext cx="504056" cy="612000"/>
+          </a:xfrm>
+          <a:prstGeom prst="rect">
+            <a:avLst/>
+          </a:prstGeom>
+          <a:noFill/>
+          <a:ln w="22225">
+            <a:solidFill>
+              <a:srgbClr val="FF0000"/>
+            </a:solidFill>
+          </a:ln>
+        </p:spPr>
+        <p:txBody>
+          <a:bodyPr wrap="square" rtlCol="0">
+            <a:spAutoFit/>
+          </a:bodyPr>
+          <a:lstStyle/>
+          <a:p>
+            <a:endParaRPr lang="zh-CN" altLang="en-US" dirty="0"/>
+          </a:p>
+        </p:txBody>
+      </p:sp>
+      <p:pic>
+        <p:nvPicPr>
+          <p:cNvPr id="7" name="图片 6"/>
+          <p:cNvPicPr>
+            <a:picLocks noChangeAspect="1"/>
+          </p:cNvPicPr>
+          <p:nvPr/>
+        </p:nvPicPr>
+        <p:blipFill>
+          <a:blip r:embed="rId4">
+            <a:extLst>
+              <a:ext uri="{28A0092B-C50C-407E-A947-70E740481C1C}">
+                <a14:useLocalDpi xmlns:a14="http://schemas.microsoft.com/office/drawing/2010/main" val="0"/>
+              </a:ext>
+            </a:extLst>
+          </a:blip>
+          <a:stretch>
+            <a:fillRect/>
+          </a:stretch>
+        </p:blipFill>
+        <p:spPr>
+          <a:xfrm>
+            <a:off x="4572000" y="3983076"/>
+            <a:ext cx="3384376" cy="2259029"/>
+          </a:xfrm>
+          <a:prstGeom prst="rect">
+            <a:avLst/>
+          </a:prstGeom>
+        </p:spPr>
+      </p:pic>
+      <p:sp>
+        <p:nvSpPr>
+          <p:cNvPr id="8" name="TextBox 7"/>
+          <p:cNvSpPr txBox="1"/>
+          <p:nvPr/>
+        </p:nvSpPr>
+        <p:spPr>
+          <a:xfrm>
+            <a:off x="4499992" y="548680"/>
+            <a:ext cx="720080" cy="369332"/>
+          </a:xfrm>
+          <a:prstGeom prst="rect">
+            <a:avLst/>
+          </a:prstGeom>
+          <a:noFill/>
+        </p:spPr>
+        <p:txBody>
+          <a:bodyPr wrap="square" rtlCol="0">
+            <a:spAutoFit/>
+          </a:bodyPr>
+          <a:lstStyle/>
+          <a:p>
+            <a:r>
+              <a:rPr lang="zh-CN" altLang="en-US" dirty="0"/>
+              <a:t>插入</a:t>
+            </a:r>
+          </a:p>
+        </p:txBody>
+      </p:sp>
+      <p:sp>
+        <p:nvSpPr>
+          <p:cNvPr id="9" name="TextBox 8"/>
+          <p:cNvSpPr txBox="1"/>
+          <p:nvPr/>
+        </p:nvSpPr>
+        <p:spPr>
+          <a:xfrm>
+            <a:off x="6948264" y="548680"/>
+            <a:ext cx="1440160" cy="369332"/>
+          </a:xfrm>
+          <a:prstGeom prst="rect">
+            <a:avLst/>
+          </a:prstGeom>
+          <a:noFill/>
+        </p:spPr>
+        <p:txBody>
+          <a:bodyPr wrap="square" rtlCol="0">
+            <a:spAutoFit/>
+          </a:bodyPr>
+          <a:lstStyle/>
+          <a:p>
+            <a:r>
+              <a:rPr lang="zh-CN" altLang="en-US" dirty="0" smtClean="0"/>
+              <a:t>数据透视表</a:t>
+            </a:r>
+            <a:endParaRPr lang="zh-CN" altLang="en-US" dirty="0"/>
+          </a:p>
+        </p:txBody>
+      </p:sp>
+      <p:sp>
+        <p:nvSpPr>
+          <p:cNvPr id="10" name="右箭头 9"/>
+          <p:cNvSpPr/>
+          <p:nvPr/>
+        </p:nvSpPr>
+        <p:spPr>
+          <a:xfrm>
+            <a:off x="3059832" y="584684"/>
+            <a:ext cx="504056" cy="297324"/>
+          </a:xfrm>
+          <a:prstGeom prst="rightArrow">
+            <a:avLst/>
+          </a:prstGeom>
+        </p:spPr>
+        <p:style>
+          <a:lnRef idx="2">
+            <a:schemeClr val="accent1">
+              <a:shade val="50000"/>
+            </a:schemeClr>
+          </a:lnRef>
+          <a:fillRef idx="1">
+            <a:schemeClr val="accent1"/>
+          </a:fillRef>
+          <a:effectRef idx="0">
+            <a:schemeClr val="accent1"/>
+          </a:effectRef>
+          <a:fontRef idx="minor">
+            <a:schemeClr val="lt1"/>
+          </a:fontRef>
+        </p:style>
+        <p:txBody>
+          <a:bodyPr rtlCol="0" anchor="ctr"/>
+          <a:lstStyle/>
+          <a:p>
+            <a:pPr algn="ctr"/>
+            <a:endParaRPr lang="zh-CN" altLang="en-US"/>
+          </a:p>
+        </p:txBody>
+      </p:sp>
+      <p:sp>
+        <p:nvSpPr>
+          <p:cNvPr id="11" name="右箭头 10"/>
+          <p:cNvSpPr/>
+          <p:nvPr/>
+        </p:nvSpPr>
+        <p:spPr>
+          <a:xfrm>
+            <a:off x="5791626" y="584684"/>
+            <a:ext cx="504056" cy="297324"/>
+          </a:xfrm>
+          <a:prstGeom prst="rightArrow">
+            <a:avLst/>
+          </a:prstGeom>
+        </p:spPr>
+        <p:style>
+          <a:lnRef idx="2">
+            <a:schemeClr val="accent1">
+              <a:shade val="50000"/>
+            </a:schemeClr>
+          </a:lnRef>
+          <a:fillRef idx="1">
+            <a:schemeClr val="accent1"/>
+          </a:fillRef>
+          <a:effectRef idx="0">
+            <a:schemeClr val="accent1"/>
+          </a:effectRef>
+          <a:fontRef idx="minor">
+            <a:schemeClr val="lt1"/>
+          </a:fontRef>
+        </p:style>
+        <p:txBody>
+          <a:bodyPr rtlCol="0" anchor="ctr"/>
+          <a:lstStyle/>
+          <a:p>
+            <a:pPr algn="ctr"/>
+            <a:endParaRPr lang="zh-CN" altLang="en-US"/>
+          </a:p>
+        </p:txBody>
+      </p:sp>
+      <p:sp>
+        <p:nvSpPr>
+          <p:cNvPr id="12" name="TextBox 11"/>
+          <p:cNvSpPr txBox="1"/>
+          <p:nvPr/>
+        </p:nvSpPr>
+        <p:spPr>
+          <a:xfrm>
+            <a:off x="4716016" y="3140968"/>
+            <a:ext cx="1152128" cy="369332"/>
+          </a:xfrm>
+          <a:prstGeom prst="rect">
+            <a:avLst/>
+          </a:prstGeom>
+          <a:noFill/>
+        </p:spPr>
+        <p:txBody>
+          <a:bodyPr wrap="square" rtlCol="0">
+            <a:spAutoFit/>
+          </a:bodyPr>
+          <a:lstStyle/>
+          <a:p>
+            <a:r>
+              <a:rPr lang="zh-CN" altLang="en-US" dirty="0" smtClean="0"/>
+              <a:t>数据区域</a:t>
+            </a:r>
+            <a:endParaRPr lang="zh-CN" altLang="en-US" dirty="0"/>
+          </a:p>
+        </p:txBody>
+      </p:sp>
+      <p:sp>
+        <p:nvSpPr>
+          <p:cNvPr id="13" name="TextBox 12"/>
+          <p:cNvSpPr txBox="1"/>
+          <p:nvPr/>
+        </p:nvSpPr>
+        <p:spPr>
+          <a:xfrm>
+            <a:off x="2627784" y="5373216"/>
+            <a:ext cx="1146453" cy="646331"/>
+          </a:xfrm>
+          <a:prstGeom prst="rect">
+            <a:avLst/>
+          </a:prstGeom>
+          <a:noFill/>
+        </p:spPr>
+        <p:txBody>
+          <a:bodyPr wrap="square" rtlCol="0">
+            <a:spAutoFit/>
+          </a:bodyPr>
+          <a:lstStyle/>
+          <a:p>
+            <a:r>
+              <a:rPr lang="zh-CN" altLang="en-US" dirty="0" smtClean="0"/>
+              <a:t>透视图放置的位子</a:t>
+            </a:r>
+            <a:endParaRPr lang="zh-CN" altLang="en-US" dirty="0"/>
+          </a:p>
+        </p:txBody>
+      </p:sp>
+      <p:sp>
+        <p:nvSpPr>
+          <p:cNvPr id="14" name="TextBox 13"/>
+          <p:cNvSpPr txBox="1"/>
+          <p:nvPr/>
+        </p:nvSpPr>
+        <p:spPr>
+          <a:xfrm>
+            <a:off x="4716016" y="4437112"/>
+            <a:ext cx="3240360" cy="468000"/>
+          </a:xfrm>
+          <a:prstGeom prst="rect">
+            <a:avLst/>
+          </a:prstGeom>
+          <a:noFill/>
+          <a:ln w="22225">
+            <a:solidFill>
+              <a:srgbClr val="FF0000"/>
+            </a:solidFill>
+          </a:ln>
+        </p:spPr>
+        <p:txBody>
+          <a:bodyPr wrap="square" rtlCol="0">
+            <a:spAutoFit/>
+          </a:bodyPr>
+          <a:lstStyle/>
+          <a:p>
+            <a:endParaRPr lang="zh-CN" altLang="en-US" dirty="0"/>
+          </a:p>
+        </p:txBody>
+      </p:sp>
+      <p:sp>
+        <p:nvSpPr>
+          <p:cNvPr id="15" name="TextBox 14"/>
+          <p:cNvSpPr txBox="1"/>
+          <p:nvPr/>
+        </p:nvSpPr>
+        <p:spPr>
+          <a:xfrm>
+            <a:off x="4644008" y="5228381"/>
+            <a:ext cx="3240360" cy="720000"/>
+          </a:xfrm>
+          <a:prstGeom prst="rect">
+            <a:avLst/>
+          </a:prstGeom>
+          <a:noFill/>
+          <a:ln w="22225">
+            <a:solidFill>
+              <a:srgbClr val="FF0000"/>
+            </a:solidFill>
+          </a:ln>
+        </p:spPr>
+        <p:txBody>
+          <a:bodyPr wrap="square" rtlCol="0">
+            <a:spAutoFit/>
+          </a:bodyPr>
+          <a:lstStyle/>
+          <a:p>
+            <a:endParaRPr lang="zh-CN" altLang="en-US" dirty="0"/>
+          </a:p>
+        </p:txBody>
+      </p:sp>
+      <p:cxnSp>
+        <p:nvCxnSpPr>
+          <p:cNvPr id="17" name="直接箭头连接符 16"/>
+          <p:cNvCxnSpPr/>
+          <p:nvPr/>
+        </p:nvCxnSpPr>
+        <p:spPr>
+          <a:xfrm flipV="1">
+            <a:off x="5364088" y="3510300"/>
+            <a:ext cx="0" cy="854804"/>
+          </a:xfrm>
+          <a:prstGeom prst="straightConnector1">
+            <a:avLst/>
+          </a:prstGeom>
+          <a:ln w="19050">
+            <a:solidFill>
+              <a:srgbClr val="FF0000"/>
+            </a:solidFill>
+            <a:tailEnd type="arrow"/>
+          </a:ln>
+        </p:spPr>
+        <p:style>
+          <a:lnRef idx="1">
+            <a:schemeClr val="accent1"/>
+          </a:lnRef>
+          <a:fillRef idx="0">
+            <a:schemeClr val="accent1"/>
+          </a:fillRef>
+          <a:effectRef idx="0">
+            <a:schemeClr val="accent1"/>
+          </a:effectRef>
+          <a:fontRef idx="minor">
+            <a:schemeClr val="tx1"/>
+          </a:fontRef>
+        </p:style>
+      </p:cxnSp>
+      <p:cxnSp>
+        <p:nvCxnSpPr>
+          <p:cNvPr id="18" name="直接箭头连接符 17"/>
+          <p:cNvCxnSpPr/>
+          <p:nvPr/>
+        </p:nvCxnSpPr>
+        <p:spPr>
+          <a:xfrm flipH="1">
+            <a:off x="3912577" y="5691112"/>
+            <a:ext cx="720080" cy="0"/>
+          </a:xfrm>
+          <a:prstGeom prst="straightConnector1">
+            <a:avLst/>
+          </a:prstGeom>
+          <a:ln w="19050">
+            <a:solidFill>
+              <a:srgbClr val="FF0000"/>
+            </a:solidFill>
+            <a:tailEnd type="arrow"/>
+          </a:ln>
+        </p:spPr>
+        <p:style>
+          <a:lnRef idx="1">
+            <a:schemeClr val="accent1"/>
+          </a:lnRef>
+          <a:fillRef idx="0">
+            <a:schemeClr val="accent1"/>
+          </a:fillRef>
+          <a:effectRef idx="0">
+            <a:schemeClr val="accent1"/>
+          </a:effectRef>
+          <a:fontRef idx="minor">
+            <a:schemeClr val="tx1"/>
+          </a:fontRef>
+        </p:style>
+      </p:cxnSp>
+    </p:spTree>
+    <p:extLst>
+      <p:ext uri="{BB962C8B-B14F-4D97-AF65-F5344CB8AC3E}">
+        <p14:creationId xmlns:p14="http://schemas.microsoft.com/office/powerpoint/2010/main" val="2580387973"/>
+      </p:ext>
+    </p:extLst>
+  </p:cSld>
+  <p:clrMapOvr>
+    <a:masterClrMapping/>
+  </p:clrMapOvr>
+  <p:timing>
+    <p:tnLst>
+      <p:par>
+        <p:cTn id="1" dur="indefinite" restart="never" nodeType="tmRoot">
+          <p:childTnLst>
+            <p:seq concurrent="1" nextAc="seek">
+              <p:cTn id="2" dur="indefinite" nodeType="mainSeq">
+                <p:childTnLst>
+                  <p:par>
+                    <p:cTn id="3" fill="hold">
+                      <p:stCondLst>
+                        <p:cond delay="indefinite"/>
+                      </p:stCondLst>
+                      <p:childTnLst>
+                        <p:par>
+                          <p:cTn id="4" fill="hold">
+                            <p:stCondLst>
+                              <p:cond delay="0"/>
+                            </p:stCondLst>
+                            <p:childTnLst>
+                              <p:par>
+                                <p:cTn id="5" presetID="10" presetClass="entr" presetSubtype="0" fill="hold" grpId="0" nodeType="clickEffect">
+                                  <p:stCondLst>
+                                    <p:cond delay="0"/>
+                                  </p:stCondLst>
+                                  <p:childTnLst>
+                                    <p:set>
+                                      <p:cBhvr>
+                                        <p:cTn id="6" dur="1" fill="hold">
+                                          <p:stCondLst>
+                                            <p:cond delay="0"/>
+                                          </p:stCondLst>
+                                        </p:cTn>
+                                        <p:tgtEl>
+                                          <p:spTgt spid="2"/>
+                                        </p:tgtEl>
+                                        <p:attrNameLst>
+                                          <p:attrName>style.visibility</p:attrName>
+                                        </p:attrNameLst>
+                                      </p:cBhvr>
+                                      <p:to>
+                                        <p:strVal val="visible"/>
+                                      </p:to>
+                                    </p:set>
+                                    <p:animEffect transition="in" filter="fade">
+                                      <p:cBhvr>
+                                        <p:cTn id="7" dur="500"/>
+                                        <p:tgtEl>
+                                          <p:spTgt spid="2"/>
+                                        </p:tgtEl>
+                                      </p:cBhvr>
+                                    </p:animEffect>
+                                  </p:childTnLst>
+                                </p:cTn>
+                              </p:par>
+                            </p:childTnLst>
+                          </p:cTn>
+                        </p:par>
+                      </p:childTnLst>
+                    </p:cTn>
+                  </p:par>
+                  <p:par>
+                    <p:cTn id="8" fill="hold">
+                      <p:stCondLst>
+                        <p:cond delay="indefinite"/>
+                      </p:stCondLst>
+                      <p:childTnLst>
+                        <p:par>
+                          <p:cTn id="9" fill="hold">
+                            <p:stCondLst>
+                              <p:cond delay="0"/>
+                            </p:stCondLst>
+                            <p:childTnLst>
+                              <p:par>
+                                <p:cTn id="10" presetID="10" presetClass="entr" presetSubtype="0" fill="hold" nodeType="clickEffect">
+                                  <p:stCondLst>
+                                    <p:cond delay="0"/>
+                                  </p:stCondLst>
+                                  <p:childTnLst>
+                                    <p:set>
+                                      <p:cBhvr>
+                                        <p:cTn id="11" dur="1" fill="hold">
+                                          <p:stCondLst>
+                                            <p:cond delay="0"/>
+                                          </p:stCondLst>
+                                        </p:cTn>
+                                        <p:tgtEl>
+                                          <p:spTgt spid="3"/>
+                                        </p:tgtEl>
+                                        <p:attrNameLst>
+                                          <p:attrName>style.visibility</p:attrName>
+                                        </p:attrNameLst>
+                                      </p:cBhvr>
+                                      <p:to>
+                                        <p:strVal val="visible"/>
+                                      </p:to>
+                                    </p:set>
+                                    <p:animEffect transition="in" filter="fade">
+                                      <p:cBhvr>
+                                        <p:cTn id="12" dur="500"/>
+                                        <p:tgtEl>
+                                          <p:spTgt spid="3"/>
+                                        </p:tgtEl>
+                                      </p:cBhvr>
+                                    </p:animEffect>
+                                  </p:childTnLst>
+                                </p:cTn>
+                              </p:par>
+                            </p:childTnLst>
+                          </p:cTn>
+                        </p:par>
+                      </p:childTnLst>
+                    </p:cTn>
+                  </p:par>
+                  <p:par>
+                    <p:cTn id="13" fill="hold">
+                      <p:stCondLst>
+                        <p:cond delay="indefinite"/>
+                      </p:stCondLst>
+                      <p:childTnLst>
+                        <p:par>
+                          <p:cTn id="14" fill="hold">
+                            <p:stCondLst>
+                              <p:cond delay="0"/>
+                            </p:stCondLst>
+                            <p:childTnLst>
+                              <p:par>
+                                <p:cTn id="15" presetID="10" presetClass="entr" presetSubtype="0" fill="hold" grpId="0" nodeType="clickEffect">
+                                  <p:stCondLst>
+                                    <p:cond delay="0"/>
+                                  </p:stCondLst>
+                                  <p:childTnLst>
+                                    <p:set>
+                                      <p:cBhvr>
+                                        <p:cTn id="16" dur="1" fill="hold">
+                                          <p:stCondLst>
+                                            <p:cond delay="0"/>
+                                          </p:stCondLst>
+                                        </p:cTn>
+                                        <p:tgtEl>
+                                          <p:spTgt spid="10"/>
+                                        </p:tgtEl>
+                                        <p:attrNameLst>
+                                          <p:attrName>style.visibility</p:attrName>
+                                        </p:attrNameLst>
+                                      </p:cBhvr>
+                                      <p:to>
+                                        <p:strVal val="visible"/>
+                                      </p:to>
+                                    </p:set>
+                                    <p:animEffect transition="in" filter="fade">
+                                      <p:cBhvr>
+                                        <p:cTn id="17" dur="500"/>
+                                        <p:tgtEl>
+                                          <p:spTgt spid="10"/>
+                                        </p:tgtEl>
+                                      </p:cBhvr>
+                                    </p:animEffect>
+                                  </p:childTnLst>
+                                </p:cTn>
+                              </p:par>
+                            </p:childTnLst>
+                          </p:cTn>
+                        </p:par>
+                      </p:childTnLst>
+                    </p:cTn>
+                  </p:par>
+                  <p:par>
+                    <p:cTn id="18" fill="hold">
+                      <p:stCondLst>
+                        <p:cond delay="indefinite"/>
+                      </p:stCondLst>
+                      <p:childTnLst>
+                        <p:par>
+                          <p:cTn id="19" fill="hold">
+                            <p:stCondLst>
+                              <p:cond delay="0"/>
+                            </p:stCondLst>
+                            <p:childTnLst>
+                              <p:par>
+                                <p:cTn id="20" presetID="10" presetClass="entr" presetSubtype="0" fill="hold" nodeType="clickEffect">
+                                  <p:stCondLst>
+                                    <p:cond delay="0"/>
+                                  </p:stCondLst>
+                                  <p:childTnLst>
+                                    <p:set>
+                                      <p:cBhvr>
+                                        <p:cTn id="21" dur="1" fill="hold">
+                                          <p:stCondLst>
+                                            <p:cond delay="0"/>
+                                          </p:stCondLst>
+                                        </p:cTn>
+                                        <p:tgtEl>
+                                          <p:spTgt spid="4"/>
+                                        </p:tgtEl>
+                                        <p:attrNameLst>
+                                          <p:attrName>style.visibility</p:attrName>
+                                        </p:attrNameLst>
+                                      </p:cBhvr>
+                                      <p:to>
+                                        <p:strVal val="visible"/>
+                                      </p:to>
+                                    </p:set>
+                                    <p:animEffect transition="in" filter="fade">
+                                      <p:cBhvr>
+                                        <p:cTn id="22" dur="500"/>
+                                        <p:tgtEl>
+                                          <p:spTgt spid="4"/>
+                                        </p:tgtEl>
+                                      </p:cBhvr>
+                                    </p:animEffect>
+                                  </p:childTnLst>
+                                </p:cTn>
+                              </p:par>
+                            </p:childTnLst>
+                          </p:cTn>
+                        </p:par>
+                      </p:childTnLst>
+                    </p:cTn>
+                  </p:par>
+                  <p:par>
+                    <p:cTn id="23" fill="hold">
+                      <p:stCondLst>
+                        <p:cond delay="indefinite"/>
+                      </p:stCondLst>
+                      <p:childTnLst>
+                        <p:par>
+                          <p:cTn id="24" fill="hold">
+                            <p:stCondLst>
+                              <p:cond delay="0"/>
+                            </p:stCondLst>
+                            <p:childTnLst>
+                              <p:par>
+                                <p:cTn id="25" presetID="10" presetClass="entr" presetSubtype="0" fill="hold" grpId="0" nodeType="clickEffect">
+                                  <p:stCondLst>
+                                    <p:cond delay="0"/>
+                                  </p:stCondLst>
+                                  <p:childTnLst>
+                                    <p:set>
+                                      <p:cBhvr>
+                                        <p:cTn id="26" dur="1" fill="hold">
+                                          <p:stCondLst>
+                                            <p:cond delay="0"/>
+                                          </p:stCondLst>
+                                        </p:cTn>
+                                        <p:tgtEl>
+                                          <p:spTgt spid="8"/>
+                                        </p:tgtEl>
+                                        <p:attrNameLst>
+                                          <p:attrName>style.visibility</p:attrName>
+                                        </p:attrNameLst>
+                                      </p:cBhvr>
+                                      <p:to>
+                                        <p:strVal val="visible"/>
+                                      </p:to>
+                                    </p:set>
+                                    <p:animEffect transition="in" filter="fade">
+                                      <p:cBhvr>
+                                        <p:cTn id="27" dur="500"/>
+                                        <p:tgtEl>
+                                          <p:spTgt spid="8"/>
+                                        </p:tgtEl>
+                                      </p:cBhvr>
+                                    </p:animEffect>
+                                  </p:childTnLst>
+                                </p:cTn>
+                              </p:par>
+                            </p:childTnLst>
+                          </p:cTn>
+                        </p:par>
+                      </p:childTnLst>
+                    </p:cTn>
+                  </p:par>
+                  <p:par>
+                    <p:cTn id="28" fill="hold">
+                      <p:stCondLst>
+                        <p:cond delay="indefinite"/>
+                      </p:stCondLst>
+                      <p:childTnLst>
+                        <p:par>
+                          <p:cTn id="29" fill="hold">
+                            <p:stCondLst>
+                              <p:cond delay="0"/>
+                            </p:stCondLst>
+                            <p:childTnLst>
+                              <p:par>
+                                <p:cTn id="30" presetID="10" presetClass="entr" presetSubtype="0" fill="hold" grpId="0" nodeType="clickEffect">
+                                  <p:stCondLst>
+                                    <p:cond delay="0"/>
+                                  </p:stCondLst>
+                                  <p:childTnLst>
+                                    <p:set>
+                                      <p:cBhvr>
+                                        <p:cTn id="31" dur="1" fill="hold">
+                                          <p:stCondLst>
+                                            <p:cond delay="0"/>
+                                          </p:stCondLst>
+                                        </p:cTn>
+                                        <p:tgtEl>
+                                          <p:spTgt spid="5"/>
+                                        </p:tgtEl>
+                                        <p:attrNameLst>
+                                          <p:attrName>style.visibility</p:attrName>
+                                        </p:attrNameLst>
+                                      </p:cBhvr>
+                                      <p:to>
+                                        <p:strVal val="visible"/>
+                                      </p:to>
+                                    </p:set>
+                                    <p:animEffect transition="in" filter="fade">
+                                      <p:cBhvr>
+                                        <p:cTn id="32" dur="500"/>
+                                        <p:tgtEl>
+                                          <p:spTgt spid="5"/>
+                                        </p:tgtEl>
+                                      </p:cBhvr>
+                                    </p:animEffect>
+                                  </p:childTnLst>
+                                </p:cTn>
+                              </p:par>
+                            </p:childTnLst>
+                          </p:cTn>
+                        </p:par>
+                      </p:childTnLst>
+                    </p:cTn>
+                  </p:par>
+                  <p:par>
+                    <p:cTn id="33" fill="hold">
+                      <p:stCondLst>
+                        <p:cond delay="indefinite"/>
+                      </p:stCondLst>
+                      <p:childTnLst>
+                        <p:par>
+                          <p:cTn id="34" fill="hold">
+                            <p:stCondLst>
+                              <p:cond delay="0"/>
+                            </p:stCondLst>
+                            <p:childTnLst>
+                              <p:par>
+                                <p:cTn id="35" presetID="10" presetClass="entr" presetSubtype="0" fill="hold" grpId="0" nodeType="clickEffect">
+                                  <p:stCondLst>
+                                    <p:cond delay="0"/>
+                                  </p:stCondLst>
+                                  <p:childTnLst>
+                                    <p:set>
+                                      <p:cBhvr>
+                                        <p:cTn id="36" dur="1" fill="hold">
+                                          <p:stCondLst>
+                                            <p:cond delay="0"/>
+                                          </p:stCondLst>
+                                        </p:cTn>
+                                        <p:tgtEl>
+                                          <p:spTgt spid="11"/>
+                                        </p:tgtEl>
+                                        <p:attrNameLst>
+                                          <p:attrName>style.visibility</p:attrName>
+                                        </p:attrNameLst>
+                                      </p:cBhvr>
+                                      <p:to>
+                                        <p:strVal val="visible"/>
+                                      </p:to>
+                                    </p:set>
+                                    <p:animEffect transition="in" filter="fade">
+                                      <p:cBhvr>
+                                        <p:cTn id="37" dur="500"/>
+                                        <p:tgtEl>
+                                          <p:spTgt spid="11"/>
+                                        </p:tgtEl>
+                                      </p:cBhvr>
+                                    </p:animEffect>
+                                  </p:childTnLst>
+                                </p:cTn>
+                              </p:par>
+                            </p:childTnLst>
+                          </p:cTn>
+                        </p:par>
+                      </p:childTnLst>
+                    </p:cTn>
+                  </p:par>
+                  <p:par>
+                    <p:cTn id="38" fill="hold">
+                      <p:stCondLst>
+                        <p:cond delay="indefinite"/>
+                      </p:stCondLst>
+                      <p:childTnLst>
+                        <p:par>
+                          <p:cTn id="39" fill="hold">
+                            <p:stCondLst>
+                              <p:cond delay="0"/>
+                            </p:stCondLst>
+                            <p:childTnLst>
+                              <p:par>
+                                <p:cTn id="40" presetID="10" presetClass="entr" presetSubtype="0" fill="hold" grpId="0" nodeType="clickEffect">
+                                  <p:stCondLst>
+                                    <p:cond delay="0"/>
+                                  </p:stCondLst>
+                                  <p:childTnLst>
+                                    <p:set>
+                                      <p:cBhvr>
+                                        <p:cTn id="41" dur="1" fill="hold">
+                                          <p:stCondLst>
+                                            <p:cond delay="0"/>
+                                          </p:stCondLst>
+                                        </p:cTn>
+                                        <p:tgtEl>
+                                          <p:spTgt spid="9"/>
+                                        </p:tgtEl>
+                                        <p:attrNameLst>
+                                          <p:attrName>style.visibility</p:attrName>
+                                        </p:attrNameLst>
+                                      </p:cBhvr>
+                                      <p:to>
+                                        <p:strVal val="visible"/>
+                                      </p:to>
+                                    </p:set>
+                                    <p:animEffect transition="in" filter="fade">
+                                      <p:cBhvr>
+                                        <p:cTn id="42" dur="500"/>
+                                        <p:tgtEl>
+                                          <p:spTgt spid="9"/>
+                                        </p:tgtEl>
+                                      </p:cBhvr>
+                                    </p:animEffect>
+                                  </p:childTnLst>
+                                </p:cTn>
+                              </p:par>
+                            </p:childTnLst>
+                          </p:cTn>
+                        </p:par>
+                      </p:childTnLst>
+                    </p:cTn>
+                  </p:par>
+                  <p:par>
+                    <p:cTn id="43" fill="hold">
+                      <p:stCondLst>
+                        <p:cond delay="indefinite"/>
+                      </p:stCondLst>
+                      <p:childTnLst>
+                        <p:par>
+                          <p:cTn id="44" fill="hold">
+                            <p:stCondLst>
+                              <p:cond delay="0"/>
+                            </p:stCondLst>
+                            <p:childTnLst>
+                              <p:par>
+                                <p:cTn id="45" presetID="10" presetClass="entr" presetSubtype="0" fill="hold" grpId="0" nodeType="clickEffect">
+                                  <p:stCondLst>
+                                    <p:cond delay="0"/>
+                                  </p:stCondLst>
+                                  <p:childTnLst>
+                                    <p:set>
+                                      <p:cBhvr>
+                                        <p:cTn id="46" dur="1" fill="hold">
+                                          <p:stCondLst>
+                                            <p:cond delay="0"/>
+                                          </p:stCondLst>
+                                        </p:cTn>
+                                        <p:tgtEl>
+                                          <p:spTgt spid="6"/>
+                                        </p:tgtEl>
+                                        <p:attrNameLst>
+                                          <p:attrName>style.visibility</p:attrName>
+                                        </p:attrNameLst>
+                                      </p:cBhvr>
+                                      <p:to>
+                                        <p:strVal val="visible"/>
+                                      </p:to>
+                                    </p:set>
+                                    <p:animEffect transition="in" filter="fade">
+                                      <p:cBhvr>
+                                        <p:cTn id="47" dur="500"/>
+                                        <p:tgtEl>
+                                          <p:spTgt spid="6"/>
+                                        </p:tgtEl>
+                                      </p:cBhvr>
+                                    </p:animEffect>
+                                  </p:childTnLst>
+                                </p:cTn>
+                              </p:par>
+                            </p:childTnLst>
+                          </p:cTn>
+                        </p:par>
+                      </p:childTnLst>
+                    </p:cTn>
+                  </p:par>
+                  <p:par>
+                    <p:cTn id="48" fill="hold">
+                      <p:stCondLst>
+                        <p:cond delay="indefinite"/>
+                      </p:stCondLst>
+                      <p:childTnLst>
+                        <p:par>
+                          <p:cTn id="49" fill="hold">
+                            <p:stCondLst>
+                              <p:cond delay="0"/>
+                            </p:stCondLst>
+                            <p:childTnLst>
+                              <p:par>
+                                <p:cTn id="50" presetID="10" presetClass="entr" presetSubtype="0" fill="hold" nodeType="clickEffect">
+                                  <p:stCondLst>
+                                    <p:cond delay="0"/>
+                                  </p:stCondLst>
+                                  <p:childTnLst>
+                                    <p:set>
+                                      <p:cBhvr>
+                                        <p:cTn id="51" dur="1" fill="hold">
+                                          <p:stCondLst>
+                                            <p:cond delay="0"/>
+                                          </p:stCondLst>
+                                        </p:cTn>
+                                        <p:tgtEl>
+                                          <p:spTgt spid="7"/>
+                                        </p:tgtEl>
+                                        <p:attrNameLst>
+                                          <p:attrName>style.visibility</p:attrName>
+                                        </p:attrNameLst>
+                                      </p:cBhvr>
+                                      <p:to>
+                                        <p:strVal val="visible"/>
+                                      </p:to>
+                                    </p:set>
+                                    <p:animEffect transition="in" filter="fade">
+                                      <p:cBhvr>
+                                        <p:cTn id="52" dur="500"/>
+                                        <p:tgtEl>
+                                          <p:spTgt spid="7"/>
+                                        </p:tgtEl>
+                                      </p:cBhvr>
+                                    </p:animEffect>
+                                  </p:childTnLst>
+                                </p:cTn>
+                              </p:par>
+                            </p:childTnLst>
+                          </p:cTn>
+                        </p:par>
+                      </p:childTnLst>
+                    </p:cTn>
+                  </p:par>
+                  <p:par>
+                    <p:cTn id="53" fill="hold">
+                      <p:stCondLst>
+                        <p:cond delay="indefinite"/>
+                      </p:stCondLst>
+                      <p:childTnLst>
+                        <p:par>
+                          <p:cTn id="54" fill="hold">
+                            <p:stCondLst>
+                              <p:cond delay="0"/>
+                            </p:stCondLst>
+                            <p:childTnLst>
+                              <p:par>
+                                <p:cTn id="55" presetID="10" presetClass="entr" presetSubtype="0" fill="hold" grpId="0" nodeType="clickEffect">
+                                  <p:stCondLst>
+                                    <p:cond delay="0"/>
+                                  </p:stCondLst>
+                                  <p:childTnLst>
+                                    <p:set>
+                                      <p:cBhvr>
+                                        <p:cTn id="56" dur="1" fill="hold">
+                                          <p:stCondLst>
+                                            <p:cond delay="0"/>
+                                          </p:stCondLst>
+                                        </p:cTn>
+                                        <p:tgtEl>
+                                          <p:spTgt spid="14"/>
+                                        </p:tgtEl>
+                                        <p:attrNameLst>
+                                          <p:attrName>style.visibility</p:attrName>
+                                        </p:attrNameLst>
+                                      </p:cBhvr>
+                                      <p:to>
+                                        <p:strVal val="visible"/>
+                                      </p:to>
+                                    </p:set>
+                                    <p:animEffect transition="in" filter="fade">
+                                      <p:cBhvr>
+                                        <p:cTn id="57" dur="500"/>
+                                        <p:tgtEl>
+                                          <p:spTgt spid="14"/>
+                                        </p:tgtEl>
+                                      </p:cBhvr>
+                                    </p:animEffect>
+                                  </p:childTnLst>
+                                </p:cTn>
+                              </p:par>
+                            </p:childTnLst>
+                          </p:cTn>
+                        </p:par>
+                      </p:childTnLst>
+                    </p:cTn>
+                  </p:par>
+                  <p:par>
+                    <p:cTn id="58" fill="hold">
+                      <p:stCondLst>
+                        <p:cond delay="indefinite"/>
+                      </p:stCondLst>
+                      <p:childTnLst>
+                        <p:par>
+                          <p:cTn id="59" fill="hold">
+                            <p:stCondLst>
+                              <p:cond delay="0"/>
+                            </p:stCondLst>
+                            <p:childTnLst>
+                              <p:par>
+                                <p:cTn id="60" presetID="10" presetClass="entr" presetSubtype="0" fill="hold" nodeType="clickEffect">
+                                  <p:stCondLst>
+                                    <p:cond delay="0"/>
+                                  </p:stCondLst>
+                                  <p:childTnLst>
+                                    <p:set>
+                                      <p:cBhvr>
+                                        <p:cTn id="61" dur="1" fill="hold">
+                                          <p:stCondLst>
+                                            <p:cond delay="0"/>
+                                          </p:stCondLst>
+                                        </p:cTn>
+                                        <p:tgtEl>
+                                          <p:spTgt spid="17"/>
+                                        </p:tgtEl>
+                                        <p:attrNameLst>
+                                          <p:attrName>style.visibility</p:attrName>
+                                        </p:attrNameLst>
+                                      </p:cBhvr>
+                                      <p:to>
+                                        <p:strVal val="visible"/>
+                                      </p:to>
+                                    </p:set>
+                                    <p:animEffect transition="in" filter="fade">
+                                      <p:cBhvr>
+                                        <p:cTn id="62" dur="500"/>
+                                        <p:tgtEl>
+                                          <p:spTgt spid="17"/>
+                                        </p:tgtEl>
+                                      </p:cBhvr>
+                                    </p:animEffect>
+                                  </p:childTnLst>
+                                </p:cTn>
+                              </p:par>
+                            </p:childTnLst>
+                          </p:cTn>
+                        </p:par>
+                      </p:childTnLst>
+                    </p:cTn>
+                  </p:par>
+                  <p:par>
+                    <p:cTn id="63" fill="hold">
+                      <p:stCondLst>
+                        <p:cond delay="indefinite"/>
+                      </p:stCondLst>
+                      <p:childTnLst>
+                        <p:par>
+                          <p:cTn id="64" fill="hold">
+                            <p:stCondLst>
+                              <p:cond delay="0"/>
+                            </p:stCondLst>
+                            <p:childTnLst>
+                              <p:par>
+                                <p:cTn id="65" presetID="10" presetClass="entr" presetSubtype="0" fill="hold" grpId="0" nodeType="clickEffect">
+                                  <p:stCondLst>
+                                    <p:cond delay="0"/>
+                                  </p:stCondLst>
+                                  <p:childTnLst>
+                                    <p:set>
+                                      <p:cBhvr>
+                                        <p:cTn id="66" dur="1" fill="hold">
+                                          <p:stCondLst>
+                                            <p:cond delay="0"/>
+                                          </p:stCondLst>
+                                        </p:cTn>
+                                        <p:tgtEl>
+                                          <p:spTgt spid="12"/>
+                                        </p:tgtEl>
+                                        <p:attrNameLst>
+                                          <p:attrName>style.visibility</p:attrName>
+                                        </p:attrNameLst>
+                                      </p:cBhvr>
+                                      <p:to>
+                                        <p:strVal val="visible"/>
+                                      </p:to>
+                                    </p:set>
+                                    <p:animEffect transition="in" filter="fade">
+                                      <p:cBhvr>
+                                        <p:cTn id="67" dur="500"/>
+                                        <p:tgtEl>
+                                          <p:spTgt spid="12"/>
+                                        </p:tgtEl>
+                                      </p:cBhvr>
+                                    </p:animEffect>
+                                  </p:childTnLst>
+                                </p:cTn>
+                              </p:par>
+                            </p:childTnLst>
+                          </p:cTn>
+                        </p:par>
+                      </p:childTnLst>
+                    </p:cTn>
+                  </p:par>
+                  <p:par>
+                    <p:cTn id="68" fill="hold">
+                      <p:stCondLst>
+                        <p:cond delay="indefinite"/>
+                      </p:stCondLst>
+                      <p:childTnLst>
+                        <p:par>
+                          <p:cTn id="69" fill="hold">
+                            <p:stCondLst>
+                              <p:cond delay="0"/>
+                            </p:stCondLst>
+                            <p:childTnLst>
+                              <p:par>
+                                <p:cTn id="70" presetID="10" presetClass="entr" presetSubtype="0" fill="hold" grpId="0" nodeType="clickEffect">
+                                  <p:stCondLst>
+                                    <p:cond delay="0"/>
+                                  </p:stCondLst>
+                                  <p:childTnLst>
+                                    <p:set>
+                                      <p:cBhvr>
+                                        <p:cTn id="71" dur="1" fill="hold">
+                                          <p:stCondLst>
+                                            <p:cond delay="0"/>
+                                          </p:stCondLst>
+                                        </p:cTn>
+                                        <p:tgtEl>
+                                          <p:spTgt spid="15"/>
+                                        </p:tgtEl>
+                                        <p:attrNameLst>
+                                          <p:attrName>style.visibility</p:attrName>
+                                        </p:attrNameLst>
+                                      </p:cBhvr>
+                                      <p:to>
+                                        <p:strVal val="visible"/>
+                                      </p:to>
+                                    </p:set>
+                                    <p:animEffect transition="in" filter="fade">
+                                      <p:cBhvr>
+                                        <p:cTn id="72" dur="500"/>
+                                        <p:tgtEl>
+                                          <p:spTgt spid="15"/>
+                                        </p:tgtEl>
+                                      </p:cBhvr>
+                                    </p:animEffect>
+                                  </p:childTnLst>
+                                </p:cTn>
+                              </p:par>
+                            </p:childTnLst>
+                          </p:cTn>
+                        </p:par>
+                      </p:childTnLst>
+                    </p:cTn>
+                  </p:par>
+                  <p:par>
+                    <p:cTn id="73" fill="hold">
+                      <p:stCondLst>
+                        <p:cond delay="indefinite"/>
+                      </p:stCondLst>
+                      <p:childTnLst>
+                        <p:par>
+                          <p:cTn id="74" fill="hold">
+                            <p:stCondLst>
+                              <p:cond delay="0"/>
+                            </p:stCondLst>
+                            <p:childTnLst>
+                              <p:par>
+                                <p:cTn id="75" presetID="10" presetClass="entr" presetSubtype="0" fill="hold" nodeType="clickEffect">
+                                  <p:stCondLst>
+                                    <p:cond delay="0"/>
+                                  </p:stCondLst>
+                                  <p:childTnLst>
+                                    <p:set>
+                                      <p:cBhvr>
+                                        <p:cTn id="76" dur="1" fill="hold">
+                                          <p:stCondLst>
+                                            <p:cond delay="0"/>
+                                          </p:stCondLst>
+                                        </p:cTn>
+                                        <p:tgtEl>
+                                          <p:spTgt spid="18"/>
+                                        </p:tgtEl>
+                                        <p:attrNameLst>
+                                          <p:attrName>style.visibility</p:attrName>
+                                        </p:attrNameLst>
+                                      </p:cBhvr>
+                                      <p:to>
+                                        <p:strVal val="visible"/>
+                                      </p:to>
+                                    </p:set>
+                                    <p:animEffect transition="in" filter="fade">
+                                      <p:cBhvr>
+                                        <p:cTn id="77" dur="500"/>
+                                        <p:tgtEl>
+                                          <p:spTgt spid="18"/>
+                                        </p:tgtEl>
+                                      </p:cBhvr>
+                                    </p:animEffect>
+                                  </p:childTnLst>
+                                </p:cTn>
+                              </p:par>
+                            </p:childTnLst>
+                          </p:cTn>
+                        </p:par>
+                      </p:childTnLst>
+                    </p:cTn>
+                  </p:par>
+                  <p:par>
+                    <p:cTn id="78" fill="hold">
+                      <p:stCondLst>
+                        <p:cond delay="indefinite"/>
+                      </p:stCondLst>
+                      <p:childTnLst>
+                        <p:par>
+                          <p:cTn id="79" fill="hold">
+                            <p:stCondLst>
+                              <p:cond delay="0"/>
+                            </p:stCondLst>
+                            <p:childTnLst>
+                              <p:par>
+                                <p:cTn id="80" presetID="10" presetClass="entr" presetSubtype="0" fill="hold" grpId="0" nodeType="clickEffect">
+                                  <p:stCondLst>
+                                    <p:cond delay="0"/>
+                                  </p:stCondLst>
+                                  <p:childTnLst>
+                                    <p:set>
+                                      <p:cBhvr>
+                                        <p:cTn id="81" dur="1" fill="hold">
+                                          <p:stCondLst>
+                                            <p:cond delay="0"/>
+                                          </p:stCondLst>
+                                        </p:cTn>
+                                        <p:tgtEl>
+                                          <p:spTgt spid="13"/>
+                                        </p:tgtEl>
+                                        <p:attrNameLst>
+                                          <p:attrName>style.visibility</p:attrName>
+                                        </p:attrNameLst>
+                                      </p:cBhvr>
+                                      <p:to>
+                                        <p:strVal val="visible"/>
+                                      </p:to>
+                                    </p:set>
+                                    <p:animEffect transition="in" filter="fade">
+                                      <p:cBhvr>
+                                        <p:cTn id="82" dur="500"/>
+                                        <p:tgtEl>
+                                          <p:spTgt spid="13"/>
+                                        </p:tgtEl>
+                                      </p:cBhvr>
+                                    </p:animEffect>
+                                  </p:childTnLst>
+                                </p:cTn>
+                              </p:par>
+                            </p:childTnLst>
+                          </p:cTn>
+                        </p:par>
+                      </p:childTnLst>
+                    </p:cTn>
+                  </p:par>
+                </p:childTnLst>
+              </p:cTn>
+              <p:prevCondLst>
+                <p:cond evt="onPrev" delay="0">
+                  <p:tgtEl>
+                    <p:sldTgt/>
+                  </p:tgtEl>
+                </p:cond>
+              </p:prevCondLst>
+              <p:nextCondLst>
+                <p:cond evt="onNext" delay="0">
+                  <p:tgtEl>
+                    <p:sldTgt/>
+                  </p:tgtEl>
+                </p:cond>
+              </p:nextCondLst>
+            </p:seq>
+          </p:childTnLst>
+        </p:cTn>
+      </p:par>
+    </p:tnLst>
+    <p:bldLst>
+      <p:bldP spid="2" grpId="0"/>
+      <p:bldP spid="5" grpId="0" animBg="1"/>
+      <p:bldP spid="6" grpId="0" animBg="1"/>
+      <p:bldP spid="8" grpId="0"/>
+      <p:bldP spid="9" grpId="0"/>
+      <p:bldP spid="10" grpId="0" animBg="1"/>
+      <p:bldP spid="11" grpId="0" animBg="1"/>
+      <p:bldP spid="12" grpId="0"/>
+      <p:bldP spid="13" grpId="0"/>
+      <p:bldP spid="14" grpId="0" animBg="1"/>
+      <p:bldP spid="15" grpId="0" animBg="1"/>
+    </p:bldLst>
+  </p:timing>
+</p:sld>
+</file>
+
+<file path=ppt/slides/slide22.xml><?xml version="1.0" encoding="utf-8"?>
+<p:sld xmlns:a="http://schemas.openxmlformats.org/drawingml/2006/main" xmlns:r="http://schemas.openxmlformats.org/officeDocument/2006/relationships" xmlns:p="http://schemas.openxmlformats.org/presentationml/2006/main">
+  <p:cSld>
+    <p:spTree>
+      <p:nvGrpSpPr>
+        <p:cNvPr id="1" name=""/>
+        <p:cNvGrpSpPr/>
+        <p:nvPr/>
+      </p:nvGrpSpPr>
+      <p:grpSpPr>
+        <a:xfrm>
+          <a:off x="0" y="0"/>
+          <a:ext cx="0" cy="0"/>
+          <a:chOff x="0" y="0"/>
+          <a:chExt cx="0" cy="0"/>
+        </a:xfrm>
+      </p:grpSpPr>
+      <p:sp>
+        <p:nvSpPr>
+          <p:cNvPr id="2" name="标题 1"/>
+          <p:cNvSpPr>
+            <a:spLocks noGrp="1"/>
+          </p:cNvSpPr>
+          <p:nvPr>
+            <p:ph type="title"/>
+          </p:nvPr>
+        </p:nvSpPr>
+        <p:spPr>
+          <a:xfrm>
+            <a:off x="457200" y="-18256"/>
+            <a:ext cx="8229600" cy="1143000"/>
+          </a:xfrm>
+        </p:spPr>
+        <p:txBody>
+          <a:bodyPr/>
+          <a:lstStyle/>
+          <a:p>
+            <a:r>
+              <a:rPr lang="zh-CN" altLang="en-US" dirty="0" smtClean="0"/>
+              <a:t>数据透视表设置</a:t>
+            </a:r>
+            <a:endParaRPr lang="zh-CN" altLang="en-US" dirty="0"/>
+          </a:p>
+        </p:txBody>
+      </p:sp>
+      <p:pic>
+        <p:nvPicPr>
+          <p:cNvPr id="4" name="内容占位符 3"/>
+          <p:cNvPicPr>
+            <a:picLocks noGrp="1" noChangeAspect="1"/>
+          </p:cNvPicPr>
+          <p:nvPr>
+            <p:ph idx="1"/>
+          </p:nvPr>
+        </p:nvPicPr>
+        <p:blipFill>
+          <a:blip r:embed="rId2">
+            <a:extLst>
+              <a:ext uri="{28A0092B-C50C-407E-A947-70E740481C1C}">
+                <a14:useLocalDpi xmlns:a14="http://schemas.microsoft.com/office/drawing/2010/main" val="0"/>
+              </a:ext>
+            </a:extLst>
+          </a:blip>
+          <a:stretch>
+            <a:fillRect/>
+          </a:stretch>
+        </p:blipFill>
+        <p:spPr>
+          <a:xfrm>
+            <a:off x="251520" y="1124744"/>
+            <a:ext cx="3152775" cy="1428750"/>
+          </a:xfrm>
+        </p:spPr>
+      </p:pic>
+      <p:pic>
+        <p:nvPicPr>
+          <p:cNvPr id="5" name="图片 4"/>
+          <p:cNvPicPr>
+            <a:picLocks noChangeAspect="1"/>
+          </p:cNvPicPr>
+          <p:nvPr/>
+        </p:nvPicPr>
+        <p:blipFill>
+          <a:blip r:embed="rId3">
+            <a:extLst>
+              <a:ext uri="{28A0092B-C50C-407E-A947-70E740481C1C}">
+                <a14:useLocalDpi xmlns:a14="http://schemas.microsoft.com/office/drawing/2010/main" val="0"/>
+              </a:ext>
+            </a:extLst>
+          </a:blip>
+          <a:stretch>
+            <a:fillRect/>
+          </a:stretch>
+        </p:blipFill>
+        <p:spPr>
+          <a:xfrm>
+            <a:off x="5724128" y="1124744"/>
+            <a:ext cx="3345942" cy="4941168"/>
+          </a:xfrm>
+          <a:prstGeom prst="rect">
+            <a:avLst/>
+          </a:prstGeom>
+        </p:spPr>
+      </p:pic>
+      <p:sp>
+        <p:nvSpPr>
+          <p:cNvPr id="6" name="TextBox 5"/>
+          <p:cNvSpPr txBox="1"/>
+          <p:nvPr/>
+        </p:nvSpPr>
+        <p:spPr>
+          <a:xfrm>
+            <a:off x="179512" y="3356992"/>
+            <a:ext cx="5040560" cy="1754326"/>
+          </a:xfrm>
+          <a:prstGeom prst="rect">
+            <a:avLst/>
+          </a:prstGeom>
+          <a:noFill/>
+        </p:spPr>
+        <p:txBody>
+          <a:bodyPr wrap="square" rtlCol="0">
+            <a:spAutoFit/>
+          </a:bodyPr>
+          <a:lstStyle/>
+          <a:p>
+            <a:r>
+              <a:rPr lang="zh-CN" altLang="en-US" dirty="0" smtClean="0"/>
+              <a:t>原数据的的字段被添加到字段列表。</a:t>
+            </a:r>
+            <a:endParaRPr lang="en-US" altLang="zh-CN" dirty="0" smtClean="0"/>
+          </a:p>
+          <a:p>
+            <a:r>
+              <a:rPr lang="zh-CN" altLang="en-US" dirty="0" smtClean="0"/>
+              <a:t>字段列表中的字段可以被拖到下方的四个区域中。</a:t>
+            </a:r>
+            <a:endParaRPr lang="en-US" altLang="zh-CN" dirty="0" smtClean="0"/>
+          </a:p>
+          <a:p>
+            <a:r>
+              <a:rPr lang="zh-CN" altLang="en-US" dirty="0" smtClean="0"/>
+              <a:t>列标签：数据透视表的每一列的标题</a:t>
+            </a:r>
+            <a:endParaRPr lang="en-US" altLang="zh-CN" dirty="0" smtClean="0"/>
+          </a:p>
+          <a:p>
+            <a:r>
+              <a:rPr lang="zh-CN" altLang="en-US" dirty="0" smtClean="0"/>
+              <a:t>行标签：数据透视表的每一行的标题</a:t>
+            </a:r>
+            <a:endParaRPr lang="en-US" altLang="zh-CN" dirty="0" smtClean="0"/>
+          </a:p>
+          <a:p>
+            <a:r>
+              <a:rPr lang="zh-CN" altLang="en-US" dirty="0" smtClean="0"/>
+              <a:t>数值：设置统计项目以及统计方式</a:t>
+            </a:r>
+            <a:endParaRPr lang="en-US" altLang="zh-CN" dirty="0" smtClean="0"/>
+          </a:p>
+          <a:p>
+            <a:r>
+              <a:rPr lang="zh-CN" altLang="en-US" dirty="0" smtClean="0"/>
+              <a:t>报表筛选：设置筛选项</a:t>
+            </a:r>
+            <a:endParaRPr lang="zh-CN" altLang="en-US" dirty="0"/>
+          </a:p>
+        </p:txBody>
+      </p:sp>
+      <p:sp>
+        <p:nvSpPr>
+          <p:cNvPr id="7" name="TextBox 6"/>
+          <p:cNvSpPr txBox="1"/>
+          <p:nvPr/>
+        </p:nvSpPr>
+        <p:spPr>
+          <a:xfrm>
+            <a:off x="467544" y="1224008"/>
+            <a:ext cx="2880320" cy="369332"/>
+          </a:xfrm>
+          <a:prstGeom prst="rect">
+            <a:avLst/>
+          </a:prstGeom>
+          <a:noFill/>
+          <a:ln w="22225">
+            <a:solidFill>
+              <a:srgbClr val="FF0000"/>
+            </a:solidFill>
+          </a:ln>
+        </p:spPr>
+        <p:txBody>
+          <a:bodyPr wrap="square" rtlCol="0">
+            <a:spAutoFit/>
+          </a:bodyPr>
+          <a:lstStyle/>
+          <a:p>
+            <a:endParaRPr lang="zh-CN" altLang="en-US" dirty="0"/>
+          </a:p>
+        </p:txBody>
+      </p:sp>
+      <p:sp>
+        <p:nvSpPr>
+          <p:cNvPr id="8" name="TextBox 7"/>
+          <p:cNvSpPr txBox="1"/>
+          <p:nvPr/>
+        </p:nvSpPr>
+        <p:spPr>
+          <a:xfrm>
+            <a:off x="7452320" y="1418317"/>
+            <a:ext cx="872562" cy="540000"/>
+          </a:xfrm>
+          <a:prstGeom prst="rect">
+            <a:avLst/>
+          </a:prstGeom>
+          <a:noFill/>
+          <a:ln w="22225">
+            <a:solidFill>
+              <a:srgbClr val="FF0000"/>
+            </a:solidFill>
+          </a:ln>
+        </p:spPr>
+        <p:txBody>
+          <a:bodyPr wrap="square" rtlCol="0">
+            <a:spAutoFit/>
+          </a:bodyPr>
+          <a:lstStyle/>
+          <a:p>
+            <a:endParaRPr lang="zh-CN" altLang="en-US" dirty="0"/>
+          </a:p>
+        </p:txBody>
+      </p:sp>
+      <p:sp>
+        <p:nvSpPr>
+          <p:cNvPr id="9" name="TextBox 8"/>
+          <p:cNvSpPr txBox="1"/>
+          <p:nvPr/>
+        </p:nvSpPr>
+        <p:spPr>
+          <a:xfrm>
+            <a:off x="8257621" y="3717032"/>
+            <a:ext cx="706867" cy="288000"/>
+          </a:xfrm>
+          <a:prstGeom prst="rect">
+            <a:avLst/>
+          </a:prstGeom>
+          <a:noFill/>
+          <a:ln w="22225">
+            <a:solidFill>
+              <a:srgbClr val="FF0000"/>
+            </a:solidFill>
+          </a:ln>
+        </p:spPr>
+        <p:txBody>
+          <a:bodyPr wrap="square" rtlCol="0">
+            <a:spAutoFit/>
+          </a:bodyPr>
+          <a:lstStyle/>
+          <a:p>
+            <a:endParaRPr lang="zh-CN" altLang="en-US" dirty="0"/>
+          </a:p>
+        </p:txBody>
+      </p:sp>
+    </p:spTree>
+    <p:extLst>
+      <p:ext uri="{BB962C8B-B14F-4D97-AF65-F5344CB8AC3E}">
+        <p14:creationId xmlns:p14="http://schemas.microsoft.com/office/powerpoint/2010/main" val="3884605708"/>
+      </p:ext>
+    </p:extLst>
+  </p:cSld>
+  <p:clrMapOvr>
+    <a:masterClrMapping/>
+  </p:clrMapOvr>
+  <p:timing>
+    <p:tnLst>
+      <p:par>
+        <p:cTn id="1" dur="indefinite" restart="never" nodeType="tmRoot"/>
+      </p:par>
+    </p:tnLst>
+  </p:timing>
+</p:sld>
+</file>
+
+<file path=ppt/slides/slide23.xml><?xml version="1.0" encoding="utf-8"?>
+<p:sld xmlns:a="http://schemas.openxmlformats.org/drawingml/2006/main" xmlns:r="http://schemas.openxmlformats.org/officeDocument/2006/relationships" xmlns:p="http://schemas.openxmlformats.org/presentationml/2006/main">
+  <p:cSld>
+    <p:spTree>
+      <p:nvGrpSpPr>
+        <p:cNvPr id="1" name=""/>
+        <p:cNvGrpSpPr/>
+        <p:nvPr/>
+      </p:nvGrpSpPr>
+      <p:grpSpPr>
+        <a:xfrm>
+          <a:off x="0" y="0"/>
+          <a:ext cx="0" cy="0"/>
+          <a:chOff x="0" y="0"/>
+          <a:chExt cx="0" cy="0"/>
+        </a:xfrm>
+      </p:grpSpPr>
+      <p:pic>
+        <p:nvPicPr>
+          <p:cNvPr id="2" name="图片 1"/>
+          <p:cNvPicPr>
+            <a:picLocks noChangeAspect="1"/>
+          </p:cNvPicPr>
+          <p:nvPr/>
+        </p:nvPicPr>
+        <p:blipFill>
+          <a:blip r:embed="rId2">
+            <a:extLst>
+              <a:ext uri="{28A0092B-C50C-407E-A947-70E740481C1C}">
+                <a14:useLocalDpi xmlns:a14="http://schemas.microsoft.com/office/drawing/2010/main" val="0"/>
+              </a:ext>
+            </a:extLst>
+          </a:blip>
+          <a:stretch>
+            <a:fillRect/>
+          </a:stretch>
+        </p:blipFill>
+        <p:spPr>
+          <a:xfrm>
+            <a:off x="197513" y="404664"/>
+            <a:ext cx="8634021" cy="5969200"/>
+          </a:xfrm>
+          <a:prstGeom prst="rect">
+            <a:avLst/>
+          </a:prstGeom>
+        </p:spPr>
+      </p:pic>
+    </p:spTree>
+    <p:extLst>
+      <p:ext uri="{BB962C8B-B14F-4D97-AF65-F5344CB8AC3E}">
+        <p14:creationId xmlns:p14="http://schemas.microsoft.com/office/powerpoint/2010/main" val="915693421"/>
+      </p:ext>
+    </p:extLst>
+  </p:cSld>
+  <p:clrMapOvr>
+    <a:masterClrMapping/>
+  </p:clrMapOvr>
+  <p:timing>
+    <p:tnLst>
+      <p:par>
+        <p:cTn id="1" dur="indefinite" restart="never" nodeType="tmRoot"/>
+      </p:par>
+    </p:tnLst>
   </p:timing>
 </p:sld>
 </file>

--- a/第4章excel/图表/图表.pptx
+++ b/第4章excel/图表/图表.pptx
@@ -14,14 +14,14 @@
     <p:sldId id="262" r:id="rId8"/>
     <p:sldId id="263" r:id="rId9"/>
     <p:sldId id="264" r:id="rId10"/>
-    <p:sldId id="265" r:id="rId11"/>
-    <p:sldId id="272" r:id="rId12"/>
-    <p:sldId id="270" r:id="rId13"/>
-    <p:sldId id="271" r:id="rId14"/>
-    <p:sldId id="266" r:id="rId15"/>
-    <p:sldId id="267" r:id="rId16"/>
-    <p:sldId id="268" r:id="rId17"/>
-    <p:sldId id="269" r:id="rId18"/>
+    <p:sldId id="270" r:id="rId11"/>
+    <p:sldId id="271" r:id="rId12"/>
+    <p:sldId id="266" r:id="rId13"/>
+    <p:sldId id="267" r:id="rId14"/>
+    <p:sldId id="268" r:id="rId15"/>
+    <p:sldId id="269" r:id="rId16"/>
+    <p:sldId id="265" r:id="rId17"/>
+    <p:sldId id="272" r:id="rId18"/>
     <p:sldId id="273" r:id="rId19"/>
     <p:sldId id="274" r:id="rId20"/>
     <p:sldId id="275" r:id="rId21"/>
@@ -310,7 +310,7 @@
           <a:p>
             <a:fld id="{530820CF-B880-4189-942D-D702A7CBA730}" type="datetimeFigureOut">
               <a:rPr lang="zh-CN" altLang="en-US" smtClean="0"/>
-              <a:t>2020/6/7</a:t>
+              <a:t>2020/6/8</a:t>
             </a:fld>
             <a:endParaRPr lang="zh-CN" altLang="en-US"/>
           </a:p>
@@ -475,7 +475,7 @@
           <a:p>
             <a:fld id="{530820CF-B880-4189-942D-D702A7CBA730}" type="datetimeFigureOut">
               <a:rPr lang="zh-CN" altLang="en-US" smtClean="0"/>
-              <a:t>2020/6/7</a:t>
+              <a:t>2020/6/8</a:t>
             </a:fld>
             <a:endParaRPr lang="zh-CN" altLang="en-US"/>
           </a:p>
@@ -650,7 +650,7 @@
           <a:p>
             <a:fld id="{530820CF-B880-4189-942D-D702A7CBA730}" type="datetimeFigureOut">
               <a:rPr lang="zh-CN" altLang="en-US" smtClean="0"/>
-              <a:t>2020/6/7</a:t>
+              <a:t>2020/6/8</a:t>
             </a:fld>
             <a:endParaRPr lang="zh-CN" altLang="en-US"/>
           </a:p>
@@ -815,7 +815,7 @@
           <a:p>
             <a:fld id="{530820CF-B880-4189-942D-D702A7CBA730}" type="datetimeFigureOut">
               <a:rPr lang="zh-CN" altLang="en-US" smtClean="0"/>
-              <a:t>2020/6/7</a:t>
+              <a:t>2020/6/8</a:t>
             </a:fld>
             <a:endParaRPr lang="zh-CN" altLang="en-US"/>
           </a:p>
@@ -1056,7 +1056,7 @@
           <a:p>
             <a:fld id="{530820CF-B880-4189-942D-D702A7CBA730}" type="datetimeFigureOut">
               <a:rPr lang="zh-CN" altLang="en-US" smtClean="0"/>
-              <a:t>2020/6/7</a:t>
+              <a:t>2020/6/8</a:t>
             </a:fld>
             <a:endParaRPr lang="zh-CN" altLang="en-US"/>
           </a:p>
@@ -1339,7 +1339,7 @@
           <a:p>
             <a:fld id="{530820CF-B880-4189-942D-D702A7CBA730}" type="datetimeFigureOut">
               <a:rPr lang="zh-CN" altLang="en-US" smtClean="0"/>
-              <a:t>2020/6/7</a:t>
+              <a:t>2020/6/8</a:t>
             </a:fld>
             <a:endParaRPr lang="zh-CN" altLang="en-US"/>
           </a:p>
@@ -1756,7 +1756,7 @@
           <a:p>
             <a:fld id="{530820CF-B880-4189-942D-D702A7CBA730}" type="datetimeFigureOut">
               <a:rPr lang="zh-CN" altLang="en-US" smtClean="0"/>
-              <a:t>2020/6/7</a:t>
+              <a:t>2020/6/8</a:t>
             </a:fld>
             <a:endParaRPr lang="zh-CN" altLang="en-US"/>
           </a:p>
@@ -1869,7 +1869,7 @@
           <a:p>
             <a:fld id="{530820CF-B880-4189-942D-D702A7CBA730}" type="datetimeFigureOut">
               <a:rPr lang="zh-CN" altLang="en-US" smtClean="0"/>
-              <a:t>2020/6/7</a:t>
+              <a:t>2020/6/8</a:t>
             </a:fld>
             <a:endParaRPr lang="zh-CN" altLang="en-US"/>
           </a:p>
@@ -1959,7 +1959,7 @@
           <a:p>
             <a:fld id="{530820CF-B880-4189-942D-D702A7CBA730}" type="datetimeFigureOut">
               <a:rPr lang="zh-CN" altLang="en-US" smtClean="0"/>
-              <a:t>2020/6/7</a:t>
+              <a:t>2020/6/8</a:t>
             </a:fld>
             <a:endParaRPr lang="zh-CN" altLang="en-US"/>
           </a:p>
@@ -2231,7 +2231,7 @@
           <a:p>
             <a:fld id="{530820CF-B880-4189-942D-D702A7CBA730}" type="datetimeFigureOut">
               <a:rPr lang="zh-CN" altLang="en-US" smtClean="0"/>
-              <a:t>2020/6/7</a:t>
+              <a:t>2020/6/8</a:t>
             </a:fld>
             <a:endParaRPr lang="zh-CN" altLang="en-US"/>
           </a:p>
@@ -2479,7 +2479,7 @@
           <a:p>
             <a:fld id="{530820CF-B880-4189-942D-D702A7CBA730}" type="datetimeFigureOut">
               <a:rPr lang="zh-CN" altLang="en-US" smtClean="0"/>
-              <a:t>2020/6/7</a:t>
+              <a:t>2020/6/8</a:t>
             </a:fld>
             <a:endParaRPr lang="zh-CN" altLang="en-US"/>
           </a:p>
@@ -2687,7 +2687,7 @@
           <a:p>
             <a:fld id="{530820CF-B880-4189-942D-D702A7CBA730}" type="datetimeFigureOut">
               <a:rPr lang="zh-CN" altLang="en-US" smtClean="0"/>
-              <a:t>2020/6/7</a:t>
+              <a:t>2020/6/8</a:t>
             </a:fld>
             <a:endParaRPr lang="zh-CN" altLang="en-US"/>
           </a:p>
@@ -3258,1472 +3258,6 @@
             <p:ph type="title"/>
           </p:nvPr>
         </p:nvSpPr>
-        <p:spPr/>
-        <p:txBody>
-          <a:bodyPr/>
-          <a:lstStyle/>
-          <a:p>
-            <a:r>
-              <a:rPr lang="zh-CN" altLang="en-US" dirty="0" smtClean="0"/>
-              <a:t>移动图表</a:t>
-            </a:r>
-            <a:endParaRPr lang="zh-CN" altLang="en-US" dirty="0"/>
-          </a:p>
-        </p:txBody>
-      </p:sp>
-      <p:pic>
-        <p:nvPicPr>
-          <p:cNvPr id="4" name="内容占位符 3"/>
-          <p:cNvPicPr>
-            <a:picLocks noGrp="1" noChangeAspect="1"/>
-          </p:cNvPicPr>
-          <p:nvPr>
-            <p:ph idx="1"/>
-          </p:nvPr>
-        </p:nvPicPr>
-        <p:blipFill>
-          <a:blip r:embed="rId2">
-            <a:extLst>
-              <a:ext uri="{28A0092B-C50C-407E-A947-70E740481C1C}">
-                <a14:useLocalDpi xmlns:a14="http://schemas.microsoft.com/office/drawing/2010/main" val="0"/>
-              </a:ext>
-            </a:extLst>
-          </a:blip>
-          <a:stretch>
-            <a:fillRect/>
-          </a:stretch>
-        </p:blipFill>
-        <p:spPr>
-          <a:xfrm>
-            <a:off x="467544" y="1484784"/>
-            <a:ext cx="8229600" cy="1259173"/>
-          </a:xfrm>
-        </p:spPr>
-      </p:pic>
-      <p:sp>
-        <p:nvSpPr>
-          <p:cNvPr id="5" name="TextBox 4"/>
-          <p:cNvSpPr txBox="1"/>
-          <p:nvPr/>
-        </p:nvSpPr>
-        <p:spPr>
-          <a:xfrm>
-            <a:off x="1187624" y="1628800"/>
-            <a:ext cx="360040" cy="252000"/>
-          </a:xfrm>
-          <a:prstGeom prst="rect">
-            <a:avLst/>
-          </a:prstGeom>
-          <a:noFill/>
-          <a:ln w="15875">
-            <a:solidFill>
-              <a:srgbClr val="FF0000"/>
-            </a:solidFill>
-          </a:ln>
-        </p:spPr>
-        <p:txBody>
-          <a:bodyPr wrap="square" rtlCol="0">
-            <a:spAutoFit/>
-          </a:bodyPr>
-          <a:lstStyle/>
-          <a:p>
-            <a:endParaRPr lang="zh-CN" altLang="en-US" dirty="0"/>
-          </a:p>
-        </p:txBody>
-      </p:sp>
-      <p:sp>
-        <p:nvSpPr>
-          <p:cNvPr id="7" name="TextBox 6"/>
-          <p:cNvSpPr txBox="1"/>
-          <p:nvPr/>
-        </p:nvSpPr>
-        <p:spPr>
-          <a:xfrm>
-            <a:off x="7956376" y="1880800"/>
-            <a:ext cx="536567" cy="432000"/>
-          </a:xfrm>
-          <a:prstGeom prst="rect">
-            <a:avLst/>
-          </a:prstGeom>
-          <a:noFill/>
-          <a:ln w="15875">
-            <a:solidFill>
-              <a:srgbClr val="FF0000"/>
-            </a:solidFill>
-          </a:ln>
-        </p:spPr>
-        <p:txBody>
-          <a:bodyPr wrap="square" rtlCol="0">
-            <a:spAutoFit/>
-          </a:bodyPr>
-          <a:lstStyle/>
-          <a:p>
-            <a:endParaRPr lang="zh-CN" altLang="en-US" dirty="0"/>
-          </a:p>
-        </p:txBody>
-      </p:sp>
-      <p:sp>
-        <p:nvSpPr>
-          <p:cNvPr id="8" name="TextBox 7"/>
-          <p:cNvSpPr txBox="1"/>
-          <p:nvPr/>
-        </p:nvSpPr>
-        <p:spPr>
-          <a:xfrm>
-            <a:off x="1043608" y="2924944"/>
-            <a:ext cx="1224136" cy="369332"/>
-          </a:xfrm>
-          <a:prstGeom prst="rect">
-            <a:avLst/>
-          </a:prstGeom>
-          <a:noFill/>
-        </p:spPr>
-        <p:txBody>
-          <a:bodyPr wrap="square" rtlCol="0">
-            <a:spAutoFit/>
-          </a:bodyPr>
-          <a:lstStyle/>
-          <a:p>
-            <a:r>
-              <a:rPr lang="zh-CN" altLang="en-US" dirty="0" smtClean="0"/>
-              <a:t>选中图表</a:t>
-            </a:r>
-            <a:endParaRPr lang="zh-CN" altLang="en-US" dirty="0"/>
-          </a:p>
-        </p:txBody>
-      </p:sp>
-      <p:sp>
-        <p:nvSpPr>
-          <p:cNvPr id="9" name="右箭头 8"/>
-          <p:cNvSpPr/>
-          <p:nvPr/>
-        </p:nvSpPr>
-        <p:spPr>
-          <a:xfrm>
-            <a:off x="2843808" y="3059668"/>
-            <a:ext cx="504056" cy="225316"/>
-          </a:xfrm>
-          <a:prstGeom prst="rightArrow">
-            <a:avLst/>
-          </a:prstGeom>
-        </p:spPr>
-        <p:style>
-          <a:lnRef idx="2">
-            <a:schemeClr val="accent1">
-              <a:shade val="50000"/>
-            </a:schemeClr>
-          </a:lnRef>
-          <a:fillRef idx="1">
-            <a:schemeClr val="accent1"/>
-          </a:fillRef>
-          <a:effectRef idx="0">
-            <a:schemeClr val="accent1"/>
-          </a:effectRef>
-          <a:fontRef idx="minor">
-            <a:schemeClr val="lt1"/>
-          </a:fontRef>
-        </p:style>
-        <p:txBody>
-          <a:bodyPr rtlCol="0" anchor="ctr"/>
-          <a:lstStyle/>
-          <a:p>
-            <a:pPr algn="ctr"/>
-            <a:endParaRPr lang="zh-CN" altLang="en-US"/>
-          </a:p>
-        </p:txBody>
-      </p:sp>
-      <p:sp>
-        <p:nvSpPr>
-          <p:cNvPr id="10" name="TextBox 9"/>
-          <p:cNvSpPr txBox="1"/>
-          <p:nvPr/>
-        </p:nvSpPr>
-        <p:spPr>
-          <a:xfrm>
-            <a:off x="4355976" y="3016242"/>
-            <a:ext cx="648072" cy="369332"/>
-          </a:xfrm>
-          <a:prstGeom prst="rect">
-            <a:avLst/>
-          </a:prstGeom>
-          <a:noFill/>
-        </p:spPr>
-        <p:txBody>
-          <a:bodyPr wrap="square" rtlCol="0">
-            <a:spAutoFit/>
-          </a:bodyPr>
-          <a:lstStyle/>
-          <a:p>
-            <a:r>
-              <a:rPr lang="zh-CN" altLang="en-US" dirty="0"/>
-              <a:t>设计</a:t>
-            </a:r>
-          </a:p>
-        </p:txBody>
-      </p:sp>
-      <p:sp>
-        <p:nvSpPr>
-          <p:cNvPr id="11" name="右箭头 10"/>
-          <p:cNvSpPr/>
-          <p:nvPr/>
-        </p:nvSpPr>
-        <p:spPr>
-          <a:xfrm>
-            <a:off x="5508104" y="3059668"/>
-            <a:ext cx="504056" cy="225316"/>
-          </a:xfrm>
-          <a:prstGeom prst="rightArrow">
-            <a:avLst/>
-          </a:prstGeom>
-        </p:spPr>
-        <p:style>
-          <a:lnRef idx="2">
-            <a:schemeClr val="accent1">
-              <a:shade val="50000"/>
-            </a:schemeClr>
-          </a:lnRef>
-          <a:fillRef idx="1">
-            <a:schemeClr val="accent1"/>
-          </a:fillRef>
-          <a:effectRef idx="0">
-            <a:schemeClr val="accent1"/>
-          </a:effectRef>
-          <a:fontRef idx="minor">
-            <a:schemeClr val="lt1"/>
-          </a:fontRef>
-        </p:style>
-        <p:txBody>
-          <a:bodyPr rtlCol="0" anchor="ctr"/>
-          <a:lstStyle/>
-          <a:p>
-            <a:pPr algn="ctr"/>
-            <a:endParaRPr lang="zh-CN" altLang="en-US"/>
-          </a:p>
-        </p:txBody>
-      </p:sp>
-      <p:sp>
-        <p:nvSpPr>
-          <p:cNvPr id="12" name="TextBox 11"/>
-          <p:cNvSpPr txBox="1"/>
-          <p:nvPr/>
-        </p:nvSpPr>
-        <p:spPr>
-          <a:xfrm>
-            <a:off x="6804248" y="2987660"/>
-            <a:ext cx="1152128" cy="369332"/>
-          </a:xfrm>
-          <a:prstGeom prst="rect">
-            <a:avLst/>
-          </a:prstGeom>
-          <a:noFill/>
-        </p:spPr>
-        <p:txBody>
-          <a:bodyPr wrap="square" rtlCol="0">
-            <a:spAutoFit/>
-          </a:bodyPr>
-          <a:lstStyle/>
-          <a:p>
-            <a:r>
-              <a:rPr lang="zh-CN" altLang="en-US" dirty="0" smtClean="0"/>
-              <a:t>移动图表</a:t>
-            </a:r>
-            <a:endParaRPr lang="zh-CN" altLang="en-US" dirty="0"/>
-          </a:p>
-        </p:txBody>
-      </p:sp>
-      <p:pic>
-        <p:nvPicPr>
-          <p:cNvPr id="13" name="图片 12"/>
-          <p:cNvPicPr>
-            <a:picLocks noChangeAspect="1"/>
-          </p:cNvPicPr>
-          <p:nvPr/>
-        </p:nvPicPr>
-        <p:blipFill>
-          <a:blip r:embed="rId3">
-            <a:extLst>
-              <a:ext uri="{28A0092B-C50C-407E-A947-70E740481C1C}">
-                <a14:useLocalDpi xmlns:a14="http://schemas.microsoft.com/office/drawing/2010/main" val="0"/>
-              </a:ext>
-            </a:extLst>
-          </a:blip>
-          <a:stretch>
-            <a:fillRect/>
-          </a:stretch>
-        </p:blipFill>
-        <p:spPr>
-          <a:xfrm>
-            <a:off x="530535" y="4077084"/>
-            <a:ext cx="3636000" cy="1403241"/>
-          </a:xfrm>
-          <a:prstGeom prst="rect">
-            <a:avLst/>
-          </a:prstGeom>
-        </p:spPr>
-      </p:pic>
-      <p:sp>
-        <p:nvSpPr>
-          <p:cNvPr id="14" name="TextBox 13"/>
-          <p:cNvSpPr txBox="1"/>
-          <p:nvPr/>
-        </p:nvSpPr>
-        <p:spPr>
-          <a:xfrm>
-            <a:off x="1979276" y="4869160"/>
-            <a:ext cx="2187258" cy="252000"/>
-          </a:xfrm>
-          <a:prstGeom prst="rect">
-            <a:avLst/>
-          </a:prstGeom>
-          <a:noFill/>
-          <a:ln w="15875">
-            <a:solidFill>
-              <a:srgbClr val="FF0000"/>
-            </a:solidFill>
-          </a:ln>
-        </p:spPr>
-        <p:txBody>
-          <a:bodyPr wrap="square" rtlCol="0">
-            <a:spAutoFit/>
-          </a:bodyPr>
-          <a:lstStyle/>
-          <a:p>
-            <a:endParaRPr lang="zh-CN" altLang="en-US" dirty="0"/>
-          </a:p>
-        </p:txBody>
-      </p:sp>
-      <p:sp>
-        <p:nvSpPr>
-          <p:cNvPr id="15" name="TextBox 14"/>
-          <p:cNvSpPr txBox="1"/>
-          <p:nvPr/>
-        </p:nvSpPr>
-        <p:spPr>
-          <a:xfrm>
-            <a:off x="1979275" y="4519064"/>
-            <a:ext cx="2187259" cy="252000"/>
-          </a:xfrm>
-          <a:prstGeom prst="rect">
-            <a:avLst/>
-          </a:prstGeom>
-          <a:noFill/>
-          <a:ln w="15875">
-            <a:solidFill>
-              <a:srgbClr val="FF0000"/>
-            </a:solidFill>
-          </a:ln>
-        </p:spPr>
-        <p:txBody>
-          <a:bodyPr wrap="square" rtlCol="0">
-            <a:spAutoFit/>
-          </a:bodyPr>
-          <a:lstStyle/>
-          <a:p>
-            <a:endParaRPr lang="zh-CN" altLang="en-US" dirty="0"/>
-          </a:p>
-        </p:txBody>
-      </p:sp>
-      <p:cxnSp>
-        <p:nvCxnSpPr>
-          <p:cNvPr id="17" name="直接箭头连接符 16"/>
-          <p:cNvCxnSpPr/>
-          <p:nvPr/>
-        </p:nvCxnSpPr>
-        <p:spPr>
-          <a:xfrm flipV="1">
-            <a:off x="4355976" y="4221088"/>
-            <a:ext cx="864096" cy="423976"/>
-          </a:xfrm>
-          <a:prstGeom prst="straightConnector1">
-            <a:avLst/>
-          </a:prstGeom>
-          <a:ln>
-            <a:solidFill>
-              <a:srgbClr val="FF0000"/>
-            </a:solidFill>
-            <a:tailEnd type="arrow"/>
-          </a:ln>
-        </p:spPr>
-        <p:style>
-          <a:lnRef idx="1">
-            <a:schemeClr val="accent1"/>
-          </a:lnRef>
-          <a:fillRef idx="0">
-            <a:schemeClr val="accent1"/>
-          </a:fillRef>
-          <a:effectRef idx="0">
-            <a:schemeClr val="accent1"/>
-          </a:effectRef>
-          <a:fontRef idx="minor">
-            <a:schemeClr val="tx1"/>
-          </a:fontRef>
-        </p:style>
-      </p:cxnSp>
-      <p:sp>
-        <p:nvSpPr>
-          <p:cNvPr id="18" name="TextBox 17"/>
-          <p:cNvSpPr txBox="1"/>
-          <p:nvPr/>
-        </p:nvSpPr>
-        <p:spPr>
-          <a:xfrm>
-            <a:off x="5436096" y="3790781"/>
-            <a:ext cx="3024336" cy="646331"/>
-          </a:xfrm>
-          <a:prstGeom prst="rect">
-            <a:avLst/>
-          </a:prstGeom>
-          <a:noFill/>
-        </p:spPr>
-        <p:txBody>
-          <a:bodyPr wrap="square" rtlCol="0">
-            <a:spAutoFit/>
-          </a:bodyPr>
-          <a:lstStyle/>
-          <a:p>
-            <a:r>
-              <a:rPr lang="zh-CN" altLang="en-US" dirty="0" smtClean="0"/>
-              <a:t>新建一个工作表，然后将图片移动此工作表</a:t>
-            </a:r>
-            <a:endParaRPr lang="zh-CN" altLang="en-US" dirty="0"/>
-          </a:p>
-        </p:txBody>
-      </p:sp>
-      <p:cxnSp>
-        <p:nvCxnSpPr>
-          <p:cNvPr id="20" name="直接箭头连接符 19"/>
-          <p:cNvCxnSpPr/>
-          <p:nvPr/>
-        </p:nvCxnSpPr>
-        <p:spPr>
-          <a:xfrm>
-            <a:off x="4355976" y="4995160"/>
-            <a:ext cx="864096" cy="594080"/>
-          </a:xfrm>
-          <a:prstGeom prst="straightConnector1">
-            <a:avLst/>
-          </a:prstGeom>
-          <a:ln>
-            <a:solidFill>
-              <a:srgbClr val="FF0000"/>
-            </a:solidFill>
-            <a:tailEnd type="arrow"/>
-          </a:ln>
-        </p:spPr>
-        <p:style>
-          <a:lnRef idx="1">
-            <a:schemeClr val="accent1"/>
-          </a:lnRef>
-          <a:fillRef idx="0">
-            <a:schemeClr val="accent1"/>
-          </a:fillRef>
-          <a:effectRef idx="0">
-            <a:schemeClr val="accent1"/>
-          </a:effectRef>
-          <a:fontRef idx="minor">
-            <a:schemeClr val="tx1"/>
-          </a:fontRef>
-        </p:style>
-      </p:cxnSp>
-      <p:sp>
-        <p:nvSpPr>
-          <p:cNvPr id="21" name="TextBox 20"/>
-          <p:cNvSpPr txBox="1"/>
-          <p:nvPr/>
-        </p:nvSpPr>
-        <p:spPr>
-          <a:xfrm>
-            <a:off x="5508104" y="5479556"/>
-            <a:ext cx="3024336" cy="646331"/>
-          </a:xfrm>
-          <a:prstGeom prst="rect">
-            <a:avLst/>
-          </a:prstGeom>
-          <a:noFill/>
-        </p:spPr>
-        <p:txBody>
-          <a:bodyPr wrap="square" rtlCol="0">
-            <a:spAutoFit/>
-          </a:bodyPr>
-          <a:lstStyle/>
-          <a:p>
-            <a:r>
-              <a:rPr lang="zh-CN" altLang="en-US" dirty="0" smtClean="0"/>
-              <a:t>选择现有工作表，将图片移动到现有的工作表</a:t>
-            </a:r>
-            <a:endParaRPr lang="zh-CN" altLang="en-US" dirty="0"/>
-          </a:p>
-        </p:txBody>
-      </p:sp>
-    </p:spTree>
-    <p:extLst>
-      <p:ext uri="{BB962C8B-B14F-4D97-AF65-F5344CB8AC3E}">
-        <p14:creationId xmlns:p14="http://schemas.microsoft.com/office/powerpoint/2010/main" val="2519107907"/>
-      </p:ext>
-    </p:extLst>
-  </p:cSld>
-  <p:clrMapOvr>
-    <a:masterClrMapping/>
-  </p:clrMapOvr>
-  <p:timing>
-    <p:tnLst>
-      <p:par>
-        <p:cTn id="1" dur="indefinite" restart="never" nodeType="tmRoot">
-          <p:childTnLst>
-            <p:seq concurrent="1" nextAc="seek">
-              <p:cTn id="2" dur="indefinite" nodeType="mainSeq">
-                <p:childTnLst>
-                  <p:par>
-                    <p:cTn id="3" fill="hold">
-                      <p:stCondLst>
-                        <p:cond delay="indefinite"/>
-                      </p:stCondLst>
-                      <p:childTnLst>
-                        <p:par>
-                          <p:cTn id="4" fill="hold">
-                            <p:stCondLst>
-                              <p:cond delay="0"/>
-                            </p:stCondLst>
-                            <p:childTnLst>
-                              <p:par>
-                                <p:cTn id="5" presetID="10" presetClass="entr" presetSubtype="0" fill="hold" nodeType="clickEffect">
-                                  <p:stCondLst>
-                                    <p:cond delay="0"/>
-                                  </p:stCondLst>
-                                  <p:childTnLst>
-                                    <p:set>
-                                      <p:cBhvr>
-                                        <p:cTn id="6" dur="1" fill="hold">
-                                          <p:stCondLst>
-                                            <p:cond delay="0"/>
-                                          </p:stCondLst>
-                                        </p:cTn>
-                                        <p:tgtEl>
-                                          <p:spTgt spid="4"/>
-                                        </p:tgtEl>
-                                        <p:attrNameLst>
-                                          <p:attrName>style.visibility</p:attrName>
-                                        </p:attrNameLst>
-                                      </p:cBhvr>
-                                      <p:to>
-                                        <p:strVal val="visible"/>
-                                      </p:to>
-                                    </p:set>
-                                    <p:animEffect transition="in" filter="fade">
-                                      <p:cBhvr>
-                                        <p:cTn id="7" dur="500"/>
-                                        <p:tgtEl>
-                                          <p:spTgt spid="4"/>
-                                        </p:tgtEl>
-                                      </p:cBhvr>
-                                    </p:animEffect>
-                                  </p:childTnLst>
-                                </p:cTn>
-                              </p:par>
-                            </p:childTnLst>
-                          </p:cTn>
-                        </p:par>
-                      </p:childTnLst>
-                    </p:cTn>
-                  </p:par>
-                  <p:par>
-                    <p:cTn id="8" fill="hold">
-                      <p:stCondLst>
-                        <p:cond delay="indefinite"/>
-                      </p:stCondLst>
-                      <p:childTnLst>
-                        <p:par>
-                          <p:cTn id="9" fill="hold">
-                            <p:stCondLst>
-                              <p:cond delay="0"/>
-                            </p:stCondLst>
-                            <p:childTnLst>
-                              <p:par>
-                                <p:cTn id="10" presetID="10" presetClass="entr" presetSubtype="0" fill="hold" grpId="0" nodeType="clickEffect">
-                                  <p:stCondLst>
-                                    <p:cond delay="0"/>
-                                  </p:stCondLst>
-                                  <p:childTnLst>
-                                    <p:set>
-                                      <p:cBhvr>
-                                        <p:cTn id="11" dur="1" fill="hold">
-                                          <p:stCondLst>
-                                            <p:cond delay="0"/>
-                                          </p:stCondLst>
-                                        </p:cTn>
-                                        <p:tgtEl>
-                                          <p:spTgt spid="8"/>
-                                        </p:tgtEl>
-                                        <p:attrNameLst>
-                                          <p:attrName>style.visibility</p:attrName>
-                                        </p:attrNameLst>
-                                      </p:cBhvr>
-                                      <p:to>
-                                        <p:strVal val="visible"/>
-                                      </p:to>
-                                    </p:set>
-                                    <p:animEffect transition="in" filter="fade">
-                                      <p:cBhvr>
-                                        <p:cTn id="12" dur="500"/>
-                                        <p:tgtEl>
-                                          <p:spTgt spid="8"/>
-                                        </p:tgtEl>
-                                      </p:cBhvr>
-                                    </p:animEffect>
-                                  </p:childTnLst>
-                                </p:cTn>
-                              </p:par>
-                            </p:childTnLst>
-                          </p:cTn>
-                        </p:par>
-                      </p:childTnLst>
-                    </p:cTn>
-                  </p:par>
-                  <p:par>
-                    <p:cTn id="13" fill="hold">
-                      <p:stCondLst>
-                        <p:cond delay="indefinite"/>
-                      </p:stCondLst>
-                      <p:childTnLst>
-                        <p:par>
-                          <p:cTn id="14" fill="hold">
-                            <p:stCondLst>
-                              <p:cond delay="0"/>
-                            </p:stCondLst>
-                            <p:childTnLst>
-                              <p:par>
-                                <p:cTn id="15" presetID="10" presetClass="entr" presetSubtype="0" fill="hold" grpId="0" nodeType="clickEffect">
-                                  <p:stCondLst>
-                                    <p:cond delay="0"/>
-                                  </p:stCondLst>
-                                  <p:childTnLst>
-                                    <p:set>
-                                      <p:cBhvr>
-                                        <p:cTn id="16" dur="1" fill="hold">
-                                          <p:stCondLst>
-                                            <p:cond delay="0"/>
-                                          </p:stCondLst>
-                                        </p:cTn>
-                                        <p:tgtEl>
-                                          <p:spTgt spid="9"/>
-                                        </p:tgtEl>
-                                        <p:attrNameLst>
-                                          <p:attrName>style.visibility</p:attrName>
-                                        </p:attrNameLst>
-                                      </p:cBhvr>
-                                      <p:to>
-                                        <p:strVal val="visible"/>
-                                      </p:to>
-                                    </p:set>
-                                    <p:animEffect transition="in" filter="fade">
-                                      <p:cBhvr>
-                                        <p:cTn id="17" dur="500"/>
-                                        <p:tgtEl>
-                                          <p:spTgt spid="9"/>
-                                        </p:tgtEl>
-                                      </p:cBhvr>
-                                    </p:animEffect>
-                                  </p:childTnLst>
-                                </p:cTn>
-                              </p:par>
-                            </p:childTnLst>
-                          </p:cTn>
-                        </p:par>
-                      </p:childTnLst>
-                    </p:cTn>
-                  </p:par>
-                  <p:par>
-                    <p:cTn id="18" fill="hold">
-                      <p:stCondLst>
-                        <p:cond delay="indefinite"/>
-                      </p:stCondLst>
-                      <p:childTnLst>
-                        <p:par>
-                          <p:cTn id="19" fill="hold">
-                            <p:stCondLst>
-                              <p:cond delay="0"/>
-                            </p:stCondLst>
-                            <p:childTnLst>
-                              <p:par>
-                                <p:cTn id="20" presetID="10" presetClass="entr" presetSubtype="0" fill="hold" grpId="0" nodeType="clickEffect">
-                                  <p:stCondLst>
-                                    <p:cond delay="0"/>
-                                  </p:stCondLst>
-                                  <p:childTnLst>
-                                    <p:set>
-                                      <p:cBhvr>
-                                        <p:cTn id="21" dur="1" fill="hold">
-                                          <p:stCondLst>
-                                            <p:cond delay="0"/>
-                                          </p:stCondLst>
-                                        </p:cTn>
-                                        <p:tgtEl>
-                                          <p:spTgt spid="10"/>
-                                        </p:tgtEl>
-                                        <p:attrNameLst>
-                                          <p:attrName>style.visibility</p:attrName>
-                                        </p:attrNameLst>
-                                      </p:cBhvr>
-                                      <p:to>
-                                        <p:strVal val="visible"/>
-                                      </p:to>
-                                    </p:set>
-                                    <p:animEffect transition="in" filter="fade">
-                                      <p:cBhvr>
-                                        <p:cTn id="22" dur="500"/>
-                                        <p:tgtEl>
-                                          <p:spTgt spid="10"/>
-                                        </p:tgtEl>
-                                      </p:cBhvr>
-                                    </p:animEffect>
-                                  </p:childTnLst>
-                                </p:cTn>
-                              </p:par>
-                            </p:childTnLst>
-                          </p:cTn>
-                        </p:par>
-                      </p:childTnLst>
-                    </p:cTn>
-                  </p:par>
-                  <p:par>
-                    <p:cTn id="23" fill="hold">
-                      <p:stCondLst>
-                        <p:cond delay="indefinite"/>
-                      </p:stCondLst>
-                      <p:childTnLst>
-                        <p:par>
-                          <p:cTn id="24" fill="hold">
-                            <p:stCondLst>
-                              <p:cond delay="0"/>
-                            </p:stCondLst>
-                            <p:childTnLst>
-                              <p:par>
-                                <p:cTn id="25" presetID="10" presetClass="entr" presetSubtype="0" fill="hold" grpId="0" nodeType="clickEffect">
-                                  <p:stCondLst>
-                                    <p:cond delay="0"/>
-                                  </p:stCondLst>
-                                  <p:childTnLst>
-                                    <p:set>
-                                      <p:cBhvr>
-                                        <p:cTn id="26" dur="1" fill="hold">
-                                          <p:stCondLst>
-                                            <p:cond delay="0"/>
-                                          </p:stCondLst>
-                                        </p:cTn>
-                                        <p:tgtEl>
-                                          <p:spTgt spid="5"/>
-                                        </p:tgtEl>
-                                        <p:attrNameLst>
-                                          <p:attrName>style.visibility</p:attrName>
-                                        </p:attrNameLst>
-                                      </p:cBhvr>
-                                      <p:to>
-                                        <p:strVal val="visible"/>
-                                      </p:to>
-                                    </p:set>
-                                    <p:animEffect transition="in" filter="fade">
-                                      <p:cBhvr>
-                                        <p:cTn id="27" dur="500"/>
-                                        <p:tgtEl>
-                                          <p:spTgt spid="5"/>
-                                        </p:tgtEl>
-                                      </p:cBhvr>
-                                    </p:animEffect>
-                                  </p:childTnLst>
-                                </p:cTn>
-                              </p:par>
-                            </p:childTnLst>
-                          </p:cTn>
-                        </p:par>
-                      </p:childTnLst>
-                    </p:cTn>
-                  </p:par>
-                  <p:par>
-                    <p:cTn id="28" fill="hold">
-                      <p:stCondLst>
-                        <p:cond delay="indefinite"/>
-                      </p:stCondLst>
-                      <p:childTnLst>
-                        <p:par>
-                          <p:cTn id="29" fill="hold">
-                            <p:stCondLst>
-                              <p:cond delay="0"/>
-                            </p:stCondLst>
-                            <p:childTnLst>
-                              <p:par>
-                                <p:cTn id="30" presetID="10" presetClass="entr" presetSubtype="0" fill="hold" grpId="0" nodeType="clickEffect">
-                                  <p:stCondLst>
-                                    <p:cond delay="0"/>
-                                  </p:stCondLst>
-                                  <p:childTnLst>
-                                    <p:set>
-                                      <p:cBhvr>
-                                        <p:cTn id="31" dur="1" fill="hold">
-                                          <p:stCondLst>
-                                            <p:cond delay="0"/>
-                                          </p:stCondLst>
-                                        </p:cTn>
-                                        <p:tgtEl>
-                                          <p:spTgt spid="11"/>
-                                        </p:tgtEl>
-                                        <p:attrNameLst>
-                                          <p:attrName>style.visibility</p:attrName>
-                                        </p:attrNameLst>
-                                      </p:cBhvr>
-                                      <p:to>
-                                        <p:strVal val="visible"/>
-                                      </p:to>
-                                    </p:set>
-                                    <p:animEffect transition="in" filter="fade">
-                                      <p:cBhvr>
-                                        <p:cTn id="32" dur="500"/>
-                                        <p:tgtEl>
-                                          <p:spTgt spid="11"/>
-                                        </p:tgtEl>
-                                      </p:cBhvr>
-                                    </p:animEffect>
-                                  </p:childTnLst>
-                                </p:cTn>
-                              </p:par>
-                            </p:childTnLst>
-                          </p:cTn>
-                        </p:par>
-                      </p:childTnLst>
-                    </p:cTn>
-                  </p:par>
-                  <p:par>
-                    <p:cTn id="33" fill="hold">
-                      <p:stCondLst>
-                        <p:cond delay="indefinite"/>
-                      </p:stCondLst>
-                      <p:childTnLst>
-                        <p:par>
-                          <p:cTn id="34" fill="hold">
-                            <p:stCondLst>
-                              <p:cond delay="0"/>
-                            </p:stCondLst>
-                            <p:childTnLst>
-                              <p:par>
-                                <p:cTn id="35" presetID="10" presetClass="entr" presetSubtype="0" fill="hold" grpId="0" nodeType="clickEffect">
-                                  <p:stCondLst>
-                                    <p:cond delay="0"/>
-                                  </p:stCondLst>
-                                  <p:childTnLst>
-                                    <p:set>
-                                      <p:cBhvr>
-                                        <p:cTn id="36" dur="1" fill="hold">
-                                          <p:stCondLst>
-                                            <p:cond delay="0"/>
-                                          </p:stCondLst>
-                                        </p:cTn>
-                                        <p:tgtEl>
-                                          <p:spTgt spid="12"/>
-                                        </p:tgtEl>
-                                        <p:attrNameLst>
-                                          <p:attrName>style.visibility</p:attrName>
-                                        </p:attrNameLst>
-                                      </p:cBhvr>
-                                      <p:to>
-                                        <p:strVal val="visible"/>
-                                      </p:to>
-                                    </p:set>
-                                    <p:animEffect transition="in" filter="fade">
-                                      <p:cBhvr>
-                                        <p:cTn id="37" dur="500"/>
-                                        <p:tgtEl>
-                                          <p:spTgt spid="12"/>
-                                        </p:tgtEl>
-                                      </p:cBhvr>
-                                    </p:animEffect>
-                                  </p:childTnLst>
-                                </p:cTn>
-                              </p:par>
-                            </p:childTnLst>
-                          </p:cTn>
-                        </p:par>
-                      </p:childTnLst>
-                    </p:cTn>
-                  </p:par>
-                  <p:par>
-                    <p:cTn id="38" fill="hold">
-                      <p:stCondLst>
-                        <p:cond delay="indefinite"/>
-                      </p:stCondLst>
-                      <p:childTnLst>
-                        <p:par>
-                          <p:cTn id="39" fill="hold">
-                            <p:stCondLst>
-                              <p:cond delay="0"/>
-                            </p:stCondLst>
-                            <p:childTnLst>
-                              <p:par>
-                                <p:cTn id="40" presetID="10" presetClass="entr" presetSubtype="0" fill="hold" grpId="0" nodeType="clickEffect">
-                                  <p:stCondLst>
-                                    <p:cond delay="0"/>
-                                  </p:stCondLst>
-                                  <p:childTnLst>
-                                    <p:set>
-                                      <p:cBhvr>
-                                        <p:cTn id="41" dur="1" fill="hold">
-                                          <p:stCondLst>
-                                            <p:cond delay="0"/>
-                                          </p:stCondLst>
-                                        </p:cTn>
-                                        <p:tgtEl>
-                                          <p:spTgt spid="7"/>
-                                        </p:tgtEl>
-                                        <p:attrNameLst>
-                                          <p:attrName>style.visibility</p:attrName>
-                                        </p:attrNameLst>
-                                      </p:cBhvr>
-                                      <p:to>
-                                        <p:strVal val="visible"/>
-                                      </p:to>
-                                    </p:set>
-                                    <p:animEffect transition="in" filter="fade">
-                                      <p:cBhvr>
-                                        <p:cTn id="42" dur="500"/>
-                                        <p:tgtEl>
-                                          <p:spTgt spid="7"/>
-                                        </p:tgtEl>
-                                      </p:cBhvr>
-                                    </p:animEffect>
-                                  </p:childTnLst>
-                                </p:cTn>
-                              </p:par>
-                            </p:childTnLst>
-                          </p:cTn>
-                        </p:par>
-                      </p:childTnLst>
-                    </p:cTn>
-                  </p:par>
-                  <p:par>
-                    <p:cTn id="43" fill="hold">
-                      <p:stCondLst>
-                        <p:cond delay="indefinite"/>
-                      </p:stCondLst>
-                      <p:childTnLst>
-                        <p:par>
-                          <p:cTn id="44" fill="hold">
-                            <p:stCondLst>
-                              <p:cond delay="0"/>
-                            </p:stCondLst>
-                            <p:childTnLst>
-                              <p:par>
-                                <p:cTn id="45" presetID="10" presetClass="entr" presetSubtype="0" fill="hold" nodeType="clickEffect">
-                                  <p:stCondLst>
-                                    <p:cond delay="0"/>
-                                  </p:stCondLst>
-                                  <p:childTnLst>
-                                    <p:set>
-                                      <p:cBhvr>
-                                        <p:cTn id="46" dur="1" fill="hold">
-                                          <p:stCondLst>
-                                            <p:cond delay="0"/>
-                                          </p:stCondLst>
-                                        </p:cTn>
-                                        <p:tgtEl>
-                                          <p:spTgt spid="13"/>
-                                        </p:tgtEl>
-                                        <p:attrNameLst>
-                                          <p:attrName>style.visibility</p:attrName>
-                                        </p:attrNameLst>
-                                      </p:cBhvr>
-                                      <p:to>
-                                        <p:strVal val="visible"/>
-                                      </p:to>
-                                    </p:set>
-                                    <p:animEffect transition="in" filter="fade">
-                                      <p:cBhvr>
-                                        <p:cTn id="47" dur="500"/>
-                                        <p:tgtEl>
-                                          <p:spTgt spid="13"/>
-                                        </p:tgtEl>
-                                      </p:cBhvr>
-                                    </p:animEffect>
-                                  </p:childTnLst>
-                                </p:cTn>
-                              </p:par>
-                            </p:childTnLst>
-                          </p:cTn>
-                        </p:par>
-                      </p:childTnLst>
-                    </p:cTn>
-                  </p:par>
-                  <p:par>
-                    <p:cTn id="48" fill="hold">
-                      <p:stCondLst>
-                        <p:cond delay="indefinite"/>
-                      </p:stCondLst>
-                      <p:childTnLst>
-                        <p:par>
-                          <p:cTn id="49" fill="hold">
-                            <p:stCondLst>
-                              <p:cond delay="0"/>
-                            </p:stCondLst>
-                            <p:childTnLst>
-                              <p:par>
-                                <p:cTn id="50" presetID="10" presetClass="entr" presetSubtype="0" fill="hold" grpId="0" nodeType="clickEffect">
-                                  <p:stCondLst>
-                                    <p:cond delay="0"/>
-                                  </p:stCondLst>
-                                  <p:childTnLst>
-                                    <p:set>
-                                      <p:cBhvr>
-                                        <p:cTn id="51" dur="1" fill="hold">
-                                          <p:stCondLst>
-                                            <p:cond delay="0"/>
-                                          </p:stCondLst>
-                                        </p:cTn>
-                                        <p:tgtEl>
-                                          <p:spTgt spid="14"/>
-                                        </p:tgtEl>
-                                        <p:attrNameLst>
-                                          <p:attrName>style.visibility</p:attrName>
-                                        </p:attrNameLst>
-                                      </p:cBhvr>
-                                      <p:to>
-                                        <p:strVal val="visible"/>
-                                      </p:to>
-                                    </p:set>
-                                    <p:animEffect transition="in" filter="fade">
-                                      <p:cBhvr>
-                                        <p:cTn id="52" dur="500"/>
-                                        <p:tgtEl>
-                                          <p:spTgt spid="14"/>
-                                        </p:tgtEl>
-                                      </p:cBhvr>
-                                    </p:animEffect>
-                                  </p:childTnLst>
-                                </p:cTn>
-                              </p:par>
-                            </p:childTnLst>
-                          </p:cTn>
-                        </p:par>
-                      </p:childTnLst>
-                    </p:cTn>
-                  </p:par>
-                  <p:par>
-                    <p:cTn id="53" fill="hold">
-                      <p:stCondLst>
-                        <p:cond delay="indefinite"/>
-                      </p:stCondLst>
-                      <p:childTnLst>
-                        <p:par>
-                          <p:cTn id="54" fill="hold">
-                            <p:stCondLst>
-                              <p:cond delay="0"/>
-                            </p:stCondLst>
-                            <p:childTnLst>
-                              <p:par>
-                                <p:cTn id="55" presetID="10" presetClass="entr" presetSubtype="0" fill="hold" nodeType="clickEffect">
-                                  <p:stCondLst>
-                                    <p:cond delay="0"/>
-                                  </p:stCondLst>
-                                  <p:childTnLst>
-                                    <p:set>
-                                      <p:cBhvr>
-                                        <p:cTn id="56" dur="1" fill="hold">
-                                          <p:stCondLst>
-                                            <p:cond delay="0"/>
-                                          </p:stCondLst>
-                                        </p:cTn>
-                                        <p:tgtEl>
-                                          <p:spTgt spid="20"/>
-                                        </p:tgtEl>
-                                        <p:attrNameLst>
-                                          <p:attrName>style.visibility</p:attrName>
-                                        </p:attrNameLst>
-                                      </p:cBhvr>
-                                      <p:to>
-                                        <p:strVal val="visible"/>
-                                      </p:to>
-                                    </p:set>
-                                    <p:animEffect transition="in" filter="fade">
-                                      <p:cBhvr>
-                                        <p:cTn id="57" dur="500"/>
-                                        <p:tgtEl>
-                                          <p:spTgt spid="20"/>
-                                        </p:tgtEl>
-                                      </p:cBhvr>
-                                    </p:animEffect>
-                                  </p:childTnLst>
-                                </p:cTn>
-                              </p:par>
-                            </p:childTnLst>
-                          </p:cTn>
-                        </p:par>
-                      </p:childTnLst>
-                    </p:cTn>
-                  </p:par>
-                  <p:par>
-                    <p:cTn id="58" fill="hold">
-                      <p:stCondLst>
-                        <p:cond delay="indefinite"/>
-                      </p:stCondLst>
-                      <p:childTnLst>
-                        <p:par>
-                          <p:cTn id="59" fill="hold">
-                            <p:stCondLst>
-                              <p:cond delay="0"/>
-                            </p:stCondLst>
-                            <p:childTnLst>
-                              <p:par>
-                                <p:cTn id="60" presetID="10" presetClass="entr" presetSubtype="0" fill="hold" grpId="0" nodeType="clickEffect">
-                                  <p:stCondLst>
-                                    <p:cond delay="0"/>
-                                  </p:stCondLst>
-                                  <p:childTnLst>
-                                    <p:set>
-                                      <p:cBhvr>
-                                        <p:cTn id="61" dur="1" fill="hold">
-                                          <p:stCondLst>
-                                            <p:cond delay="0"/>
-                                          </p:stCondLst>
-                                        </p:cTn>
-                                        <p:tgtEl>
-                                          <p:spTgt spid="21"/>
-                                        </p:tgtEl>
-                                        <p:attrNameLst>
-                                          <p:attrName>style.visibility</p:attrName>
-                                        </p:attrNameLst>
-                                      </p:cBhvr>
-                                      <p:to>
-                                        <p:strVal val="visible"/>
-                                      </p:to>
-                                    </p:set>
-                                    <p:animEffect transition="in" filter="fade">
-                                      <p:cBhvr>
-                                        <p:cTn id="62" dur="500"/>
-                                        <p:tgtEl>
-                                          <p:spTgt spid="21"/>
-                                        </p:tgtEl>
-                                      </p:cBhvr>
-                                    </p:animEffect>
-                                  </p:childTnLst>
-                                </p:cTn>
-                              </p:par>
-                            </p:childTnLst>
-                          </p:cTn>
-                        </p:par>
-                      </p:childTnLst>
-                    </p:cTn>
-                  </p:par>
-                  <p:par>
-                    <p:cTn id="63" fill="hold">
-                      <p:stCondLst>
-                        <p:cond delay="indefinite"/>
-                      </p:stCondLst>
-                      <p:childTnLst>
-                        <p:par>
-                          <p:cTn id="64" fill="hold">
-                            <p:stCondLst>
-                              <p:cond delay="0"/>
-                            </p:stCondLst>
-                            <p:childTnLst>
-                              <p:par>
-                                <p:cTn id="65" presetID="10" presetClass="entr" presetSubtype="0" fill="hold" grpId="0" nodeType="clickEffect">
-                                  <p:stCondLst>
-                                    <p:cond delay="0"/>
-                                  </p:stCondLst>
-                                  <p:childTnLst>
-                                    <p:set>
-                                      <p:cBhvr>
-                                        <p:cTn id="66" dur="1" fill="hold">
-                                          <p:stCondLst>
-                                            <p:cond delay="0"/>
-                                          </p:stCondLst>
-                                        </p:cTn>
-                                        <p:tgtEl>
-                                          <p:spTgt spid="15"/>
-                                        </p:tgtEl>
-                                        <p:attrNameLst>
-                                          <p:attrName>style.visibility</p:attrName>
-                                        </p:attrNameLst>
-                                      </p:cBhvr>
-                                      <p:to>
-                                        <p:strVal val="visible"/>
-                                      </p:to>
-                                    </p:set>
-                                    <p:animEffect transition="in" filter="fade">
-                                      <p:cBhvr>
-                                        <p:cTn id="67" dur="500"/>
-                                        <p:tgtEl>
-                                          <p:spTgt spid="15"/>
-                                        </p:tgtEl>
-                                      </p:cBhvr>
-                                    </p:animEffect>
-                                  </p:childTnLst>
-                                </p:cTn>
-                              </p:par>
-                            </p:childTnLst>
-                          </p:cTn>
-                        </p:par>
-                      </p:childTnLst>
-                    </p:cTn>
-                  </p:par>
-                  <p:par>
-                    <p:cTn id="68" fill="hold">
-                      <p:stCondLst>
-                        <p:cond delay="indefinite"/>
-                      </p:stCondLst>
-                      <p:childTnLst>
-                        <p:par>
-                          <p:cTn id="69" fill="hold">
-                            <p:stCondLst>
-                              <p:cond delay="0"/>
-                            </p:stCondLst>
-                            <p:childTnLst>
-                              <p:par>
-                                <p:cTn id="70" presetID="10" presetClass="entr" presetSubtype="0" fill="hold" nodeType="clickEffect">
-                                  <p:stCondLst>
-                                    <p:cond delay="0"/>
-                                  </p:stCondLst>
-                                  <p:childTnLst>
-                                    <p:set>
-                                      <p:cBhvr>
-                                        <p:cTn id="71" dur="1" fill="hold">
-                                          <p:stCondLst>
-                                            <p:cond delay="0"/>
-                                          </p:stCondLst>
-                                        </p:cTn>
-                                        <p:tgtEl>
-                                          <p:spTgt spid="17"/>
-                                        </p:tgtEl>
-                                        <p:attrNameLst>
-                                          <p:attrName>style.visibility</p:attrName>
-                                        </p:attrNameLst>
-                                      </p:cBhvr>
-                                      <p:to>
-                                        <p:strVal val="visible"/>
-                                      </p:to>
-                                    </p:set>
-                                    <p:animEffect transition="in" filter="fade">
-                                      <p:cBhvr>
-                                        <p:cTn id="72" dur="500"/>
-                                        <p:tgtEl>
-                                          <p:spTgt spid="17"/>
-                                        </p:tgtEl>
-                                      </p:cBhvr>
-                                    </p:animEffect>
-                                  </p:childTnLst>
-                                </p:cTn>
-                              </p:par>
-                            </p:childTnLst>
-                          </p:cTn>
-                        </p:par>
-                      </p:childTnLst>
-                    </p:cTn>
-                  </p:par>
-                  <p:par>
-                    <p:cTn id="73" fill="hold">
-                      <p:stCondLst>
-                        <p:cond delay="indefinite"/>
-                      </p:stCondLst>
-                      <p:childTnLst>
-                        <p:par>
-                          <p:cTn id="74" fill="hold">
-                            <p:stCondLst>
-                              <p:cond delay="0"/>
-                            </p:stCondLst>
-                            <p:childTnLst>
-                              <p:par>
-                                <p:cTn id="75" presetID="10" presetClass="entr" presetSubtype="0" fill="hold" grpId="0" nodeType="clickEffect">
-                                  <p:stCondLst>
-                                    <p:cond delay="0"/>
-                                  </p:stCondLst>
-                                  <p:childTnLst>
-                                    <p:set>
-                                      <p:cBhvr>
-                                        <p:cTn id="76" dur="1" fill="hold">
-                                          <p:stCondLst>
-                                            <p:cond delay="0"/>
-                                          </p:stCondLst>
-                                        </p:cTn>
-                                        <p:tgtEl>
-                                          <p:spTgt spid="18"/>
-                                        </p:tgtEl>
-                                        <p:attrNameLst>
-                                          <p:attrName>style.visibility</p:attrName>
-                                        </p:attrNameLst>
-                                      </p:cBhvr>
-                                      <p:to>
-                                        <p:strVal val="visible"/>
-                                      </p:to>
-                                    </p:set>
-                                    <p:animEffect transition="in" filter="fade">
-                                      <p:cBhvr>
-                                        <p:cTn id="77" dur="500"/>
-                                        <p:tgtEl>
-                                          <p:spTgt spid="18"/>
-                                        </p:tgtEl>
-                                      </p:cBhvr>
-                                    </p:animEffect>
-                                  </p:childTnLst>
-                                </p:cTn>
-                              </p:par>
-                            </p:childTnLst>
-                          </p:cTn>
-                        </p:par>
-                      </p:childTnLst>
-                    </p:cTn>
-                  </p:par>
-                </p:childTnLst>
-              </p:cTn>
-              <p:prevCondLst>
-                <p:cond evt="onPrev" delay="0">
-                  <p:tgtEl>
-                    <p:sldTgt/>
-                  </p:tgtEl>
-                </p:cond>
-              </p:prevCondLst>
-              <p:nextCondLst>
-                <p:cond evt="onNext" delay="0">
-                  <p:tgtEl>
-                    <p:sldTgt/>
-                  </p:tgtEl>
-                </p:cond>
-              </p:nextCondLst>
-            </p:seq>
-          </p:childTnLst>
-        </p:cTn>
-      </p:par>
-    </p:tnLst>
-    <p:bldLst>
-      <p:bldP spid="5" grpId="0" animBg="1"/>
-      <p:bldP spid="7" grpId="0" animBg="1"/>
-      <p:bldP spid="8" grpId="0"/>
-      <p:bldP spid="9" grpId="0" animBg="1"/>
-      <p:bldP spid="10" grpId="0"/>
-      <p:bldP spid="11" grpId="0" animBg="1"/>
-      <p:bldP spid="12" grpId="0"/>
-      <p:bldP spid="14" grpId="0" animBg="1"/>
-      <p:bldP spid="15" grpId="0" animBg="1"/>
-      <p:bldP spid="18" grpId="0"/>
-      <p:bldP spid="21" grpId="0"/>
-    </p:bldLst>
-  </p:timing>
-</p:sld>
-</file>
-
-<file path=ppt/slides/slide11.xml><?xml version="1.0" encoding="utf-8"?>
-<p:sld xmlns:a="http://schemas.openxmlformats.org/drawingml/2006/main" xmlns:r="http://schemas.openxmlformats.org/officeDocument/2006/relationships" xmlns:p="http://schemas.openxmlformats.org/presentationml/2006/main">
-  <p:cSld>
-    <p:spTree>
-      <p:nvGrpSpPr>
-        <p:cNvPr id="1" name=""/>
-        <p:cNvGrpSpPr/>
-        <p:nvPr/>
-      </p:nvGrpSpPr>
-      <p:grpSpPr>
-        <a:xfrm>
-          <a:off x="0" y="0"/>
-          <a:ext cx="0" cy="0"/>
-          <a:chOff x="0" y="0"/>
-          <a:chExt cx="0" cy="0"/>
-        </a:xfrm>
-      </p:grpSpPr>
-      <p:sp>
-        <p:nvSpPr>
-          <p:cNvPr id="2" name="标题 1"/>
-          <p:cNvSpPr>
-            <a:spLocks noGrp="1"/>
-          </p:cNvSpPr>
-          <p:nvPr>
-            <p:ph type="title"/>
-          </p:nvPr>
-        </p:nvSpPr>
-        <p:spPr/>
-        <p:txBody>
-          <a:bodyPr/>
-          <a:lstStyle/>
-          <a:p>
-            <a:r>
-              <a:rPr lang="zh-CN" altLang="en-US" dirty="0" smtClean="0"/>
-              <a:t>嵌入图表</a:t>
-            </a:r>
-            <a:endParaRPr lang="zh-CN" altLang="en-US" dirty="0"/>
-          </a:p>
-        </p:txBody>
-      </p:sp>
-      <p:sp>
-        <p:nvSpPr>
-          <p:cNvPr id="3" name="内容占位符 2"/>
-          <p:cNvSpPr>
-            <a:spLocks noGrp="1"/>
-          </p:cNvSpPr>
-          <p:nvPr>
-            <p:ph idx="1"/>
-          </p:nvPr>
-        </p:nvSpPr>
-        <p:spPr/>
-        <p:txBody>
-          <a:bodyPr/>
-          <a:lstStyle/>
-          <a:p>
-            <a:r>
-              <a:rPr lang="zh-CN" altLang="en-US" dirty="0" smtClean="0"/>
-              <a:t>在移动图表或者拖动改变图表大小时，按住</a:t>
-            </a:r>
-            <a:r>
-              <a:rPr lang="en-US" altLang="zh-CN" dirty="0" smtClean="0"/>
-              <a:t>alt</a:t>
-            </a:r>
-            <a:r>
-              <a:rPr lang="zh-CN" altLang="en-US" dirty="0" smtClean="0"/>
-              <a:t>键，图表会自动吸附到单元格中，达到嵌入效果</a:t>
-            </a:r>
-            <a:endParaRPr lang="zh-CN" altLang="en-US" dirty="0"/>
-          </a:p>
-        </p:txBody>
-      </p:sp>
-    </p:spTree>
-    <p:extLst>
-      <p:ext uri="{BB962C8B-B14F-4D97-AF65-F5344CB8AC3E}">
-        <p14:creationId xmlns:p14="http://schemas.microsoft.com/office/powerpoint/2010/main" val="185803664"/>
-      </p:ext>
-    </p:extLst>
-  </p:cSld>
-  <p:clrMapOvr>
-    <a:masterClrMapping/>
-  </p:clrMapOvr>
-  <p:timing>
-    <p:tnLst>
-      <p:par>
-        <p:cTn id="1" dur="indefinite" restart="never" nodeType="tmRoot"/>
-      </p:par>
-    </p:tnLst>
-  </p:timing>
-</p:sld>
-</file>
-
-<file path=ppt/slides/slide12.xml><?xml version="1.0" encoding="utf-8"?>
-<p:sld xmlns:a="http://schemas.openxmlformats.org/drawingml/2006/main" xmlns:r="http://schemas.openxmlformats.org/officeDocument/2006/relationships" xmlns:p="http://schemas.openxmlformats.org/presentationml/2006/main">
-  <p:cSld>
-    <p:spTree>
-      <p:nvGrpSpPr>
-        <p:cNvPr id="1" name=""/>
-        <p:cNvGrpSpPr/>
-        <p:nvPr/>
-      </p:nvGrpSpPr>
-      <p:grpSpPr>
-        <a:xfrm>
-          <a:off x="0" y="0"/>
-          <a:ext cx="0" cy="0"/>
-          <a:chOff x="0" y="0"/>
-          <a:chExt cx="0" cy="0"/>
-        </a:xfrm>
-      </p:grpSpPr>
-      <p:sp>
-        <p:nvSpPr>
-          <p:cNvPr id="2" name="标题 1"/>
-          <p:cNvSpPr>
-            <a:spLocks noGrp="1"/>
-          </p:cNvSpPr>
-          <p:nvPr>
-            <p:ph type="title"/>
-          </p:nvPr>
-        </p:nvSpPr>
         <p:spPr>
           <a:xfrm>
             <a:off x="457200" y="274638"/>
@@ -5614,7 +4148,7 @@
 </p:sld>
 </file>
 
-<file path=ppt/slides/slide13.xml><?xml version="1.0" encoding="utf-8"?>
+<file path=ppt/slides/slide11.xml><?xml version="1.0" encoding="utf-8"?>
 <p:sld xmlns:a="http://schemas.openxmlformats.org/drawingml/2006/main" xmlns:r="http://schemas.openxmlformats.org/officeDocument/2006/relationships" xmlns:p="http://schemas.openxmlformats.org/presentationml/2006/main">
   <p:cSld>
     <p:spTree>
@@ -6748,7 +5282,7 @@
 </p:sld>
 </file>
 
-<file path=ppt/slides/slide14.xml><?xml version="1.0" encoding="utf-8"?>
+<file path=ppt/slides/slide12.xml><?xml version="1.0" encoding="utf-8"?>
 <p:sld xmlns:a="http://schemas.openxmlformats.org/drawingml/2006/main" xmlns:r="http://schemas.openxmlformats.org/officeDocument/2006/relationships" xmlns:p="http://schemas.openxmlformats.org/presentationml/2006/main">
   <p:cSld>
     <p:spTree>
@@ -6854,7 +5388,19 @@
             </a:r>
             <a:r>
               <a:rPr lang="zh-CN" altLang="en-US" dirty="0" smtClean="0"/>
-              <a:t>轴，比如上面的例子中可以让学成绩作为</a:t>
+              <a:t>轴，比如上面的例子中可以</a:t>
+            </a:r>
+            <a:r>
+              <a:rPr lang="zh-CN" altLang="en-US" dirty="0" smtClean="0"/>
+              <a:t>让</a:t>
+            </a:r>
+            <a:r>
+              <a:rPr lang="zh-CN" altLang="en-US" dirty="0" smtClean="0"/>
+              <a:t>学生姓名</a:t>
+            </a:r>
+            <a:r>
+              <a:rPr lang="zh-CN" altLang="en-US" dirty="0" smtClean="0"/>
+              <a:t>作为</a:t>
             </a:r>
             <a:r>
               <a:rPr lang="en-US" altLang="zh-CN" dirty="0" smtClean="0"/>
@@ -7721,7 +6267,7 @@
 </p:sld>
 </file>
 
-<file path=ppt/slides/slide15.xml><?xml version="1.0" encoding="utf-8"?>
+<file path=ppt/slides/slide13.xml><?xml version="1.0" encoding="utf-8"?>
 <p:sld xmlns:a="http://schemas.openxmlformats.org/drawingml/2006/main" xmlns:r="http://schemas.openxmlformats.org/officeDocument/2006/relationships" xmlns:p="http://schemas.openxmlformats.org/presentationml/2006/main">
   <p:cSld>
     <p:spTree>
@@ -8587,7 +7133,7 @@
 </p:sld>
 </file>
 
-<file path=ppt/slides/slide16.xml><?xml version="1.0" encoding="utf-8"?>
+<file path=ppt/slides/slide14.xml><?xml version="1.0" encoding="utf-8"?>
 <p:sld xmlns:a="http://schemas.openxmlformats.org/drawingml/2006/main" xmlns:r="http://schemas.openxmlformats.org/officeDocument/2006/relationships" xmlns:p="http://schemas.openxmlformats.org/presentationml/2006/main">
   <p:cSld>
     <p:spTree>
@@ -9933,7 +8479,7 @@
 </p:sld>
 </file>
 
-<file path=ppt/slides/slide17.xml><?xml version="1.0" encoding="utf-8"?>
+<file path=ppt/slides/slide15.xml><?xml version="1.0" encoding="utf-8"?>
 <p:sld xmlns:a="http://schemas.openxmlformats.org/drawingml/2006/main" xmlns:r="http://schemas.openxmlformats.org/officeDocument/2006/relationships" xmlns:p="http://schemas.openxmlformats.org/presentationml/2006/main">
   <p:cSld>
     <p:spTree>
@@ -10632,6 +9178,1472 @@
 </p:sld>
 </file>
 
+<file path=ppt/slides/slide16.xml><?xml version="1.0" encoding="utf-8"?>
+<p:sld xmlns:a="http://schemas.openxmlformats.org/drawingml/2006/main" xmlns:r="http://schemas.openxmlformats.org/officeDocument/2006/relationships" xmlns:p="http://schemas.openxmlformats.org/presentationml/2006/main">
+  <p:cSld>
+    <p:spTree>
+      <p:nvGrpSpPr>
+        <p:cNvPr id="1" name=""/>
+        <p:cNvGrpSpPr/>
+        <p:nvPr/>
+      </p:nvGrpSpPr>
+      <p:grpSpPr>
+        <a:xfrm>
+          <a:off x="0" y="0"/>
+          <a:ext cx="0" cy="0"/>
+          <a:chOff x="0" y="0"/>
+          <a:chExt cx="0" cy="0"/>
+        </a:xfrm>
+      </p:grpSpPr>
+      <p:sp>
+        <p:nvSpPr>
+          <p:cNvPr id="2" name="标题 1"/>
+          <p:cNvSpPr>
+            <a:spLocks noGrp="1"/>
+          </p:cNvSpPr>
+          <p:nvPr>
+            <p:ph type="title"/>
+          </p:nvPr>
+        </p:nvSpPr>
+        <p:spPr/>
+        <p:txBody>
+          <a:bodyPr/>
+          <a:lstStyle/>
+          <a:p>
+            <a:r>
+              <a:rPr lang="zh-CN" altLang="en-US" dirty="0" smtClean="0"/>
+              <a:t>移动图表</a:t>
+            </a:r>
+            <a:endParaRPr lang="zh-CN" altLang="en-US" dirty="0"/>
+          </a:p>
+        </p:txBody>
+      </p:sp>
+      <p:pic>
+        <p:nvPicPr>
+          <p:cNvPr id="4" name="内容占位符 3"/>
+          <p:cNvPicPr>
+            <a:picLocks noGrp="1" noChangeAspect="1"/>
+          </p:cNvPicPr>
+          <p:nvPr>
+            <p:ph idx="1"/>
+          </p:nvPr>
+        </p:nvPicPr>
+        <p:blipFill>
+          <a:blip r:embed="rId2">
+            <a:extLst>
+              <a:ext uri="{28A0092B-C50C-407E-A947-70E740481C1C}">
+                <a14:useLocalDpi xmlns:a14="http://schemas.microsoft.com/office/drawing/2010/main" val="0"/>
+              </a:ext>
+            </a:extLst>
+          </a:blip>
+          <a:stretch>
+            <a:fillRect/>
+          </a:stretch>
+        </p:blipFill>
+        <p:spPr>
+          <a:xfrm>
+            <a:off x="467544" y="1484784"/>
+            <a:ext cx="8229600" cy="1259173"/>
+          </a:xfrm>
+        </p:spPr>
+      </p:pic>
+      <p:sp>
+        <p:nvSpPr>
+          <p:cNvPr id="5" name="TextBox 4"/>
+          <p:cNvSpPr txBox="1"/>
+          <p:nvPr/>
+        </p:nvSpPr>
+        <p:spPr>
+          <a:xfrm>
+            <a:off x="1187624" y="1628800"/>
+            <a:ext cx="360040" cy="252000"/>
+          </a:xfrm>
+          <a:prstGeom prst="rect">
+            <a:avLst/>
+          </a:prstGeom>
+          <a:noFill/>
+          <a:ln w="15875">
+            <a:solidFill>
+              <a:srgbClr val="FF0000"/>
+            </a:solidFill>
+          </a:ln>
+        </p:spPr>
+        <p:txBody>
+          <a:bodyPr wrap="square" rtlCol="0">
+            <a:spAutoFit/>
+          </a:bodyPr>
+          <a:lstStyle/>
+          <a:p>
+            <a:endParaRPr lang="zh-CN" altLang="en-US" dirty="0"/>
+          </a:p>
+        </p:txBody>
+      </p:sp>
+      <p:sp>
+        <p:nvSpPr>
+          <p:cNvPr id="7" name="TextBox 6"/>
+          <p:cNvSpPr txBox="1"/>
+          <p:nvPr/>
+        </p:nvSpPr>
+        <p:spPr>
+          <a:xfrm>
+            <a:off x="7956376" y="1880800"/>
+            <a:ext cx="536567" cy="432000"/>
+          </a:xfrm>
+          <a:prstGeom prst="rect">
+            <a:avLst/>
+          </a:prstGeom>
+          <a:noFill/>
+          <a:ln w="15875">
+            <a:solidFill>
+              <a:srgbClr val="FF0000"/>
+            </a:solidFill>
+          </a:ln>
+        </p:spPr>
+        <p:txBody>
+          <a:bodyPr wrap="square" rtlCol="0">
+            <a:spAutoFit/>
+          </a:bodyPr>
+          <a:lstStyle/>
+          <a:p>
+            <a:endParaRPr lang="zh-CN" altLang="en-US" dirty="0"/>
+          </a:p>
+        </p:txBody>
+      </p:sp>
+      <p:sp>
+        <p:nvSpPr>
+          <p:cNvPr id="8" name="TextBox 7"/>
+          <p:cNvSpPr txBox="1"/>
+          <p:nvPr/>
+        </p:nvSpPr>
+        <p:spPr>
+          <a:xfrm>
+            <a:off x="1043608" y="2924944"/>
+            <a:ext cx="1224136" cy="369332"/>
+          </a:xfrm>
+          <a:prstGeom prst="rect">
+            <a:avLst/>
+          </a:prstGeom>
+          <a:noFill/>
+        </p:spPr>
+        <p:txBody>
+          <a:bodyPr wrap="square" rtlCol="0">
+            <a:spAutoFit/>
+          </a:bodyPr>
+          <a:lstStyle/>
+          <a:p>
+            <a:r>
+              <a:rPr lang="zh-CN" altLang="en-US" dirty="0" smtClean="0"/>
+              <a:t>选中图表</a:t>
+            </a:r>
+            <a:endParaRPr lang="zh-CN" altLang="en-US" dirty="0"/>
+          </a:p>
+        </p:txBody>
+      </p:sp>
+      <p:sp>
+        <p:nvSpPr>
+          <p:cNvPr id="9" name="右箭头 8"/>
+          <p:cNvSpPr/>
+          <p:nvPr/>
+        </p:nvSpPr>
+        <p:spPr>
+          <a:xfrm>
+            <a:off x="2843808" y="3059668"/>
+            <a:ext cx="504056" cy="225316"/>
+          </a:xfrm>
+          <a:prstGeom prst="rightArrow">
+            <a:avLst/>
+          </a:prstGeom>
+        </p:spPr>
+        <p:style>
+          <a:lnRef idx="2">
+            <a:schemeClr val="accent1">
+              <a:shade val="50000"/>
+            </a:schemeClr>
+          </a:lnRef>
+          <a:fillRef idx="1">
+            <a:schemeClr val="accent1"/>
+          </a:fillRef>
+          <a:effectRef idx="0">
+            <a:schemeClr val="accent1"/>
+          </a:effectRef>
+          <a:fontRef idx="minor">
+            <a:schemeClr val="lt1"/>
+          </a:fontRef>
+        </p:style>
+        <p:txBody>
+          <a:bodyPr rtlCol="0" anchor="ctr"/>
+          <a:lstStyle/>
+          <a:p>
+            <a:pPr algn="ctr"/>
+            <a:endParaRPr lang="zh-CN" altLang="en-US"/>
+          </a:p>
+        </p:txBody>
+      </p:sp>
+      <p:sp>
+        <p:nvSpPr>
+          <p:cNvPr id="10" name="TextBox 9"/>
+          <p:cNvSpPr txBox="1"/>
+          <p:nvPr/>
+        </p:nvSpPr>
+        <p:spPr>
+          <a:xfrm>
+            <a:off x="4355976" y="3016242"/>
+            <a:ext cx="648072" cy="369332"/>
+          </a:xfrm>
+          <a:prstGeom prst="rect">
+            <a:avLst/>
+          </a:prstGeom>
+          <a:noFill/>
+        </p:spPr>
+        <p:txBody>
+          <a:bodyPr wrap="square" rtlCol="0">
+            <a:spAutoFit/>
+          </a:bodyPr>
+          <a:lstStyle/>
+          <a:p>
+            <a:r>
+              <a:rPr lang="zh-CN" altLang="en-US" dirty="0"/>
+              <a:t>设计</a:t>
+            </a:r>
+          </a:p>
+        </p:txBody>
+      </p:sp>
+      <p:sp>
+        <p:nvSpPr>
+          <p:cNvPr id="11" name="右箭头 10"/>
+          <p:cNvSpPr/>
+          <p:nvPr/>
+        </p:nvSpPr>
+        <p:spPr>
+          <a:xfrm>
+            <a:off x="5508104" y="3059668"/>
+            <a:ext cx="504056" cy="225316"/>
+          </a:xfrm>
+          <a:prstGeom prst="rightArrow">
+            <a:avLst/>
+          </a:prstGeom>
+        </p:spPr>
+        <p:style>
+          <a:lnRef idx="2">
+            <a:schemeClr val="accent1">
+              <a:shade val="50000"/>
+            </a:schemeClr>
+          </a:lnRef>
+          <a:fillRef idx="1">
+            <a:schemeClr val="accent1"/>
+          </a:fillRef>
+          <a:effectRef idx="0">
+            <a:schemeClr val="accent1"/>
+          </a:effectRef>
+          <a:fontRef idx="minor">
+            <a:schemeClr val="lt1"/>
+          </a:fontRef>
+        </p:style>
+        <p:txBody>
+          <a:bodyPr rtlCol="0" anchor="ctr"/>
+          <a:lstStyle/>
+          <a:p>
+            <a:pPr algn="ctr"/>
+            <a:endParaRPr lang="zh-CN" altLang="en-US"/>
+          </a:p>
+        </p:txBody>
+      </p:sp>
+      <p:sp>
+        <p:nvSpPr>
+          <p:cNvPr id="12" name="TextBox 11"/>
+          <p:cNvSpPr txBox="1"/>
+          <p:nvPr/>
+        </p:nvSpPr>
+        <p:spPr>
+          <a:xfrm>
+            <a:off x="6804248" y="2987660"/>
+            <a:ext cx="1152128" cy="369332"/>
+          </a:xfrm>
+          <a:prstGeom prst="rect">
+            <a:avLst/>
+          </a:prstGeom>
+          <a:noFill/>
+        </p:spPr>
+        <p:txBody>
+          <a:bodyPr wrap="square" rtlCol="0">
+            <a:spAutoFit/>
+          </a:bodyPr>
+          <a:lstStyle/>
+          <a:p>
+            <a:r>
+              <a:rPr lang="zh-CN" altLang="en-US" dirty="0" smtClean="0"/>
+              <a:t>移动图表</a:t>
+            </a:r>
+            <a:endParaRPr lang="zh-CN" altLang="en-US" dirty="0"/>
+          </a:p>
+        </p:txBody>
+      </p:sp>
+      <p:pic>
+        <p:nvPicPr>
+          <p:cNvPr id="13" name="图片 12"/>
+          <p:cNvPicPr>
+            <a:picLocks noChangeAspect="1"/>
+          </p:cNvPicPr>
+          <p:nvPr/>
+        </p:nvPicPr>
+        <p:blipFill>
+          <a:blip r:embed="rId3">
+            <a:extLst>
+              <a:ext uri="{28A0092B-C50C-407E-A947-70E740481C1C}">
+                <a14:useLocalDpi xmlns:a14="http://schemas.microsoft.com/office/drawing/2010/main" val="0"/>
+              </a:ext>
+            </a:extLst>
+          </a:blip>
+          <a:stretch>
+            <a:fillRect/>
+          </a:stretch>
+        </p:blipFill>
+        <p:spPr>
+          <a:xfrm>
+            <a:off x="530535" y="4077084"/>
+            <a:ext cx="3636000" cy="1403241"/>
+          </a:xfrm>
+          <a:prstGeom prst="rect">
+            <a:avLst/>
+          </a:prstGeom>
+        </p:spPr>
+      </p:pic>
+      <p:sp>
+        <p:nvSpPr>
+          <p:cNvPr id="14" name="TextBox 13"/>
+          <p:cNvSpPr txBox="1"/>
+          <p:nvPr/>
+        </p:nvSpPr>
+        <p:spPr>
+          <a:xfrm>
+            <a:off x="1979276" y="4869160"/>
+            <a:ext cx="2187258" cy="252000"/>
+          </a:xfrm>
+          <a:prstGeom prst="rect">
+            <a:avLst/>
+          </a:prstGeom>
+          <a:noFill/>
+          <a:ln w="15875">
+            <a:solidFill>
+              <a:srgbClr val="FF0000"/>
+            </a:solidFill>
+          </a:ln>
+        </p:spPr>
+        <p:txBody>
+          <a:bodyPr wrap="square" rtlCol="0">
+            <a:spAutoFit/>
+          </a:bodyPr>
+          <a:lstStyle/>
+          <a:p>
+            <a:endParaRPr lang="zh-CN" altLang="en-US" dirty="0"/>
+          </a:p>
+        </p:txBody>
+      </p:sp>
+      <p:sp>
+        <p:nvSpPr>
+          <p:cNvPr id="15" name="TextBox 14"/>
+          <p:cNvSpPr txBox="1"/>
+          <p:nvPr/>
+        </p:nvSpPr>
+        <p:spPr>
+          <a:xfrm>
+            <a:off x="1979275" y="4519064"/>
+            <a:ext cx="2187259" cy="252000"/>
+          </a:xfrm>
+          <a:prstGeom prst="rect">
+            <a:avLst/>
+          </a:prstGeom>
+          <a:noFill/>
+          <a:ln w="15875">
+            <a:solidFill>
+              <a:srgbClr val="FF0000"/>
+            </a:solidFill>
+          </a:ln>
+        </p:spPr>
+        <p:txBody>
+          <a:bodyPr wrap="square" rtlCol="0">
+            <a:spAutoFit/>
+          </a:bodyPr>
+          <a:lstStyle/>
+          <a:p>
+            <a:endParaRPr lang="zh-CN" altLang="en-US" dirty="0"/>
+          </a:p>
+        </p:txBody>
+      </p:sp>
+      <p:cxnSp>
+        <p:nvCxnSpPr>
+          <p:cNvPr id="17" name="直接箭头连接符 16"/>
+          <p:cNvCxnSpPr/>
+          <p:nvPr/>
+        </p:nvCxnSpPr>
+        <p:spPr>
+          <a:xfrm flipV="1">
+            <a:off x="4355976" y="4221088"/>
+            <a:ext cx="864096" cy="423976"/>
+          </a:xfrm>
+          <a:prstGeom prst="straightConnector1">
+            <a:avLst/>
+          </a:prstGeom>
+          <a:ln>
+            <a:solidFill>
+              <a:srgbClr val="FF0000"/>
+            </a:solidFill>
+            <a:tailEnd type="arrow"/>
+          </a:ln>
+        </p:spPr>
+        <p:style>
+          <a:lnRef idx="1">
+            <a:schemeClr val="accent1"/>
+          </a:lnRef>
+          <a:fillRef idx="0">
+            <a:schemeClr val="accent1"/>
+          </a:fillRef>
+          <a:effectRef idx="0">
+            <a:schemeClr val="accent1"/>
+          </a:effectRef>
+          <a:fontRef idx="minor">
+            <a:schemeClr val="tx1"/>
+          </a:fontRef>
+        </p:style>
+      </p:cxnSp>
+      <p:sp>
+        <p:nvSpPr>
+          <p:cNvPr id="18" name="TextBox 17"/>
+          <p:cNvSpPr txBox="1"/>
+          <p:nvPr/>
+        </p:nvSpPr>
+        <p:spPr>
+          <a:xfrm>
+            <a:off x="5436096" y="3790781"/>
+            <a:ext cx="3024336" cy="646331"/>
+          </a:xfrm>
+          <a:prstGeom prst="rect">
+            <a:avLst/>
+          </a:prstGeom>
+          <a:noFill/>
+        </p:spPr>
+        <p:txBody>
+          <a:bodyPr wrap="square" rtlCol="0">
+            <a:spAutoFit/>
+          </a:bodyPr>
+          <a:lstStyle/>
+          <a:p>
+            <a:r>
+              <a:rPr lang="zh-CN" altLang="en-US" dirty="0" smtClean="0"/>
+              <a:t>新建一个工作表，然后将图片移动此工作表</a:t>
+            </a:r>
+            <a:endParaRPr lang="zh-CN" altLang="en-US" dirty="0"/>
+          </a:p>
+        </p:txBody>
+      </p:sp>
+      <p:cxnSp>
+        <p:nvCxnSpPr>
+          <p:cNvPr id="20" name="直接箭头连接符 19"/>
+          <p:cNvCxnSpPr/>
+          <p:nvPr/>
+        </p:nvCxnSpPr>
+        <p:spPr>
+          <a:xfrm>
+            <a:off x="4355976" y="4995160"/>
+            <a:ext cx="864096" cy="594080"/>
+          </a:xfrm>
+          <a:prstGeom prst="straightConnector1">
+            <a:avLst/>
+          </a:prstGeom>
+          <a:ln>
+            <a:solidFill>
+              <a:srgbClr val="FF0000"/>
+            </a:solidFill>
+            <a:tailEnd type="arrow"/>
+          </a:ln>
+        </p:spPr>
+        <p:style>
+          <a:lnRef idx="1">
+            <a:schemeClr val="accent1"/>
+          </a:lnRef>
+          <a:fillRef idx="0">
+            <a:schemeClr val="accent1"/>
+          </a:fillRef>
+          <a:effectRef idx="0">
+            <a:schemeClr val="accent1"/>
+          </a:effectRef>
+          <a:fontRef idx="minor">
+            <a:schemeClr val="tx1"/>
+          </a:fontRef>
+        </p:style>
+      </p:cxnSp>
+      <p:sp>
+        <p:nvSpPr>
+          <p:cNvPr id="21" name="TextBox 20"/>
+          <p:cNvSpPr txBox="1"/>
+          <p:nvPr/>
+        </p:nvSpPr>
+        <p:spPr>
+          <a:xfrm>
+            <a:off x="5508104" y="5479556"/>
+            <a:ext cx="3024336" cy="646331"/>
+          </a:xfrm>
+          <a:prstGeom prst="rect">
+            <a:avLst/>
+          </a:prstGeom>
+          <a:noFill/>
+        </p:spPr>
+        <p:txBody>
+          <a:bodyPr wrap="square" rtlCol="0">
+            <a:spAutoFit/>
+          </a:bodyPr>
+          <a:lstStyle/>
+          <a:p>
+            <a:r>
+              <a:rPr lang="zh-CN" altLang="en-US" dirty="0" smtClean="0"/>
+              <a:t>选择现有工作表，将图片移动到现有的工作表</a:t>
+            </a:r>
+            <a:endParaRPr lang="zh-CN" altLang="en-US" dirty="0"/>
+          </a:p>
+        </p:txBody>
+      </p:sp>
+    </p:spTree>
+    <p:extLst>
+      <p:ext uri="{BB962C8B-B14F-4D97-AF65-F5344CB8AC3E}">
+        <p14:creationId xmlns:p14="http://schemas.microsoft.com/office/powerpoint/2010/main" val="2519107907"/>
+      </p:ext>
+    </p:extLst>
+  </p:cSld>
+  <p:clrMapOvr>
+    <a:masterClrMapping/>
+  </p:clrMapOvr>
+  <p:timing>
+    <p:tnLst>
+      <p:par>
+        <p:cTn id="1" dur="indefinite" restart="never" nodeType="tmRoot">
+          <p:childTnLst>
+            <p:seq concurrent="1" nextAc="seek">
+              <p:cTn id="2" dur="indefinite" nodeType="mainSeq">
+                <p:childTnLst>
+                  <p:par>
+                    <p:cTn id="3" fill="hold">
+                      <p:stCondLst>
+                        <p:cond delay="indefinite"/>
+                      </p:stCondLst>
+                      <p:childTnLst>
+                        <p:par>
+                          <p:cTn id="4" fill="hold">
+                            <p:stCondLst>
+                              <p:cond delay="0"/>
+                            </p:stCondLst>
+                            <p:childTnLst>
+                              <p:par>
+                                <p:cTn id="5" presetID="10" presetClass="entr" presetSubtype="0" fill="hold" nodeType="clickEffect">
+                                  <p:stCondLst>
+                                    <p:cond delay="0"/>
+                                  </p:stCondLst>
+                                  <p:childTnLst>
+                                    <p:set>
+                                      <p:cBhvr>
+                                        <p:cTn id="6" dur="1" fill="hold">
+                                          <p:stCondLst>
+                                            <p:cond delay="0"/>
+                                          </p:stCondLst>
+                                        </p:cTn>
+                                        <p:tgtEl>
+                                          <p:spTgt spid="4"/>
+                                        </p:tgtEl>
+                                        <p:attrNameLst>
+                                          <p:attrName>style.visibility</p:attrName>
+                                        </p:attrNameLst>
+                                      </p:cBhvr>
+                                      <p:to>
+                                        <p:strVal val="visible"/>
+                                      </p:to>
+                                    </p:set>
+                                    <p:animEffect transition="in" filter="fade">
+                                      <p:cBhvr>
+                                        <p:cTn id="7" dur="500"/>
+                                        <p:tgtEl>
+                                          <p:spTgt spid="4"/>
+                                        </p:tgtEl>
+                                      </p:cBhvr>
+                                    </p:animEffect>
+                                  </p:childTnLst>
+                                </p:cTn>
+                              </p:par>
+                            </p:childTnLst>
+                          </p:cTn>
+                        </p:par>
+                      </p:childTnLst>
+                    </p:cTn>
+                  </p:par>
+                  <p:par>
+                    <p:cTn id="8" fill="hold">
+                      <p:stCondLst>
+                        <p:cond delay="indefinite"/>
+                      </p:stCondLst>
+                      <p:childTnLst>
+                        <p:par>
+                          <p:cTn id="9" fill="hold">
+                            <p:stCondLst>
+                              <p:cond delay="0"/>
+                            </p:stCondLst>
+                            <p:childTnLst>
+                              <p:par>
+                                <p:cTn id="10" presetID="10" presetClass="entr" presetSubtype="0" fill="hold" grpId="0" nodeType="clickEffect">
+                                  <p:stCondLst>
+                                    <p:cond delay="0"/>
+                                  </p:stCondLst>
+                                  <p:childTnLst>
+                                    <p:set>
+                                      <p:cBhvr>
+                                        <p:cTn id="11" dur="1" fill="hold">
+                                          <p:stCondLst>
+                                            <p:cond delay="0"/>
+                                          </p:stCondLst>
+                                        </p:cTn>
+                                        <p:tgtEl>
+                                          <p:spTgt spid="8"/>
+                                        </p:tgtEl>
+                                        <p:attrNameLst>
+                                          <p:attrName>style.visibility</p:attrName>
+                                        </p:attrNameLst>
+                                      </p:cBhvr>
+                                      <p:to>
+                                        <p:strVal val="visible"/>
+                                      </p:to>
+                                    </p:set>
+                                    <p:animEffect transition="in" filter="fade">
+                                      <p:cBhvr>
+                                        <p:cTn id="12" dur="500"/>
+                                        <p:tgtEl>
+                                          <p:spTgt spid="8"/>
+                                        </p:tgtEl>
+                                      </p:cBhvr>
+                                    </p:animEffect>
+                                  </p:childTnLst>
+                                </p:cTn>
+                              </p:par>
+                            </p:childTnLst>
+                          </p:cTn>
+                        </p:par>
+                      </p:childTnLst>
+                    </p:cTn>
+                  </p:par>
+                  <p:par>
+                    <p:cTn id="13" fill="hold">
+                      <p:stCondLst>
+                        <p:cond delay="indefinite"/>
+                      </p:stCondLst>
+                      <p:childTnLst>
+                        <p:par>
+                          <p:cTn id="14" fill="hold">
+                            <p:stCondLst>
+                              <p:cond delay="0"/>
+                            </p:stCondLst>
+                            <p:childTnLst>
+                              <p:par>
+                                <p:cTn id="15" presetID="10" presetClass="entr" presetSubtype="0" fill="hold" grpId="0" nodeType="clickEffect">
+                                  <p:stCondLst>
+                                    <p:cond delay="0"/>
+                                  </p:stCondLst>
+                                  <p:childTnLst>
+                                    <p:set>
+                                      <p:cBhvr>
+                                        <p:cTn id="16" dur="1" fill="hold">
+                                          <p:stCondLst>
+                                            <p:cond delay="0"/>
+                                          </p:stCondLst>
+                                        </p:cTn>
+                                        <p:tgtEl>
+                                          <p:spTgt spid="9"/>
+                                        </p:tgtEl>
+                                        <p:attrNameLst>
+                                          <p:attrName>style.visibility</p:attrName>
+                                        </p:attrNameLst>
+                                      </p:cBhvr>
+                                      <p:to>
+                                        <p:strVal val="visible"/>
+                                      </p:to>
+                                    </p:set>
+                                    <p:animEffect transition="in" filter="fade">
+                                      <p:cBhvr>
+                                        <p:cTn id="17" dur="500"/>
+                                        <p:tgtEl>
+                                          <p:spTgt spid="9"/>
+                                        </p:tgtEl>
+                                      </p:cBhvr>
+                                    </p:animEffect>
+                                  </p:childTnLst>
+                                </p:cTn>
+                              </p:par>
+                            </p:childTnLst>
+                          </p:cTn>
+                        </p:par>
+                      </p:childTnLst>
+                    </p:cTn>
+                  </p:par>
+                  <p:par>
+                    <p:cTn id="18" fill="hold">
+                      <p:stCondLst>
+                        <p:cond delay="indefinite"/>
+                      </p:stCondLst>
+                      <p:childTnLst>
+                        <p:par>
+                          <p:cTn id="19" fill="hold">
+                            <p:stCondLst>
+                              <p:cond delay="0"/>
+                            </p:stCondLst>
+                            <p:childTnLst>
+                              <p:par>
+                                <p:cTn id="20" presetID="10" presetClass="entr" presetSubtype="0" fill="hold" grpId="0" nodeType="clickEffect">
+                                  <p:stCondLst>
+                                    <p:cond delay="0"/>
+                                  </p:stCondLst>
+                                  <p:childTnLst>
+                                    <p:set>
+                                      <p:cBhvr>
+                                        <p:cTn id="21" dur="1" fill="hold">
+                                          <p:stCondLst>
+                                            <p:cond delay="0"/>
+                                          </p:stCondLst>
+                                        </p:cTn>
+                                        <p:tgtEl>
+                                          <p:spTgt spid="10"/>
+                                        </p:tgtEl>
+                                        <p:attrNameLst>
+                                          <p:attrName>style.visibility</p:attrName>
+                                        </p:attrNameLst>
+                                      </p:cBhvr>
+                                      <p:to>
+                                        <p:strVal val="visible"/>
+                                      </p:to>
+                                    </p:set>
+                                    <p:animEffect transition="in" filter="fade">
+                                      <p:cBhvr>
+                                        <p:cTn id="22" dur="500"/>
+                                        <p:tgtEl>
+                                          <p:spTgt spid="10"/>
+                                        </p:tgtEl>
+                                      </p:cBhvr>
+                                    </p:animEffect>
+                                  </p:childTnLst>
+                                </p:cTn>
+                              </p:par>
+                            </p:childTnLst>
+                          </p:cTn>
+                        </p:par>
+                      </p:childTnLst>
+                    </p:cTn>
+                  </p:par>
+                  <p:par>
+                    <p:cTn id="23" fill="hold">
+                      <p:stCondLst>
+                        <p:cond delay="indefinite"/>
+                      </p:stCondLst>
+                      <p:childTnLst>
+                        <p:par>
+                          <p:cTn id="24" fill="hold">
+                            <p:stCondLst>
+                              <p:cond delay="0"/>
+                            </p:stCondLst>
+                            <p:childTnLst>
+                              <p:par>
+                                <p:cTn id="25" presetID="10" presetClass="entr" presetSubtype="0" fill="hold" grpId="0" nodeType="clickEffect">
+                                  <p:stCondLst>
+                                    <p:cond delay="0"/>
+                                  </p:stCondLst>
+                                  <p:childTnLst>
+                                    <p:set>
+                                      <p:cBhvr>
+                                        <p:cTn id="26" dur="1" fill="hold">
+                                          <p:stCondLst>
+                                            <p:cond delay="0"/>
+                                          </p:stCondLst>
+                                        </p:cTn>
+                                        <p:tgtEl>
+                                          <p:spTgt spid="5"/>
+                                        </p:tgtEl>
+                                        <p:attrNameLst>
+                                          <p:attrName>style.visibility</p:attrName>
+                                        </p:attrNameLst>
+                                      </p:cBhvr>
+                                      <p:to>
+                                        <p:strVal val="visible"/>
+                                      </p:to>
+                                    </p:set>
+                                    <p:animEffect transition="in" filter="fade">
+                                      <p:cBhvr>
+                                        <p:cTn id="27" dur="500"/>
+                                        <p:tgtEl>
+                                          <p:spTgt spid="5"/>
+                                        </p:tgtEl>
+                                      </p:cBhvr>
+                                    </p:animEffect>
+                                  </p:childTnLst>
+                                </p:cTn>
+                              </p:par>
+                            </p:childTnLst>
+                          </p:cTn>
+                        </p:par>
+                      </p:childTnLst>
+                    </p:cTn>
+                  </p:par>
+                  <p:par>
+                    <p:cTn id="28" fill="hold">
+                      <p:stCondLst>
+                        <p:cond delay="indefinite"/>
+                      </p:stCondLst>
+                      <p:childTnLst>
+                        <p:par>
+                          <p:cTn id="29" fill="hold">
+                            <p:stCondLst>
+                              <p:cond delay="0"/>
+                            </p:stCondLst>
+                            <p:childTnLst>
+                              <p:par>
+                                <p:cTn id="30" presetID="10" presetClass="entr" presetSubtype="0" fill="hold" grpId="0" nodeType="clickEffect">
+                                  <p:stCondLst>
+                                    <p:cond delay="0"/>
+                                  </p:stCondLst>
+                                  <p:childTnLst>
+                                    <p:set>
+                                      <p:cBhvr>
+                                        <p:cTn id="31" dur="1" fill="hold">
+                                          <p:stCondLst>
+                                            <p:cond delay="0"/>
+                                          </p:stCondLst>
+                                        </p:cTn>
+                                        <p:tgtEl>
+                                          <p:spTgt spid="11"/>
+                                        </p:tgtEl>
+                                        <p:attrNameLst>
+                                          <p:attrName>style.visibility</p:attrName>
+                                        </p:attrNameLst>
+                                      </p:cBhvr>
+                                      <p:to>
+                                        <p:strVal val="visible"/>
+                                      </p:to>
+                                    </p:set>
+                                    <p:animEffect transition="in" filter="fade">
+                                      <p:cBhvr>
+                                        <p:cTn id="32" dur="500"/>
+                                        <p:tgtEl>
+                                          <p:spTgt spid="11"/>
+                                        </p:tgtEl>
+                                      </p:cBhvr>
+                                    </p:animEffect>
+                                  </p:childTnLst>
+                                </p:cTn>
+                              </p:par>
+                            </p:childTnLst>
+                          </p:cTn>
+                        </p:par>
+                      </p:childTnLst>
+                    </p:cTn>
+                  </p:par>
+                  <p:par>
+                    <p:cTn id="33" fill="hold">
+                      <p:stCondLst>
+                        <p:cond delay="indefinite"/>
+                      </p:stCondLst>
+                      <p:childTnLst>
+                        <p:par>
+                          <p:cTn id="34" fill="hold">
+                            <p:stCondLst>
+                              <p:cond delay="0"/>
+                            </p:stCondLst>
+                            <p:childTnLst>
+                              <p:par>
+                                <p:cTn id="35" presetID="10" presetClass="entr" presetSubtype="0" fill="hold" grpId="0" nodeType="clickEffect">
+                                  <p:stCondLst>
+                                    <p:cond delay="0"/>
+                                  </p:stCondLst>
+                                  <p:childTnLst>
+                                    <p:set>
+                                      <p:cBhvr>
+                                        <p:cTn id="36" dur="1" fill="hold">
+                                          <p:stCondLst>
+                                            <p:cond delay="0"/>
+                                          </p:stCondLst>
+                                        </p:cTn>
+                                        <p:tgtEl>
+                                          <p:spTgt spid="12"/>
+                                        </p:tgtEl>
+                                        <p:attrNameLst>
+                                          <p:attrName>style.visibility</p:attrName>
+                                        </p:attrNameLst>
+                                      </p:cBhvr>
+                                      <p:to>
+                                        <p:strVal val="visible"/>
+                                      </p:to>
+                                    </p:set>
+                                    <p:animEffect transition="in" filter="fade">
+                                      <p:cBhvr>
+                                        <p:cTn id="37" dur="500"/>
+                                        <p:tgtEl>
+                                          <p:spTgt spid="12"/>
+                                        </p:tgtEl>
+                                      </p:cBhvr>
+                                    </p:animEffect>
+                                  </p:childTnLst>
+                                </p:cTn>
+                              </p:par>
+                            </p:childTnLst>
+                          </p:cTn>
+                        </p:par>
+                      </p:childTnLst>
+                    </p:cTn>
+                  </p:par>
+                  <p:par>
+                    <p:cTn id="38" fill="hold">
+                      <p:stCondLst>
+                        <p:cond delay="indefinite"/>
+                      </p:stCondLst>
+                      <p:childTnLst>
+                        <p:par>
+                          <p:cTn id="39" fill="hold">
+                            <p:stCondLst>
+                              <p:cond delay="0"/>
+                            </p:stCondLst>
+                            <p:childTnLst>
+                              <p:par>
+                                <p:cTn id="40" presetID="10" presetClass="entr" presetSubtype="0" fill="hold" grpId="0" nodeType="clickEffect">
+                                  <p:stCondLst>
+                                    <p:cond delay="0"/>
+                                  </p:stCondLst>
+                                  <p:childTnLst>
+                                    <p:set>
+                                      <p:cBhvr>
+                                        <p:cTn id="41" dur="1" fill="hold">
+                                          <p:stCondLst>
+                                            <p:cond delay="0"/>
+                                          </p:stCondLst>
+                                        </p:cTn>
+                                        <p:tgtEl>
+                                          <p:spTgt spid="7"/>
+                                        </p:tgtEl>
+                                        <p:attrNameLst>
+                                          <p:attrName>style.visibility</p:attrName>
+                                        </p:attrNameLst>
+                                      </p:cBhvr>
+                                      <p:to>
+                                        <p:strVal val="visible"/>
+                                      </p:to>
+                                    </p:set>
+                                    <p:animEffect transition="in" filter="fade">
+                                      <p:cBhvr>
+                                        <p:cTn id="42" dur="500"/>
+                                        <p:tgtEl>
+                                          <p:spTgt spid="7"/>
+                                        </p:tgtEl>
+                                      </p:cBhvr>
+                                    </p:animEffect>
+                                  </p:childTnLst>
+                                </p:cTn>
+                              </p:par>
+                            </p:childTnLst>
+                          </p:cTn>
+                        </p:par>
+                      </p:childTnLst>
+                    </p:cTn>
+                  </p:par>
+                  <p:par>
+                    <p:cTn id="43" fill="hold">
+                      <p:stCondLst>
+                        <p:cond delay="indefinite"/>
+                      </p:stCondLst>
+                      <p:childTnLst>
+                        <p:par>
+                          <p:cTn id="44" fill="hold">
+                            <p:stCondLst>
+                              <p:cond delay="0"/>
+                            </p:stCondLst>
+                            <p:childTnLst>
+                              <p:par>
+                                <p:cTn id="45" presetID="10" presetClass="entr" presetSubtype="0" fill="hold" nodeType="clickEffect">
+                                  <p:stCondLst>
+                                    <p:cond delay="0"/>
+                                  </p:stCondLst>
+                                  <p:childTnLst>
+                                    <p:set>
+                                      <p:cBhvr>
+                                        <p:cTn id="46" dur="1" fill="hold">
+                                          <p:stCondLst>
+                                            <p:cond delay="0"/>
+                                          </p:stCondLst>
+                                        </p:cTn>
+                                        <p:tgtEl>
+                                          <p:spTgt spid="13"/>
+                                        </p:tgtEl>
+                                        <p:attrNameLst>
+                                          <p:attrName>style.visibility</p:attrName>
+                                        </p:attrNameLst>
+                                      </p:cBhvr>
+                                      <p:to>
+                                        <p:strVal val="visible"/>
+                                      </p:to>
+                                    </p:set>
+                                    <p:animEffect transition="in" filter="fade">
+                                      <p:cBhvr>
+                                        <p:cTn id="47" dur="500"/>
+                                        <p:tgtEl>
+                                          <p:spTgt spid="13"/>
+                                        </p:tgtEl>
+                                      </p:cBhvr>
+                                    </p:animEffect>
+                                  </p:childTnLst>
+                                </p:cTn>
+                              </p:par>
+                            </p:childTnLst>
+                          </p:cTn>
+                        </p:par>
+                      </p:childTnLst>
+                    </p:cTn>
+                  </p:par>
+                  <p:par>
+                    <p:cTn id="48" fill="hold">
+                      <p:stCondLst>
+                        <p:cond delay="indefinite"/>
+                      </p:stCondLst>
+                      <p:childTnLst>
+                        <p:par>
+                          <p:cTn id="49" fill="hold">
+                            <p:stCondLst>
+                              <p:cond delay="0"/>
+                            </p:stCondLst>
+                            <p:childTnLst>
+                              <p:par>
+                                <p:cTn id="50" presetID="10" presetClass="entr" presetSubtype="0" fill="hold" grpId="0" nodeType="clickEffect">
+                                  <p:stCondLst>
+                                    <p:cond delay="0"/>
+                                  </p:stCondLst>
+                                  <p:childTnLst>
+                                    <p:set>
+                                      <p:cBhvr>
+                                        <p:cTn id="51" dur="1" fill="hold">
+                                          <p:stCondLst>
+                                            <p:cond delay="0"/>
+                                          </p:stCondLst>
+                                        </p:cTn>
+                                        <p:tgtEl>
+                                          <p:spTgt spid="14"/>
+                                        </p:tgtEl>
+                                        <p:attrNameLst>
+                                          <p:attrName>style.visibility</p:attrName>
+                                        </p:attrNameLst>
+                                      </p:cBhvr>
+                                      <p:to>
+                                        <p:strVal val="visible"/>
+                                      </p:to>
+                                    </p:set>
+                                    <p:animEffect transition="in" filter="fade">
+                                      <p:cBhvr>
+                                        <p:cTn id="52" dur="500"/>
+                                        <p:tgtEl>
+                                          <p:spTgt spid="14"/>
+                                        </p:tgtEl>
+                                      </p:cBhvr>
+                                    </p:animEffect>
+                                  </p:childTnLst>
+                                </p:cTn>
+                              </p:par>
+                            </p:childTnLst>
+                          </p:cTn>
+                        </p:par>
+                      </p:childTnLst>
+                    </p:cTn>
+                  </p:par>
+                  <p:par>
+                    <p:cTn id="53" fill="hold">
+                      <p:stCondLst>
+                        <p:cond delay="indefinite"/>
+                      </p:stCondLst>
+                      <p:childTnLst>
+                        <p:par>
+                          <p:cTn id="54" fill="hold">
+                            <p:stCondLst>
+                              <p:cond delay="0"/>
+                            </p:stCondLst>
+                            <p:childTnLst>
+                              <p:par>
+                                <p:cTn id="55" presetID="10" presetClass="entr" presetSubtype="0" fill="hold" nodeType="clickEffect">
+                                  <p:stCondLst>
+                                    <p:cond delay="0"/>
+                                  </p:stCondLst>
+                                  <p:childTnLst>
+                                    <p:set>
+                                      <p:cBhvr>
+                                        <p:cTn id="56" dur="1" fill="hold">
+                                          <p:stCondLst>
+                                            <p:cond delay="0"/>
+                                          </p:stCondLst>
+                                        </p:cTn>
+                                        <p:tgtEl>
+                                          <p:spTgt spid="20"/>
+                                        </p:tgtEl>
+                                        <p:attrNameLst>
+                                          <p:attrName>style.visibility</p:attrName>
+                                        </p:attrNameLst>
+                                      </p:cBhvr>
+                                      <p:to>
+                                        <p:strVal val="visible"/>
+                                      </p:to>
+                                    </p:set>
+                                    <p:animEffect transition="in" filter="fade">
+                                      <p:cBhvr>
+                                        <p:cTn id="57" dur="500"/>
+                                        <p:tgtEl>
+                                          <p:spTgt spid="20"/>
+                                        </p:tgtEl>
+                                      </p:cBhvr>
+                                    </p:animEffect>
+                                  </p:childTnLst>
+                                </p:cTn>
+                              </p:par>
+                            </p:childTnLst>
+                          </p:cTn>
+                        </p:par>
+                      </p:childTnLst>
+                    </p:cTn>
+                  </p:par>
+                  <p:par>
+                    <p:cTn id="58" fill="hold">
+                      <p:stCondLst>
+                        <p:cond delay="indefinite"/>
+                      </p:stCondLst>
+                      <p:childTnLst>
+                        <p:par>
+                          <p:cTn id="59" fill="hold">
+                            <p:stCondLst>
+                              <p:cond delay="0"/>
+                            </p:stCondLst>
+                            <p:childTnLst>
+                              <p:par>
+                                <p:cTn id="60" presetID="10" presetClass="entr" presetSubtype="0" fill="hold" grpId="0" nodeType="clickEffect">
+                                  <p:stCondLst>
+                                    <p:cond delay="0"/>
+                                  </p:stCondLst>
+                                  <p:childTnLst>
+                                    <p:set>
+                                      <p:cBhvr>
+                                        <p:cTn id="61" dur="1" fill="hold">
+                                          <p:stCondLst>
+                                            <p:cond delay="0"/>
+                                          </p:stCondLst>
+                                        </p:cTn>
+                                        <p:tgtEl>
+                                          <p:spTgt spid="21"/>
+                                        </p:tgtEl>
+                                        <p:attrNameLst>
+                                          <p:attrName>style.visibility</p:attrName>
+                                        </p:attrNameLst>
+                                      </p:cBhvr>
+                                      <p:to>
+                                        <p:strVal val="visible"/>
+                                      </p:to>
+                                    </p:set>
+                                    <p:animEffect transition="in" filter="fade">
+                                      <p:cBhvr>
+                                        <p:cTn id="62" dur="500"/>
+                                        <p:tgtEl>
+                                          <p:spTgt spid="21"/>
+                                        </p:tgtEl>
+                                      </p:cBhvr>
+                                    </p:animEffect>
+                                  </p:childTnLst>
+                                </p:cTn>
+                              </p:par>
+                            </p:childTnLst>
+                          </p:cTn>
+                        </p:par>
+                      </p:childTnLst>
+                    </p:cTn>
+                  </p:par>
+                  <p:par>
+                    <p:cTn id="63" fill="hold">
+                      <p:stCondLst>
+                        <p:cond delay="indefinite"/>
+                      </p:stCondLst>
+                      <p:childTnLst>
+                        <p:par>
+                          <p:cTn id="64" fill="hold">
+                            <p:stCondLst>
+                              <p:cond delay="0"/>
+                            </p:stCondLst>
+                            <p:childTnLst>
+                              <p:par>
+                                <p:cTn id="65" presetID="10" presetClass="entr" presetSubtype="0" fill="hold" grpId="0" nodeType="clickEffect">
+                                  <p:stCondLst>
+                                    <p:cond delay="0"/>
+                                  </p:stCondLst>
+                                  <p:childTnLst>
+                                    <p:set>
+                                      <p:cBhvr>
+                                        <p:cTn id="66" dur="1" fill="hold">
+                                          <p:stCondLst>
+                                            <p:cond delay="0"/>
+                                          </p:stCondLst>
+                                        </p:cTn>
+                                        <p:tgtEl>
+                                          <p:spTgt spid="15"/>
+                                        </p:tgtEl>
+                                        <p:attrNameLst>
+                                          <p:attrName>style.visibility</p:attrName>
+                                        </p:attrNameLst>
+                                      </p:cBhvr>
+                                      <p:to>
+                                        <p:strVal val="visible"/>
+                                      </p:to>
+                                    </p:set>
+                                    <p:animEffect transition="in" filter="fade">
+                                      <p:cBhvr>
+                                        <p:cTn id="67" dur="500"/>
+                                        <p:tgtEl>
+                                          <p:spTgt spid="15"/>
+                                        </p:tgtEl>
+                                      </p:cBhvr>
+                                    </p:animEffect>
+                                  </p:childTnLst>
+                                </p:cTn>
+                              </p:par>
+                            </p:childTnLst>
+                          </p:cTn>
+                        </p:par>
+                      </p:childTnLst>
+                    </p:cTn>
+                  </p:par>
+                  <p:par>
+                    <p:cTn id="68" fill="hold">
+                      <p:stCondLst>
+                        <p:cond delay="indefinite"/>
+                      </p:stCondLst>
+                      <p:childTnLst>
+                        <p:par>
+                          <p:cTn id="69" fill="hold">
+                            <p:stCondLst>
+                              <p:cond delay="0"/>
+                            </p:stCondLst>
+                            <p:childTnLst>
+                              <p:par>
+                                <p:cTn id="70" presetID="10" presetClass="entr" presetSubtype="0" fill="hold" nodeType="clickEffect">
+                                  <p:stCondLst>
+                                    <p:cond delay="0"/>
+                                  </p:stCondLst>
+                                  <p:childTnLst>
+                                    <p:set>
+                                      <p:cBhvr>
+                                        <p:cTn id="71" dur="1" fill="hold">
+                                          <p:stCondLst>
+                                            <p:cond delay="0"/>
+                                          </p:stCondLst>
+                                        </p:cTn>
+                                        <p:tgtEl>
+                                          <p:spTgt spid="17"/>
+                                        </p:tgtEl>
+                                        <p:attrNameLst>
+                                          <p:attrName>style.visibility</p:attrName>
+                                        </p:attrNameLst>
+                                      </p:cBhvr>
+                                      <p:to>
+                                        <p:strVal val="visible"/>
+                                      </p:to>
+                                    </p:set>
+                                    <p:animEffect transition="in" filter="fade">
+                                      <p:cBhvr>
+                                        <p:cTn id="72" dur="500"/>
+                                        <p:tgtEl>
+                                          <p:spTgt spid="17"/>
+                                        </p:tgtEl>
+                                      </p:cBhvr>
+                                    </p:animEffect>
+                                  </p:childTnLst>
+                                </p:cTn>
+                              </p:par>
+                            </p:childTnLst>
+                          </p:cTn>
+                        </p:par>
+                      </p:childTnLst>
+                    </p:cTn>
+                  </p:par>
+                  <p:par>
+                    <p:cTn id="73" fill="hold">
+                      <p:stCondLst>
+                        <p:cond delay="indefinite"/>
+                      </p:stCondLst>
+                      <p:childTnLst>
+                        <p:par>
+                          <p:cTn id="74" fill="hold">
+                            <p:stCondLst>
+                              <p:cond delay="0"/>
+                            </p:stCondLst>
+                            <p:childTnLst>
+                              <p:par>
+                                <p:cTn id="75" presetID="10" presetClass="entr" presetSubtype="0" fill="hold" grpId="0" nodeType="clickEffect">
+                                  <p:stCondLst>
+                                    <p:cond delay="0"/>
+                                  </p:stCondLst>
+                                  <p:childTnLst>
+                                    <p:set>
+                                      <p:cBhvr>
+                                        <p:cTn id="76" dur="1" fill="hold">
+                                          <p:stCondLst>
+                                            <p:cond delay="0"/>
+                                          </p:stCondLst>
+                                        </p:cTn>
+                                        <p:tgtEl>
+                                          <p:spTgt spid="18"/>
+                                        </p:tgtEl>
+                                        <p:attrNameLst>
+                                          <p:attrName>style.visibility</p:attrName>
+                                        </p:attrNameLst>
+                                      </p:cBhvr>
+                                      <p:to>
+                                        <p:strVal val="visible"/>
+                                      </p:to>
+                                    </p:set>
+                                    <p:animEffect transition="in" filter="fade">
+                                      <p:cBhvr>
+                                        <p:cTn id="77" dur="500"/>
+                                        <p:tgtEl>
+                                          <p:spTgt spid="18"/>
+                                        </p:tgtEl>
+                                      </p:cBhvr>
+                                    </p:animEffect>
+                                  </p:childTnLst>
+                                </p:cTn>
+                              </p:par>
+                            </p:childTnLst>
+                          </p:cTn>
+                        </p:par>
+                      </p:childTnLst>
+                    </p:cTn>
+                  </p:par>
+                </p:childTnLst>
+              </p:cTn>
+              <p:prevCondLst>
+                <p:cond evt="onPrev" delay="0">
+                  <p:tgtEl>
+                    <p:sldTgt/>
+                  </p:tgtEl>
+                </p:cond>
+              </p:prevCondLst>
+              <p:nextCondLst>
+                <p:cond evt="onNext" delay="0">
+                  <p:tgtEl>
+                    <p:sldTgt/>
+                  </p:tgtEl>
+                </p:cond>
+              </p:nextCondLst>
+            </p:seq>
+          </p:childTnLst>
+        </p:cTn>
+      </p:par>
+    </p:tnLst>
+    <p:bldLst>
+      <p:bldP spid="5" grpId="0" animBg="1"/>
+      <p:bldP spid="7" grpId="0" animBg="1"/>
+      <p:bldP spid="8" grpId="0"/>
+      <p:bldP spid="9" grpId="0" animBg="1"/>
+      <p:bldP spid="10" grpId="0"/>
+      <p:bldP spid="11" grpId="0" animBg="1"/>
+      <p:bldP spid="12" grpId="0"/>
+      <p:bldP spid="14" grpId="0" animBg="1"/>
+      <p:bldP spid="15" grpId="0" animBg="1"/>
+      <p:bldP spid="18" grpId="0"/>
+      <p:bldP spid="21" grpId="0"/>
+    </p:bldLst>
+  </p:timing>
+</p:sld>
+</file>
+
+<file path=ppt/slides/slide17.xml><?xml version="1.0" encoding="utf-8"?>
+<p:sld xmlns:a="http://schemas.openxmlformats.org/drawingml/2006/main" xmlns:r="http://schemas.openxmlformats.org/officeDocument/2006/relationships" xmlns:p="http://schemas.openxmlformats.org/presentationml/2006/main">
+  <p:cSld>
+    <p:spTree>
+      <p:nvGrpSpPr>
+        <p:cNvPr id="1" name=""/>
+        <p:cNvGrpSpPr/>
+        <p:nvPr/>
+      </p:nvGrpSpPr>
+      <p:grpSpPr>
+        <a:xfrm>
+          <a:off x="0" y="0"/>
+          <a:ext cx="0" cy="0"/>
+          <a:chOff x="0" y="0"/>
+          <a:chExt cx="0" cy="0"/>
+        </a:xfrm>
+      </p:grpSpPr>
+      <p:sp>
+        <p:nvSpPr>
+          <p:cNvPr id="2" name="标题 1"/>
+          <p:cNvSpPr>
+            <a:spLocks noGrp="1"/>
+          </p:cNvSpPr>
+          <p:nvPr>
+            <p:ph type="title"/>
+          </p:nvPr>
+        </p:nvSpPr>
+        <p:spPr/>
+        <p:txBody>
+          <a:bodyPr/>
+          <a:lstStyle/>
+          <a:p>
+            <a:r>
+              <a:rPr lang="zh-CN" altLang="en-US" dirty="0" smtClean="0"/>
+              <a:t>嵌入图表</a:t>
+            </a:r>
+            <a:endParaRPr lang="zh-CN" altLang="en-US" dirty="0"/>
+          </a:p>
+        </p:txBody>
+      </p:sp>
+      <p:sp>
+        <p:nvSpPr>
+          <p:cNvPr id="3" name="内容占位符 2"/>
+          <p:cNvSpPr>
+            <a:spLocks noGrp="1"/>
+          </p:cNvSpPr>
+          <p:nvPr>
+            <p:ph idx="1"/>
+          </p:nvPr>
+        </p:nvSpPr>
+        <p:spPr/>
+        <p:txBody>
+          <a:bodyPr/>
+          <a:lstStyle/>
+          <a:p>
+            <a:r>
+              <a:rPr lang="zh-CN" altLang="en-US" dirty="0" smtClean="0"/>
+              <a:t>在移动图表或者拖动改变图表大小时，按住</a:t>
+            </a:r>
+            <a:r>
+              <a:rPr lang="en-US" altLang="zh-CN" dirty="0" smtClean="0"/>
+              <a:t>alt</a:t>
+            </a:r>
+            <a:r>
+              <a:rPr lang="zh-CN" altLang="en-US" dirty="0" smtClean="0"/>
+              <a:t>键，图表会自动吸附到单元格中，达到嵌入效果</a:t>
+            </a:r>
+            <a:endParaRPr lang="zh-CN" altLang="en-US" dirty="0"/>
+          </a:p>
+        </p:txBody>
+      </p:sp>
+    </p:spTree>
+    <p:extLst>
+      <p:ext uri="{BB962C8B-B14F-4D97-AF65-F5344CB8AC3E}">
+        <p14:creationId xmlns:p14="http://schemas.microsoft.com/office/powerpoint/2010/main" val="185803664"/>
+      </p:ext>
+    </p:extLst>
+  </p:cSld>
+  <p:clrMapOvr>
+    <a:masterClrMapping/>
+  </p:clrMapOvr>
+  <p:timing>
+    <p:tnLst>
+      <p:par>
+        <p:cTn id="1" dur="indefinite" restart="never" nodeType="tmRoot"/>
+      </p:par>
+    </p:tnLst>
+  </p:timing>
+</p:sld>
+</file>
+
 <file path=ppt/slides/slide18.xml><?xml version="1.0" encoding="utf-8"?>
 <p:sld xmlns:a="http://schemas.openxmlformats.org/drawingml/2006/main" xmlns:r="http://schemas.openxmlformats.org/officeDocument/2006/relationships" xmlns:p="http://schemas.openxmlformats.org/presentationml/2006/main">
   <p:cSld>
@@ -11003,6 +11015,13 @@
   <p:clrMapOvr>
     <a:masterClrMapping/>
   </p:clrMapOvr>
+  <p:timing>
+    <p:tnLst>
+      <p:par>
+        <p:cTn id="1" dur="indefinite" restart="never" nodeType="tmRoot"/>
+      </p:par>
+    </p:tnLst>
+  </p:timing>
 </p:sld>
 </file>
 
@@ -11953,7 +11972,11 @@
           <a:p>
             <a:r>
               <a:rPr lang="zh-CN" altLang="en-US" sz="2800" dirty="0" smtClean="0"/>
-              <a:t>借助数据透视表我们可以很简单的统计出产品的销售情况。</a:t>
+              <a:t>借助数据透视表我们可以很简单的统计出产品的销售</a:t>
+            </a:r>
+            <a:r>
+              <a:rPr lang="zh-CN" altLang="en-US" sz="2800" dirty="0" smtClean="0"/>
+              <a:t>情况，并做分析</a:t>
             </a:r>
             <a:endParaRPr lang="zh-CN" altLang="en-US" sz="2800" dirty="0"/>
           </a:p>
@@ -13939,6 +13962,99 @@
           </a:p>
         </p:txBody>
       </p:sp>
+      <p:sp>
+        <p:nvSpPr>
+          <p:cNvPr id="10" name="TextBox 9"/>
+          <p:cNvSpPr txBox="1"/>
+          <p:nvPr/>
+        </p:nvSpPr>
+        <p:spPr>
+          <a:xfrm>
+            <a:off x="7468109" y="4725144"/>
+            <a:ext cx="706867" cy="288000"/>
+          </a:xfrm>
+          <a:prstGeom prst="rect">
+            <a:avLst/>
+          </a:prstGeom>
+          <a:noFill/>
+          <a:ln w="22225">
+            <a:solidFill>
+              <a:srgbClr val="FF0000"/>
+            </a:solidFill>
+          </a:ln>
+        </p:spPr>
+        <p:txBody>
+          <a:bodyPr wrap="square" rtlCol="0">
+            <a:spAutoFit/>
+          </a:bodyPr>
+          <a:lstStyle/>
+          <a:p>
+            <a:endParaRPr lang="zh-CN" altLang="en-US" dirty="0"/>
+          </a:p>
+        </p:txBody>
+      </p:sp>
+      <p:sp>
+        <p:nvSpPr>
+          <p:cNvPr id="11" name="TextBox 10"/>
+          <p:cNvSpPr txBox="1"/>
+          <p:nvPr/>
+        </p:nvSpPr>
+        <p:spPr>
+          <a:xfrm>
+            <a:off x="8257621" y="4737177"/>
+            <a:ext cx="706867" cy="288000"/>
+          </a:xfrm>
+          <a:prstGeom prst="rect">
+            <a:avLst/>
+          </a:prstGeom>
+          <a:noFill/>
+          <a:ln w="22225">
+            <a:solidFill>
+              <a:srgbClr val="FF0000"/>
+            </a:solidFill>
+          </a:ln>
+        </p:spPr>
+        <p:txBody>
+          <a:bodyPr wrap="square" rtlCol="0">
+            <a:spAutoFit/>
+          </a:bodyPr>
+          <a:lstStyle/>
+          <a:p>
+            <a:endParaRPr lang="zh-CN" altLang="en-US" dirty="0"/>
+          </a:p>
+        </p:txBody>
+      </p:sp>
+      <p:sp>
+        <p:nvSpPr>
+          <p:cNvPr id="12" name="TextBox 11"/>
+          <p:cNvSpPr txBox="1"/>
+          <p:nvPr/>
+        </p:nvSpPr>
+        <p:spPr>
+          <a:xfrm>
+            <a:off x="7452320" y="3721409"/>
+            <a:ext cx="706867" cy="288000"/>
+          </a:xfrm>
+          <a:prstGeom prst="rect">
+            <a:avLst/>
+          </a:prstGeom>
+          <a:noFill/>
+          <a:ln w="22225">
+            <a:solidFill>
+              <a:srgbClr val="FF0000"/>
+            </a:solidFill>
+          </a:ln>
+        </p:spPr>
+        <p:txBody>
+          <a:bodyPr wrap="square" rtlCol="0">
+            <a:spAutoFit/>
+          </a:bodyPr>
+          <a:lstStyle/>
+          <a:p>
+            <a:endParaRPr lang="zh-CN" altLang="en-US" dirty="0"/>
+          </a:p>
+        </p:txBody>
+      </p:sp>
     </p:spTree>
     <p:extLst>
       <p:ext uri="{BB962C8B-B14F-4D97-AF65-F5344CB8AC3E}">
@@ -13952,9 +14068,831 @@
   <p:timing>
     <p:tnLst>
       <p:par>
-        <p:cTn id="1" dur="indefinite" restart="never" nodeType="tmRoot"/>
+        <p:cTn id="1" dur="indefinite" restart="never" nodeType="tmRoot">
+          <p:childTnLst>
+            <p:seq concurrent="1" nextAc="seek">
+              <p:cTn id="2" dur="indefinite" nodeType="mainSeq">
+                <p:childTnLst>
+                  <p:par>
+                    <p:cTn id="3" fill="hold">
+                      <p:stCondLst>
+                        <p:cond delay="indefinite"/>
+                      </p:stCondLst>
+                      <p:childTnLst>
+                        <p:par>
+                          <p:cTn id="4" fill="hold">
+                            <p:stCondLst>
+                              <p:cond delay="0"/>
+                            </p:stCondLst>
+                            <p:childTnLst>
+                              <p:par>
+                                <p:cTn id="5" presetID="10" presetClass="entr" presetSubtype="0" fill="hold" nodeType="clickEffect">
+                                  <p:stCondLst>
+                                    <p:cond delay="0"/>
+                                  </p:stCondLst>
+                                  <p:childTnLst>
+                                    <p:set>
+                                      <p:cBhvr>
+                                        <p:cTn id="6" dur="1" fill="hold">
+                                          <p:stCondLst>
+                                            <p:cond delay="0"/>
+                                          </p:stCondLst>
+                                        </p:cTn>
+                                        <p:tgtEl>
+                                          <p:spTgt spid="5"/>
+                                        </p:tgtEl>
+                                        <p:attrNameLst>
+                                          <p:attrName>style.visibility</p:attrName>
+                                        </p:attrNameLst>
+                                      </p:cBhvr>
+                                      <p:to>
+                                        <p:strVal val="visible"/>
+                                      </p:to>
+                                    </p:set>
+                                    <p:animEffect transition="in" filter="fade">
+                                      <p:cBhvr>
+                                        <p:cTn id="7" dur="500"/>
+                                        <p:tgtEl>
+                                          <p:spTgt spid="5"/>
+                                        </p:tgtEl>
+                                      </p:cBhvr>
+                                    </p:animEffect>
+                                  </p:childTnLst>
+                                </p:cTn>
+                              </p:par>
+                            </p:childTnLst>
+                          </p:cTn>
+                        </p:par>
+                      </p:childTnLst>
+                    </p:cTn>
+                  </p:par>
+                  <p:par>
+                    <p:cTn id="8" fill="hold">
+                      <p:stCondLst>
+                        <p:cond delay="indefinite"/>
+                      </p:stCondLst>
+                      <p:childTnLst>
+                        <p:par>
+                          <p:cTn id="9" fill="hold">
+                            <p:stCondLst>
+                              <p:cond delay="0"/>
+                            </p:stCondLst>
+                            <p:childTnLst>
+                              <p:par>
+                                <p:cTn id="10" presetID="10" presetClass="entr" presetSubtype="0" fill="hold" nodeType="clickEffect">
+                                  <p:stCondLst>
+                                    <p:cond delay="0"/>
+                                  </p:stCondLst>
+                                  <p:childTnLst>
+                                    <p:set>
+                                      <p:cBhvr>
+                                        <p:cTn id="11" dur="1" fill="hold">
+                                          <p:stCondLst>
+                                            <p:cond delay="0"/>
+                                          </p:stCondLst>
+                                        </p:cTn>
+                                        <p:tgtEl>
+                                          <p:spTgt spid="4"/>
+                                        </p:tgtEl>
+                                        <p:attrNameLst>
+                                          <p:attrName>style.visibility</p:attrName>
+                                        </p:attrNameLst>
+                                      </p:cBhvr>
+                                      <p:to>
+                                        <p:strVal val="visible"/>
+                                      </p:to>
+                                    </p:set>
+                                    <p:animEffect transition="in" filter="fade">
+                                      <p:cBhvr>
+                                        <p:cTn id="12" dur="500"/>
+                                        <p:tgtEl>
+                                          <p:spTgt spid="4"/>
+                                        </p:tgtEl>
+                                      </p:cBhvr>
+                                    </p:animEffect>
+                                  </p:childTnLst>
+                                </p:cTn>
+                              </p:par>
+                            </p:childTnLst>
+                          </p:cTn>
+                        </p:par>
+                      </p:childTnLst>
+                    </p:cTn>
+                  </p:par>
+                  <p:par>
+                    <p:cTn id="13" fill="hold">
+                      <p:stCondLst>
+                        <p:cond delay="indefinite"/>
+                      </p:stCondLst>
+                      <p:childTnLst>
+                        <p:par>
+                          <p:cTn id="14" fill="hold">
+                            <p:stCondLst>
+                              <p:cond delay="0"/>
+                            </p:stCondLst>
+                            <p:childTnLst>
+                              <p:par>
+                                <p:cTn id="15" presetID="10" presetClass="entr" presetSubtype="0" fill="hold" grpId="0" nodeType="clickEffect">
+                                  <p:stCondLst>
+                                    <p:cond delay="0"/>
+                                  </p:stCondLst>
+                                  <p:childTnLst>
+                                    <p:set>
+                                      <p:cBhvr>
+                                        <p:cTn id="16" dur="1" fill="hold">
+                                          <p:stCondLst>
+                                            <p:cond delay="0"/>
+                                          </p:stCondLst>
+                                        </p:cTn>
+                                        <p:tgtEl>
+                                          <p:spTgt spid="6">
+                                            <p:txEl>
+                                              <p:pRg st="0" end="0"/>
+                                            </p:txEl>
+                                          </p:spTgt>
+                                        </p:tgtEl>
+                                        <p:attrNameLst>
+                                          <p:attrName>style.visibility</p:attrName>
+                                        </p:attrNameLst>
+                                      </p:cBhvr>
+                                      <p:to>
+                                        <p:strVal val="visible"/>
+                                      </p:to>
+                                    </p:set>
+                                    <p:animEffect transition="in" filter="fade">
+                                      <p:cBhvr>
+                                        <p:cTn id="17" dur="500"/>
+                                        <p:tgtEl>
+                                          <p:spTgt spid="6">
+                                            <p:txEl>
+                                              <p:pRg st="0" end="0"/>
+                                            </p:txEl>
+                                          </p:spTgt>
+                                        </p:tgtEl>
+                                      </p:cBhvr>
+                                    </p:animEffect>
+                                  </p:childTnLst>
+                                </p:cTn>
+                              </p:par>
+                            </p:childTnLst>
+                          </p:cTn>
+                        </p:par>
+                      </p:childTnLst>
+                    </p:cTn>
+                  </p:par>
+                  <p:par>
+                    <p:cTn id="18" fill="hold">
+                      <p:stCondLst>
+                        <p:cond delay="indefinite"/>
+                      </p:stCondLst>
+                      <p:childTnLst>
+                        <p:par>
+                          <p:cTn id="19" fill="hold">
+                            <p:stCondLst>
+                              <p:cond delay="0"/>
+                            </p:stCondLst>
+                            <p:childTnLst>
+                              <p:par>
+                                <p:cTn id="20" presetID="10" presetClass="entr" presetSubtype="0" fill="hold" grpId="0" nodeType="clickEffect">
+                                  <p:stCondLst>
+                                    <p:cond delay="0"/>
+                                  </p:stCondLst>
+                                  <p:childTnLst>
+                                    <p:set>
+                                      <p:cBhvr>
+                                        <p:cTn id="21" dur="1" fill="hold">
+                                          <p:stCondLst>
+                                            <p:cond delay="0"/>
+                                          </p:stCondLst>
+                                        </p:cTn>
+                                        <p:tgtEl>
+                                          <p:spTgt spid="7"/>
+                                        </p:tgtEl>
+                                        <p:attrNameLst>
+                                          <p:attrName>style.visibility</p:attrName>
+                                        </p:attrNameLst>
+                                      </p:cBhvr>
+                                      <p:to>
+                                        <p:strVal val="visible"/>
+                                      </p:to>
+                                    </p:set>
+                                    <p:animEffect transition="in" filter="fade">
+                                      <p:cBhvr>
+                                        <p:cTn id="22" dur="500"/>
+                                        <p:tgtEl>
+                                          <p:spTgt spid="7"/>
+                                        </p:tgtEl>
+                                      </p:cBhvr>
+                                    </p:animEffect>
+                                  </p:childTnLst>
+                                </p:cTn>
+                              </p:par>
+                            </p:childTnLst>
+                          </p:cTn>
+                        </p:par>
+                      </p:childTnLst>
+                    </p:cTn>
+                  </p:par>
+                  <p:par>
+                    <p:cTn id="23" fill="hold">
+                      <p:stCondLst>
+                        <p:cond delay="indefinite"/>
+                      </p:stCondLst>
+                      <p:childTnLst>
+                        <p:par>
+                          <p:cTn id="24" fill="hold">
+                            <p:stCondLst>
+                              <p:cond delay="0"/>
+                            </p:stCondLst>
+                            <p:childTnLst>
+                              <p:par>
+                                <p:cTn id="25" presetID="10" presetClass="entr" presetSubtype="0" fill="hold" grpId="0" nodeType="clickEffect">
+                                  <p:stCondLst>
+                                    <p:cond delay="0"/>
+                                  </p:stCondLst>
+                                  <p:childTnLst>
+                                    <p:set>
+                                      <p:cBhvr>
+                                        <p:cTn id="26" dur="1" fill="hold">
+                                          <p:stCondLst>
+                                            <p:cond delay="0"/>
+                                          </p:stCondLst>
+                                        </p:cTn>
+                                        <p:tgtEl>
+                                          <p:spTgt spid="8"/>
+                                        </p:tgtEl>
+                                        <p:attrNameLst>
+                                          <p:attrName>style.visibility</p:attrName>
+                                        </p:attrNameLst>
+                                      </p:cBhvr>
+                                      <p:to>
+                                        <p:strVal val="visible"/>
+                                      </p:to>
+                                    </p:set>
+                                    <p:animEffect transition="in" filter="fade">
+                                      <p:cBhvr>
+                                        <p:cTn id="27" dur="500"/>
+                                        <p:tgtEl>
+                                          <p:spTgt spid="8"/>
+                                        </p:tgtEl>
+                                      </p:cBhvr>
+                                    </p:animEffect>
+                                  </p:childTnLst>
+                                </p:cTn>
+                              </p:par>
+                            </p:childTnLst>
+                          </p:cTn>
+                        </p:par>
+                      </p:childTnLst>
+                    </p:cTn>
+                  </p:par>
+                  <p:par>
+                    <p:cTn id="28" fill="hold">
+                      <p:stCondLst>
+                        <p:cond delay="indefinite"/>
+                      </p:stCondLst>
+                      <p:childTnLst>
+                        <p:par>
+                          <p:cTn id="29" fill="hold">
+                            <p:stCondLst>
+                              <p:cond delay="0"/>
+                            </p:stCondLst>
+                            <p:childTnLst>
+                              <p:par>
+                                <p:cTn id="30" presetID="10" presetClass="entr" presetSubtype="0" fill="hold" grpId="0" nodeType="clickEffect">
+                                  <p:stCondLst>
+                                    <p:cond delay="0"/>
+                                  </p:stCondLst>
+                                  <p:childTnLst>
+                                    <p:set>
+                                      <p:cBhvr>
+                                        <p:cTn id="31" dur="1" fill="hold">
+                                          <p:stCondLst>
+                                            <p:cond delay="0"/>
+                                          </p:stCondLst>
+                                        </p:cTn>
+                                        <p:tgtEl>
+                                          <p:spTgt spid="6">
+                                            <p:txEl>
+                                              <p:pRg st="1" end="1"/>
+                                            </p:txEl>
+                                          </p:spTgt>
+                                        </p:tgtEl>
+                                        <p:attrNameLst>
+                                          <p:attrName>style.visibility</p:attrName>
+                                        </p:attrNameLst>
+                                      </p:cBhvr>
+                                      <p:to>
+                                        <p:strVal val="visible"/>
+                                      </p:to>
+                                    </p:set>
+                                    <p:animEffect transition="in" filter="fade">
+                                      <p:cBhvr>
+                                        <p:cTn id="32" dur="500"/>
+                                        <p:tgtEl>
+                                          <p:spTgt spid="6">
+                                            <p:txEl>
+                                              <p:pRg st="1" end="1"/>
+                                            </p:txEl>
+                                          </p:spTgt>
+                                        </p:tgtEl>
+                                      </p:cBhvr>
+                                    </p:animEffect>
+                                  </p:childTnLst>
+                                </p:cTn>
+                              </p:par>
+                            </p:childTnLst>
+                          </p:cTn>
+                        </p:par>
+                      </p:childTnLst>
+                    </p:cTn>
+                  </p:par>
+                  <p:par>
+                    <p:cTn id="33" fill="hold">
+                      <p:stCondLst>
+                        <p:cond delay="indefinite"/>
+                      </p:stCondLst>
+                      <p:childTnLst>
+                        <p:par>
+                          <p:cTn id="34" fill="hold">
+                            <p:stCondLst>
+                              <p:cond delay="0"/>
+                            </p:stCondLst>
+                            <p:childTnLst>
+                              <p:par>
+                                <p:cTn id="35" presetID="10" presetClass="entr" presetSubtype="0" fill="hold" grpId="0" nodeType="clickEffect">
+                                  <p:stCondLst>
+                                    <p:cond delay="0"/>
+                                  </p:stCondLst>
+                                  <p:childTnLst>
+                                    <p:set>
+                                      <p:cBhvr>
+                                        <p:cTn id="36" dur="1" fill="hold">
+                                          <p:stCondLst>
+                                            <p:cond delay="0"/>
+                                          </p:stCondLst>
+                                        </p:cTn>
+                                        <p:tgtEl>
+                                          <p:spTgt spid="6">
+                                            <p:txEl>
+                                              <p:pRg st="2" end="2"/>
+                                            </p:txEl>
+                                          </p:spTgt>
+                                        </p:tgtEl>
+                                        <p:attrNameLst>
+                                          <p:attrName>style.visibility</p:attrName>
+                                        </p:attrNameLst>
+                                      </p:cBhvr>
+                                      <p:to>
+                                        <p:strVal val="visible"/>
+                                      </p:to>
+                                    </p:set>
+                                    <p:animEffect transition="in" filter="fade">
+                                      <p:cBhvr>
+                                        <p:cTn id="37" dur="500"/>
+                                        <p:tgtEl>
+                                          <p:spTgt spid="6">
+                                            <p:txEl>
+                                              <p:pRg st="2" end="2"/>
+                                            </p:txEl>
+                                          </p:spTgt>
+                                        </p:tgtEl>
+                                      </p:cBhvr>
+                                    </p:animEffect>
+                                  </p:childTnLst>
+                                </p:cTn>
+                              </p:par>
+                            </p:childTnLst>
+                          </p:cTn>
+                        </p:par>
+                      </p:childTnLst>
+                    </p:cTn>
+                  </p:par>
+                  <p:par>
+                    <p:cTn id="38" fill="hold">
+                      <p:stCondLst>
+                        <p:cond delay="indefinite"/>
+                      </p:stCondLst>
+                      <p:childTnLst>
+                        <p:par>
+                          <p:cTn id="39" fill="hold">
+                            <p:stCondLst>
+                              <p:cond delay="0"/>
+                            </p:stCondLst>
+                            <p:childTnLst>
+                              <p:par>
+                                <p:cTn id="40" presetID="10" presetClass="entr" presetSubtype="0" fill="hold" grpId="0" nodeType="clickEffect">
+                                  <p:stCondLst>
+                                    <p:cond delay="0"/>
+                                  </p:stCondLst>
+                                  <p:childTnLst>
+                                    <p:set>
+                                      <p:cBhvr>
+                                        <p:cTn id="41" dur="1" fill="hold">
+                                          <p:stCondLst>
+                                            <p:cond delay="0"/>
+                                          </p:stCondLst>
+                                        </p:cTn>
+                                        <p:tgtEl>
+                                          <p:spTgt spid="9"/>
+                                        </p:tgtEl>
+                                        <p:attrNameLst>
+                                          <p:attrName>style.visibility</p:attrName>
+                                        </p:attrNameLst>
+                                      </p:cBhvr>
+                                      <p:to>
+                                        <p:strVal val="visible"/>
+                                      </p:to>
+                                    </p:set>
+                                    <p:animEffect transition="in" filter="fade">
+                                      <p:cBhvr>
+                                        <p:cTn id="42" dur="500"/>
+                                        <p:tgtEl>
+                                          <p:spTgt spid="9"/>
+                                        </p:tgtEl>
+                                      </p:cBhvr>
+                                    </p:animEffect>
+                                  </p:childTnLst>
+                                </p:cTn>
+                              </p:par>
+                            </p:childTnLst>
+                          </p:cTn>
+                        </p:par>
+                      </p:childTnLst>
+                    </p:cTn>
+                  </p:par>
+                  <p:par>
+                    <p:cTn id="43" fill="hold">
+                      <p:stCondLst>
+                        <p:cond delay="indefinite"/>
+                      </p:stCondLst>
+                      <p:childTnLst>
+                        <p:par>
+                          <p:cTn id="44" fill="hold">
+                            <p:stCondLst>
+                              <p:cond delay="0"/>
+                            </p:stCondLst>
+                            <p:childTnLst>
+                              <p:par>
+                                <p:cTn id="45" presetID="10" presetClass="entr" presetSubtype="0" fill="hold" grpId="0" nodeType="clickEffect">
+                                  <p:stCondLst>
+                                    <p:cond delay="0"/>
+                                  </p:stCondLst>
+                                  <p:childTnLst>
+                                    <p:set>
+                                      <p:cBhvr>
+                                        <p:cTn id="46" dur="1" fill="hold">
+                                          <p:stCondLst>
+                                            <p:cond delay="0"/>
+                                          </p:stCondLst>
+                                        </p:cTn>
+                                        <p:tgtEl>
+                                          <p:spTgt spid="6">
+                                            <p:txEl>
+                                              <p:pRg st="3" end="3"/>
+                                            </p:txEl>
+                                          </p:spTgt>
+                                        </p:tgtEl>
+                                        <p:attrNameLst>
+                                          <p:attrName>style.visibility</p:attrName>
+                                        </p:attrNameLst>
+                                      </p:cBhvr>
+                                      <p:to>
+                                        <p:strVal val="visible"/>
+                                      </p:to>
+                                    </p:set>
+                                    <p:animEffect transition="in" filter="fade">
+                                      <p:cBhvr>
+                                        <p:cTn id="47" dur="500"/>
+                                        <p:tgtEl>
+                                          <p:spTgt spid="6">
+                                            <p:txEl>
+                                              <p:pRg st="3" end="3"/>
+                                            </p:txEl>
+                                          </p:spTgt>
+                                        </p:tgtEl>
+                                      </p:cBhvr>
+                                    </p:animEffect>
+                                  </p:childTnLst>
+                                </p:cTn>
+                              </p:par>
+                            </p:childTnLst>
+                          </p:cTn>
+                        </p:par>
+                      </p:childTnLst>
+                    </p:cTn>
+                  </p:par>
+                  <p:par>
+                    <p:cTn id="48" fill="hold">
+                      <p:stCondLst>
+                        <p:cond delay="indefinite"/>
+                      </p:stCondLst>
+                      <p:childTnLst>
+                        <p:par>
+                          <p:cTn id="49" fill="hold">
+                            <p:stCondLst>
+                              <p:cond delay="0"/>
+                            </p:stCondLst>
+                            <p:childTnLst>
+                              <p:par>
+                                <p:cTn id="50" presetID="10" presetClass="entr" presetSubtype="0" fill="hold" grpId="0" nodeType="clickEffect">
+                                  <p:stCondLst>
+                                    <p:cond delay="0"/>
+                                  </p:stCondLst>
+                                  <p:childTnLst>
+                                    <p:set>
+                                      <p:cBhvr>
+                                        <p:cTn id="51" dur="1" fill="hold">
+                                          <p:stCondLst>
+                                            <p:cond delay="0"/>
+                                          </p:stCondLst>
+                                        </p:cTn>
+                                        <p:tgtEl>
+                                          <p:spTgt spid="10"/>
+                                        </p:tgtEl>
+                                        <p:attrNameLst>
+                                          <p:attrName>style.visibility</p:attrName>
+                                        </p:attrNameLst>
+                                      </p:cBhvr>
+                                      <p:to>
+                                        <p:strVal val="visible"/>
+                                      </p:to>
+                                    </p:set>
+                                    <p:animEffect transition="in" filter="fade">
+                                      <p:cBhvr>
+                                        <p:cTn id="52" dur="500"/>
+                                        <p:tgtEl>
+                                          <p:spTgt spid="10"/>
+                                        </p:tgtEl>
+                                      </p:cBhvr>
+                                    </p:animEffect>
+                                  </p:childTnLst>
+                                </p:cTn>
+                              </p:par>
+                            </p:childTnLst>
+                          </p:cTn>
+                        </p:par>
+                      </p:childTnLst>
+                    </p:cTn>
+                  </p:par>
+                  <p:par>
+                    <p:cTn id="53" fill="hold">
+                      <p:stCondLst>
+                        <p:cond delay="indefinite"/>
+                      </p:stCondLst>
+                      <p:childTnLst>
+                        <p:par>
+                          <p:cTn id="54" fill="hold">
+                            <p:stCondLst>
+                              <p:cond delay="0"/>
+                            </p:stCondLst>
+                            <p:childTnLst>
+                              <p:par>
+                                <p:cTn id="55" presetID="10" presetClass="entr" presetSubtype="0" fill="hold" grpId="0" nodeType="clickEffect">
+                                  <p:stCondLst>
+                                    <p:cond delay="0"/>
+                                  </p:stCondLst>
+                                  <p:childTnLst>
+                                    <p:set>
+                                      <p:cBhvr>
+                                        <p:cTn id="56" dur="1" fill="hold">
+                                          <p:stCondLst>
+                                            <p:cond delay="0"/>
+                                          </p:stCondLst>
+                                        </p:cTn>
+                                        <p:tgtEl>
+                                          <p:spTgt spid="6">
+                                            <p:txEl>
+                                              <p:pRg st="4" end="4"/>
+                                            </p:txEl>
+                                          </p:spTgt>
+                                        </p:tgtEl>
+                                        <p:attrNameLst>
+                                          <p:attrName>style.visibility</p:attrName>
+                                        </p:attrNameLst>
+                                      </p:cBhvr>
+                                      <p:to>
+                                        <p:strVal val="visible"/>
+                                      </p:to>
+                                    </p:set>
+                                    <p:animEffect transition="in" filter="fade">
+                                      <p:cBhvr>
+                                        <p:cTn id="57" dur="500"/>
+                                        <p:tgtEl>
+                                          <p:spTgt spid="6">
+                                            <p:txEl>
+                                              <p:pRg st="4" end="4"/>
+                                            </p:txEl>
+                                          </p:spTgt>
+                                        </p:tgtEl>
+                                      </p:cBhvr>
+                                    </p:animEffect>
+                                  </p:childTnLst>
+                                </p:cTn>
+                              </p:par>
+                            </p:childTnLst>
+                          </p:cTn>
+                        </p:par>
+                      </p:childTnLst>
+                    </p:cTn>
+                  </p:par>
+                  <p:par>
+                    <p:cTn id="58" fill="hold">
+                      <p:stCondLst>
+                        <p:cond delay="indefinite"/>
+                      </p:stCondLst>
+                      <p:childTnLst>
+                        <p:par>
+                          <p:cTn id="59" fill="hold">
+                            <p:stCondLst>
+                              <p:cond delay="0"/>
+                            </p:stCondLst>
+                            <p:childTnLst>
+                              <p:par>
+                                <p:cTn id="60" presetID="10" presetClass="entr" presetSubtype="0" fill="hold" grpId="0" nodeType="clickEffect">
+                                  <p:stCondLst>
+                                    <p:cond delay="0"/>
+                                  </p:stCondLst>
+                                  <p:childTnLst>
+                                    <p:set>
+                                      <p:cBhvr>
+                                        <p:cTn id="61" dur="1" fill="hold">
+                                          <p:stCondLst>
+                                            <p:cond delay="0"/>
+                                          </p:stCondLst>
+                                        </p:cTn>
+                                        <p:tgtEl>
+                                          <p:spTgt spid="11"/>
+                                        </p:tgtEl>
+                                        <p:attrNameLst>
+                                          <p:attrName>style.visibility</p:attrName>
+                                        </p:attrNameLst>
+                                      </p:cBhvr>
+                                      <p:to>
+                                        <p:strVal val="visible"/>
+                                      </p:to>
+                                    </p:set>
+                                    <p:animEffect transition="in" filter="fade">
+                                      <p:cBhvr>
+                                        <p:cTn id="62" dur="500"/>
+                                        <p:tgtEl>
+                                          <p:spTgt spid="11"/>
+                                        </p:tgtEl>
+                                      </p:cBhvr>
+                                    </p:animEffect>
+                                  </p:childTnLst>
+                                </p:cTn>
+                              </p:par>
+                            </p:childTnLst>
+                          </p:cTn>
+                        </p:par>
+                      </p:childTnLst>
+                    </p:cTn>
+                  </p:par>
+                  <p:par>
+                    <p:cTn id="63" fill="hold">
+                      <p:stCondLst>
+                        <p:cond delay="indefinite"/>
+                      </p:stCondLst>
+                      <p:childTnLst>
+                        <p:par>
+                          <p:cTn id="64" fill="hold">
+                            <p:stCondLst>
+                              <p:cond delay="0"/>
+                            </p:stCondLst>
+                            <p:childTnLst>
+                              <p:par>
+                                <p:cTn id="65" presetID="10" presetClass="entr" presetSubtype="0" fill="hold" grpId="0" nodeType="clickEffect">
+                                  <p:stCondLst>
+                                    <p:cond delay="0"/>
+                                  </p:stCondLst>
+                                  <p:childTnLst>
+                                    <p:set>
+                                      <p:cBhvr>
+                                        <p:cTn id="66" dur="1" fill="hold">
+                                          <p:stCondLst>
+                                            <p:cond delay="0"/>
+                                          </p:stCondLst>
+                                        </p:cTn>
+                                        <p:tgtEl>
+                                          <p:spTgt spid="6">
+                                            <p:txEl>
+                                              <p:pRg st="5" end="5"/>
+                                            </p:txEl>
+                                          </p:spTgt>
+                                        </p:tgtEl>
+                                        <p:attrNameLst>
+                                          <p:attrName>style.visibility</p:attrName>
+                                        </p:attrNameLst>
+                                      </p:cBhvr>
+                                      <p:to>
+                                        <p:strVal val="visible"/>
+                                      </p:to>
+                                    </p:set>
+                                    <p:animEffect transition="in" filter="fade">
+                                      <p:cBhvr>
+                                        <p:cTn id="67" dur="500"/>
+                                        <p:tgtEl>
+                                          <p:spTgt spid="6">
+                                            <p:txEl>
+                                              <p:pRg st="5" end="5"/>
+                                            </p:txEl>
+                                          </p:spTgt>
+                                        </p:tgtEl>
+                                      </p:cBhvr>
+                                    </p:animEffect>
+                                  </p:childTnLst>
+                                </p:cTn>
+                              </p:par>
+                            </p:childTnLst>
+                          </p:cTn>
+                        </p:par>
+                      </p:childTnLst>
+                    </p:cTn>
+                  </p:par>
+                  <p:par>
+                    <p:cTn id="68" fill="hold">
+                      <p:stCondLst>
+                        <p:cond delay="indefinite"/>
+                      </p:stCondLst>
+                      <p:childTnLst>
+                        <p:par>
+                          <p:cTn id="69" fill="hold">
+                            <p:stCondLst>
+                              <p:cond delay="0"/>
+                            </p:stCondLst>
+                            <p:childTnLst>
+                              <p:par>
+                                <p:cTn id="70" presetID="10" presetClass="entr" presetSubtype="0" fill="hold" grpId="0" nodeType="clickEffect">
+                                  <p:stCondLst>
+                                    <p:cond delay="0"/>
+                                  </p:stCondLst>
+                                  <p:childTnLst>
+                                    <p:set>
+                                      <p:cBhvr>
+                                        <p:cTn id="71" dur="1" fill="hold">
+                                          <p:stCondLst>
+                                            <p:cond delay="0"/>
+                                          </p:stCondLst>
+                                        </p:cTn>
+                                        <p:tgtEl>
+                                          <p:spTgt spid="12"/>
+                                        </p:tgtEl>
+                                        <p:attrNameLst>
+                                          <p:attrName>style.visibility</p:attrName>
+                                        </p:attrNameLst>
+                                      </p:cBhvr>
+                                      <p:to>
+                                        <p:strVal val="visible"/>
+                                      </p:to>
+                                    </p:set>
+                                    <p:animEffect transition="in" filter="fade">
+                                      <p:cBhvr>
+                                        <p:cTn id="72" dur="500"/>
+                                        <p:tgtEl>
+                                          <p:spTgt spid="12"/>
+                                        </p:tgtEl>
+                                      </p:cBhvr>
+                                    </p:animEffect>
+                                  </p:childTnLst>
+                                </p:cTn>
+                              </p:par>
+                            </p:childTnLst>
+                          </p:cTn>
+                        </p:par>
+                      </p:childTnLst>
+                    </p:cTn>
+                  </p:par>
+                </p:childTnLst>
+              </p:cTn>
+              <p:prevCondLst>
+                <p:cond evt="onPrev" delay="0">
+                  <p:tgtEl>
+                    <p:sldTgt/>
+                  </p:tgtEl>
+                </p:cond>
+              </p:prevCondLst>
+              <p:nextCondLst>
+                <p:cond evt="onNext" delay="0">
+                  <p:tgtEl>
+                    <p:sldTgt/>
+                  </p:tgtEl>
+                </p:cond>
+              </p:nextCondLst>
+            </p:seq>
+          </p:childTnLst>
+        </p:cTn>
       </p:par>
     </p:tnLst>
+    <p:bldLst>
+      <p:bldP spid="6" grpId="0" uiExpand="1" build="p"/>
+      <p:bldP spid="7" grpId="0" animBg="1"/>
+      <p:bldP spid="8" grpId="0" animBg="1"/>
+      <p:bldP spid="9" grpId="0" animBg="1"/>
+      <p:bldP spid="10" grpId="0" animBg="1"/>
+      <p:bldP spid="11" grpId="0" animBg="1"/>
+      <p:bldP spid="12" grpId="0" animBg="1"/>
+    </p:bldLst>
   </p:timing>
 </p:sld>
 </file>
